--- a/lecture_notes/class_notes_2_python.pptx
+++ b/lecture_notes/class_notes_2_python.pptx
@@ -197,8762 +197,6 @@
     <p1510:client id="{13895214-8276-F4B1-DC83-7D8820E50981}" v="1" dt="2018-09-04T11:11:42.008"/>
   </p1510:revLst>
 </p1510:revInfo>
-</file>
-
-<file path=ppt/changesInfos/changesInfo1.xml><?xml version="1.0" encoding="utf-8"?>
-<pc:chgInfo xmlns:a="http://schemas.openxmlformats.org/drawingml/2006/main" xmlns:r="http://schemas.openxmlformats.org/officeDocument/2006/relationships" xmlns:ac="http://schemas.microsoft.com/office/drawing/2013/main/command" xmlns:pc="http://schemas.microsoft.com/office/powerpoint/2013/main/command">
-  <pc:docChgLst>
-    <pc:chgData name="Benjamin Payne" userId="S::benpayne@umbc.edu::b61ff11c-ba68-49af-b001-f9f234a6aca3" providerId="AD" clId="Web-{B47001B4-EBB2-09AB-39CD-EBDCD2AD4BB1}"/>
-    <pc:docChg chg="addSld modSld">
-      <pc:chgData name="Benjamin Payne" userId="S::benpayne@umbc.edu::b61ff11c-ba68-49af-b001-f9f234a6aca3" providerId="AD" clId="Web-{B47001B4-EBB2-09AB-39CD-EBDCD2AD4BB1}" dt="2018-08-24T01:57:18.292" v="167" actId="20577"/>
-      <pc:docMkLst>
-        <pc:docMk/>
-      </pc:docMkLst>
-      <pc:sldChg chg="modSp new">
-        <pc:chgData name="Benjamin Payne" userId="S::benpayne@umbc.edu::b61ff11c-ba68-49af-b001-f9f234a6aca3" providerId="AD" clId="Web-{B47001B4-EBB2-09AB-39CD-EBDCD2AD4BB1}" dt="2018-08-24T01:48:03.024" v="120" actId="20577"/>
-        <pc:sldMkLst>
-          <pc:docMk/>
-          <pc:sldMk cId="345678624" sldId="264"/>
-        </pc:sldMkLst>
-        <pc:spChg chg="mod">
-          <ac:chgData name="Benjamin Payne" userId="S::benpayne@umbc.edu::b61ff11c-ba68-49af-b001-f9f234a6aca3" providerId="AD" clId="Web-{B47001B4-EBB2-09AB-39CD-EBDCD2AD4BB1}" dt="2018-08-24T01:36:39.171" v="29" actId="20577"/>
-          <ac:spMkLst>
-            <pc:docMk/>
-            <pc:sldMk cId="345678624" sldId="264"/>
-            <ac:spMk id="2" creationId="{3E9832BB-0B87-4A12-A6B6-3936A91BA5F8}"/>
-          </ac:spMkLst>
-        </pc:spChg>
-        <pc:spChg chg="mod">
-          <ac:chgData name="Benjamin Payne" userId="S::benpayne@umbc.edu::b61ff11c-ba68-49af-b001-f9f234a6aca3" providerId="AD" clId="Web-{B47001B4-EBB2-09AB-39CD-EBDCD2AD4BB1}" dt="2018-08-24T01:48:03.024" v="120" actId="20577"/>
-          <ac:spMkLst>
-            <pc:docMk/>
-            <pc:sldMk cId="345678624" sldId="264"/>
-            <ac:spMk id="3" creationId="{7521322D-3F2A-42B7-B8DD-7DB8778D4CD3}"/>
-          </ac:spMkLst>
-        </pc:spChg>
-      </pc:sldChg>
-      <pc:sldChg chg="modSp new">
-        <pc:chgData name="Benjamin Payne" userId="S::benpayne@umbc.edu::b61ff11c-ba68-49af-b001-f9f234a6aca3" providerId="AD" clId="Web-{B47001B4-EBB2-09AB-39CD-EBDCD2AD4BB1}" dt="2018-08-24T01:48:24.228" v="133" actId="20577"/>
-        <pc:sldMkLst>
-          <pc:docMk/>
-          <pc:sldMk cId="529933260" sldId="265"/>
-        </pc:sldMkLst>
-        <pc:spChg chg="mod">
-          <ac:chgData name="Benjamin Payne" userId="S::benpayne@umbc.edu::b61ff11c-ba68-49af-b001-f9f234a6aca3" providerId="AD" clId="Web-{B47001B4-EBB2-09AB-39CD-EBDCD2AD4BB1}" dt="2018-08-24T01:48:24.228" v="133" actId="20577"/>
-          <ac:spMkLst>
-            <pc:docMk/>
-            <pc:sldMk cId="529933260" sldId="265"/>
-            <ac:spMk id="2" creationId="{A1EDBFDC-4FFB-4E1A-A33B-9268E0E65550}"/>
-          </ac:spMkLst>
-        </pc:spChg>
-      </pc:sldChg>
-      <pc:sldChg chg="modSp new">
-        <pc:chgData name="Benjamin Payne" userId="S::benpayne@umbc.edu::b61ff11c-ba68-49af-b001-f9f234a6aca3" providerId="AD" clId="Web-{B47001B4-EBB2-09AB-39CD-EBDCD2AD4BB1}" dt="2018-08-24T01:57:15.386" v="165" actId="20577"/>
-        <pc:sldMkLst>
-          <pc:docMk/>
-          <pc:sldMk cId="2631658036" sldId="266"/>
-        </pc:sldMkLst>
-        <pc:spChg chg="mod">
-          <ac:chgData name="Benjamin Payne" userId="S::benpayne@umbc.edu::b61ff11c-ba68-49af-b001-f9f234a6aca3" providerId="AD" clId="Web-{B47001B4-EBB2-09AB-39CD-EBDCD2AD4BB1}" dt="2018-08-24T01:56:34.369" v="145" actId="20577"/>
-          <ac:spMkLst>
-            <pc:docMk/>
-            <pc:sldMk cId="2631658036" sldId="266"/>
-            <ac:spMk id="2" creationId="{F037669B-3143-4F2B-B1D8-0A469ACAEE9D}"/>
-          </ac:spMkLst>
-        </pc:spChg>
-        <pc:spChg chg="mod">
-          <ac:chgData name="Benjamin Payne" userId="S::benpayne@umbc.edu::b61ff11c-ba68-49af-b001-f9f234a6aca3" providerId="AD" clId="Web-{B47001B4-EBB2-09AB-39CD-EBDCD2AD4BB1}" dt="2018-08-24T01:57:15.386" v="165" actId="20577"/>
-          <ac:spMkLst>
-            <pc:docMk/>
-            <pc:sldMk cId="2631658036" sldId="266"/>
-            <ac:spMk id="3" creationId="{60B7C8A4-2196-4CA2-A0E8-0C858763468D}"/>
-          </ac:spMkLst>
-        </pc:spChg>
-      </pc:sldChg>
-    </pc:docChg>
-  </pc:docChgLst>
-  <pc:docChgLst>
-    <pc:chgData name="Benjamin Payne" userId="S::benpayne@umbc.edu::b61ff11c-ba68-49af-b001-f9f234a6aca3" providerId="AD" clId="Web-{4704225E-DB5D-C323-C003-50201A7F4364}"/>
-    <pc:docChg chg="addSld modSld">
-      <pc:chgData name="Benjamin Payne" userId="S::benpayne@umbc.edu::b61ff11c-ba68-49af-b001-f9f234a6aca3" providerId="AD" clId="Web-{4704225E-DB5D-C323-C003-50201A7F4364}" dt="2018-08-25T16:01:58.205" v="214" actId="20577"/>
-      <pc:docMkLst>
-        <pc:docMk/>
-      </pc:docMkLst>
-      <pc:sldChg chg="modSp">
-        <pc:chgData name="Benjamin Payne" userId="S::benpayne@umbc.edu::b61ff11c-ba68-49af-b001-f9f234a6aca3" providerId="AD" clId="Web-{4704225E-DB5D-C323-C003-50201A7F4364}" dt="2018-08-25T15:52:39.994" v="82" actId="20577"/>
-        <pc:sldMkLst>
-          <pc:docMk/>
-          <pc:sldMk cId="3393807459" sldId="258"/>
-        </pc:sldMkLst>
-        <pc:spChg chg="mod">
-          <ac:chgData name="Benjamin Payne" userId="S::benpayne@umbc.edu::b61ff11c-ba68-49af-b001-f9f234a6aca3" providerId="AD" clId="Web-{4704225E-DB5D-C323-C003-50201A7F4364}" dt="2018-08-25T15:52:39.994" v="82" actId="20577"/>
-          <ac:spMkLst>
-            <pc:docMk/>
-            <pc:sldMk cId="3393807459" sldId="258"/>
-            <ac:spMk id="3" creationId="{182200E1-A375-4370-BF0E-723CB089AE6B}"/>
-          </ac:spMkLst>
-        </pc:spChg>
-      </pc:sldChg>
-      <pc:sldChg chg="modSp">
-        <pc:chgData name="Benjamin Payne" userId="S::benpayne@umbc.edu::b61ff11c-ba68-49af-b001-f9f234a6aca3" providerId="AD" clId="Web-{4704225E-DB5D-C323-C003-50201A7F4364}" dt="2018-08-25T16:01:58.205" v="213" actId="20577"/>
-        <pc:sldMkLst>
-          <pc:docMk/>
-          <pc:sldMk cId="2337642694" sldId="259"/>
-        </pc:sldMkLst>
-        <pc:spChg chg="mod">
-          <ac:chgData name="Benjamin Payne" userId="S::benpayne@umbc.edu::b61ff11c-ba68-49af-b001-f9f234a6aca3" providerId="AD" clId="Web-{4704225E-DB5D-C323-C003-50201A7F4364}" dt="2018-08-25T16:01:58.205" v="213" actId="20577"/>
-          <ac:spMkLst>
-            <pc:docMk/>
-            <pc:sldMk cId="2337642694" sldId="259"/>
-            <ac:spMk id="3" creationId="{4D759856-6873-41CE-8867-DBDA8B92395F}"/>
-          </ac:spMkLst>
-        </pc:spChg>
-      </pc:sldChg>
-      <pc:sldChg chg="modSp">
-        <pc:chgData name="Benjamin Payne" userId="S::benpayne@umbc.edu::b61ff11c-ba68-49af-b001-f9f234a6aca3" providerId="AD" clId="Web-{4704225E-DB5D-C323-C003-50201A7F4364}" dt="2018-08-25T15:59:37.431" v="193" actId="20577"/>
-        <pc:sldMkLst>
-          <pc:docMk/>
-          <pc:sldMk cId="345678624" sldId="264"/>
-        </pc:sldMkLst>
-        <pc:spChg chg="mod">
-          <ac:chgData name="Benjamin Payne" userId="S::benpayne@umbc.edu::b61ff11c-ba68-49af-b001-f9f234a6aca3" providerId="AD" clId="Web-{4704225E-DB5D-C323-C003-50201A7F4364}" dt="2018-08-25T15:59:37.431" v="193" actId="20577"/>
-          <ac:spMkLst>
-            <pc:docMk/>
-            <pc:sldMk cId="345678624" sldId="264"/>
-            <ac:spMk id="3" creationId="{7521322D-3F2A-42B7-B8DD-7DB8778D4CD3}"/>
-          </ac:spMkLst>
-        </pc:spChg>
-      </pc:sldChg>
-      <pc:sldChg chg="modSp">
-        <pc:chgData name="Benjamin Payne" userId="S::benpayne@umbc.edu::b61ff11c-ba68-49af-b001-f9f234a6aca3" providerId="AD" clId="Web-{4704225E-DB5D-C323-C003-50201A7F4364}" dt="2018-08-25T15:37:14.984" v="64" actId="20577"/>
-        <pc:sldMkLst>
-          <pc:docMk/>
-          <pc:sldMk cId="3440817313" sldId="270"/>
-        </pc:sldMkLst>
-        <pc:spChg chg="mod">
-          <ac:chgData name="Benjamin Payne" userId="S::benpayne@umbc.edu::b61ff11c-ba68-49af-b001-f9f234a6aca3" providerId="AD" clId="Web-{4704225E-DB5D-C323-C003-50201A7F4364}" dt="2018-08-25T15:37:14.984" v="64" actId="20577"/>
-          <ac:spMkLst>
-            <pc:docMk/>
-            <pc:sldMk cId="3440817313" sldId="270"/>
-            <ac:spMk id="3" creationId="{C705F30F-1520-4B73-A4FC-203C50266736}"/>
-          </ac:spMkLst>
-        </pc:spChg>
-      </pc:sldChg>
-      <pc:sldChg chg="modSp new">
-        <pc:chgData name="Benjamin Payne" userId="S::benpayne@umbc.edu::b61ff11c-ba68-49af-b001-f9f234a6aca3" providerId="AD" clId="Web-{4704225E-DB5D-C323-C003-50201A7F4364}" dt="2018-08-25T15:30:15.833" v="14" actId="20577"/>
-        <pc:sldMkLst>
-          <pc:docMk/>
-          <pc:sldMk cId="172553602" sldId="271"/>
-        </pc:sldMkLst>
-        <pc:spChg chg="mod">
-          <ac:chgData name="Benjamin Payne" userId="S::benpayne@umbc.edu::b61ff11c-ba68-49af-b001-f9f234a6aca3" providerId="AD" clId="Web-{4704225E-DB5D-C323-C003-50201A7F4364}" dt="2018-08-25T15:30:12.911" v="11" actId="20577"/>
-          <ac:spMkLst>
-            <pc:docMk/>
-            <pc:sldMk cId="172553602" sldId="271"/>
-            <ac:spMk id="2" creationId="{B0120B63-8FE5-4195-8991-C7C0DE406EF8}"/>
-          </ac:spMkLst>
-        </pc:spChg>
-        <pc:spChg chg="mod">
-          <ac:chgData name="Benjamin Payne" userId="S::benpayne@umbc.edu::b61ff11c-ba68-49af-b001-f9f234a6aca3" providerId="AD" clId="Web-{4704225E-DB5D-C323-C003-50201A7F4364}" dt="2018-08-25T15:30:15.833" v="14" actId="20577"/>
-          <ac:spMkLst>
-            <pc:docMk/>
-            <pc:sldMk cId="172553602" sldId="271"/>
-            <ac:spMk id="3" creationId="{40791B94-5544-4D97-9A3F-A1D97AA96470}"/>
-          </ac:spMkLst>
-        </pc:spChg>
-      </pc:sldChg>
-      <pc:sldChg chg="modSp new">
-        <pc:chgData name="Benjamin Payne" userId="S::benpayne@umbc.edu::b61ff11c-ba68-49af-b001-f9f234a6aca3" providerId="AD" clId="Web-{4704225E-DB5D-C323-C003-50201A7F4364}" dt="2018-08-25T15:32:13.127" v="26" actId="20577"/>
-        <pc:sldMkLst>
-          <pc:docMk/>
-          <pc:sldMk cId="3934880628" sldId="272"/>
-        </pc:sldMkLst>
-        <pc:spChg chg="mod">
-          <ac:chgData name="Benjamin Payne" userId="S::benpayne@umbc.edu::b61ff11c-ba68-49af-b001-f9f234a6aca3" providerId="AD" clId="Web-{4704225E-DB5D-C323-C003-50201A7F4364}" dt="2018-08-25T15:32:13.127" v="26" actId="20577"/>
-          <ac:spMkLst>
-            <pc:docMk/>
-            <pc:sldMk cId="3934880628" sldId="272"/>
-            <ac:spMk id="2" creationId="{4B088998-F6A3-4602-9157-5EB8DEA315C7}"/>
-          </ac:spMkLst>
-        </pc:spChg>
-      </pc:sldChg>
-      <pc:sldChg chg="modSp new">
-        <pc:chgData name="Benjamin Payne" userId="S::benpayne@umbc.edu::b61ff11c-ba68-49af-b001-f9f234a6aca3" providerId="AD" clId="Web-{4704225E-DB5D-C323-C003-50201A7F4364}" dt="2018-08-25T15:54:09.575" v="136" actId="20577"/>
-        <pc:sldMkLst>
-          <pc:docMk/>
-          <pc:sldMk cId="1427304139" sldId="273"/>
-        </pc:sldMkLst>
-        <pc:spChg chg="mod">
-          <ac:chgData name="Benjamin Payne" userId="S::benpayne@umbc.edu::b61ff11c-ba68-49af-b001-f9f234a6aca3" providerId="AD" clId="Web-{4704225E-DB5D-C323-C003-50201A7F4364}" dt="2018-08-25T15:53:46.303" v="95" actId="20577"/>
-          <ac:spMkLst>
-            <pc:docMk/>
-            <pc:sldMk cId="1427304139" sldId="273"/>
-            <ac:spMk id="2" creationId="{501E10A9-84AA-478A-8515-BE099FADF53F}"/>
-          </ac:spMkLst>
-        </pc:spChg>
-        <pc:spChg chg="mod">
-          <ac:chgData name="Benjamin Payne" userId="S::benpayne@umbc.edu::b61ff11c-ba68-49af-b001-f9f234a6aca3" providerId="AD" clId="Web-{4704225E-DB5D-C323-C003-50201A7F4364}" dt="2018-08-25T15:54:09.575" v="136" actId="20577"/>
-          <ac:spMkLst>
-            <pc:docMk/>
-            <pc:sldMk cId="1427304139" sldId="273"/>
-            <ac:spMk id="3" creationId="{8D9EA9A3-5121-4C91-ADFE-CE0AE0011123}"/>
-          </ac:spMkLst>
-        </pc:spChg>
-      </pc:sldChg>
-    </pc:docChg>
-  </pc:docChgLst>
-  <pc:docChgLst>
-    <pc:chgData name="Benjamin Payne" userId="S::benpayne@umbc.edu::b61ff11c-ba68-49af-b001-f9f234a6aca3" providerId="AD" clId="Web-{4FFCFB80-FF85-8E66-3FA8-B2F3FDCE618B}"/>
-    <pc:docChg chg="addSld modSld">
-      <pc:chgData name="Benjamin Payne" userId="S::benpayne@umbc.edu::b61ff11c-ba68-49af-b001-f9f234a6aca3" providerId="AD" clId="Web-{4FFCFB80-FF85-8E66-3FA8-B2F3FDCE618B}" dt="2018-08-30T21:34:42.842" v="340" actId="20577"/>
-      <pc:docMkLst>
-        <pc:docMk/>
-      </pc:docMkLst>
-      <pc:sldChg chg="modSp">
-        <pc:chgData name="Benjamin Payne" userId="S::benpayne@umbc.edu::b61ff11c-ba68-49af-b001-f9f234a6aca3" providerId="AD" clId="Web-{4FFCFB80-FF85-8E66-3FA8-B2F3FDCE618B}" dt="2018-08-30T21:34:42.826" v="339" actId="20577"/>
-        <pc:sldMkLst>
-          <pc:docMk/>
-          <pc:sldMk cId="1322323809" sldId="276"/>
-        </pc:sldMkLst>
-        <pc:spChg chg="mod">
-          <ac:chgData name="Benjamin Payne" userId="S::benpayne@umbc.edu::b61ff11c-ba68-49af-b001-f9f234a6aca3" providerId="AD" clId="Web-{4FFCFB80-FF85-8E66-3FA8-B2F3FDCE618B}" dt="2018-08-30T21:34:42.826" v="339" actId="20577"/>
-          <ac:spMkLst>
-            <pc:docMk/>
-            <pc:sldMk cId="1322323809" sldId="276"/>
-            <ac:spMk id="3" creationId="{999BF89E-B216-4BA7-895B-3DD72EA34D84}"/>
-          </ac:spMkLst>
-        </pc:spChg>
-      </pc:sldChg>
-      <pc:sldChg chg="addSp modSp new">
-        <pc:chgData name="Benjamin Payne" userId="S::benpayne@umbc.edu::b61ff11c-ba68-49af-b001-f9f234a6aca3" providerId="AD" clId="Web-{4FFCFB80-FF85-8E66-3FA8-B2F3FDCE618B}" dt="2018-08-30T21:27:54.109" v="159" actId="20577"/>
-        <pc:sldMkLst>
-          <pc:docMk/>
-          <pc:sldMk cId="448976463" sldId="290"/>
-        </pc:sldMkLst>
-        <pc:spChg chg="mod">
-          <ac:chgData name="Benjamin Payne" userId="S::benpayne@umbc.edu::b61ff11c-ba68-49af-b001-f9f234a6aca3" providerId="AD" clId="Web-{4FFCFB80-FF85-8E66-3FA8-B2F3FDCE618B}" dt="2018-08-30T21:25:33.062" v="15" actId="20577"/>
-          <ac:spMkLst>
-            <pc:docMk/>
-            <pc:sldMk cId="448976463" sldId="290"/>
-            <ac:spMk id="2" creationId="{D15D35D6-1B41-409D-B3C7-B0EF2CB2F20D}"/>
-          </ac:spMkLst>
-        </pc:spChg>
-        <pc:spChg chg="mod">
-          <ac:chgData name="Benjamin Payne" userId="S::benpayne@umbc.edu::b61ff11c-ba68-49af-b001-f9f234a6aca3" providerId="AD" clId="Web-{4FFCFB80-FF85-8E66-3FA8-B2F3FDCE618B}" dt="2018-08-30T21:27:54.109" v="159" actId="20577"/>
-          <ac:spMkLst>
-            <pc:docMk/>
-            <pc:sldMk cId="448976463" sldId="290"/>
-            <ac:spMk id="3" creationId="{2A72D639-AAEF-4973-95F9-AAB1DD652DA7}"/>
-          </ac:spMkLst>
-        </pc:spChg>
-        <pc:spChg chg="add mod">
-          <ac:chgData name="Benjamin Payne" userId="S::benpayne@umbc.edu::b61ff11c-ba68-49af-b001-f9f234a6aca3" providerId="AD" clId="Web-{4FFCFB80-FF85-8E66-3FA8-B2F3FDCE618B}" dt="2018-08-30T21:27:24.750" v="144" actId="14100"/>
-          <ac:spMkLst>
-            <pc:docMk/>
-            <pc:sldMk cId="448976463" sldId="290"/>
-            <ac:spMk id="4" creationId="{EEA7A568-8170-42E3-94D7-C590D314F45B}"/>
-          </ac:spMkLst>
-        </pc:spChg>
-      </pc:sldChg>
-      <pc:sldChg chg="addSp delSp modSp add replId">
-        <pc:chgData name="Benjamin Payne" userId="S::benpayne@umbc.edu::b61ff11c-ba68-49af-b001-f9f234a6aca3" providerId="AD" clId="Web-{4FFCFB80-FF85-8E66-3FA8-B2F3FDCE618B}" dt="2018-08-30T21:30:08.609" v="196" actId="20577"/>
-        <pc:sldMkLst>
-          <pc:docMk/>
-          <pc:sldMk cId="2429467567" sldId="291"/>
-        </pc:sldMkLst>
-        <pc:spChg chg="mod">
-          <ac:chgData name="Benjamin Payne" userId="S::benpayne@umbc.edu::b61ff11c-ba68-49af-b001-f9f234a6aca3" providerId="AD" clId="Web-{4FFCFB80-FF85-8E66-3FA8-B2F3FDCE618B}" dt="2018-08-30T21:27:49.843" v="155" actId="20577"/>
-          <ac:spMkLst>
-            <pc:docMk/>
-            <pc:sldMk cId="2429467567" sldId="291"/>
-            <ac:spMk id="3" creationId="{2A72D639-AAEF-4973-95F9-AAB1DD652DA7}"/>
-          </ac:spMkLst>
-        </pc:spChg>
-        <pc:spChg chg="del">
-          <ac:chgData name="Benjamin Payne" userId="S::benpayne@umbc.edu::b61ff11c-ba68-49af-b001-f9f234a6aca3" providerId="AD" clId="Web-{4FFCFB80-FF85-8E66-3FA8-B2F3FDCE618B}" dt="2018-08-30T21:27:36" v="146"/>
-          <ac:spMkLst>
-            <pc:docMk/>
-            <pc:sldMk cId="2429467567" sldId="291"/>
-            <ac:spMk id="4" creationId="{EEA7A568-8170-42E3-94D7-C590D314F45B}"/>
-          </ac:spMkLst>
-        </pc:spChg>
-        <pc:spChg chg="add del mod">
-          <ac:chgData name="Benjamin Payne" userId="S::benpayne@umbc.edu::b61ff11c-ba68-49af-b001-f9f234a6aca3" providerId="AD" clId="Web-{4FFCFB80-FF85-8E66-3FA8-B2F3FDCE618B}" dt="2018-08-30T21:29:42.312" v="183"/>
-          <ac:spMkLst>
-            <pc:docMk/>
-            <pc:sldMk cId="2429467567" sldId="291"/>
-            <ac:spMk id="5" creationId="{E4214052-D652-4266-9F99-032EA257EA7E}"/>
-          </ac:spMkLst>
-        </pc:spChg>
-        <pc:spChg chg="add mod">
-          <ac:chgData name="Benjamin Payne" userId="S::benpayne@umbc.edu::b61ff11c-ba68-49af-b001-f9f234a6aca3" providerId="AD" clId="Web-{4FFCFB80-FF85-8E66-3FA8-B2F3FDCE618B}" dt="2018-08-30T21:30:08.609" v="196" actId="20577"/>
-          <ac:spMkLst>
-            <pc:docMk/>
-            <pc:sldMk cId="2429467567" sldId="291"/>
-            <ac:spMk id="6" creationId="{B3B251AD-EDCF-46FF-91AE-75AFBE697DD1}"/>
-          </ac:spMkLst>
-        </pc:spChg>
-      </pc:sldChg>
-      <pc:sldChg chg="addSp modSp add replId">
-        <pc:chgData name="Benjamin Payne" userId="S::benpayne@umbc.edu::b61ff11c-ba68-49af-b001-f9f234a6aca3" providerId="AD" clId="Web-{4FFCFB80-FF85-8E66-3FA8-B2F3FDCE618B}" dt="2018-08-30T21:31:41.437" v="256" actId="20577"/>
-        <pc:sldMkLst>
-          <pc:docMk/>
-          <pc:sldMk cId="3036437131" sldId="292"/>
-        </pc:sldMkLst>
-        <pc:spChg chg="add mod">
-          <ac:chgData name="Benjamin Payne" userId="S::benpayne@umbc.edu::b61ff11c-ba68-49af-b001-f9f234a6aca3" providerId="AD" clId="Web-{4FFCFB80-FF85-8E66-3FA8-B2F3FDCE618B}" dt="2018-08-30T21:31:41.437" v="256" actId="20577"/>
-          <ac:spMkLst>
-            <pc:docMk/>
-            <pc:sldMk cId="3036437131" sldId="292"/>
-            <ac:spMk id="4" creationId="{7EC63E0C-C10C-46EA-BC74-4AA6A59B9042}"/>
-          </ac:spMkLst>
-        </pc:spChg>
-        <pc:spChg chg="mod">
-          <ac:chgData name="Benjamin Payne" userId="S::benpayne@umbc.edu::b61ff11c-ba68-49af-b001-f9f234a6aca3" providerId="AD" clId="Web-{4FFCFB80-FF85-8E66-3FA8-B2F3FDCE618B}" dt="2018-08-30T21:30:45.421" v="201" actId="20577"/>
-          <ac:spMkLst>
-            <pc:docMk/>
-            <pc:sldMk cId="3036437131" sldId="292"/>
-            <ac:spMk id="6" creationId="{B3B251AD-EDCF-46FF-91AE-75AFBE697DD1}"/>
-          </ac:spMkLst>
-        </pc:spChg>
-      </pc:sldChg>
-      <pc:sldChg chg="delSp modSp add replId">
-        <pc:chgData name="Benjamin Payne" userId="S::benpayne@umbc.edu::b61ff11c-ba68-49af-b001-f9f234a6aca3" providerId="AD" clId="Web-{4FFCFB80-FF85-8E66-3FA8-B2F3FDCE618B}" dt="2018-08-30T21:33:25.045" v="305" actId="20577"/>
-        <pc:sldMkLst>
-          <pc:docMk/>
-          <pc:sldMk cId="3843842010" sldId="293"/>
-        </pc:sldMkLst>
-        <pc:spChg chg="mod">
-          <ac:chgData name="Benjamin Payne" userId="S::benpayne@umbc.edu::b61ff11c-ba68-49af-b001-f9f234a6aca3" providerId="AD" clId="Web-{4FFCFB80-FF85-8E66-3FA8-B2F3FDCE618B}" dt="2018-08-30T21:32:13.249" v="275" actId="20577"/>
-          <ac:spMkLst>
-            <pc:docMk/>
-            <pc:sldMk cId="3843842010" sldId="293"/>
-            <ac:spMk id="3" creationId="{2A72D639-AAEF-4973-95F9-AAB1DD652DA7}"/>
-          </ac:spMkLst>
-        </pc:spChg>
-        <pc:spChg chg="del">
-          <ac:chgData name="Benjamin Payne" userId="S::benpayne@umbc.edu::b61ff11c-ba68-49af-b001-f9f234a6aca3" providerId="AD" clId="Web-{4FFCFB80-FF85-8E66-3FA8-B2F3FDCE618B}" dt="2018-08-30T21:31:54.296" v="261"/>
-          <ac:spMkLst>
-            <pc:docMk/>
-            <pc:sldMk cId="3843842010" sldId="293"/>
-            <ac:spMk id="4" creationId="{7EC63E0C-C10C-46EA-BC74-4AA6A59B9042}"/>
-          </ac:spMkLst>
-        </pc:spChg>
-        <pc:spChg chg="mod">
-          <ac:chgData name="Benjamin Payne" userId="S::benpayne@umbc.edu::b61ff11c-ba68-49af-b001-f9f234a6aca3" providerId="AD" clId="Web-{4FFCFB80-FF85-8E66-3FA8-B2F3FDCE618B}" dt="2018-08-30T21:33:25.045" v="305" actId="20577"/>
-          <ac:spMkLst>
-            <pc:docMk/>
-            <pc:sldMk cId="3843842010" sldId="293"/>
-            <ac:spMk id="6" creationId="{B3B251AD-EDCF-46FF-91AE-75AFBE697DD1}"/>
-          </ac:spMkLst>
-        </pc:spChg>
-      </pc:sldChg>
-      <pc:sldChg chg="addSp modSp add replId">
-        <pc:chgData name="Benjamin Payne" userId="S::benpayne@umbc.edu::b61ff11c-ba68-49af-b001-f9f234a6aca3" providerId="AD" clId="Web-{4FFCFB80-FF85-8E66-3FA8-B2F3FDCE618B}" dt="2018-08-30T21:33:34.545" v="310" actId="20577"/>
-        <pc:sldMkLst>
-          <pc:docMk/>
-          <pc:sldMk cId="3279861388" sldId="294"/>
-        </pc:sldMkLst>
-        <pc:spChg chg="add mod">
-          <ac:chgData name="Benjamin Payne" userId="S::benpayne@umbc.edu::b61ff11c-ba68-49af-b001-f9f234a6aca3" providerId="AD" clId="Web-{4FFCFB80-FF85-8E66-3FA8-B2F3FDCE618B}" dt="2018-08-30T21:33:09.842" v="301" actId="20577"/>
-          <ac:spMkLst>
-            <pc:docMk/>
-            <pc:sldMk cId="3279861388" sldId="294"/>
-            <ac:spMk id="4" creationId="{37857C60-BBBD-48A7-A564-C9DD930BC7E4}"/>
-          </ac:spMkLst>
-        </pc:spChg>
-        <pc:spChg chg="mod">
-          <ac:chgData name="Benjamin Payne" userId="S::benpayne@umbc.edu::b61ff11c-ba68-49af-b001-f9f234a6aca3" providerId="AD" clId="Web-{4FFCFB80-FF85-8E66-3FA8-B2F3FDCE618B}" dt="2018-08-30T21:33:34.545" v="310" actId="20577"/>
-          <ac:spMkLst>
-            <pc:docMk/>
-            <pc:sldMk cId="3279861388" sldId="294"/>
-            <ac:spMk id="6" creationId="{B3B251AD-EDCF-46FF-91AE-75AFBE697DD1}"/>
-          </ac:spMkLst>
-        </pc:spChg>
-      </pc:sldChg>
-    </pc:docChg>
-  </pc:docChgLst>
-  <pc:docChgLst>
-    <pc:chgData name="Benjamin Payne" userId="S::benpayne@umbc.edu::b61ff11c-ba68-49af-b001-f9f234a6aca3" providerId="AD" clId="Web-{7A229548-7064-DAC5-8FBB-05D4D48B5C3C}"/>
-    <pc:docChg chg="modSld sldOrd">
-      <pc:chgData name="Benjamin Payne" userId="S::benpayne@umbc.edu::b61ff11c-ba68-49af-b001-f9f234a6aca3" providerId="AD" clId="Web-{7A229548-7064-DAC5-8FBB-05D4D48B5C3C}" dt="2018-09-05T02:15:21.056" v="244" actId="20577"/>
-      <pc:docMkLst>
-        <pc:docMk/>
-      </pc:docMkLst>
-      <pc:sldChg chg="addSp modSp modNotes">
-        <pc:chgData name="Benjamin Payne" userId="S::benpayne@umbc.edu::b61ff11c-ba68-49af-b001-f9f234a6aca3" providerId="AD" clId="Web-{7A229548-7064-DAC5-8FBB-05D4D48B5C3C}" dt="2018-09-05T02:04:19.254" v="155"/>
-        <pc:sldMkLst>
-          <pc:docMk/>
-          <pc:sldMk cId="2631658036" sldId="266"/>
-        </pc:sldMkLst>
-        <pc:spChg chg="mod">
-          <ac:chgData name="Benjamin Payne" userId="S::benpayne@umbc.edu::b61ff11c-ba68-49af-b001-f9f234a6aca3" providerId="AD" clId="Web-{7A229548-7064-DAC5-8FBB-05D4D48B5C3C}" dt="2018-09-05T02:03:42.127" v="150" actId="14100"/>
-          <ac:spMkLst>
-            <pc:docMk/>
-            <pc:sldMk cId="2631658036" sldId="266"/>
-            <ac:spMk id="3" creationId="{60B7C8A4-2196-4CA2-A0E8-0C858763468D}"/>
-          </ac:spMkLst>
-        </pc:spChg>
-        <pc:picChg chg="add mod">
-          <ac:chgData name="Benjamin Payne" userId="S::benpayne@umbc.edu::b61ff11c-ba68-49af-b001-f9f234a6aca3" providerId="AD" clId="Web-{7A229548-7064-DAC5-8FBB-05D4D48B5C3C}" dt="2018-09-05T02:03:57.878" v="153" actId="1076"/>
-          <ac:picMkLst>
-            <pc:docMk/>
-            <pc:sldMk cId="2631658036" sldId="266"/>
-            <ac:picMk id="4" creationId="{4815D937-D5C9-47CA-A300-C5CC4278B20E}"/>
-          </ac:picMkLst>
-        </pc:picChg>
-      </pc:sldChg>
-      <pc:sldChg chg="modSp">
-        <pc:chgData name="Benjamin Payne" userId="S::benpayne@umbc.edu::b61ff11c-ba68-49af-b001-f9f234a6aca3" providerId="AD" clId="Web-{7A229548-7064-DAC5-8FBB-05D4D48B5C3C}" dt="2018-09-05T01:48:56.184" v="72" actId="20577"/>
-        <pc:sldMkLst>
-          <pc:docMk/>
-          <pc:sldMk cId="3365738038" sldId="280"/>
-        </pc:sldMkLst>
-        <pc:spChg chg="mod">
-          <ac:chgData name="Benjamin Payne" userId="S::benpayne@umbc.edu::b61ff11c-ba68-49af-b001-f9f234a6aca3" providerId="AD" clId="Web-{7A229548-7064-DAC5-8FBB-05D4D48B5C3C}" dt="2018-09-05T01:48:56.184" v="72" actId="20577"/>
-          <ac:spMkLst>
-            <pc:docMk/>
-            <pc:sldMk cId="3365738038" sldId="280"/>
-            <ac:spMk id="3" creationId="{40625D3E-4517-46E0-BE45-C607D57B9CB4}"/>
-          </ac:spMkLst>
-        </pc:spChg>
-      </pc:sldChg>
-      <pc:sldChg chg="modSp">
-        <pc:chgData name="Benjamin Payne" userId="S::benpayne@umbc.edu::b61ff11c-ba68-49af-b001-f9f234a6aca3" providerId="AD" clId="Web-{7A229548-7064-DAC5-8FBB-05D4D48B5C3C}" dt="2018-09-05T01:50:26.266" v="91" actId="20577"/>
-        <pc:sldMkLst>
-          <pc:docMk/>
-          <pc:sldMk cId="2943374916" sldId="282"/>
-        </pc:sldMkLst>
-        <pc:spChg chg="mod">
-          <ac:chgData name="Benjamin Payne" userId="S::benpayne@umbc.edu::b61ff11c-ba68-49af-b001-f9f234a6aca3" providerId="AD" clId="Web-{7A229548-7064-DAC5-8FBB-05D4D48B5C3C}" dt="2018-09-05T01:50:26.266" v="91" actId="20577"/>
-          <ac:spMkLst>
-            <pc:docMk/>
-            <pc:sldMk cId="2943374916" sldId="282"/>
-            <ac:spMk id="3" creationId="{85F5E84A-43AF-4390-B4B1-5667B0F86A94}"/>
-          </ac:spMkLst>
-        </pc:spChg>
-        <pc:spChg chg="mod">
-          <ac:chgData name="Benjamin Payne" userId="S::benpayne@umbc.edu::b61ff11c-ba68-49af-b001-f9f234a6aca3" providerId="AD" clId="Web-{7A229548-7064-DAC5-8FBB-05D4D48B5C3C}" dt="2018-09-05T01:50:06.281" v="84" actId="20577"/>
-          <ac:spMkLst>
-            <pc:docMk/>
-            <pc:sldMk cId="2943374916" sldId="282"/>
-            <ac:spMk id="7" creationId="{BC6D8919-5E66-4BC2-AB55-C88DDA0BF6B3}"/>
-          </ac:spMkLst>
-        </pc:spChg>
-      </pc:sldChg>
-      <pc:sldChg chg="modSp">
-        <pc:chgData name="Benjamin Payne" userId="S::benpayne@umbc.edu::b61ff11c-ba68-49af-b001-f9f234a6aca3" providerId="AD" clId="Web-{7A229548-7064-DAC5-8FBB-05D4D48B5C3C}" dt="2018-09-05T02:15:21.056" v="243" actId="20577"/>
-        <pc:sldMkLst>
-          <pc:docMk/>
-          <pc:sldMk cId="668830637" sldId="286"/>
-        </pc:sldMkLst>
-        <pc:spChg chg="mod">
-          <ac:chgData name="Benjamin Payne" userId="S::benpayne@umbc.edu::b61ff11c-ba68-49af-b001-f9f234a6aca3" providerId="AD" clId="Web-{7A229548-7064-DAC5-8FBB-05D4D48B5C3C}" dt="2018-09-05T02:13:46.707" v="169" actId="20577"/>
-          <ac:spMkLst>
-            <pc:docMk/>
-            <pc:sldMk cId="668830637" sldId="286"/>
-            <ac:spMk id="2" creationId="{D882C037-8ED4-49D9-9B9D-74993440B63D}"/>
-          </ac:spMkLst>
-        </pc:spChg>
-        <pc:spChg chg="mod">
-          <ac:chgData name="Benjamin Payne" userId="S::benpayne@umbc.edu::b61ff11c-ba68-49af-b001-f9f234a6aca3" providerId="AD" clId="Web-{7A229548-7064-DAC5-8FBB-05D4D48B5C3C}" dt="2018-09-05T02:15:21.056" v="243" actId="20577"/>
-          <ac:spMkLst>
-            <pc:docMk/>
-            <pc:sldMk cId="668830637" sldId="286"/>
-            <ac:spMk id="3" creationId="{5B8B0706-94ED-458E-907E-F25FDE922341}"/>
-          </ac:spMkLst>
-        </pc:spChg>
-      </pc:sldChg>
-      <pc:sldChg chg="ord">
-        <pc:chgData name="Benjamin Payne" userId="S::benpayne@umbc.edu::b61ff11c-ba68-49af-b001-f9f234a6aca3" providerId="AD" clId="Web-{7A229548-7064-DAC5-8FBB-05D4D48B5C3C}" dt="2018-09-05T02:04:56.506" v="157"/>
-        <pc:sldMkLst>
-          <pc:docMk/>
-          <pc:sldMk cId="2800023263" sldId="295"/>
-        </pc:sldMkLst>
-      </pc:sldChg>
-      <pc:sldChg chg="modSp">
-        <pc:chgData name="Benjamin Payne" userId="S::benpayne@umbc.edu::b61ff11c-ba68-49af-b001-f9f234a6aca3" providerId="AD" clId="Web-{7A229548-7064-DAC5-8FBB-05D4D48B5C3C}" dt="2018-09-05T01:51:12.081" v="96" actId="20577"/>
-        <pc:sldMkLst>
-          <pc:docMk/>
-          <pc:sldMk cId="3403740684" sldId="306"/>
-        </pc:sldMkLst>
-        <pc:spChg chg="mod">
-          <ac:chgData name="Benjamin Payne" userId="S::benpayne@umbc.edu::b61ff11c-ba68-49af-b001-f9f234a6aca3" providerId="AD" clId="Web-{7A229548-7064-DAC5-8FBB-05D4D48B5C3C}" dt="2018-09-05T01:51:12.081" v="96" actId="20577"/>
-          <ac:spMkLst>
-            <pc:docMk/>
-            <pc:sldMk cId="3403740684" sldId="306"/>
-            <ac:spMk id="3" creationId="{D7804E48-4B12-43FF-AE75-80D2BB079022}"/>
-          </ac:spMkLst>
-        </pc:spChg>
-      </pc:sldChg>
-    </pc:docChg>
-  </pc:docChgLst>
-  <pc:docChgLst>
-    <pc:chgData name="Benjamin Payne" userId="S::benpayne@umbc.edu::b61ff11c-ba68-49af-b001-f9f234a6aca3" providerId="AD" clId="Web-{BF13441A-9058-62AF-909A-7C2A212D78DC}"/>
-    <pc:docChg chg="addSld modSld sldOrd">
-      <pc:chgData name="Benjamin Payne" userId="S::benpayne@umbc.edu::b61ff11c-ba68-49af-b001-f9f234a6aca3" providerId="AD" clId="Web-{BF13441A-9058-62AF-909A-7C2A212D78DC}" dt="2018-09-03T12:23:57.541" v="87" actId="20577"/>
-      <pc:docMkLst>
-        <pc:docMk/>
-      </pc:docMkLst>
-      <pc:sldChg chg="ord">
-        <pc:chgData name="Benjamin Payne" userId="S::benpayne@umbc.edu::b61ff11c-ba68-49af-b001-f9f234a6aca3" providerId="AD" clId="Web-{BF13441A-9058-62AF-909A-7C2A212D78DC}" dt="2018-09-03T12:19:42.339" v="1"/>
-        <pc:sldMkLst>
-          <pc:docMk/>
-          <pc:sldMk cId="3934880628" sldId="272"/>
-        </pc:sldMkLst>
-      </pc:sldChg>
-      <pc:sldChg chg="ord">
-        <pc:chgData name="Benjamin Payne" userId="S::benpayne@umbc.edu::b61ff11c-ba68-49af-b001-f9f234a6aca3" providerId="AD" clId="Web-{BF13441A-9058-62AF-909A-7C2A212D78DC}" dt="2018-09-03T12:19:42.339" v="6"/>
-        <pc:sldMkLst>
-          <pc:docMk/>
-          <pc:sldMk cId="2862469523" sldId="305"/>
-        </pc:sldMkLst>
-      </pc:sldChg>
-      <pc:sldChg chg="ord">
-        <pc:chgData name="Benjamin Payne" userId="S::benpayne@umbc.edu::b61ff11c-ba68-49af-b001-f9f234a6aca3" providerId="AD" clId="Web-{BF13441A-9058-62AF-909A-7C2A212D78DC}" dt="2018-09-03T12:19:42.339" v="0"/>
-        <pc:sldMkLst>
-          <pc:docMk/>
-          <pc:sldMk cId="458965493" sldId="307"/>
-        </pc:sldMkLst>
-      </pc:sldChg>
-      <pc:sldChg chg="ord">
-        <pc:chgData name="Benjamin Payne" userId="S::benpayne@umbc.edu::b61ff11c-ba68-49af-b001-f9f234a6aca3" providerId="AD" clId="Web-{BF13441A-9058-62AF-909A-7C2A212D78DC}" dt="2018-09-03T12:19:42.339" v="5"/>
-        <pc:sldMkLst>
-          <pc:docMk/>
-          <pc:sldMk cId="1136467448" sldId="310"/>
-        </pc:sldMkLst>
-      </pc:sldChg>
-      <pc:sldChg chg="ord">
-        <pc:chgData name="Benjamin Payne" userId="S::benpayne@umbc.edu::b61ff11c-ba68-49af-b001-f9f234a6aca3" providerId="AD" clId="Web-{BF13441A-9058-62AF-909A-7C2A212D78DC}" dt="2018-09-03T12:19:42.339" v="4"/>
-        <pc:sldMkLst>
-          <pc:docMk/>
-          <pc:sldMk cId="673834737" sldId="311"/>
-        </pc:sldMkLst>
-      </pc:sldChg>
-      <pc:sldChg chg="ord">
-        <pc:chgData name="Benjamin Payne" userId="S::benpayne@umbc.edu::b61ff11c-ba68-49af-b001-f9f234a6aca3" providerId="AD" clId="Web-{BF13441A-9058-62AF-909A-7C2A212D78DC}" dt="2018-09-03T12:19:42.339" v="3"/>
-        <pc:sldMkLst>
-          <pc:docMk/>
-          <pc:sldMk cId="2766386416" sldId="314"/>
-        </pc:sldMkLst>
-      </pc:sldChg>
-      <pc:sldChg chg="ord">
-        <pc:chgData name="Benjamin Payne" userId="S::benpayne@umbc.edu::b61ff11c-ba68-49af-b001-f9f234a6aca3" providerId="AD" clId="Web-{BF13441A-9058-62AF-909A-7C2A212D78DC}" dt="2018-09-03T12:19:42.339" v="2"/>
-        <pc:sldMkLst>
-          <pc:docMk/>
-          <pc:sldMk cId="77693425" sldId="315"/>
-        </pc:sldMkLst>
-      </pc:sldChg>
-      <pc:sldChg chg="modSp new">
-        <pc:chgData name="Benjamin Payne" userId="S::benpayne@umbc.edu::b61ff11c-ba68-49af-b001-f9f234a6aca3" providerId="AD" clId="Web-{BF13441A-9058-62AF-909A-7C2A212D78DC}" dt="2018-09-03T12:21:35.585" v="49" actId="20577"/>
-        <pc:sldMkLst>
-          <pc:docMk/>
-          <pc:sldMk cId="2806332869" sldId="317"/>
-        </pc:sldMkLst>
-        <pc:spChg chg="mod">
-          <ac:chgData name="Benjamin Payne" userId="S::benpayne@umbc.edu::b61ff11c-ba68-49af-b001-f9f234a6aca3" providerId="AD" clId="Web-{BF13441A-9058-62AF-909A-7C2A212D78DC}" dt="2018-09-03T12:21:35.585" v="49" actId="20577"/>
-          <ac:spMkLst>
-            <pc:docMk/>
-            <pc:sldMk cId="2806332869" sldId="317"/>
-            <ac:spMk id="2" creationId="{438A8439-E99B-4720-86C9-39B11773D6B4}"/>
-          </ac:spMkLst>
-        </pc:spChg>
-        <pc:spChg chg="mod">
-          <ac:chgData name="Benjamin Payne" userId="S::benpayne@umbc.edu::b61ff11c-ba68-49af-b001-f9f234a6aca3" providerId="AD" clId="Web-{BF13441A-9058-62AF-909A-7C2A212D78DC}" dt="2018-09-03T12:21:03.864" v="41" actId="20577"/>
-          <ac:spMkLst>
-            <pc:docMk/>
-            <pc:sldMk cId="2806332869" sldId="317"/>
-            <ac:spMk id="3" creationId="{5D7C1711-4444-4683-8B3E-8B512F604D4E}"/>
-          </ac:spMkLst>
-        </pc:spChg>
-      </pc:sldChg>
-      <pc:sldChg chg="modSp new">
-        <pc:chgData name="Benjamin Payne" userId="S::benpayne@umbc.edu::b61ff11c-ba68-49af-b001-f9f234a6aca3" providerId="AD" clId="Web-{BF13441A-9058-62AF-909A-7C2A212D78DC}" dt="2018-09-03T12:23:57.525" v="86" actId="20577"/>
-        <pc:sldMkLst>
-          <pc:docMk/>
-          <pc:sldMk cId="2905888123" sldId="318"/>
-        </pc:sldMkLst>
-        <pc:spChg chg="mod">
-          <ac:chgData name="Benjamin Payne" userId="S::benpayne@umbc.edu::b61ff11c-ba68-49af-b001-f9f234a6aca3" providerId="AD" clId="Web-{BF13441A-9058-62AF-909A-7C2A212D78DC}" dt="2018-09-03T12:23:57.525" v="86" actId="20577"/>
-          <ac:spMkLst>
-            <pc:docMk/>
-            <pc:sldMk cId="2905888123" sldId="318"/>
-            <ac:spMk id="3" creationId="{3141B279-B28A-42C7-BB6C-3F02BDDFCE85}"/>
-          </ac:spMkLst>
-        </pc:spChg>
-      </pc:sldChg>
-    </pc:docChg>
-  </pc:docChgLst>
-  <pc:docChgLst>
-    <pc:chgData name="Benjamin Payne" userId="S::benpayne@umbc.edu::b61ff11c-ba68-49af-b001-f9f234a6aca3" providerId="AD" clId="Web-{9B519EDD-8DF4-936E-AC96-932A6910BBD4}"/>
-    <pc:docChg chg="addSld modSld">
-      <pc:chgData name="Benjamin Payne" userId="S::benpayne@umbc.edu::b61ff11c-ba68-49af-b001-f9f234a6aca3" providerId="AD" clId="Web-{9B519EDD-8DF4-936E-AC96-932A6910BBD4}" dt="2018-09-02T16:10:39.968" v="30" actId="20577"/>
-      <pc:docMkLst>
-        <pc:docMk/>
-      </pc:docMkLst>
-      <pc:sldChg chg="modSp">
-        <pc:chgData name="Benjamin Payne" userId="S::benpayne@umbc.edu::b61ff11c-ba68-49af-b001-f9f234a6aca3" providerId="AD" clId="Web-{9B519EDD-8DF4-936E-AC96-932A6910BBD4}" dt="2018-09-02T16:01:15.380" v="20" actId="20577"/>
-        <pc:sldMkLst>
-          <pc:docMk/>
-          <pc:sldMk cId="2391544709" sldId="257"/>
-        </pc:sldMkLst>
-        <pc:spChg chg="mod">
-          <ac:chgData name="Benjamin Payne" userId="S::benpayne@umbc.edu::b61ff11c-ba68-49af-b001-f9f234a6aca3" providerId="AD" clId="Web-{9B519EDD-8DF4-936E-AC96-932A6910BBD4}" dt="2018-09-02T16:01:15.380" v="20" actId="20577"/>
-          <ac:spMkLst>
-            <pc:docMk/>
-            <pc:sldMk cId="2391544709" sldId="257"/>
-            <ac:spMk id="3" creationId="{4C4C9BEA-E1D0-4140-92A5-5781E2EC6EC6}"/>
-          </ac:spMkLst>
-        </pc:spChg>
-      </pc:sldChg>
-      <pc:sldChg chg="modSp">
-        <pc:chgData name="Benjamin Payne" userId="S::benpayne@umbc.edu::b61ff11c-ba68-49af-b001-f9f234a6aca3" providerId="AD" clId="Web-{9B519EDD-8DF4-936E-AC96-932A6910BBD4}" dt="2018-09-02T16:00:34.504" v="4" actId="20577"/>
-        <pc:sldMkLst>
-          <pc:docMk/>
-          <pc:sldMk cId="3887352271" sldId="309"/>
-        </pc:sldMkLst>
-        <pc:spChg chg="mod">
-          <ac:chgData name="Benjamin Payne" userId="S::benpayne@umbc.edu::b61ff11c-ba68-49af-b001-f9f234a6aca3" providerId="AD" clId="Web-{9B519EDD-8DF4-936E-AC96-932A6910BBD4}" dt="2018-09-02T16:00:34.504" v="4" actId="20577"/>
-          <ac:spMkLst>
-            <pc:docMk/>
-            <pc:sldMk cId="3887352271" sldId="309"/>
-            <ac:spMk id="3" creationId="{6E16B59F-4225-4D5A-92A3-0DEB3115D828}"/>
-          </ac:spMkLst>
-        </pc:spChg>
-      </pc:sldChg>
-      <pc:sldChg chg="modSp new">
-        <pc:chgData name="Benjamin Payne" userId="S::benpayne@umbc.edu::b61ff11c-ba68-49af-b001-f9f234a6aca3" providerId="AD" clId="Web-{9B519EDD-8DF4-936E-AC96-932A6910BBD4}" dt="2018-09-02T16:01:49.709" v="28" actId="20577"/>
-        <pc:sldMkLst>
-          <pc:docMk/>
-          <pc:sldMk cId="4019344921" sldId="312"/>
-        </pc:sldMkLst>
-        <pc:spChg chg="mod">
-          <ac:chgData name="Benjamin Payne" userId="S::benpayne@umbc.edu::b61ff11c-ba68-49af-b001-f9f234a6aca3" providerId="AD" clId="Web-{9B519EDD-8DF4-936E-AC96-932A6910BBD4}" dt="2018-09-02T16:01:48.521" v="25" actId="20577"/>
-          <ac:spMkLst>
-            <pc:docMk/>
-            <pc:sldMk cId="4019344921" sldId="312"/>
-            <ac:spMk id="2" creationId="{5F1F56F1-2B49-4A8D-8631-BC2CB0323096}"/>
-          </ac:spMkLst>
-        </pc:spChg>
-        <pc:spChg chg="mod">
-          <ac:chgData name="Benjamin Payne" userId="S::benpayne@umbc.edu::b61ff11c-ba68-49af-b001-f9f234a6aca3" providerId="AD" clId="Web-{9B519EDD-8DF4-936E-AC96-932A6910BBD4}" dt="2018-09-02T16:01:49.709" v="28" actId="20577"/>
-          <ac:spMkLst>
-            <pc:docMk/>
-            <pc:sldMk cId="4019344921" sldId="312"/>
-            <ac:spMk id="3" creationId="{7C872DCE-A3B5-44DB-AF1B-4665F4B312D9}"/>
-          </ac:spMkLst>
-        </pc:spChg>
-      </pc:sldChg>
-    </pc:docChg>
-  </pc:docChgLst>
-  <pc:docChgLst>
-    <pc:chgData name="Benjamin Payne" userId="S::benpayne@umbc.edu::b61ff11c-ba68-49af-b001-f9f234a6aca3" providerId="AD" clId="Web-{39C0B645-8B1A-6443-01A0-C83B81FBD19E}"/>
-    <pc:docChg chg="modSld">
-      <pc:chgData name="Benjamin Payne" userId="S::benpayne@umbc.edu::b61ff11c-ba68-49af-b001-f9f234a6aca3" providerId="AD" clId="Web-{39C0B645-8B1A-6443-01A0-C83B81FBD19E}" dt="2018-09-07T02:12:54.264" v="30"/>
-      <pc:docMkLst>
-        <pc:docMk/>
-      </pc:docMkLst>
-      <pc:sldChg chg="modNotes">
-        <pc:chgData name="Benjamin Payne" userId="S::benpayne@umbc.edu::b61ff11c-ba68-49af-b001-f9f234a6aca3" providerId="AD" clId="Web-{39C0B645-8B1A-6443-01A0-C83B81FBD19E}" dt="2018-09-07T02:12:54.264" v="30"/>
-        <pc:sldMkLst>
-          <pc:docMk/>
-          <pc:sldMk cId="109857222" sldId="256"/>
-        </pc:sldMkLst>
-      </pc:sldChg>
-    </pc:docChg>
-  </pc:docChgLst>
-  <pc:docChgLst>
-    <pc:chgData name="Benjamin Payne" userId="S::benpayne@umbc.edu::b61ff11c-ba68-49af-b001-f9f234a6aca3" providerId="AD" clId="Web-{28389465-6CBB-B8EB-3335-6A25AEFADFA8}"/>
-    <pc:docChg chg="addSld modSld">
-      <pc:chgData name="Benjamin Payne" userId="S::benpayne@umbc.edu::b61ff11c-ba68-49af-b001-f9f234a6aca3" providerId="AD" clId="Web-{28389465-6CBB-B8EB-3335-6A25AEFADFA8}" dt="2018-08-30T00:27:09.481" v="512"/>
-      <pc:docMkLst>
-        <pc:docMk/>
-      </pc:docMkLst>
-      <pc:sldChg chg="modSp">
-        <pc:chgData name="Benjamin Payne" userId="S::benpayne@umbc.edu::b61ff11c-ba68-49af-b001-f9f234a6aca3" providerId="AD" clId="Web-{28389465-6CBB-B8EB-3335-6A25AEFADFA8}" dt="2018-08-30T00:22:22.126" v="495" actId="20577"/>
-        <pc:sldMkLst>
-          <pc:docMk/>
-          <pc:sldMk cId="3934880628" sldId="272"/>
-        </pc:sldMkLst>
-        <pc:spChg chg="mod">
-          <ac:chgData name="Benjamin Payne" userId="S::benpayne@umbc.edu::b61ff11c-ba68-49af-b001-f9f234a6aca3" providerId="AD" clId="Web-{28389465-6CBB-B8EB-3335-6A25AEFADFA8}" dt="2018-08-30T00:22:22.126" v="495" actId="20577"/>
-          <ac:spMkLst>
-            <pc:docMk/>
-            <pc:sldMk cId="3934880628" sldId="272"/>
-            <ac:spMk id="3" creationId="{3845C725-2BE9-45ED-9463-E9C12DFB1FAF}"/>
-          </ac:spMkLst>
-        </pc:spChg>
-      </pc:sldChg>
-      <pc:sldChg chg="modSp">
-        <pc:chgData name="Benjamin Payne" userId="S::benpayne@umbc.edu::b61ff11c-ba68-49af-b001-f9f234a6aca3" providerId="AD" clId="Web-{28389465-6CBB-B8EB-3335-6A25AEFADFA8}" dt="2018-08-30T00:22:00.655" v="488" actId="20577"/>
-        <pc:sldMkLst>
-          <pc:docMk/>
-          <pc:sldMk cId="3365738038" sldId="280"/>
-        </pc:sldMkLst>
-        <pc:spChg chg="mod">
-          <ac:chgData name="Benjamin Payne" userId="S::benpayne@umbc.edu::b61ff11c-ba68-49af-b001-f9f234a6aca3" providerId="AD" clId="Web-{28389465-6CBB-B8EB-3335-6A25AEFADFA8}" dt="2018-08-30T00:22:00.655" v="488" actId="20577"/>
-          <ac:spMkLst>
-            <pc:docMk/>
-            <pc:sldMk cId="3365738038" sldId="280"/>
-            <ac:spMk id="3" creationId="{40625D3E-4517-46E0-BE45-C607D57B9CB4}"/>
-          </ac:spMkLst>
-        </pc:spChg>
-      </pc:sldChg>
-      <pc:sldChg chg="addSp modSp">
-        <pc:chgData name="Benjamin Payne" userId="S::benpayne@umbc.edu::b61ff11c-ba68-49af-b001-f9f234a6aca3" providerId="AD" clId="Web-{28389465-6CBB-B8EB-3335-6A25AEFADFA8}" dt="2018-08-30T00:26:22.089" v="503" actId="20577"/>
-        <pc:sldMkLst>
-          <pc:docMk/>
-          <pc:sldMk cId="2943374916" sldId="282"/>
-        </pc:sldMkLst>
-        <pc:spChg chg="mod">
-          <ac:chgData name="Benjamin Payne" userId="S::benpayne@umbc.edu::b61ff11c-ba68-49af-b001-f9f234a6aca3" providerId="AD" clId="Web-{28389465-6CBB-B8EB-3335-6A25AEFADFA8}" dt="2018-08-29T23:51:47.866" v="90" actId="20577"/>
-          <ac:spMkLst>
-            <pc:docMk/>
-            <pc:sldMk cId="2943374916" sldId="282"/>
-            <ac:spMk id="2" creationId="{E8507853-F785-4F3C-9EB7-D0003F681650}"/>
-          </ac:spMkLst>
-        </pc:spChg>
-        <pc:spChg chg="mod">
-          <ac:chgData name="Benjamin Payne" userId="S::benpayne@umbc.edu::b61ff11c-ba68-49af-b001-f9f234a6aca3" providerId="AD" clId="Web-{28389465-6CBB-B8EB-3335-6A25AEFADFA8}" dt="2018-08-30T00:26:22.089" v="503" actId="20577"/>
-          <ac:spMkLst>
-            <pc:docMk/>
-            <pc:sldMk cId="2943374916" sldId="282"/>
-            <ac:spMk id="3" creationId="{85F5E84A-43AF-4390-B4B1-5667B0F86A94}"/>
-          </ac:spMkLst>
-        </pc:spChg>
-        <pc:spChg chg="add mod">
-          <ac:chgData name="Benjamin Payne" userId="S::benpayne@umbc.edu::b61ff11c-ba68-49af-b001-f9f234a6aca3" providerId="AD" clId="Web-{28389465-6CBB-B8EB-3335-6A25AEFADFA8}" dt="2018-08-29T23:52:06.241" v="101" actId="20577"/>
-          <ac:spMkLst>
-            <pc:docMk/>
-            <pc:sldMk cId="2943374916" sldId="282"/>
-            <ac:spMk id="4" creationId="{28C08967-3B86-4987-8977-668EB8BBA0AF}"/>
-          </ac:spMkLst>
-        </pc:spChg>
-        <pc:spChg chg="mod">
-          <ac:chgData name="Benjamin Payne" userId="S::benpayne@umbc.edu::b61ff11c-ba68-49af-b001-f9f234a6aca3" providerId="AD" clId="Web-{28389465-6CBB-B8EB-3335-6A25AEFADFA8}" dt="2018-08-30T00:17:12.738" v="276" actId="20577"/>
-          <ac:spMkLst>
-            <pc:docMk/>
-            <pc:sldMk cId="2943374916" sldId="282"/>
-            <ac:spMk id="7" creationId="{BC6D8919-5E66-4BC2-AB55-C88DDA0BF6B3}"/>
-          </ac:spMkLst>
-        </pc:spChg>
-      </pc:sldChg>
-      <pc:sldChg chg="addSp modSp new mod modClrScheme chgLayout">
-        <pc:chgData name="Benjamin Payne" userId="S::benpayne@umbc.edu::b61ff11c-ba68-49af-b001-f9f234a6aca3" providerId="AD" clId="Web-{28389465-6CBB-B8EB-3335-6A25AEFADFA8}" dt="2018-08-30T00:26:40.574" v="510" actId="20577"/>
-        <pc:sldMkLst>
-          <pc:docMk/>
-          <pc:sldMk cId="1567369141" sldId="284"/>
-        </pc:sldMkLst>
-        <pc:spChg chg="mod ord">
-          <ac:chgData name="Benjamin Payne" userId="S::benpayne@umbc.edu::b61ff11c-ba68-49af-b001-f9f234a6aca3" providerId="AD" clId="Web-{28389465-6CBB-B8EB-3335-6A25AEFADFA8}" dt="2018-08-29T23:55:29.719" v="191"/>
-          <ac:spMkLst>
-            <pc:docMk/>
-            <pc:sldMk cId="1567369141" sldId="284"/>
-            <ac:spMk id="2" creationId="{867A6FEF-3484-49EC-8490-BDDD8E8BAA33}"/>
-          </ac:spMkLst>
-        </pc:spChg>
-        <pc:spChg chg="mod ord">
-          <ac:chgData name="Benjamin Payne" userId="S::benpayne@umbc.edu::b61ff11c-ba68-49af-b001-f9f234a6aca3" providerId="AD" clId="Web-{28389465-6CBB-B8EB-3335-6A25AEFADFA8}" dt="2018-08-29T23:55:36.375" v="192" actId="20577"/>
-          <ac:spMkLst>
-            <pc:docMk/>
-            <pc:sldMk cId="1567369141" sldId="284"/>
-            <ac:spMk id="3" creationId="{A9C3E266-2D18-45CD-899E-D834513363FC}"/>
-          </ac:spMkLst>
-        </pc:spChg>
-        <pc:spChg chg="add mod ord">
-          <ac:chgData name="Benjamin Payne" userId="S::benpayne@umbc.edu::b61ff11c-ba68-49af-b001-f9f234a6aca3" providerId="AD" clId="Web-{28389465-6CBB-B8EB-3335-6A25AEFADFA8}" dt="2018-08-30T00:26:40.574" v="510" actId="20577"/>
-          <ac:spMkLst>
-            <pc:docMk/>
-            <pc:sldMk cId="1567369141" sldId="284"/>
-            <ac:spMk id="4" creationId="{5B949F2D-2F15-4FC3-90DA-860FAA38BF68}"/>
-          </ac:spMkLst>
-        </pc:spChg>
-        <pc:spChg chg="add mod ord">
-          <ac:chgData name="Benjamin Payne" userId="S::benpayne@umbc.edu::b61ff11c-ba68-49af-b001-f9f234a6aca3" providerId="AD" clId="Web-{28389465-6CBB-B8EB-3335-6A25AEFADFA8}" dt="2018-08-29T23:55:29.719" v="191"/>
-          <ac:spMkLst>
-            <pc:docMk/>
-            <pc:sldMk cId="1567369141" sldId="284"/>
-            <ac:spMk id="5" creationId="{BC8CF560-2705-4AD0-A8A5-0FD105E45FD7}"/>
-          </ac:spMkLst>
-        </pc:spChg>
-        <pc:spChg chg="add mod ord">
-          <ac:chgData name="Benjamin Payne" userId="S::benpayne@umbc.edu::b61ff11c-ba68-49af-b001-f9f234a6aca3" providerId="AD" clId="Web-{28389465-6CBB-B8EB-3335-6A25AEFADFA8}" dt="2018-08-30T00:17:17.191" v="281" actId="20577"/>
-          <ac:spMkLst>
-            <pc:docMk/>
-            <pc:sldMk cId="1567369141" sldId="284"/>
-            <ac:spMk id="6" creationId="{1DBAB62E-4820-4AA8-906F-1F2CD9FE3D34}"/>
-          </ac:spMkLst>
-        </pc:spChg>
-      </pc:sldChg>
-      <pc:sldChg chg="new">
-        <pc:chgData name="Benjamin Payne" userId="S::benpayne@umbc.edu::b61ff11c-ba68-49af-b001-f9f234a6aca3" providerId="AD" clId="Web-{28389465-6CBB-B8EB-3335-6A25AEFADFA8}" dt="2018-08-30T00:22:55.064" v="498"/>
-        <pc:sldMkLst>
-          <pc:docMk/>
-          <pc:sldMk cId="1534279816" sldId="285"/>
-        </pc:sldMkLst>
-      </pc:sldChg>
-      <pc:sldChg chg="new">
-        <pc:chgData name="Benjamin Payne" userId="S::benpayne@umbc.edu::b61ff11c-ba68-49af-b001-f9f234a6aca3" providerId="AD" clId="Web-{28389465-6CBB-B8EB-3335-6A25AEFADFA8}" dt="2018-08-30T00:27:09.481" v="512"/>
-        <pc:sldMkLst>
-          <pc:docMk/>
-          <pc:sldMk cId="668830637" sldId="286"/>
-        </pc:sldMkLst>
-      </pc:sldChg>
-    </pc:docChg>
-  </pc:docChgLst>
-  <pc:docChgLst>
-    <pc:chgData name="Benjamin Payne" userId="S::benpayne@umbc.edu::b61ff11c-ba68-49af-b001-f9f234a6aca3" providerId="AD" clId="Web-{9ADCF0D2-9F70-9287-6B58-87349FB571BC}"/>
-    <pc:docChg chg="addSld delSld modSld sldOrd">
-      <pc:chgData name="Benjamin Payne" userId="S::benpayne@umbc.edu::b61ff11c-ba68-49af-b001-f9f234a6aca3" providerId="AD" clId="Web-{9ADCF0D2-9F70-9287-6B58-87349FB571BC}" dt="2018-09-01T18:28:45.841" v="913" actId="20577"/>
-      <pc:docMkLst>
-        <pc:docMk/>
-      </pc:docMkLst>
-      <pc:sldChg chg="modSp">
-        <pc:chgData name="Benjamin Payne" userId="S::benpayne@umbc.edu::b61ff11c-ba68-49af-b001-f9f234a6aca3" providerId="AD" clId="Web-{9ADCF0D2-9F70-9287-6B58-87349FB571BC}" dt="2018-09-01T18:25:01.036" v="752" actId="20577"/>
-        <pc:sldMkLst>
-          <pc:docMk/>
-          <pc:sldMk cId="695782667" sldId="279"/>
-        </pc:sldMkLst>
-        <pc:spChg chg="mod">
-          <ac:chgData name="Benjamin Payne" userId="S::benpayne@umbc.edu::b61ff11c-ba68-49af-b001-f9f234a6aca3" providerId="AD" clId="Web-{9ADCF0D2-9F70-9287-6B58-87349FB571BC}" dt="2018-09-01T18:25:01.036" v="752" actId="20577"/>
-          <ac:spMkLst>
-            <pc:docMk/>
-            <pc:sldMk cId="695782667" sldId="279"/>
-            <ac:spMk id="3" creationId="{85A1115F-9417-43B0-9CB3-92C1A92DDA38}"/>
-          </ac:spMkLst>
-        </pc:spChg>
-      </pc:sldChg>
-      <pc:sldChg chg="addSp delSp modSp">
-        <pc:chgData name="Benjamin Payne" userId="S::benpayne@umbc.edu::b61ff11c-ba68-49af-b001-f9f234a6aca3" providerId="AD" clId="Web-{9ADCF0D2-9F70-9287-6B58-87349FB571BC}" dt="2018-09-01T18:24:44.410" v="742" actId="20577"/>
-        <pc:sldMkLst>
-          <pc:docMk/>
-          <pc:sldMk cId="3365738038" sldId="280"/>
-        </pc:sldMkLst>
-        <pc:spChg chg="mod">
-          <ac:chgData name="Benjamin Payne" userId="S::benpayne@umbc.edu::b61ff11c-ba68-49af-b001-f9f234a6aca3" providerId="AD" clId="Web-{9ADCF0D2-9F70-9287-6B58-87349FB571BC}" dt="2018-09-01T18:24:44.410" v="742" actId="20577"/>
-          <ac:spMkLst>
-            <pc:docMk/>
-            <pc:sldMk cId="3365738038" sldId="280"/>
-            <ac:spMk id="3" creationId="{40625D3E-4517-46E0-BE45-C607D57B9CB4}"/>
-          </ac:spMkLst>
-        </pc:spChg>
-        <pc:spChg chg="add mod">
-          <ac:chgData name="Benjamin Payne" userId="S::benpayne@umbc.edu::b61ff11c-ba68-49af-b001-f9f234a6aca3" providerId="AD" clId="Web-{9ADCF0D2-9F70-9287-6B58-87349FB571BC}" dt="2018-09-01T18:21:44.903" v="735" actId="1076"/>
-          <ac:spMkLst>
-            <pc:docMk/>
-            <pc:sldMk cId="3365738038" sldId="280"/>
-            <ac:spMk id="4" creationId="{0301CCC9-B2FF-40CB-922A-8D396F981B6D}"/>
-          </ac:spMkLst>
-        </pc:spChg>
-        <pc:spChg chg="add del">
-          <ac:chgData name="Benjamin Payne" userId="S::benpayne@umbc.edu::b61ff11c-ba68-49af-b001-f9f234a6aca3" providerId="AD" clId="Web-{9ADCF0D2-9F70-9287-6B58-87349FB571BC}" dt="2018-09-01T18:22:15.326" v="737"/>
-          <ac:spMkLst>
-            <pc:docMk/>
-            <pc:sldMk cId="3365738038" sldId="280"/>
-            <ac:spMk id="5" creationId="{79DB809B-B8C0-4E59-9BD7-5A4A5D741C55}"/>
-          </ac:spMkLst>
-        </pc:spChg>
-      </pc:sldChg>
-      <pc:sldChg chg="modSp">
-        <pc:chgData name="Benjamin Payne" userId="S::benpayne@umbc.edu::b61ff11c-ba68-49af-b001-f9f234a6aca3" providerId="AD" clId="Web-{9ADCF0D2-9F70-9287-6B58-87349FB571BC}" dt="2018-09-01T17:30:42.524" v="4" actId="20577"/>
-        <pc:sldMkLst>
-          <pc:docMk/>
-          <pc:sldMk cId="2943374916" sldId="282"/>
-        </pc:sldMkLst>
-        <pc:spChg chg="mod">
-          <ac:chgData name="Benjamin Payne" userId="S::benpayne@umbc.edu::b61ff11c-ba68-49af-b001-f9f234a6aca3" providerId="AD" clId="Web-{9ADCF0D2-9F70-9287-6B58-87349FB571BC}" dt="2018-09-01T17:30:42.524" v="4" actId="20577"/>
-          <ac:spMkLst>
-            <pc:docMk/>
-            <pc:sldMk cId="2943374916" sldId="282"/>
-            <ac:spMk id="3" creationId="{85F5E84A-43AF-4390-B4B1-5667B0F86A94}"/>
-          </ac:spMkLst>
-        </pc:spChg>
-        <pc:spChg chg="mod">
-          <ac:chgData name="Benjamin Payne" userId="S::benpayne@umbc.edu::b61ff11c-ba68-49af-b001-f9f234a6aca3" providerId="AD" clId="Web-{9ADCF0D2-9F70-9287-6B58-87349FB571BC}" dt="2018-09-01T17:30:38.540" v="1" actId="20577"/>
-          <ac:spMkLst>
-            <pc:docMk/>
-            <pc:sldMk cId="2943374916" sldId="282"/>
-            <ac:spMk id="7" creationId="{BC6D8919-5E66-4BC2-AB55-C88DDA0BF6B3}"/>
-          </ac:spMkLst>
-        </pc:spChg>
-      </pc:sldChg>
-      <pc:sldChg chg="modSp">
-        <pc:chgData name="Benjamin Payne" userId="S::benpayne@umbc.edu::b61ff11c-ba68-49af-b001-f9f234a6aca3" providerId="AD" clId="Web-{9ADCF0D2-9F70-9287-6B58-87349FB571BC}" dt="2018-09-01T17:55:40.641" v="288" actId="20577"/>
-        <pc:sldMkLst>
-          <pc:docMk/>
-          <pc:sldMk cId="1567369141" sldId="284"/>
-        </pc:sldMkLst>
-        <pc:spChg chg="mod">
-          <ac:chgData name="Benjamin Payne" userId="S::benpayne@umbc.edu::b61ff11c-ba68-49af-b001-f9f234a6aca3" providerId="AD" clId="Web-{9ADCF0D2-9F70-9287-6B58-87349FB571BC}" dt="2018-09-01T17:55:40.641" v="288" actId="20577"/>
-          <ac:spMkLst>
-            <pc:docMk/>
-            <pc:sldMk cId="1567369141" sldId="284"/>
-            <ac:spMk id="2" creationId="{867A6FEF-3484-49EC-8490-BDDD8E8BAA33}"/>
-          </ac:spMkLst>
-        </pc:spChg>
-        <pc:spChg chg="mod">
-          <ac:chgData name="Benjamin Payne" userId="S::benpayne@umbc.edu::b61ff11c-ba68-49af-b001-f9f234a6aca3" providerId="AD" clId="Web-{9ADCF0D2-9F70-9287-6B58-87349FB571BC}" dt="2018-09-01T17:50:09.640" v="280" actId="20577"/>
-          <ac:spMkLst>
-            <pc:docMk/>
-            <pc:sldMk cId="1567369141" sldId="284"/>
-            <ac:spMk id="9" creationId="{3739F8B4-27B2-421C-91DB-2485326B395B}"/>
-          </ac:spMkLst>
-        </pc:spChg>
-      </pc:sldChg>
-      <pc:sldChg chg="modSp">
-        <pc:chgData name="Benjamin Payne" userId="S::benpayne@umbc.edu::b61ff11c-ba68-49af-b001-f9f234a6aca3" providerId="AD" clId="Web-{9ADCF0D2-9F70-9287-6B58-87349FB571BC}" dt="2018-09-01T18:07:55.274" v="634" actId="20577"/>
-        <pc:sldMkLst>
-          <pc:docMk/>
-          <pc:sldMk cId="3300997659" sldId="289"/>
-        </pc:sldMkLst>
-        <pc:spChg chg="mod">
-          <ac:chgData name="Benjamin Payne" userId="S::benpayne@umbc.edu::b61ff11c-ba68-49af-b001-f9f234a6aca3" providerId="AD" clId="Web-{9ADCF0D2-9F70-9287-6B58-87349FB571BC}" dt="2018-09-01T18:07:55.274" v="634" actId="20577"/>
-          <ac:spMkLst>
-            <pc:docMk/>
-            <pc:sldMk cId="3300997659" sldId="289"/>
-            <ac:spMk id="3" creationId="{A3AEEB11-7848-4A1F-8F6C-90E8CEB69C0F}"/>
-          </ac:spMkLst>
-        </pc:spChg>
-      </pc:sldChg>
-      <pc:sldChg chg="addSp modSp new">
-        <pc:chgData name="Benjamin Payne" userId="S::benpayne@umbc.edu::b61ff11c-ba68-49af-b001-f9f234a6aca3" providerId="AD" clId="Web-{9ADCF0D2-9F70-9287-6B58-87349FB571BC}" dt="2018-09-01T17:43:32.280" v="232" actId="1076"/>
-        <pc:sldMkLst>
-          <pc:docMk/>
-          <pc:sldMk cId="572470642" sldId="298"/>
-        </pc:sldMkLst>
-        <pc:spChg chg="mod">
-          <ac:chgData name="Benjamin Payne" userId="S::benpayne@umbc.edu::b61ff11c-ba68-49af-b001-f9f234a6aca3" providerId="AD" clId="Web-{9ADCF0D2-9F70-9287-6B58-87349FB571BC}" dt="2018-09-01T17:32:26.420" v="24" actId="20577"/>
-          <ac:spMkLst>
-            <pc:docMk/>
-            <pc:sldMk cId="572470642" sldId="298"/>
-            <ac:spMk id="2" creationId="{30E083B2-EA78-4F97-B95A-D5C434141662}"/>
-          </ac:spMkLst>
-        </pc:spChg>
-        <pc:spChg chg="mod">
-          <ac:chgData name="Benjamin Payne" userId="S::benpayne@umbc.edu::b61ff11c-ba68-49af-b001-f9f234a6aca3" providerId="AD" clId="Web-{9ADCF0D2-9F70-9287-6B58-87349FB571BC}" dt="2018-09-01T17:41:52.511" v="225" actId="20577"/>
-          <ac:spMkLst>
-            <pc:docMk/>
-            <pc:sldMk cId="572470642" sldId="298"/>
-            <ac:spMk id="3" creationId="{84BBD28E-007E-4406-9D46-B82179E4C79F}"/>
-          </ac:spMkLst>
-        </pc:spChg>
-        <pc:picChg chg="add mod">
-          <ac:chgData name="Benjamin Payne" userId="S::benpayne@umbc.edu::b61ff11c-ba68-49af-b001-f9f234a6aca3" providerId="AD" clId="Web-{9ADCF0D2-9F70-9287-6B58-87349FB571BC}" dt="2018-09-01T17:43:32.280" v="232" actId="1076"/>
-          <ac:picMkLst>
-            <pc:docMk/>
-            <pc:sldMk cId="572470642" sldId="298"/>
-            <ac:picMk id="4" creationId="{6BE39DD7-3F04-4F07-BBF5-C60C33513CE0}"/>
-          </ac:picMkLst>
-        </pc:picChg>
-      </pc:sldChg>
-      <pc:sldChg chg="modSp add replId">
-        <pc:chgData name="Benjamin Payne" userId="S::benpayne@umbc.edu::b61ff11c-ba68-49af-b001-f9f234a6aca3" providerId="AD" clId="Web-{9ADCF0D2-9F70-9287-6B58-87349FB571BC}" dt="2018-09-01T17:44:11.220" v="240" actId="20577"/>
-        <pc:sldMkLst>
-          <pc:docMk/>
-          <pc:sldMk cId="3139786432" sldId="299"/>
-        </pc:sldMkLst>
-        <pc:spChg chg="mod">
-          <ac:chgData name="Benjamin Payne" userId="S::benpayne@umbc.edu::b61ff11c-ba68-49af-b001-f9f234a6aca3" providerId="AD" clId="Web-{9ADCF0D2-9F70-9287-6B58-87349FB571BC}" dt="2018-09-01T17:44:11.220" v="240" actId="20577"/>
-          <ac:spMkLst>
-            <pc:docMk/>
-            <pc:sldMk cId="3139786432" sldId="299"/>
-            <ac:spMk id="3" creationId="{84BBD28E-007E-4406-9D46-B82179E4C79F}"/>
-          </ac:spMkLst>
-        </pc:spChg>
-      </pc:sldChg>
-      <pc:sldChg chg="addSp delSp modSp new modNotes">
-        <pc:chgData name="Benjamin Payne" userId="S::benpayne@umbc.edu::b61ff11c-ba68-49af-b001-f9f234a6aca3" providerId="AD" clId="Web-{9ADCF0D2-9F70-9287-6B58-87349FB571BC}" dt="2018-09-01T17:49:22.606" v="274" actId="20577"/>
-        <pc:sldMkLst>
-          <pc:docMk/>
-          <pc:sldMk cId="1791940524" sldId="300"/>
-        </pc:sldMkLst>
-        <pc:spChg chg="mod">
-          <ac:chgData name="Benjamin Payne" userId="S::benpayne@umbc.edu::b61ff11c-ba68-49af-b001-f9f234a6aca3" providerId="AD" clId="Web-{9ADCF0D2-9F70-9287-6B58-87349FB571BC}" dt="2018-09-01T17:49:22.606" v="274" actId="20577"/>
-          <ac:spMkLst>
-            <pc:docMk/>
-            <pc:sldMk cId="1791940524" sldId="300"/>
-            <ac:spMk id="2" creationId="{46674DCC-07C8-4448-90D2-B072BA2D82D1}"/>
-          </ac:spMkLst>
-        </pc:spChg>
-        <pc:spChg chg="del">
-          <ac:chgData name="Benjamin Payne" userId="S::benpayne@umbc.edu::b61ff11c-ba68-49af-b001-f9f234a6aca3" providerId="AD" clId="Web-{9ADCF0D2-9F70-9287-6B58-87349FB571BC}" dt="2018-09-01T17:47:04.164" v="265"/>
-          <ac:spMkLst>
-            <pc:docMk/>
-            <pc:sldMk cId="1791940524" sldId="300"/>
-            <ac:spMk id="3" creationId="{2F6183D5-54B0-4A3B-A4DE-20DE05476016}"/>
-          </ac:spMkLst>
-        </pc:spChg>
-        <pc:picChg chg="add mod ord">
-          <ac:chgData name="Benjamin Payne" userId="S::benpayne@umbc.edu::b61ff11c-ba68-49af-b001-f9f234a6aca3" providerId="AD" clId="Web-{9ADCF0D2-9F70-9287-6B58-87349FB571BC}" dt="2018-09-01T17:47:24.352" v="269" actId="1076"/>
-          <ac:picMkLst>
-            <pc:docMk/>
-            <pc:sldMk cId="1791940524" sldId="300"/>
-            <ac:picMk id="4" creationId="{E12BA46C-8A34-4D82-8951-BDAD2F2F0BFB}"/>
-          </ac:picMkLst>
-        </pc:picChg>
-      </pc:sldChg>
-      <pc:sldChg chg="modSp new modNotes">
-        <pc:chgData name="Benjamin Payne" userId="S::benpayne@umbc.edu::b61ff11c-ba68-49af-b001-f9f234a6aca3" providerId="AD" clId="Web-{9ADCF0D2-9F70-9287-6B58-87349FB571BC}" dt="2018-09-01T18:03:21.588" v="549" actId="20577"/>
-        <pc:sldMkLst>
-          <pc:docMk/>
-          <pc:sldMk cId="2231666173" sldId="301"/>
-        </pc:sldMkLst>
-        <pc:spChg chg="mod">
-          <ac:chgData name="Benjamin Payne" userId="S::benpayne@umbc.edu::b61ff11c-ba68-49af-b001-f9f234a6aca3" providerId="AD" clId="Web-{9ADCF0D2-9F70-9287-6B58-87349FB571BC}" dt="2018-09-01T17:55:45.907" v="293" actId="20577"/>
-          <ac:spMkLst>
-            <pc:docMk/>
-            <pc:sldMk cId="2231666173" sldId="301"/>
-            <ac:spMk id="2" creationId="{46B1F39F-B0AA-470C-ABC1-2A14DDCDABF6}"/>
-          </ac:spMkLst>
-        </pc:spChg>
-        <pc:spChg chg="mod">
-          <ac:chgData name="Benjamin Payne" userId="S::benpayne@umbc.edu::b61ff11c-ba68-49af-b001-f9f234a6aca3" providerId="AD" clId="Web-{9ADCF0D2-9F70-9287-6B58-87349FB571BC}" dt="2018-09-01T18:03:21.588" v="549" actId="20577"/>
-          <ac:spMkLst>
-            <pc:docMk/>
-            <pc:sldMk cId="2231666173" sldId="301"/>
-            <ac:spMk id="3" creationId="{6C1D578C-2AFA-4806-BEC7-5CE5A0861786}"/>
-          </ac:spMkLst>
-        </pc:spChg>
-      </pc:sldChg>
-      <pc:sldChg chg="addSp delSp modSp new ord">
-        <pc:chgData name="Benjamin Payne" userId="S::benpayne@umbc.edu::b61ff11c-ba68-49af-b001-f9f234a6aca3" providerId="AD" clId="Web-{9ADCF0D2-9F70-9287-6B58-87349FB571BC}" dt="2018-09-01T18:20:56.683" v="701"/>
-        <pc:sldMkLst>
-          <pc:docMk/>
-          <pc:sldMk cId="188267355" sldId="302"/>
-        </pc:sldMkLst>
-        <pc:spChg chg="mod">
-          <ac:chgData name="Benjamin Payne" userId="S::benpayne@umbc.edu::b61ff11c-ba68-49af-b001-f9f234a6aca3" providerId="AD" clId="Web-{9ADCF0D2-9F70-9287-6B58-87349FB571BC}" dt="2018-09-01T18:13:59.118" v="646" actId="20577"/>
-          <ac:spMkLst>
-            <pc:docMk/>
-            <pc:sldMk cId="188267355" sldId="302"/>
-            <ac:spMk id="2" creationId="{0B28D610-B997-4A05-B255-F37FC725680E}"/>
-          </ac:spMkLst>
-        </pc:spChg>
-        <pc:spChg chg="del">
-          <ac:chgData name="Benjamin Payne" userId="S::benpayne@umbc.edu::b61ff11c-ba68-49af-b001-f9f234a6aca3" providerId="AD" clId="Web-{9ADCF0D2-9F70-9287-6B58-87349FB571BC}" dt="2018-09-01T18:13:44.930" v="637"/>
-          <ac:spMkLst>
-            <pc:docMk/>
-            <pc:sldMk cId="188267355" sldId="302"/>
-            <ac:spMk id="3" creationId="{2591EF2D-91B5-4133-9D51-871971E6582A}"/>
-          </ac:spMkLst>
-        </pc:spChg>
-        <pc:spChg chg="add mod">
-          <ac:chgData name="Benjamin Payne" userId="S::benpayne@umbc.edu::b61ff11c-ba68-49af-b001-f9f234a6aca3" providerId="AD" clId="Web-{9ADCF0D2-9F70-9287-6B58-87349FB571BC}" dt="2018-09-01T18:18:23.362" v="680" actId="14100"/>
-          <ac:spMkLst>
-            <pc:docMk/>
-            <pc:sldMk cId="188267355" sldId="302"/>
-            <ac:spMk id="18" creationId="{A48A7DCE-2EB1-451F-951B-7C6DAEA83480}"/>
-          </ac:spMkLst>
-        </pc:spChg>
-        <pc:spChg chg="add mod">
-          <ac:chgData name="Benjamin Payne" userId="S::benpayne@umbc.edu::b61ff11c-ba68-49af-b001-f9f234a6aca3" providerId="AD" clId="Web-{9ADCF0D2-9F70-9287-6B58-87349FB571BC}" dt="2018-09-01T18:18:45.004" v="685" actId="1076"/>
-          <ac:spMkLst>
-            <pc:docMk/>
-            <pc:sldMk cId="188267355" sldId="302"/>
-            <ac:spMk id="19" creationId="{9169136A-B449-4382-A265-B41882721EA1}"/>
-          </ac:spMkLst>
-        </pc:spChg>
-        <pc:spChg chg="add mod">
-          <ac:chgData name="Benjamin Payne" userId="S::benpayne@umbc.edu::b61ff11c-ba68-49af-b001-f9f234a6aca3" providerId="AD" clId="Web-{9ADCF0D2-9F70-9287-6B58-87349FB571BC}" dt="2018-09-01T18:18:59.239" v="689" actId="1076"/>
-          <ac:spMkLst>
-            <pc:docMk/>
-            <pc:sldMk cId="188267355" sldId="302"/>
-            <ac:spMk id="20" creationId="{0D0F0259-D1CB-4174-B3C7-192144C0D1AA}"/>
-          </ac:spMkLst>
-        </pc:spChg>
-        <pc:spChg chg="add mod">
-          <ac:chgData name="Benjamin Payne" userId="S::benpayne@umbc.edu::b61ff11c-ba68-49af-b001-f9f234a6aca3" providerId="AD" clId="Web-{9ADCF0D2-9F70-9287-6B58-87349FB571BC}" dt="2018-09-01T18:19:15.911" v="693" actId="1076"/>
-          <ac:spMkLst>
-            <pc:docMk/>
-            <pc:sldMk cId="188267355" sldId="302"/>
-            <ac:spMk id="21" creationId="{8E1CE17F-0C87-4FB1-9172-BE433D308B70}"/>
-          </ac:spMkLst>
-        </pc:spChg>
-        <pc:spChg chg="add mod">
-          <ac:chgData name="Benjamin Payne" userId="S::benpayne@umbc.edu::b61ff11c-ba68-49af-b001-f9f234a6aca3" providerId="AD" clId="Web-{9ADCF0D2-9F70-9287-6B58-87349FB571BC}" dt="2018-09-01T18:19:33.787" v="698" actId="14100"/>
-          <ac:spMkLst>
-            <pc:docMk/>
-            <pc:sldMk cId="188267355" sldId="302"/>
-            <ac:spMk id="22" creationId="{58160C7B-12D2-423E-B147-C665DAE93C0A}"/>
-          </ac:spMkLst>
-        </pc:spChg>
-        <pc:picChg chg="add mod ord">
-          <ac:chgData name="Benjamin Payne" userId="S::benpayne@umbc.edu::b61ff11c-ba68-49af-b001-f9f234a6aca3" providerId="AD" clId="Web-{9ADCF0D2-9F70-9287-6B58-87349FB571BC}" dt="2018-09-01T18:16:10.107" v="661" actId="1076"/>
-          <ac:picMkLst>
-            <pc:docMk/>
-            <pc:sldMk cId="188267355" sldId="302"/>
-            <ac:picMk id="4" creationId="{B2720D7C-CBCC-4991-B7EC-BEBAF6DD8744}"/>
-          </ac:picMkLst>
-        </pc:picChg>
-        <pc:picChg chg="add mod">
-          <ac:chgData name="Benjamin Payne" userId="S::benpayne@umbc.edu::b61ff11c-ba68-49af-b001-f9f234a6aca3" providerId="AD" clId="Web-{9ADCF0D2-9F70-9287-6B58-87349FB571BC}" dt="2018-09-01T18:19:25.865" v="696" actId="1076"/>
-          <ac:picMkLst>
-            <pc:docMk/>
-            <pc:sldMk cId="188267355" sldId="302"/>
-            <ac:picMk id="6" creationId="{3495BC61-3834-4749-9BDE-2205D1E9122B}"/>
-          </ac:picMkLst>
-        </pc:picChg>
-        <pc:picChg chg="add mod">
-          <ac:chgData name="Benjamin Payne" userId="S::benpayne@umbc.edu::b61ff11c-ba68-49af-b001-f9f234a6aca3" providerId="AD" clId="Web-{9ADCF0D2-9F70-9287-6B58-87349FB571BC}" dt="2018-09-01T18:14:24.947" v="652" actId="1076"/>
-          <ac:picMkLst>
-            <pc:docMk/>
-            <pc:sldMk cId="188267355" sldId="302"/>
-            <ac:picMk id="8" creationId="{7664BE6C-ED06-46E4-AF74-1D45D2868671}"/>
-          </ac:picMkLst>
-        </pc:picChg>
-        <pc:picChg chg="add mod modCrop">
-          <ac:chgData name="Benjamin Payne" userId="S::benpayne@umbc.edu::b61ff11c-ba68-49af-b001-f9f234a6aca3" providerId="AD" clId="Web-{9ADCF0D2-9F70-9287-6B58-87349FB571BC}" dt="2018-09-01T18:17:28.720" v="672" actId="1076"/>
-          <ac:picMkLst>
-            <pc:docMk/>
-            <pc:sldMk cId="188267355" sldId="302"/>
-            <ac:picMk id="10" creationId="{F87928BA-FC4B-4A98-ABB6-4E18708ABA60}"/>
-          </ac:picMkLst>
-        </pc:picChg>
-        <pc:picChg chg="add mod">
-          <ac:chgData name="Benjamin Payne" userId="S::benpayne@umbc.edu::b61ff11c-ba68-49af-b001-f9f234a6aca3" providerId="AD" clId="Web-{9ADCF0D2-9F70-9287-6B58-87349FB571BC}" dt="2018-09-01T18:18:33.128" v="683" actId="1076"/>
-          <ac:picMkLst>
-            <pc:docMk/>
-            <pc:sldMk cId="188267355" sldId="302"/>
-            <ac:picMk id="12" creationId="{E3F4975F-EC58-4F46-AE7C-EB9D926DF75A}"/>
-          </ac:picMkLst>
-        </pc:picChg>
-        <pc:picChg chg="add del mod">
-          <ac:chgData name="Benjamin Payne" userId="S::benpayne@umbc.edu::b61ff11c-ba68-49af-b001-f9f234a6aca3" providerId="AD" clId="Web-{9ADCF0D2-9F70-9287-6B58-87349FB571BC}" dt="2018-09-01T18:15:46.153" v="658"/>
-          <ac:picMkLst>
-            <pc:docMk/>
-            <pc:sldMk cId="188267355" sldId="302"/>
-            <ac:picMk id="14" creationId="{4FFE37A9-A9BF-476E-84F3-26325DD02108}"/>
-          </ac:picMkLst>
-        </pc:picChg>
-        <pc:picChg chg="add mod">
-          <ac:chgData name="Benjamin Payne" userId="S::benpayne@umbc.edu::b61ff11c-ba68-49af-b001-f9f234a6aca3" providerId="AD" clId="Web-{9ADCF0D2-9F70-9287-6B58-87349FB571BC}" dt="2018-09-01T18:17:22.407" v="671" actId="1076"/>
-          <ac:picMkLst>
-            <pc:docMk/>
-            <pc:sldMk cId="188267355" sldId="302"/>
-            <ac:picMk id="16" creationId="{74F23775-23C0-4186-829E-3A08BD168A68}"/>
-          </ac:picMkLst>
-        </pc:picChg>
-      </pc:sldChg>
-      <pc:sldChg chg="new del">
-        <pc:chgData name="Benjamin Payne" userId="S::benpayne@umbc.edu::b61ff11c-ba68-49af-b001-f9f234a6aca3" providerId="AD" clId="Web-{9ADCF0D2-9F70-9287-6B58-87349FB571BC}" dt="2018-09-01T18:04:06.109" v="553"/>
-        <pc:sldMkLst>
-          <pc:docMk/>
-          <pc:sldMk cId="2821957110" sldId="302"/>
-        </pc:sldMkLst>
-      </pc:sldChg>
-      <pc:sldChg chg="modSp new">
-        <pc:chgData name="Benjamin Payne" userId="S::benpayne@umbc.edu::b61ff11c-ba68-49af-b001-f9f234a6aca3" providerId="AD" clId="Web-{9ADCF0D2-9F70-9287-6B58-87349FB571BC}" dt="2018-09-01T18:28:45.841" v="912" actId="20577"/>
-        <pc:sldMkLst>
-          <pc:docMk/>
-          <pc:sldMk cId="1486241754" sldId="303"/>
-        </pc:sldMkLst>
-        <pc:spChg chg="mod">
-          <ac:chgData name="Benjamin Payne" userId="S::benpayne@umbc.edu::b61ff11c-ba68-49af-b001-f9f234a6aca3" providerId="AD" clId="Web-{9ADCF0D2-9F70-9287-6B58-87349FB571BC}" dt="2018-09-01T18:25:38.881" v="763" actId="20577"/>
-          <ac:spMkLst>
-            <pc:docMk/>
-            <pc:sldMk cId="1486241754" sldId="303"/>
-            <ac:spMk id="2" creationId="{A2EBB9C2-126E-4CD8-9B39-DD110DFBEACB}"/>
-          </ac:spMkLst>
-        </pc:spChg>
-        <pc:spChg chg="mod">
-          <ac:chgData name="Benjamin Payne" userId="S::benpayne@umbc.edu::b61ff11c-ba68-49af-b001-f9f234a6aca3" providerId="AD" clId="Web-{9ADCF0D2-9F70-9287-6B58-87349FB571BC}" dt="2018-09-01T18:28:45.841" v="912" actId="20577"/>
-          <ac:spMkLst>
-            <pc:docMk/>
-            <pc:sldMk cId="1486241754" sldId="303"/>
-            <ac:spMk id="3" creationId="{E6BB48B3-B20D-44AB-BC97-C0DCB655B5FF}"/>
-          </ac:spMkLst>
-        </pc:spChg>
-      </pc:sldChg>
-    </pc:docChg>
-  </pc:docChgLst>
-  <pc:docChgLst>
-    <pc:chgData name="Benjamin Payne" userId="S::benpayne@umbc.edu::b61ff11c-ba68-49af-b001-f9f234a6aca3" providerId="AD" clId="Web-{A6A3FCF1-E678-9542-C794-6720E884E4A2}"/>
-    <pc:docChg chg="addSld modSld sldOrd">
-      <pc:chgData name="Benjamin Payne" userId="S::benpayne@umbc.edu::b61ff11c-ba68-49af-b001-f9f234a6aca3" providerId="AD" clId="Web-{A6A3FCF1-E678-9542-C794-6720E884E4A2}" dt="2018-08-18T10:06:50.971" v="248"/>
-      <pc:docMkLst>
-        <pc:docMk/>
-      </pc:docMkLst>
-      <pc:sldChg chg="ord">
-        <pc:chgData name="Benjamin Payne" userId="S::benpayne@umbc.edu::b61ff11c-ba68-49af-b001-f9f234a6aca3" providerId="AD" clId="Web-{A6A3FCF1-E678-9542-C794-6720E884E4A2}" dt="2018-08-18T10:06:50.971" v="248"/>
-        <pc:sldMkLst>
-          <pc:docMk/>
-          <pc:sldMk cId="1876768357" sldId="260"/>
-        </pc:sldMkLst>
-      </pc:sldChg>
-      <pc:sldChg chg="ord">
-        <pc:chgData name="Benjamin Payne" userId="S::benpayne@umbc.edu::b61ff11c-ba68-49af-b001-f9f234a6aca3" providerId="AD" clId="Web-{A6A3FCF1-E678-9542-C794-6720E884E4A2}" dt="2018-08-18T10:06:50.971" v="247"/>
-        <pc:sldMkLst>
-          <pc:docMk/>
-          <pc:sldMk cId="2884606743" sldId="261"/>
-        </pc:sldMkLst>
-      </pc:sldChg>
-      <pc:sldChg chg="modSp">
-        <pc:chgData name="Benjamin Payne" userId="S::benpayne@umbc.edu::b61ff11c-ba68-49af-b001-f9f234a6aca3" providerId="AD" clId="Web-{A6A3FCF1-E678-9542-C794-6720E884E4A2}" dt="2018-08-18T10:03:04.282" v="235" actId="20577"/>
-        <pc:sldMkLst>
-          <pc:docMk/>
-          <pc:sldMk cId="1653610907" sldId="274"/>
-        </pc:sldMkLst>
-        <pc:spChg chg="mod">
-          <ac:chgData name="Benjamin Payne" userId="S::benpayne@umbc.edu::b61ff11c-ba68-49af-b001-f9f234a6aca3" providerId="AD" clId="Web-{A6A3FCF1-E678-9542-C794-6720E884E4A2}" dt="2018-08-18T10:03:04.282" v="235" actId="20577"/>
-          <ac:spMkLst>
-            <pc:docMk/>
-            <pc:sldMk cId="1653610907" sldId="274"/>
-            <ac:spMk id="2" creationId="{6B27E7C5-36AF-49FB-BD1D-1A01AA82E252}"/>
-          </ac:spMkLst>
-        </pc:spChg>
-      </pc:sldChg>
-      <pc:sldChg chg="modSp new">
-        <pc:chgData name="Benjamin Payne" userId="S::benpayne@umbc.edu::b61ff11c-ba68-49af-b001-f9f234a6aca3" providerId="AD" clId="Web-{A6A3FCF1-E678-9542-C794-6720E884E4A2}" dt="2018-08-18T09:28:02.229" v="55" actId="20577"/>
-        <pc:sldMkLst>
-          <pc:docMk/>
-          <pc:sldMk cId="1244777073" sldId="276"/>
-        </pc:sldMkLst>
-        <pc:spChg chg="mod">
-          <ac:chgData name="Benjamin Payne" userId="S::benpayne@umbc.edu::b61ff11c-ba68-49af-b001-f9f234a6aca3" providerId="AD" clId="Web-{A6A3FCF1-E678-9542-C794-6720E884E4A2}" dt="2018-08-18T09:27:39.932" v="3" actId="20577"/>
-          <ac:spMkLst>
-            <pc:docMk/>
-            <pc:sldMk cId="1244777073" sldId="276"/>
-            <ac:spMk id="2" creationId="{6F470837-2912-4BCE-B8C3-1E3F485FD446}"/>
-          </ac:spMkLst>
-        </pc:spChg>
-        <pc:spChg chg="mod">
-          <ac:chgData name="Benjamin Payne" userId="S::benpayne@umbc.edu::b61ff11c-ba68-49af-b001-f9f234a6aca3" providerId="AD" clId="Web-{A6A3FCF1-E678-9542-C794-6720E884E4A2}" dt="2018-08-18T09:28:02.229" v="55" actId="20577"/>
-          <ac:spMkLst>
-            <pc:docMk/>
-            <pc:sldMk cId="1244777073" sldId="276"/>
-            <ac:spMk id="3" creationId="{00BE4C77-0A73-49B2-81D1-823AF169CCC4}"/>
-          </ac:spMkLst>
-        </pc:spChg>
-      </pc:sldChg>
-      <pc:sldChg chg="modSp new">
-        <pc:chgData name="Benjamin Payne" userId="S::benpayne@umbc.edu::b61ff11c-ba68-49af-b001-f9f234a6aca3" providerId="AD" clId="Web-{A6A3FCF1-E678-9542-C794-6720E884E4A2}" dt="2018-08-18T09:43:38.542" v="107" actId="20577"/>
-        <pc:sldMkLst>
-          <pc:docMk/>
-          <pc:sldMk cId="1364403274" sldId="277"/>
-        </pc:sldMkLst>
-        <pc:spChg chg="mod">
-          <ac:chgData name="Benjamin Payne" userId="S::benpayne@umbc.edu::b61ff11c-ba68-49af-b001-f9f234a6aca3" providerId="AD" clId="Web-{A6A3FCF1-E678-9542-C794-6720E884E4A2}" dt="2018-08-18T09:28:10.463" v="62" actId="20577"/>
-          <ac:spMkLst>
-            <pc:docMk/>
-            <pc:sldMk cId="1364403274" sldId="277"/>
-            <ac:spMk id="2" creationId="{E81DD38E-F5EA-4A91-875F-90C4D24A633E}"/>
-          </ac:spMkLst>
-        </pc:spChg>
-        <pc:spChg chg="mod">
-          <ac:chgData name="Benjamin Payne" userId="S::benpayne@umbc.edu::b61ff11c-ba68-49af-b001-f9f234a6aca3" providerId="AD" clId="Web-{A6A3FCF1-E678-9542-C794-6720E884E4A2}" dt="2018-08-18T09:43:38.542" v="107" actId="20577"/>
-          <ac:spMkLst>
-            <pc:docMk/>
-            <pc:sldMk cId="1364403274" sldId="277"/>
-            <ac:spMk id="3" creationId="{7DABFF33-165D-49CD-8F9D-7394951F24DB}"/>
-          </ac:spMkLst>
-        </pc:spChg>
-      </pc:sldChg>
-      <pc:sldChg chg="modSp new mod modClrScheme chgLayout modNotes">
-        <pc:chgData name="Benjamin Payne" userId="S::benpayne@umbc.edu::b61ff11c-ba68-49af-b001-f9f234a6aca3" providerId="AD" clId="Web-{A6A3FCF1-E678-9542-C794-6720E884E4A2}" dt="2018-08-18T10:00:41.703" v="211" actId="20577"/>
-        <pc:sldMkLst>
-          <pc:docMk/>
-          <pc:sldMk cId="2348569640" sldId="278"/>
-        </pc:sldMkLst>
-        <pc:spChg chg="mod ord">
-          <ac:chgData name="Benjamin Payne" userId="S::benpayne@umbc.edu::b61ff11c-ba68-49af-b001-f9f234a6aca3" providerId="AD" clId="Web-{A6A3FCF1-E678-9542-C794-6720E884E4A2}" dt="2018-08-18T09:47:43.089" v="111" actId="20577"/>
-          <ac:spMkLst>
-            <pc:docMk/>
-            <pc:sldMk cId="2348569640" sldId="278"/>
-            <ac:spMk id="2" creationId="{38E5B71F-A1F3-40FC-A83B-200EF65417D0}"/>
-          </ac:spMkLst>
-        </pc:spChg>
-        <pc:spChg chg="mod ord">
-          <ac:chgData name="Benjamin Payne" userId="S::benpayne@umbc.edu::b61ff11c-ba68-49af-b001-f9f234a6aca3" providerId="AD" clId="Web-{A6A3FCF1-E678-9542-C794-6720E884E4A2}" dt="2018-08-18T10:00:41.703" v="211" actId="20577"/>
-          <ac:spMkLst>
-            <pc:docMk/>
-            <pc:sldMk cId="2348569640" sldId="278"/>
-            <ac:spMk id="3" creationId="{A91FDC6A-B3C0-453E-862F-30C4F259F2D6}"/>
-          </ac:spMkLst>
-        </pc:spChg>
-      </pc:sldChg>
-      <pc:sldChg chg="addSp delSp modSp new modNotes">
-        <pc:chgData name="Benjamin Payne" userId="S::benpayne@umbc.edu::b61ff11c-ba68-49af-b001-f9f234a6aca3" providerId="AD" clId="Web-{A6A3FCF1-E678-9542-C794-6720E884E4A2}" dt="2018-08-18T10:06:16.674" v="246" actId="1076"/>
-        <pc:sldMkLst>
-          <pc:docMk/>
-          <pc:sldMk cId="2711550260" sldId="279"/>
-        </pc:sldMkLst>
-        <pc:spChg chg="mod">
-          <ac:chgData name="Benjamin Payne" userId="S::benpayne@umbc.edu::b61ff11c-ba68-49af-b001-f9f234a6aca3" providerId="AD" clId="Web-{A6A3FCF1-E678-9542-C794-6720E884E4A2}" dt="2018-08-18T10:01:58.313" v="226" actId="20577"/>
-          <ac:spMkLst>
-            <pc:docMk/>
-            <pc:sldMk cId="2711550260" sldId="279"/>
-            <ac:spMk id="2" creationId="{2D7DE3BE-F1D3-4E68-BE26-81E8F688BD75}"/>
-          </ac:spMkLst>
-        </pc:spChg>
-        <pc:spChg chg="del">
-          <ac:chgData name="Benjamin Payne" userId="S::benpayne@umbc.edu::b61ff11c-ba68-49af-b001-f9f234a6aca3" providerId="AD" clId="Web-{A6A3FCF1-E678-9542-C794-6720E884E4A2}" dt="2018-08-18T10:05:27.924" v="241"/>
-          <ac:spMkLst>
-            <pc:docMk/>
-            <pc:sldMk cId="2711550260" sldId="279"/>
-            <ac:spMk id="3" creationId="{B7075406-7D9C-4E0A-81BF-890A45AAF7F3}"/>
-          </ac:spMkLst>
-        </pc:spChg>
-        <pc:picChg chg="add mod ord">
-          <ac:chgData name="Benjamin Payne" userId="S::benpayne@umbc.edu::b61ff11c-ba68-49af-b001-f9f234a6aca3" providerId="AD" clId="Web-{A6A3FCF1-E678-9542-C794-6720E884E4A2}" dt="2018-08-18T10:06:16.674" v="246" actId="1076"/>
-          <ac:picMkLst>
-            <pc:docMk/>
-            <pc:sldMk cId="2711550260" sldId="279"/>
-            <ac:picMk id="4" creationId="{E0CC3B42-4D10-471C-BE05-BB617B26C0C4}"/>
-          </ac:picMkLst>
-        </pc:picChg>
-      </pc:sldChg>
-    </pc:docChg>
-  </pc:docChgLst>
-  <pc:docChgLst>
-    <pc:chgData name="Benjamin Payne" userId="S::benpayne@umbc.edu::b61ff11c-ba68-49af-b001-f9f234a6aca3" providerId="AD" clId="Web-{A7447AF0-FF7C-372B-8602-C2631B491BC2}"/>
-    <pc:docChg chg="addSld modSld">
-      <pc:chgData name="Benjamin Payne" userId="S::benpayne@umbc.edu::b61ff11c-ba68-49af-b001-f9f234a6aca3" providerId="AD" clId="Web-{A7447AF0-FF7C-372B-8602-C2631B491BC2}" dt="2018-08-23T01:39:07.752" v="299" actId="14100"/>
-      <pc:docMkLst>
-        <pc:docMk/>
-      </pc:docMkLst>
-      <pc:sldChg chg="addSp delSp modSp new modNotes">
-        <pc:chgData name="Benjamin Payne" userId="S::benpayne@umbc.edu::b61ff11c-ba68-49af-b001-f9f234a6aca3" providerId="AD" clId="Web-{A7447AF0-FF7C-372B-8602-C2631B491BC2}" dt="2018-08-23T01:27:31.566" v="48"/>
-        <pc:sldMkLst>
-          <pc:docMk/>
-          <pc:sldMk cId="1346395305" sldId="261"/>
-        </pc:sldMkLst>
-        <pc:spChg chg="mod">
-          <ac:chgData name="Benjamin Payne" userId="S::benpayne@umbc.edu::b61ff11c-ba68-49af-b001-f9f234a6aca3" providerId="AD" clId="Web-{A7447AF0-FF7C-372B-8602-C2631B491BC2}" dt="2018-08-23T01:25:55.738" v="7" actId="20577"/>
-          <ac:spMkLst>
-            <pc:docMk/>
-            <pc:sldMk cId="1346395305" sldId="261"/>
-            <ac:spMk id="2" creationId="{91739C6C-B8DC-433A-9609-A13A774DF671}"/>
-          </ac:spMkLst>
-        </pc:spChg>
-        <pc:spChg chg="del">
-          <ac:chgData name="Benjamin Payne" userId="S::benpayne@umbc.edu::b61ff11c-ba68-49af-b001-f9f234a6aca3" providerId="AD" clId="Web-{A7447AF0-FF7C-372B-8602-C2631B491BC2}" dt="2018-08-23T01:26:05.082" v="10"/>
-          <ac:spMkLst>
-            <pc:docMk/>
-            <pc:sldMk cId="1346395305" sldId="261"/>
-            <ac:spMk id="3" creationId="{35C0F3AE-E380-4DED-9918-C276C94E701C}"/>
-          </ac:spMkLst>
-        </pc:spChg>
-        <pc:picChg chg="add mod ord">
-          <ac:chgData name="Benjamin Payne" userId="S::benpayne@umbc.edu::b61ff11c-ba68-49af-b001-f9f234a6aca3" providerId="AD" clId="Web-{A7447AF0-FF7C-372B-8602-C2631B491BC2}" dt="2018-08-23T01:26:16.707" v="13" actId="688"/>
-          <ac:picMkLst>
-            <pc:docMk/>
-            <pc:sldMk cId="1346395305" sldId="261"/>
-            <ac:picMk id="4" creationId="{5F447C03-441F-4FB0-99A5-E1F3567D9B84}"/>
-          </ac:picMkLst>
-        </pc:picChg>
-      </pc:sldChg>
-      <pc:sldChg chg="addSp modSp new">
-        <pc:chgData name="Benjamin Payne" userId="S::benpayne@umbc.edu::b61ff11c-ba68-49af-b001-f9f234a6aca3" providerId="AD" clId="Web-{A7447AF0-FF7C-372B-8602-C2631B491BC2}" dt="2018-08-23T01:34:09.363" v="131" actId="20577"/>
-        <pc:sldMkLst>
-          <pc:docMk/>
-          <pc:sldMk cId="4098882263" sldId="262"/>
-        </pc:sldMkLst>
-        <pc:spChg chg="mod">
-          <ac:chgData name="Benjamin Payne" userId="S::benpayne@umbc.edu::b61ff11c-ba68-49af-b001-f9f234a6aca3" providerId="AD" clId="Web-{A7447AF0-FF7C-372B-8602-C2631B491BC2}" dt="2018-08-23T01:26:29.973" v="19" actId="20577"/>
-          <ac:spMkLst>
-            <pc:docMk/>
-            <pc:sldMk cId="4098882263" sldId="262"/>
-            <ac:spMk id="2" creationId="{90F8D6CD-CED3-4AF5-A5D4-2165C670088D}"/>
-          </ac:spMkLst>
-        </pc:spChg>
-        <pc:spChg chg="mod">
-          <ac:chgData name="Benjamin Payne" userId="S::benpayne@umbc.edu::b61ff11c-ba68-49af-b001-f9f234a6aca3" providerId="AD" clId="Web-{A7447AF0-FF7C-372B-8602-C2631B491BC2}" dt="2018-08-23T01:34:09.363" v="131" actId="20577"/>
-          <ac:spMkLst>
-            <pc:docMk/>
-            <pc:sldMk cId="4098882263" sldId="262"/>
-            <ac:spMk id="3" creationId="{6A37BAF8-919B-461D-A7B6-249E9E2F9EDD}"/>
-          </ac:spMkLst>
-        </pc:spChg>
-        <pc:spChg chg="add mod">
-          <ac:chgData name="Benjamin Payne" userId="S::benpayne@umbc.edu::b61ff11c-ba68-49af-b001-f9f234a6aca3" providerId="AD" clId="Web-{A7447AF0-FF7C-372B-8602-C2631B491BC2}" dt="2018-08-23T01:33:17.582" v="121" actId="20577"/>
-          <ac:spMkLst>
-            <pc:docMk/>
-            <pc:sldMk cId="4098882263" sldId="262"/>
-            <ac:spMk id="4" creationId="{0570751D-8E10-454D-94D7-001DA8C81F79}"/>
-          </ac:spMkLst>
-        </pc:spChg>
-      </pc:sldChg>
-      <pc:sldChg chg="modSp new">
-        <pc:chgData name="Benjamin Payne" userId="S::benpayne@umbc.edu::b61ff11c-ba68-49af-b001-f9f234a6aca3" providerId="AD" clId="Web-{A7447AF0-FF7C-372B-8602-C2631B491BC2}" dt="2018-08-23T01:39:07.752" v="299" actId="14100"/>
-        <pc:sldMkLst>
-          <pc:docMk/>
-          <pc:sldMk cId="904356056" sldId="263"/>
-        </pc:sldMkLst>
-        <pc:spChg chg="mod">
-          <ac:chgData name="Benjamin Payne" userId="S::benpayne@umbc.edu::b61ff11c-ba68-49af-b001-f9f234a6aca3" providerId="AD" clId="Web-{A7447AF0-FF7C-372B-8602-C2631B491BC2}" dt="2018-08-23T01:38:49.174" v="279" actId="20577"/>
-          <ac:spMkLst>
-            <pc:docMk/>
-            <pc:sldMk cId="904356056" sldId="263"/>
-            <ac:spMk id="2" creationId="{BEB63BCA-5A6E-465C-9FD5-27D7D0848030}"/>
-          </ac:spMkLst>
-        </pc:spChg>
-        <pc:spChg chg="mod">
-          <ac:chgData name="Benjamin Payne" userId="S::benpayne@umbc.edu::b61ff11c-ba68-49af-b001-f9f234a6aca3" providerId="AD" clId="Web-{A7447AF0-FF7C-372B-8602-C2631B491BC2}" dt="2018-08-23T01:39:07.752" v="299" actId="14100"/>
-          <ac:spMkLst>
-            <pc:docMk/>
-            <pc:sldMk cId="904356056" sldId="263"/>
-            <ac:spMk id="3" creationId="{DFE941AE-F9FA-4245-961F-BFCAA1725206}"/>
-          </ac:spMkLst>
-        </pc:spChg>
-      </pc:sldChg>
-    </pc:docChg>
-  </pc:docChgLst>
-  <pc:docChgLst>
-    <pc:chgData name="Benjamin Payne" userId="S::benpayne@umbc.edu::b61ff11c-ba68-49af-b001-f9f234a6aca3" providerId="AD" clId="Web-{3D953365-2011-41DC-8073-C1DC79AEBF19}"/>
-    <pc:docChg chg="addSld modSld">
-      <pc:chgData name="Benjamin Payne" userId="S::benpayne@umbc.edu::b61ff11c-ba68-49af-b001-f9f234a6aca3" providerId="AD" clId="Web-{3D953365-2011-41DC-8073-C1DC79AEBF19}" dt="2018-09-04T00:36:09.639" v="25" actId="14100"/>
-      <pc:docMkLst>
-        <pc:docMk/>
-      </pc:docMkLst>
-      <pc:sldChg chg="modSp">
-        <pc:chgData name="Benjamin Payne" userId="S::benpayne@umbc.edu::b61ff11c-ba68-49af-b001-f9f234a6aca3" providerId="AD" clId="Web-{3D953365-2011-41DC-8073-C1DC79AEBF19}" dt="2018-09-04T00:34:55.186" v="18" actId="20577"/>
-        <pc:sldMkLst>
-          <pc:docMk/>
-          <pc:sldMk cId="2868977103" sldId="267"/>
-        </pc:sldMkLst>
-        <pc:spChg chg="mod">
-          <ac:chgData name="Benjamin Payne" userId="S::benpayne@umbc.edu::b61ff11c-ba68-49af-b001-f9f234a6aca3" providerId="AD" clId="Web-{3D953365-2011-41DC-8073-C1DC79AEBF19}" dt="2018-09-04T00:34:55.186" v="18" actId="20577"/>
-          <ac:spMkLst>
-            <pc:docMk/>
-            <pc:sldMk cId="2868977103" sldId="267"/>
-            <ac:spMk id="3" creationId="{0BFDB35F-5670-4CF4-94F9-97E081C504BD}"/>
-          </ac:spMkLst>
-        </pc:spChg>
-      </pc:sldChg>
-      <pc:sldChg chg="addSp delSp modSp new modNotes">
-        <pc:chgData name="Benjamin Payne" userId="S::benpayne@umbc.edu::b61ff11c-ba68-49af-b001-f9f234a6aca3" providerId="AD" clId="Web-{3D953365-2011-41DC-8073-C1DC79AEBF19}" dt="2018-09-04T00:36:09.639" v="25" actId="14100"/>
-        <pc:sldMkLst>
-          <pc:docMk/>
-          <pc:sldMk cId="604767135" sldId="324"/>
-        </pc:sldMkLst>
-        <pc:spChg chg="del">
-          <ac:chgData name="Benjamin Payne" userId="S::benpayne@umbc.edu::b61ff11c-ba68-49af-b001-f9f234a6aca3" providerId="AD" clId="Web-{3D953365-2011-41DC-8073-C1DC79AEBF19}" dt="2018-09-04T00:35:44.170" v="23"/>
-          <ac:spMkLst>
-            <pc:docMk/>
-            <pc:sldMk cId="604767135" sldId="324"/>
-            <ac:spMk id="3" creationId="{A75148F3-AB87-4ED1-84EE-6A93719C9D3E}"/>
-          </ac:spMkLst>
-        </pc:spChg>
-        <pc:picChg chg="add mod ord">
-          <ac:chgData name="Benjamin Payne" userId="S::benpayne@umbc.edu::b61ff11c-ba68-49af-b001-f9f234a6aca3" providerId="AD" clId="Web-{3D953365-2011-41DC-8073-C1DC79AEBF19}" dt="2018-09-04T00:36:09.639" v="25" actId="14100"/>
-          <ac:picMkLst>
-            <pc:docMk/>
-            <pc:sldMk cId="604767135" sldId="324"/>
-            <ac:picMk id="4" creationId="{CF88454E-069F-402D-A5B0-67C0DC58648C}"/>
-          </ac:picMkLst>
-        </pc:picChg>
-      </pc:sldChg>
-    </pc:docChg>
-  </pc:docChgLst>
-  <pc:docChgLst>
-    <pc:chgData name="Benjamin Payne" userId="S::benpayne@umbc.edu::b61ff11c-ba68-49af-b001-f9f234a6aca3" providerId="AD" clId="Web-{D7EABF2C-DCDF-AF5B-B070-4D419DB99456}"/>
-    <pc:docChg chg="addSld modSld">
-      <pc:chgData name="Benjamin Payne" userId="S::benpayne@umbc.edu::b61ff11c-ba68-49af-b001-f9f234a6aca3" providerId="AD" clId="Web-{D7EABF2C-DCDF-AF5B-B070-4D419DB99456}" dt="2018-09-04T20:49:51.645" v="250" actId="1076"/>
-      <pc:docMkLst>
-        <pc:docMk/>
-      </pc:docMkLst>
-      <pc:sldChg chg="modSp">
-        <pc:chgData name="Benjamin Payne" userId="S::benpayne@umbc.edu::b61ff11c-ba68-49af-b001-f9f234a6aca3" providerId="AD" clId="Web-{D7EABF2C-DCDF-AF5B-B070-4D419DB99456}" dt="2018-09-04T20:36:06.202" v="14" actId="20577"/>
-        <pc:sldMkLst>
-          <pc:docMk/>
-          <pc:sldMk cId="2868977103" sldId="267"/>
-        </pc:sldMkLst>
-        <pc:spChg chg="mod">
-          <ac:chgData name="Benjamin Payne" userId="S::benpayne@umbc.edu::b61ff11c-ba68-49af-b001-f9f234a6aca3" providerId="AD" clId="Web-{D7EABF2C-DCDF-AF5B-B070-4D419DB99456}" dt="2018-09-04T20:36:06.202" v="14" actId="20577"/>
-          <ac:spMkLst>
-            <pc:docMk/>
-            <pc:sldMk cId="2868977103" sldId="267"/>
-            <ac:spMk id="3" creationId="{0BFDB35F-5670-4CF4-94F9-97E081C504BD}"/>
-          </ac:spMkLst>
-        </pc:spChg>
-      </pc:sldChg>
-      <pc:sldChg chg="modSp">
-        <pc:chgData name="Benjamin Payne" userId="S::benpayne@umbc.edu::b61ff11c-ba68-49af-b001-f9f234a6aca3" providerId="AD" clId="Web-{D7EABF2C-DCDF-AF5B-B070-4D419DB99456}" dt="2018-09-04T20:49:19.769" v="241" actId="20577"/>
-        <pc:sldMkLst>
-          <pc:docMk/>
-          <pc:sldMk cId="3403740684" sldId="306"/>
-        </pc:sldMkLst>
-        <pc:spChg chg="mod">
-          <ac:chgData name="Benjamin Payne" userId="S::benpayne@umbc.edu::b61ff11c-ba68-49af-b001-f9f234a6aca3" providerId="AD" clId="Web-{D7EABF2C-DCDF-AF5B-B070-4D419DB99456}" dt="2018-09-04T20:49:19.769" v="241" actId="20577"/>
-          <ac:spMkLst>
-            <pc:docMk/>
-            <pc:sldMk cId="3403740684" sldId="306"/>
-            <ac:spMk id="4" creationId="{0EC7ECE4-1153-4EEA-B33A-CA260B283CF3}"/>
-          </ac:spMkLst>
-        </pc:spChg>
-      </pc:sldChg>
-      <pc:sldChg chg="modSp">
-        <pc:chgData name="Benjamin Payne" userId="S::benpayne@umbc.edu::b61ff11c-ba68-49af-b001-f9f234a6aca3" providerId="AD" clId="Web-{D7EABF2C-DCDF-AF5B-B070-4D419DB99456}" dt="2018-09-04T20:45:06.247" v="33" actId="20577"/>
-        <pc:sldMkLst>
-          <pc:docMk/>
-          <pc:sldMk cId="3887352271" sldId="309"/>
-        </pc:sldMkLst>
-        <pc:spChg chg="mod">
-          <ac:chgData name="Benjamin Payne" userId="S::benpayne@umbc.edu::b61ff11c-ba68-49af-b001-f9f234a6aca3" providerId="AD" clId="Web-{D7EABF2C-DCDF-AF5B-B070-4D419DB99456}" dt="2018-09-04T20:45:06.247" v="33" actId="20577"/>
-          <ac:spMkLst>
-            <pc:docMk/>
-            <pc:sldMk cId="3887352271" sldId="309"/>
-            <ac:spMk id="3" creationId="{6E16B59F-4225-4D5A-92A3-0DEB3115D828}"/>
-          </ac:spMkLst>
-        </pc:spChg>
-      </pc:sldChg>
-      <pc:sldChg chg="addSp modSp new">
-        <pc:chgData name="Benjamin Payne" userId="S::benpayne@umbc.edu::b61ff11c-ba68-49af-b001-f9f234a6aca3" providerId="AD" clId="Web-{D7EABF2C-DCDF-AF5B-B070-4D419DB99456}" dt="2018-09-04T20:40:08.989" v="22"/>
-        <pc:sldMkLst>
-          <pc:docMk/>
-          <pc:sldMk cId="4157196518" sldId="331"/>
-        </pc:sldMkLst>
-        <pc:spChg chg="add">
-          <ac:chgData name="Benjamin Payne" userId="S::benpayne@umbc.edu::b61ff11c-ba68-49af-b001-f9f234a6aca3" providerId="AD" clId="Web-{D7EABF2C-DCDF-AF5B-B070-4D419DB99456}" dt="2018-09-04T20:36:24.155" v="17"/>
-          <ac:spMkLst>
-            <pc:docMk/>
-            <pc:sldMk cId="4157196518" sldId="331"/>
-            <ac:spMk id="2" creationId="{EEC8933D-080C-4CB5-8991-EBBB1E59E932}"/>
-          </ac:spMkLst>
-        </pc:spChg>
-        <pc:spChg chg="add">
-          <ac:chgData name="Benjamin Payne" userId="S::benpayne@umbc.edu::b61ff11c-ba68-49af-b001-f9f234a6aca3" providerId="AD" clId="Web-{D7EABF2C-DCDF-AF5B-B070-4D419DB99456}" dt="2018-09-04T20:36:24.155" v="17"/>
-          <ac:spMkLst>
-            <pc:docMk/>
-            <pc:sldMk cId="4157196518" sldId="331"/>
-            <ac:spMk id="3" creationId="{1FDBD179-E389-4E6C-920D-263963340F46}"/>
-          </ac:spMkLst>
-        </pc:spChg>
-        <pc:spChg chg="add">
-          <ac:chgData name="Benjamin Payne" userId="S::benpayne@umbc.edu::b61ff11c-ba68-49af-b001-f9f234a6aca3" providerId="AD" clId="Web-{D7EABF2C-DCDF-AF5B-B070-4D419DB99456}" dt="2018-09-04T20:36:24.155" v="17"/>
-          <ac:spMkLst>
-            <pc:docMk/>
-            <pc:sldMk cId="4157196518" sldId="331"/>
-            <ac:spMk id="4" creationId="{79616E17-C9A3-476E-9736-AF030882F17C}"/>
-          </ac:spMkLst>
-        </pc:spChg>
-        <pc:picChg chg="add mod modCrop">
-          <ac:chgData name="Benjamin Payne" userId="S::benpayne@umbc.edu::b61ff11c-ba68-49af-b001-f9f234a6aca3" providerId="AD" clId="Web-{D7EABF2C-DCDF-AF5B-B070-4D419DB99456}" dt="2018-09-04T20:40:08.989" v="22"/>
-          <ac:picMkLst>
-            <pc:docMk/>
-            <pc:sldMk cId="4157196518" sldId="331"/>
-            <ac:picMk id="5" creationId="{E4A64F03-3FD9-4975-8438-5715A31F3D10}"/>
-          </ac:picMkLst>
-        </pc:picChg>
-      </pc:sldChg>
-      <pc:sldChg chg="addSp modSp new">
-        <pc:chgData name="Benjamin Payne" userId="S::benpayne@umbc.edu::b61ff11c-ba68-49af-b001-f9f234a6aca3" providerId="AD" clId="Web-{D7EABF2C-DCDF-AF5B-B070-4D419DB99456}" dt="2018-09-04T20:49:51.645" v="250" actId="1076"/>
-        <pc:sldMkLst>
-          <pc:docMk/>
-          <pc:sldMk cId="4040244022" sldId="332"/>
-        </pc:sldMkLst>
-        <pc:spChg chg="mod">
-          <ac:chgData name="Benjamin Payne" userId="S::benpayne@umbc.edu::b61ff11c-ba68-49af-b001-f9f234a6aca3" providerId="AD" clId="Web-{D7EABF2C-DCDF-AF5B-B070-4D419DB99456}" dt="2018-09-04T20:46:42.530" v="92" actId="20577"/>
-          <ac:spMkLst>
-            <pc:docMk/>
-            <pc:sldMk cId="4040244022" sldId="332"/>
-            <ac:spMk id="2" creationId="{0E0F7F52-A4A2-4944-B972-BA0546BB315E}"/>
-          </ac:spMkLst>
-        </pc:spChg>
-        <pc:spChg chg="mod">
-          <ac:chgData name="Benjamin Payne" userId="S::benpayne@umbc.edu::b61ff11c-ba68-49af-b001-f9f234a6aca3" providerId="AD" clId="Web-{D7EABF2C-DCDF-AF5B-B070-4D419DB99456}" dt="2018-09-04T20:46:49.952" v="95" actId="20577"/>
-          <ac:spMkLst>
-            <pc:docMk/>
-            <pc:sldMk cId="4040244022" sldId="332"/>
-            <ac:spMk id="3" creationId="{BE4120CA-CB86-455F-A7E5-E4CD6F806650}"/>
-          </ac:spMkLst>
-        </pc:spChg>
-        <pc:spChg chg="add mod">
-          <ac:chgData name="Benjamin Payne" userId="S::benpayne@umbc.edu::b61ff11c-ba68-49af-b001-f9f234a6aca3" providerId="AD" clId="Web-{D7EABF2C-DCDF-AF5B-B070-4D419DB99456}" dt="2018-09-04T20:47:34.141" v="127" actId="1076"/>
-          <ac:spMkLst>
-            <pc:docMk/>
-            <pc:sldMk cId="4040244022" sldId="332"/>
-            <ac:spMk id="4" creationId="{05684EA4-E6E6-4B71-827D-E2CE1EDE3C4E}"/>
-          </ac:spMkLst>
-        </pc:spChg>
-        <pc:spChg chg="add mod">
-          <ac:chgData name="Benjamin Payne" userId="S::benpayne@umbc.edu::b61ff11c-ba68-49af-b001-f9f234a6aca3" providerId="AD" clId="Web-{D7EABF2C-DCDF-AF5B-B070-4D419DB99456}" dt="2018-09-04T20:49:51.645" v="250" actId="1076"/>
-          <ac:spMkLst>
-            <pc:docMk/>
-            <pc:sldMk cId="4040244022" sldId="332"/>
-            <ac:spMk id="5" creationId="{5008954D-76AB-435A-8A4C-5DDD425042D0}"/>
-          </ac:spMkLst>
-        </pc:spChg>
-      </pc:sldChg>
-      <pc:sldChg chg="addSp delSp modSp new">
-        <pc:chgData name="Benjamin Payne" userId="S::benpayne@umbc.edu::b61ff11c-ba68-49af-b001-f9f234a6aca3" providerId="AD" clId="Web-{D7EABF2C-DCDF-AF5B-B070-4D419DB99456}" dt="2018-09-04T20:49:42.754" v="248"/>
-        <pc:sldMkLst>
-          <pc:docMk/>
-          <pc:sldMk cId="1385480877" sldId="333"/>
-        </pc:sldMkLst>
-        <pc:spChg chg="mod">
-          <ac:chgData name="Benjamin Payne" userId="S::benpayne@umbc.edu::b61ff11c-ba68-49af-b001-f9f234a6aca3" providerId="AD" clId="Web-{D7EABF2C-DCDF-AF5B-B070-4D419DB99456}" dt="2018-09-04T20:48:07.767" v="138" actId="20577"/>
-          <ac:spMkLst>
-            <pc:docMk/>
-            <pc:sldMk cId="1385480877" sldId="333"/>
-            <ac:spMk id="2" creationId="{70CDB4D1-DE7C-4DC9-A828-35BA7F7FF8E9}"/>
-          </ac:spMkLst>
-        </pc:spChg>
-        <pc:spChg chg="mod">
-          <ac:chgData name="Benjamin Payne" userId="S::benpayne@umbc.edu::b61ff11c-ba68-49af-b001-f9f234a6aca3" providerId="AD" clId="Web-{D7EABF2C-DCDF-AF5B-B070-4D419DB99456}" dt="2018-09-04T20:48:57.534" v="234" actId="20577"/>
-          <ac:spMkLst>
-            <pc:docMk/>
-            <pc:sldMk cId="1385480877" sldId="333"/>
-            <ac:spMk id="3" creationId="{C4D1370E-9720-451E-B91C-BA0B834D2DE5}"/>
-          </ac:spMkLst>
-        </pc:spChg>
-        <pc:spChg chg="add del mod">
-          <ac:chgData name="Benjamin Payne" userId="S::benpayne@umbc.edu::b61ff11c-ba68-49af-b001-f9f234a6aca3" providerId="AD" clId="Web-{D7EABF2C-DCDF-AF5B-B070-4D419DB99456}" dt="2018-09-04T20:48:02.298" v="133"/>
-          <ac:spMkLst>
-            <pc:docMk/>
-            <pc:sldMk cId="1385480877" sldId="333"/>
-            <ac:spMk id="5" creationId="{E4F218F3-7AAE-461D-BDFA-C8F961E79AE0}"/>
-          </ac:spMkLst>
-        </pc:spChg>
-        <pc:spChg chg="add mod">
-          <ac:chgData name="Benjamin Payne" userId="S::benpayne@umbc.edu::b61ff11c-ba68-49af-b001-f9f234a6aca3" providerId="AD" clId="Web-{D7EABF2C-DCDF-AF5B-B070-4D419DB99456}" dt="2018-09-04T20:49:34.800" v="244" actId="20577"/>
-          <ac:spMkLst>
-            <pc:docMk/>
-            <pc:sldMk cId="1385480877" sldId="333"/>
-            <ac:spMk id="6" creationId="{123994BF-DBBC-4628-8E85-38AEB3EEFBFE}"/>
-          </ac:spMkLst>
-        </pc:spChg>
-        <pc:spChg chg="add del">
-          <ac:chgData name="Benjamin Payne" userId="S::benpayne@umbc.edu::b61ff11c-ba68-49af-b001-f9f234a6aca3" providerId="AD" clId="Web-{D7EABF2C-DCDF-AF5B-B070-4D419DB99456}" dt="2018-09-04T20:49:42.754" v="248"/>
-          <ac:spMkLst>
-            <pc:docMk/>
-            <pc:sldMk cId="1385480877" sldId="333"/>
-            <ac:spMk id="8" creationId="{BB86110D-EDDD-4163-8E44-E5376B0E4777}"/>
-          </ac:spMkLst>
-        </pc:spChg>
-      </pc:sldChg>
-    </pc:docChg>
-  </pc:docChgLst>
-  <pc:docChgLst>
-    <pc:chgData name="Benjamin Payne" userId="S::benpayne@umbc.edu::b61ff11c-ba68-49af-b001-f9f234a6aca3" providerId="AD" clId="Web-{44FE971F-0977-6269-0882-D2069DB64A8A}"/>
-    <pc:docChg chg="addSld modSld sldOrd">
-      <pc:chgData name="Benjamin Payne" userId="S::benpayne@umbc.edu::b61ff11c-ba68-49af-b001-f9f234a6aca3" providerId="AD" clId="Web-{44FE971F-0977-6269-0882-D2069DB64A8A}" dt="2018-08-24T10:52:10.579" v="139"/>
-      <pc:docMkLst>
-        <pc:docMk/>
-      </pc:docMkLst>
-      <pc:sldChg chg="ord">
-        <pc:chgData name="Benjamin Payne" userId="S::benpayne@umbc.edu::b61ff11c-ba68-49af-b001-f9f234a6aca3" providerId="AD" clId="Web-{44FE971F-0977-6269-0882-D2069DB64A8A}" dt="2018-08-24T10:52:10.579" v="139"/>
-        <pc:sldMkLst>
-          <pc:docMk/>
-          <pc:sldMk cId="3393807459" sldId="258"/>
-        </pc:sldMkLst>
-      </pc:sldChg>
-      <pc:sldChg chg="modSp">
-        <pc:chgData name="Benjamin Payne" userId="S::benpayne@umbc.edu::b61ff11c-ba68-49af-b001-f9f234a6aca3" providerId="AD" clId="Web-{44FE971F-0977-6269-0882-D2069DB64A8A}" dt="2018-08-24T10:51:56.157" v="129" actId="20577"/>
-        <pc:sldMkLst>
-          <pc:docMk/>
-          <pc:sldMk cId="345678624" sldId="264"/>
-        </pc:sldMkLst>
-        <pc:spChg chg="mod">
-          <ac:chgData name="Benjamin Payne" userId="S::benpayne@umbc.edu::b61ff11c-ba68-49af-b001-f9f234a6aca3" providerId="AD" clId="Web-{44FE971F-0977-6269-0882-D2069DB64A8A}" dt="2018-08-24T10:51:56.157" v="129" actId="20577"/>
-          <ac:spMkLst>
-            <pc:docMk/>
-            <pc:sldMk cId="345678624" sldId="264"/>
-            <ac:spMk id="3" creationId="{7521322D-3F2A-42B7-B8DD-7DB8778D4CD3}"/>
-          </ac:spMkLst>
-        </pc:spChg>
-      </pc:sldChg>
-      <pc:sldChg chg="modSp ord">
-        <pc:chgData name="Benjamin Payne" userId="S::benpayne@umbc.edu::b61ff11c-ba68-49af-b001-f9f234a6aca3" providerId="AD" clId="Web-{44FE971F-0977-6269-0882-D2069DB64A8A}" dt="2018-08-24T10:51:59.970" v="136" actId="20577"/>
-        <pc:sldMkLst>
-          <pc:docMk/>
-          <pc:sldMk cId="529933260" sldId="265"/>
-        </pc:sldMkLst>
-        <pc:spChg chg="mod">
-          <ac:chgData name="Benjamin Payne" userId="S::benpayne@umbc.edu::b61ff11c-ba68-49af-b001-f9f234a6aca3" providerId="AD" clId="Web-{44FE971F-0977-6269-0882-D2069DB64A8A}" dt="2018-08-24T10:51:59.970" v="136" actId="20577"/>
-          <ac:spMkLst>
-            <pc:docMk/>
-            <pc:sldMk cId="529933260" sldId="265"/>
-            <ac:spMk id="3" creationId="{922B9838-34FB-44BC-8CDB-0FAC01AE7A87}"/>
-          </ac:spMkLst>
-        </pc:spChg>
-      </pc:sldChg>
-      <pc:sldChg chg="modSp new">
-        <pc:chgData name="Benjamin Payne" userId="S::benpayne@umbc.edu::b61ff11c-ba68-49af-b001-f9f234a6aca3" providerId="AD" clId="Web-{44FE971F-0977-6269-0882-D2069DB64A8A}" dt="2018-08-24T10:47:12.586" v="48" actId="20577"/>
-        <pc:sldMkLst>
-          <pc:docMk/>
-          <pc:sldMk cId="2868977103" sldId="267"/>
-        </pc:sldMkLst>
-        <pc:spChg chg="mod">
-          <ac:chgData name="Benjamin Payne" userId="S::benpayne@umbc.edu::b61ff11c-ba68-49af-b001-f9f234a6aca3" providerId="AD" clId="Web-{44FE971F-0977-6269-0882-D2069DB64A8A}" dt="2018-08-24T10:46:10.271" v="13" actId="20577"/>
-          <ac:spMkLst>
-            <pc:docMk/>
-            <pc:sldMk cId="2868977103" sldId="267"/>
-            <ac:spMk id="2" creationId="{B376FE6C-38E8-4AE6-ADF6-BA9594FF69B6}"/>
-          </ac:spMkLst>
-        </pc:spChg>
-        <pc:spChg chg="mod">
-          <ac:chgData name="Benjamin Payne" userId="S::benpayne@umbc.edu::b61ff11c-ba68-49af-b001-f9f234a6aca3" providerId="AD" clId="Web-{44FE971F-0977-6269-0882-D2069DB64A8A}" dt="2018-08-24T10:47:12.586" v="48" actId="20577"/>
-          <ac:spMkLst>
-            <pc:docMk/>
-            <pc:sldMk cId="2868977103" sldId="267"/>
-            <ac:spMk id="3" creationId="{0BFDB35F-5670-4CF4-94F9-97E081C504BD}"/>
-          </ac:spMkLst>
-        </pc:spChg>
-      </pc:sldChg>
-      <pc:sldChg chg="modSp new">
-        <pc:chgData name="Benjamin Payne" userId="S::benpayne@umbc.edu::b61ff11c-ba68-49af-b001-f9f234a6aca3" providerId="AD" clId="Web-{44FE971F-0977-6269-0882-D2069DB64A8A}" dt="2018-08-24T10:50:59.483" v="110" actId="20577"/>
-        <pc:sldMkLst>
-          <pc:docMk/>
-          <pc:sldMk cId="2616726059" sldId="268"/>
-        </pc:sldMkLst>
-        <pc:spChg chg="mod">
-          <ac:chgData name="Benjamin Payne" userId="S::benpayne@umbc.edu::b61ff11c-ba68-49af-b001-f9f234a6aca3" providerId="AD" clId="Web-{44FE971F-0977-6269-0882-D2069DB64A8A}" dt="2018-08-24T10:47:47.700" v="79" actId="20577"/>
-          <ac:spMkLst>
-            <pc:docMk/>
-            <pc:sldMk cId="2616726059" sldId="268"/>
-            <ac:spMk id="2" creationId="{16930437-D656-4FD4-87F7-8A7FFA990643}"/>
-          </ac:spMkLst>
-        </pc:spChg>
-        <pc:spChg chg="mod">
-          <ac:chgData name="Benjamin Payne" userId="S::benpayne@umbc.edu::b61ff11c-ba68-49af-b001-f9f234a6aca3" providerId="AD" clId="Web-{44FE971F-0977-6269-0882-D2069DB64A8A}" dt="2018-08-24T10:50:59.483" v="110" actId="20577"/>
-          <ac:spMkLst>
-            <pc:docMk/>
-            <pc:sldMk cId="2616726059" sldId="268"/>
-            <ac:spMk id="3" creationId="{56719A45-5EB8-4734-8FD1-AD3CC2B44AC1}"/>
-          </ac:spMkLst>
-        </pc:spChg>
-      </pc:sldChg>
-    </pc:docChg>
-  </pc:docChgLst>
-  <pc:docChgLst>
-    <pc:chgData name="Benjamin Payne" userId="S::benpayne@umbc.edu::b61ff11c-ba68-49af-b001-f9f234a6aca3" providerId="AD" clId="Web-{74AB4B43-7516-4C4A-2F52-50F3C2AF2195}"/>
-    <pc:docChg chg="addSld modSld">
-      <pc:chgData name="Benjamin Payne" userId="S::benpayne@umbc.edu::b61ff11c-ba68-49af-b001-f9f234a6aca3" providerId="AD" clId="Web-{74AB4B43-7516-4C4A-2F52-50F3C2AF2195}" dt="2018-08-19T01:57:33.888" v="149" actId="20577"/>
-      <pc:docMkLst>
-        <pc:docMk/>
-      </pc:docMkLst>
-      <pc:sldChg chg="modSp">
-        <pc:chgData name="Benjamin Payne" userId="S::benpayne@umbc.edu::b61ff11c-ba68-49af-b001-f9f234a6aca3" providerId="AD" clId="Web-{74AB4B43-7516-4C4A-2F52-50F3C2AF2195}" dt="2018-08-19T01:57:33.403" v="147" actId="20577"/>
-        <pc:sldMkLst>
-          <pc:docMk/>
-          <pc:sldMk cId="4278842127" sldId="265"/>
-        </pc:sldMkLst>
-        <pc:spChg chg="mod">
-          <ac:chgData name="Benjamin Payne" userId="S::benpayne@umbc.edu::b61ff11c-ba68-49af-b001-f9f234a6aca3" providerId="AD" clId="Web-{74AB4B43-7516-4C4A-2F52-50F3C2AF2195}" dt="2018-08-19T01:57:33.403" v="147" actId="20577"/>
-          <ac:spMkLst>
-            <pc:docMk/>
-            <pc:sldMk cId="4278842127" sldId="265"/>
-            <ac:spMk id="3" creationId="{BFBA8429-B089-4264-A062-0E8D525F86E3}"/>
-          </ac:spMkLst>
-        </pc:spChg>
-      </pc:sldChg>
-      <pc:sldChg chg="modSp">
-        <pc:chgData name="Benjamin Payne" userId="S::benpayne@umbc.edu::b61ff11c-ba68-49af-b001-f9f234a6aca3" providerId="AD" clId="Web-{74AB4B43-7516-4C4A-2F52-50F3C2AF2195}" dt="2018-08-19T01:48:20.573" v="71" actId="20577"/>
-        <pc:sldMkLst>
-          <pc:docMk/>
-          <pc:sldMk cId="1793106801" sldId="286"/>
-        </pc:sldMkLst>
-        <pc:spChg chg="mod">
-          <ac:chgData name="Benjamin Payne" userId="S::benpayne@umbc.edu::b61ff11c-ba68-49af-b001-f9f234a6aca3" providerId="AD" clId="Web-{74AB4B43-7516-4C4A-2F52-50F3C2AF2195}" dt="2018-08-19T01:39:06.009" v="2" actId="20577"/>
-          <ac:spMkLst>
-            <pc:docMk/>
-            <pc:sldMk cId="1793106801" sldId="286"/>
-            <ac:spMk id="2" creationId="{906183ED-CD3A-4553-B511-EC3B060DED78}"/>
-          </ac:spMkLst>
-        </pc:spChg>
-        <pc:spChg chg="mod">
-          <ac:chgData name="Benjamin Payne" userId="S::benpayne@umbc.edu::b61ff11c-ba68-49af-b001-f9f234a6aca3" providerId="AD" clId="Web-{74AB4B43-7516-4C4A-2F52-50F3C2AF2195}" dt="2018-08-19T01:48:20.573" v="71" actId="20577"/>
-          <ac:spMkLst>
-            <pc:docMk/>
-            <pc:sldMk cId="1793106801" sldId="286"/>
-            <ac:spMk id="3" creationId="{6B836144-CDC1-4699-8C2C-6653FEBF33DD}"/>
-          </ac:spMkLst>
-        </pc:spChg>
-      </pc:sldChg>
-      <pc:sldChg chg="modSp">
-        <pc:chgData name="Benjamin Payne" userId="S::benpayne@umbc.edu::b61ff11c-ba68-49af-b001-f9f234a6aca3" providerId="AD" clId="Web-{74AB4B43-7516-4C4A-2F52-50F3C2AF2195}" dt="2018-08-19T01:53:02.355" v="109" actId="20577"/>
-        <pc:sldMkLst>
-          <pc:docMk/>
-          <pc:sldMk cId="3220581953" sldId="287"/>
-        </pc:sldMkLst>
-        <pc:spChg chg="mod">
-          <ac:chgData name="Benjamin Payne" userId="S::benpayne@umbc.edu::b61ff11c-ba68-49af-b001-f9f234a6aca3" providerId="AD" clId="Web-{74AB4B43-7516-4C4A-2F52-50F3C2AF2195}" dt="2018-08-19T01:53:02.355" v="109" actId="20577"/>
-          <ac:spMkLst>
-            <pc:docMk/>
-            <pc:sldMk cId="3220581953" sldId="287"/>
-            <ac:spMk id="6" creationId="{D1771F45-E9D4-419E-BBD8-75A8A081BC34}"/>
-          </ac:spMkLst>
-        </pc:spChg>
-      </pc:sldChg>
-      <pc:sldChg chg="modSp">
-        <pc:chgData name="Benjamin Payne" userId="S::benpayne@umbc.edu::b61ff11c-ba68-49af-b001-f9f234a6aca3" providerId="AD" clId="Web-{74AB4B43-7516-4C4A-2F52-50F3C2AF2195}" dt="2018-08-19T01:56:43.888" v="120" actId="20577"/>
-        <pc:sldMkLst>
-          <pc:docMk/>
-          <pc:sldMk cId="493460726" sldId="294"/>
-        </pc:sldMkLst>
-        <pc:spChg chg="mod">
-          <ac:chgData name="Benjamin Payne" userId="S::benpayne@umbc.edu::b61ff11c-ba68-49af-b001-f9f234a6aca3" providerId="AD" clId="Web-{74AB4B43-7516-4C4A-2F52-50F3C2AF2195}" dt="2018-08-19T01:56:43.888" v="120" actId="20577"/>
-          <ac:spMkLst>
-            <pc:docMk/>
-            <pc:sldMk cId="493460726" sldId="294"/>
-            <ac:spMk id="2" creationId="{F18F2169-A463-4033-B549-EF56D978D2FF}"/>
-          </ac:spMkLst>
-        </pc:spChg>
-      </pc:sldChg>
-      <pc:sldChg chg="modSp new">
-        <pc:chgData name="Benjamin Payne" userId="S::benpayne@umbc.edu::b61ff11c-ba68-49af-b001-f9f234a6aca3" providerId="AD" clId="Web-{74AB4B43-7516-4C4A-2F52-50F3C2AF2195}" dt="2018-08-19T01:52:30.214" v="100" actId="20577"/>
-        <pc:sldMkLst>
-          <pc:docMk/>
-          <pc:sldMk cId="2440936555" sldId="295"/>
-        </pc:sldMkLst>
-        <pc:spChg chg="mod">
-          <ac:chgData name="Benjamin Payne" userId="S::benpayne@umbc.edu::b61ff11c-ba68-49af-b001-f9f234a6aca3" providerId="AD" clId="Web-{74AB4B43-7516-4C4A-2F52-50F3C2AF2195}" dt="2018-08-19T01:49:02.136" v="84" actId="20577"/>
-          <ac:spMkLst>
-            <pc:docMk/>
-            <pc:sldMk cId="2440936555" sldId="295"/>
-            <ac:spMk id="2" creationId="{CB447AE8-B26B-476B-9FF7-684A3F0ADB1F}"/>
-          </ac:spMkLst>
-        </pc:spChg>
-        <pc:spChg chg="mod">
-          <ac:chgData name="Benjamin Payne" userId="S::benpayne@umbc.edu::b61ff11c-ba68-49af-b001-f9f234a6aca3" providerId="AD" clId="Web-{74AB4B43-7516-4C4A-2F52-50F3C2AF2195}" dt="2018-08-19T01:52:30.214" v="100" actId="20577"/>
-          <ac:spMkLst>
-            <pc:docMk/>
-            <pc:sldMk cId="2440936555" sldId="295"/>
-            <ac:spMk id="3" creationId="{B9C2F4FB-4440-4DE3-9207-1012C1CB25B9}"/>
-          </ac:spMkLst>
-        </pc:spChg>
-      </pc:sldChg>
-      <pc:sldChg chg="modSp new">
-        <pc:chgData name="Benjamin Payne" userId="S::benpayne@umbc.edu::b61ff11c-ba68-49af-b001-f9f234a6aca3" providerId="AD" clId="Web-{74AB4B43-7516-4C4A-2F52-50F3C2AF2195}" dt="2018-08-19T01:49:33.151" v="98" actId="20577"/>
-        <pc:sldMkLst>
-          <pc:docMk/>
-          <pc:sldMk cId="2549415326" sldId="296"/>
-        </pc:sldMkLst>
-        <pc:spChg chg="mod">
-          <ac:chgData name="Benjamin Payne" userId="S::benpayne@umbc.edu::b61ff11c-ba68-49af-b001-f9f234a6aca3" providerId="AD" clId="Web-{74AB4B43-7516-4C4A-2F52-50F3C2AF2195}" dt="2018-08-19T01:49:33.151" v="98" actId="20577"/>
-          <ac:spMkLst>
-            <pc:docMk/>
-            <pc:sldMk cId="2549415326" sldId="296"/>
-            <ac:spMk id="2" creationId="{DF2132F9-7D63-4B01-B4BD-2B071BCD4A3B}"/>
-          </ac:spMkLst>
-        </pc:spChg>
-      </pc:sldChg>
-      <pc:sldChg chg="modSp new">
-        <pc:chgData name="Benjamin Payne" userId="S::benpayne@umbc.edu::b61ff11c-ba68-49af-b001-f9f234a6aca3" providerId="AD" clId="Web-{74AB4B43-7516-4C4A-2F52-50F3C2AF2195}" dt="2018-08-19T01:57:06.591" v="140" actId="20577"/>
-        <pc:sldMkLst>
-          <pc:docMk/>
-          <pc:sldMk cId="4083283560" sldId="297"/>
-        </pc:sldMkLst>
-        <pc:spChg chg="mod">
-          <ac:chgData name="Benjamin Payne" userId="S::benpayne@umbc.edu::b61ff11c-ba68-49af-b001-f9f234a6aca3" providerId="AD" clId="Web-{74AB4B43-7516-4C4A-2F52-50F3C2AF2195}" dt="2018-08-19T01:57:06.591" v="140" actId="20577"/>
-          <ac:spMkLst>
-            <pc:docMk/>
-            <pc:sldMk cId="4083283560" sldId="297"/>
-            <ac:spMk id="2" creationId="{360E89D2-630E-42B9-A704-2CE2DD639157}"/>
-          </ac:spMkLst>
-        </pc:spChg>
-      </pc:sldChg>
-    </pc:docChg>
-  </pc:docChgLst>
-  <pc:docChgLst>
-    <pc:chgData name="Benjamin Payne" userId="S::benpayne@umbc.edu::b61ff11c-ba68-49af-b001-f9f234a6aca3" providerId="AD" clId="Web-{218A6276-B14E-339C-D122-08DF75AEC847}"/>
-    <pc:docChg chg="modSld">
-      <pc:chgData name="Benjamin Payne" userId="S::benpayne@umbc.edu::b61ff11c-ba68-49af-b001-f9f234a6aca3" providerId="AD" clId="Web-{218A6276-B14E-339C-D122-08DF75AEC847}" dt="2018-08-26T16:39:21.526" v="34" actId="20577"/>
-      <pc:docMkLst>
-        <pc:docMk/>
-      </pc:docMkLst>
-      <pc:sldChg chg="modSp">
-        <pc:chgData name="Benjamin Payne" userId="S::benpayne@umbc.edu::b61ff11c-ba68-49af-b001-f9f234a6aca3" providerId="AD" clId="Web-{218A6276-B14E-339C-D122-08DF75AEC847}" dt="2018-08-26T16:39:16.979" v="32" actId="20577"/>
-        <pc:sldMkLst>
-          <pc:docMk/>
-          <pc:sldMk cId="2868977103" sldId="267"/>
-        </pc:sldMkLst>
-        <pc:spChg chg="mod">
-          <ac:chgData name="Benjamin Payne" userId="S::benpayne@umbc.edu::b61ff11c-ba68-49af-b001-f9f234a6aca3" providerId="AD" clId="Web-{218A6276-B14E-339C-D122-08DF75AEC847}" dt="2018-08-26T16:39:16.979" v="32" actId="20577"/>
-          <ac:spMkLst>
-            <pc:docMk/>
-            <pc:sldMk cId="2868977103" sldId="267"/>
-            <ac:spMk id="3" creationId="{0BFDB35F-5670-4CF4-94F9-97E081C504BD}"/>
-          </ac:spMkLst>
-        </pc:spChg>
-      </pc:sldChg>
-    </pc:docChg>
-  </pc:docChgLst>
-  <pc:docChgLst>
-    <pc:chgData name="Benjamin Payne" userId="S::benpayne@umbc.edu::b61ff11c-ba68-49af-b001-f9f234a6aca3" providerId="AD" clId="Web-{75DFFB46-0A49-3CE3-3212-3FDEEEFE9F6E}"/>
-    <pc:docChg chg="addSld modSld">
-      <pc:chgData name="Benjamin Payne" userId="S::benpayne@umbc.edu::b61ff11c-ba68-49af-b001-f9f234a6aca3" providerId="AD" clId="Web-{75DFFB46-0A49-3CE3-3212-3FDEEEFE9F6E}" dt="2018-08-30T00:41:29.888" v="75" actId="20577"/>
-      <pc:docMkLst>
-        <pc:docMk/>
-      </pc:docMkLst>
-      <pc:sldChg chg="modSp">
-        <pc:chgData name="Benjamin Payne" userId="S::benpayne@umbc.edu::b61ff11c-ba68-49af-b001-f9f234a6aca3" providerId="AD" clId="Web-{75DFFB46-0A49-3CE3-3212-3FDEEEFE9F6E}" dt="2018-08-30T00:40:04.431" v="59" actId="20577"/>
-        <pc:sldMkLst>
-          <pc:docMk/>
-          <pc:sldMk cId="2391544709" sldId="257"/>
-        </pc:sldMkLst>
-        <pc:spChg chg="mod">
-          <ac:chgData name="Benjamin Payne" userId="S::benpayne@umbc.edu::b61ff11c-ba68-49af-b001-f9f234a6aca3" providerId="AD" clId="Web-{75DFFB46-0A49-3CE3-3212-3FDEEEFE9F6E}" dt="2018-08-30T00:40:04.431" v="59" actId="20577"/>
-          <ac:spMkLst>
-            <pc:docMk/>
-            <pc:sldMk cId="2391544709" sldId="257"/>
-            <ac:spMk id="3" creationId="{4C4C9BEA-E1D0-4140-92A5-5781E2EC6EC6}"/>
-          </ac:spMkLst>
-        </pc:spChg>
-      </pc:sldChg>
-      <pc:sldChg chg="modSp">
-        <pc:chgData name="Benjamin Payne" userId="S::benpayne@umbc.edu::b61ff11c-ba68-49af-b001-f9f234a6aca3" providerId="AD" clId="Web-{75DFFB46-0A49-3CE3-3212-3FDEEEFE9F6E}" dt="2018-08-30T00:38:59.834" v="6" actId="20577"/>
-        <pc:sldMkLst>
-          <pc:docMk/>
-          <pc:sldMk cId="1534279816" sldId="285"/>
-        </pc:sldMkLst>
-        <pc:spChg chg="mod">
-          <ac:chgData name="Benjamin Payne" userId="S::benpayne@umbc.edu::b61ff11c-ba68-49af-b001-f9f234a6aca3" providerId="AD" clId="Web-{75DFFB46-0A49-3CE3-3212-3FDEEEFE9F6E}" dt="2018-08-30T00:38:59.834" v="6" actId="20577"/>
-          <ac:spMkLst>
-            <pc:docMk/>
-            <pc:sldMk cId="1534279816" sldId="285"/>
-            <ac:spMk id="2" creationId="{97CD6978-5356-4998-81CC-4DB7E5E1A673}"/>
-          </ac:spMkLst>
-        </pc:spChg>
-      </pc:sldChg>
-      <pc:sldChg chg="modSp">
-        <pc:chgData name="Benjamin Payne" userId="S::benpayne@umbc.edu::b61ff11c-ba68-49af-b001-f9f234a6aca3" providerId="AD" clId="Web-{75DFFB46-0A49-3CE3-3212-3FDEEEFE9F6E}" dt="2018-08-30T00:38:26.333" v="4" actId="20577"/>
-        <pc:sldMkLst>
-          <pc:docMk/>
-          <pc:sldMk cId="668830637" sldId="286"/>
-        </pc:sldMkLst>
-        <pc:spChg chg="mod">
-          <ac:chgData name="Benjamin Payne" userId="S::benpayne@umbc.edu::b61ff11c-ba68-49af-b001-f9f234a6aca3" providerId="AD" clId="Web-{75DFFB46-0A49-3CE3-3212-3FDEEEFE9F6E}" dt="2018-08-30T00:38:26.254" v="0" actId="20577"/>
-          <ac:spMkLst>
-            <pc:docMk/>
-            <pc:sldMk cId="668830637" sldId="286"/>
-            <ac:spMk id="2" creationId="{D882C037-8ED4-49D9-9B9D-74993440B63D}"/>
-          </ac:spMkLst>
-        </pc:spChg>
-        <pc:spChg chg="mod">
-          <ac:chgData name="Benjamin Payne" userId="S::benpayne@umbc.edu::b61ff11c-ba68-49af-b001-f9f234a6aca3" providerId="AD" clId="Web-{75DFFB46-0A49-3CE3-3212-3FDEEEFE9F6E}" dt="2018-08-30T00:38:26.333" v="4" actId="20577"/>
-          <ac:spMkLst>
-            <pc:docMk/>
-            <pc:sldMk cId="668830637" sldId="286"/>
-            <ac:spMk id="3" creationId="{5B8B0706-94ED-458E-907E-F25FDE922341}"/>
-          </ac:spMkLst>
-        </pc:spChg>
-      </pc:sldChg>
-      <pc:sldChg chg="modSp new">
-        <pc:chgData name="Benjamin Payne" userId="S::benpayne@umbc.edu::b61ff11c-ba68-49af-b001-f9f234a6aca3" providerId="AD" clId="Web-{75DFFB46-0A49-3CE3-3212-3FDEEEFE9F6E}" dt="2018-08-30T00:39:47.852" v="51" actId="20577"/>
-        <pc:sldMkLst>
-          <pc:docMk/>
-          <pc:sldMk cId="4159161737" sldId="287"/>
-        </pc:sldMkLst>
-        <pc:spChg chg="mod">
-          <ac:chgData name="Benjamin Payne" userId="S::benpayne@umbc.edu::b61ff11c-ba68-49af-b001-f9f234a6aca3" providerId="AD" clId="Web-{75DFFB46-0A49-3CE3-3212-3FDEEEFE9F6E}" dt="2018-08-30T00:39:15.225" v="14" actId="20577"/>
-          <ac:spMkLst>
-            <pc:docMk/>
-            <pc:sldMk cId="4159161737" sldId="287"/>
-            <ac:spMk id="2" creationId="{DC70B988-6FFB-4F44-982A-FF48B29A5965}"/>
-          </ac:spMkLst>
-        </pc:spChg>
-        <pc:spChg chg="mod">
-          <ac:chgData name="Benjamin Payne" userId="S::benpayne@umbc.edu::b61ff11c-ba68-49af-b001-f9f234a6aca3" providerId="AD" clId="Web-{75DFFB46-0A49-3CE3-3212-3FDEEEFE9F6E}" dt="2018-08-30T00:39:47.852" v="51" actId="20577"/>
-          <ac:spMkLst>
-            <pc:docMk/>
-            <pc:sldMk cId="4159161737" sldId="287"/>
-            <ac:spMk id="3" creationId="{289C6687-6AC4-44B3-96CC-2F5EBE5C2D17}"/>
-          </ac:spMkLst>
-        </pc:spChg>
-      </pc:sldChg>
-      <pc:sldChg chg="modSp new">
-        <pc:chgData name="Benjamin Payne" userId="S::benpayne@umbc.edu::b61ff11c-ba68-49af-b001-f9f234a6aca3" providerId="AD" clId="Web-{75DFFB46-0A49-3CE3-3212-3FDEEEFE9F6E}" dt="2018-08-30T00:41:23.387" v="73" actId="20577"/>
-        <pc:sldMkLst>
-          <pc:docMk/>
-          <pc:sldMk cId="2160123173" sldId="288"/>
-        </pc:sldMkLst>
-        <pc:spChg chg="mod">
-          <ac:chgData name="Benjamin Payne" userId="S::benpayne@umbc.edu::b61ff11c-ba68-49af-b001-f9f234a6aca3" providerId="AD" clId="Web-{75DFFB46-0A49-3CE3-3212-3FDEEEFE9F6E}" dt="2018-08-30T00:41:20.481" v="66" actId="20577"/>
-          <ac:spMkLst>
-            <pc:docMk/>
-            <pc:sldMk cId="2160123173" sldId="288"/>
-            <ac:spMk id="2" creationId="{BA663C80-1E29-40DB-AB5D-E8856276F4C0}"/>
-          </ac:spMkLst>
-        </pc:spChg>
-        <pc:spChg chg="mod">
-          <ac:chgData name="Benjamin Payne" userId="S::benpayne@umbc.edu::b61ff11c-ba68-49af-b001-f9f234a6aca3" providerId="AD" clId="Web-{75DFFB46-0A49-3CE3-3212-3FDEEEFE9F6E}" dt="2018-08-30T00:41:23.387" v="73" actId="20577"/>
-          <ac:spMkLst>
-            <pc:docMk/>
-            <pc:sldMk cId="2160123173" sldId="288"/>
-            <ac:spMk id="3" creationId="{D87AFD70-9BF9-44EA-A092-D2DF2BDD11FA}"/>
-          </ac:spMkLst>
-        </pc:spChg>
-      </pc:sldChg>
-    </pc:docChg>
-  </pc:docChgLst>
-  <pc:docChgLst>
-    <pc:chgData name="Benjamin Payne" userId="S::benpayne@umbc.edu::b61ff11c-ba68-49af-b001-f9f234a6aca3" providerId="AD" clId="Web-{52B47B6E-E4A8-3D22-CA6B-00451C310ACD}"/>
-    <pc:docChg chg="addSld modSld">
-      <pc:chgData name="Benjamin Payne" userId="S::benpayne@umbc.edu::b61ff11c-ba68-49af-b001-f9f234a6aca3" providerId="AD" clId="Web-{52B47B6E-E4A8-3D22-CA6B-00451C310ACD}" dt="2018-09-02T20:42:04.539" v="305" actId="20577"/>
-      <pc:docMkLst>
-        <pc:docMk/>
-      </pc:docMkLst>
-      <pc:sldChg chg="addSp delSp modSp">
-        <pc:chgData name="Benjamin Payne" userId="S::benpayne@umbc.edu::b61ff11c-ba68-49af-b001-f9f234a6aca3" providerId="AD" clId="Web-{52B47B6E-E4A8-3D22-CA6B-00451C310ACD}" dt="2018-09-02T20:21:53.668" v="6" actId="20577"/>
-        <pc:sldMkLst>
-          <pc:docMk/>
-          <pc:sldMk cId="673834737" sldId="311"/>
-        </pc:sldMkLst>
-        <pc:spChg chg="mod">
-          <ac:chgData name="Benjamin Payne" userId="S::benpayne@umbc.edu::b61ff11c-ba68-49af-b001-f9f234a6aca3" providerId="AD" clId="Web-{52B47B6E-E4A8-3D22-CA6B-00451C310ACD}" dt="2018-09-02T20:21:53.668" v="6" actId="20577"/>
-          <ac:spMkLst>
-            <pc:docMk/>
-            <pc:sldMk cId="673834737" sldId="311"/>
-            <ac:spMk id="2" creationId="{F853018C-E59D-4B48-AB13-CE2AE5F47938}"/>
-          </ac:spMkLst>
-        </pc:spChg>
-        <pc:spChg chg="del">
-          <ac:chgData name="Benjamin Payne" userId="S::benpayne@umbc.edu::b61ff11c-ba68-49af-b001-f9f234a6aca3" providerId="AD" clId="Web-{52B47B6E-E4A8-3D22-CA6B-00451C310ACD}" dt="2018-09-02T20:21:32.773" v="0"/>
-          <ac:spMkLst>
-            <pc:docMk/>
-            <pc:sldMk cId="673834737" sldId="311"/>
-            <ac:spMk id="3" creationId="{439FE430-4140-4F46-82E3-683C00448FF0}"/>
-          </ac:spMkLst>
-        </pc:spChg>
-        <pc:picChg chg="add mod ord">
-          <ac:chgData name="Benjamin Payne" userId="S::benpayne@umbc.edu::b61ff11c-ba68-49af-b001-f9f234a6aca3" providerId="AD" clId="Web-{52B47B6E-E4A8-3D22-CA6B-00451C310ACD}" dt="2018-09-02T20:21:42.993" v="2" actId="14100"/>
-          <ac:picMkLst>
-            <pc:docMk/>
-            <pc:sldMk cId="673834737" sldId="311"/>
-            <ac:picMk id="4" creationId="{CC82FAD4-5425-4C0B-901A-74B186153F23}"/>
-          </ac:picMkLst>
-        </pc:picChg>
-      </pc:sldChg>
-      <pc:sldChg chg="modSp">
-        <pc:chgData name="Benjamin Payne" userId="S::benpayne@umbc.edu::b61ff11c-ba68-49af-b001-f9f234a6aca3" providerId="AD" clId="Web-{52B47B6E-E4A8-3D22-CA6B-00451C310ACD}" dt="2018-09-02T20:38:55.940" v="262" actId="20577"/>
-        <pc:sldMkLst>
-          <pc:docMk/>
-          <pc:sldMk cId="4132940008" sldId="313"/>
-        </pc:sldMkLst>
-        <pc:spChg chg="mod">
-          <ac:chgData name="Benjamin Payne" userId="S::benpayne@umbc.edu::b61ff11c-ba68-49af-b001-f9f234a6aca3" providerId="AD" clId="Web-{52B47B6E-E4A8-3D22-CA6B-00451C310ACD}" dt="2018-09-02T20:35:14.195" v="112" actId="20577"/>
-          <ac:spMkLst>
-            <pc:docMk/>
-            <pc:sldMk cId="4132940008" sldId="313"/>
-            <ac:spMk id="2" creationId="{97DBEB36-ED31-42E8-A7D7-4F2B9F703A00}"/>
-          </ac:spMkLst>
-        </pc:spChg>
-        <pc:spChg chg="mod">
-          <ac:chgData name="Benjamin Payne" userId="S::benpayne@umbc.edu::b61ff11c-ba68-49af-b001-f9f234a6aca3" providerId="AD" clId="Web-{52B47B6E-E4A8-3D22-CA6B-00451C310ACD}" dt="2018-09-02T20:38:55.940" v="262" actId="20577"/>
-          <ac:spMkLst>
-            <pc:docMk/>
-            <pc:sldMk cId="4132940008" sldId="313"/>
-            <ac:spMk id="3" creationId="{DACB8026-C2D6-4B73-BB44-5FD76470F52E}"/>
-          </ac:spMkLst>
-        </pc:spChg>
-      </pc:sldChg>
-      <pc:sldChg chg="addSp delSp modSp new">
-        <pc:chgData name="Benjamin Payne" userId="S::benpayne@umbc.edu::b61ff11c-ba68-49af-b001-f9f234a6aca3" providerId="AD" clId="Web-{52B47B6E-E4A8-3D22-CA6B-00451C310ACD}" dt="2018-09-02T20:23:13.706" v="47" actId="1076"/>
-        <pc:sldMkLst>
-          <pc:docMk/>
-          <pc:sldMk cId="2766386416" sldId="314"/>
-        </pc:sldMkLst>
-        <pc:spChg chg="mod">
-          <ac:chgData name="Benjamin Payne" userId="S::benpayne@umbc.edu::b61ff11c-ba68-49af-b001-f9f234a6aca3" providerId="AD" clId="Web-{52B47B6E-E4A8-3D22-CA6B-00451C310ACD}" dt="2018-09-02T20:22:14.971" v="19" actId="20577"/>
-          <ac:spMkLst>
-            <pc:docMk/>
-            <pc:sldMk cId="2766386416" sldId="314"/>
-            <ac:spMk id="2" creationId="{2CD4D3D0-E1ED-4094-B163-EEFC48734467}"/>
-          </ac:spMkLst>
-        </pc:spChg>
-        <pc:spChg chg="del">
-          <ac:chgData name="Benjamin Payne" userId="S::benpayne@umbc.edu::b61ff11c-ba68-49af-b001-f9f234a6aca3" providerId="AD" clId="Web-{52B47B6E-E4A8-3D22-CA6B-00451C310ACD}" dt="2018-09-02T20:22:10.938" v="16"/>
-          <ac:spMkLst>
-            <pc:docMk/>
-            <pc:sldMk cId="2766386416" sldId="314"/>
-            <ac:spMk id="3" creationId="{02318C1E-8C80-49D4-B13E-D0FD3FA188B6}"/>
-          </ac:spMkLst>
-        </pc:spChg>
-        <pc:picChg chg="add mod ord">
-          <ac:chgData name="Benjamin Payne" userId="S::benpayne@umbc.edu::b61ff11c-ba68-49af-b001-f9f234a6aca3" providerId="AD" clId="Web-{52B47B6E-E4A8-3D22-CA6B-00451C310ACD}" dt="2018-09-02T20:23:13.706" v="47" actId="1076"/>
-          <ac:picMkLst>
-            <pc:docMk/>
-            <pc:sldMk cId="2766386416" sldId="314"/>
-            <ac:picMk id="4" creationId="{0209E395-612F-4149-973B-EAB001C76DC4}"/>
-          </ac:picMkLst>
-        </pc:picChg>
-      </pc:sldChg>
-      <pc:sldChg chg="addSp delSp modSp new">
-        <pc:chgData name="Benjamin Payne" userId="S::benpayne@umbc.edu::b61ff11c-ba68-49af-b001-f9f234a6aca3" providerId="AD" clId="Web-{52B47B6E-E4A8-3D22-CA6B-00451C310ACD}" dt="2018-09-02T20:23:52.383" v="54" actId="1076"/>
-        <pc:sldMkLst>
-          <pc:docMk/>
-          <pc:sldMk cId="77693425" sldId="315"/>
-        </pc:sldMkLst>
-        <pc:spChg chg="mod">
-          <ac:chgData name="Benjamin Payne" userId="S::benpayne@umbc.edu::b61ff11c-ba68-49af-b001-f9f234a6aca3" providerId="AD" clId="Web-{52B47B6E-E4A8-3D22-CA6B-00451C310ACD}" dt="2018-09-02T20:22:35.320" v="39" actId="20577"/>
-          <ac:spMkLst>
-            <pc:docMk/>
-            <pc:sldMk cId="77693425" sldId="315"/>
-            <ac:spMk id="2" creationId="{0DF2F99B-B132-4109-9BE7-5AC0CFC9FBF1}"/>
-          </ac:spMkLst>
-        </pc:spChg>
-        <pc:spChg chg="del">
-          <ac:chgData name="Benjamin Payne" userId="S::benpayne@umbc.edu::b61ff11c-ba68-49af-b001-f9f234a6aca3" providerId="AD" clId="Web-{52B47B6E-E4A8-3D22-CA6B-00451C310ACD}" dt="2018-09-02T20:22:46.058" v="42"/>
-          <ac:spMkLst>
-            <pc:docMk/>
-            <pc:sldMk cId="77693425" sldId="315"/>
-            <ac:spMk id="3" creationId="{A424619B-F206-4B3C-A5DB-2245D644FA04}"/>
-          </ac:spMkLst>
-        </pc:spChg>
-        <pc:spChg chg="add mod">
-          <ac:chgData name="Benjamin Payne" userId="S::benpayne@umbc.edu::b61ff11c-ba68-49af-b001-f9f234a6aca3" providerId="AD" clId="Web-{52B47B6E-E4A8-3D22-CA6B-00451C310ACD}" dt="2018-09-02T20:23:52.383" v="54" actId="1076"/>
-          <ac:spMkLst>
-            <pc:docMk/>
-            <pc:sldMk cId="77693425" sldId="315"/>
-            <ac:spMk id="6" creationId="{E4D4E44B-F592-47CD-A009-66CBC1840EE4}"/>
-          </ac:spMkLst>
-        </pc:spChg>
-        <pc:picChg chg="add mod ord">
-          <ac:chgData name="Benjamin Payne" userId="S::benpayne@umbc.edu::b61ff11c-ba68-49af-b001-f9f234a6aca3" providerId="AD" clId="Web-{52B47B6E-E4A8-3D22-CA6B-00451C310ACD}" dt="2018-09-02T20:23:00.468" v="44" actId="1076"/>
-          <ac:picMkLst>
-            <pc:docMk/>
-            <pc:sldMk cId="77693425" sldId="315"/>
-            <ac:picMk id="4" creationId="{73AD46F1-7A1E-4F45-931F-B151E5E896CD}"/>
-          </ac:picMkLst>
-        </pc:picChg>
-      </pc:sldChg>
-      <pc:sldChg chg="modSp new">
-        <pc:chgData name="Benjamin Payne" userId="S::benpayne@umbc.edu::b61ff11c-ba68-49af-b001-f9f234a6aca3" providerId="AD" clId="Web-{52B47B6E-E4A8-3D22-CA6B-00451C310ACD}" dt="2018-09-02T20:42:04.539" v="305" actId="20577"/>
-        <pc:sldMkLst>
-          <pc:docMk/>
-          <pc:sldMk cId="3667570417" sldId="316"/>
-        </pc:sldMkLst>
-        <pc:spChg chg="mod">
-          <ac:chgData name="Benjamin Payne" userId="S::benpayne@umbc.edu::b61ff11c-ba68-49af-b001-f9f234a6aca3" providerId="AD" clId="Web-{52B47B6E-E4A8-3D22-CA6B-00451C310ACD}" dt="2018-09-02T20:39:11.362" v="268" actId="20577"/>
-          <ac:spMkLst>
-            <pc:docMk/>
-            <pc:sldMk cId="3667570417" sldId="316"/>
-            <ac:spMk id="2" creationId="{D3F313DF-4801-4EAF-B4E7-9FFB16C554CF}"/>
-          </ac:spMkLst>
-        </pc:spChg>
-        <pc:spChg chg="mod">
-          <ac:chgData name="Benjamin Payne" userId="S::benpayne@umbc.edu::b61ff11c-ba68-49af-b001-f9f234a6aca3" providerId="AD" clId="Web-{52B47B6E-E4A8-3D22-CA6B-00451C310ACD}" dt="2018-09-02T20:42:04.539" v="305" actId="20577"/>
-          <ac:spMkLst>
-            <pc:docMk/>
-            <pc:sldMk cId="3667570417" sldId="316"/>
-            <ac:spMk id="3" creationId="{2713E75A-2533-41C1-BBA4-4A6527A602B8}"/>
-          </ac:spMkLst>
-        </pc:spChg>
-      </pc:sldChg>
-    </pc:docChg>
-  </pc:docChgLst>
-  <pc:docChgLst>
-    <pc:chgData name="Benjamin Payne" userId="S::benpayne@umbc.edu::b61ff11c-ba68-49af-b001-f9f234a6aca3" providerId="AD" clId="Web-{F20019C7-4264-8081-911C-7C20B0EB7954}"/>
-    <pc:docChg chg="addSld modSld">
-      <pc:chgData name="Benjamin Payne" userId="S::benpayne@umbc.edu::b61ff11c-ba68-49af-b001-f9f234a6aca3" providerId="AD" clId="Web-{F20019C7-4264-8081-911C-7C20B0EB7954}" dt="2018-09-02T03:39:26.526" v="201" actId="20577"/>
-      <pc:docMkLst>
-        <pc:docMk/>
-      </pc:docMkLst>
-      <pc:sldChg chg="modSp">
-        <pc:chgData name="Benjamin Payne" userId="S::benpayne@umbc.edu::b61ff11c-ba68-49af-b001-f9f234a6aca3" providerId="AD" clId="Web-{F20019C7-4264-8081-911C-7C20B0EB7954}" dt="2018-09-02T02:29:43.766" v="11" actId="20577"/>
-        <pc:sldMkLst>
-          <pc:docMk/>
-          <pc:sldMk cId="1567369141" sldId="284"/>
-        </pc:sldMkLst>
-        <pc:spChg chg="mod">
-          <ac:chgData name="Benjamin Payne" userId="S::benpayne@umbc.edu::b61ff11c-ba68-49af-b001-f9f234a6aca3" providerId="AD" clId="Web-{F20019C7-4264-8081-911C-7C20B0EB7954}" dt="2018-09-02T02:29:43.766" v="11" actId="20577"/>
-          <ac:spMkLst>
-            <pc:docMk/>
-            <pc:sldMk cId="1567369141" sldId="284"/>
-            <ac:spMk id="4" creationId="{5B949F2D-2F15-4FC3-90DA-860FAA38BF68}"/>
-          </ac:spMkLst>
-        </pc:spChg>
-      </pc:sldChg>
-      <pc:sldChg chg="modSp">
-        <pc:chgData name="Benjamin Payne" userId="S::benpayne@umbc.edu::b61ff11c-ba68-49af-b001-f9f234a6aca3" providerId="AD" clId="Web-{F20019C7-4264-8081-911C-7C20B0EB7954}" dt="2018-09-02T02:28:52.713" v="8" actId="20577"/>
-        <pc:sldMkLst>
-          <pc:docMk/>
-          <pc:sldMk cId="2699540909" sldId="304"/>
-        </pc:sldMkLst>
-        <pc:spChg chg="mod">
-          <ac:chgData name="Benjamin Payne" userId="S::benpayne@umbc.edu::b61ff11c-ba68-49af-b001-f9f234a6aca3" providerId="AD" clId="Web-{F20019C7-4264-8081-911C-7C20B0EB7954}" dt="2018-09-02T02:28:52.713" v="8" actId="20577"/>
-          <ac:spMkLst>
-            <pc:docMk/>
-            <pc:sldMk cId="2699540909" sldId="304"/>
-            <ac:spMk id="6" creationId="{EB9D3F00-E6E3-40E3-A0EA-053E58DC3312}"/>
-          </ac:spMkLst>
-        </pc:spChg>
-      </pc:sldChg>
-      <pc:sldChg chg="addSp delSp modSp new">
-        <pc:chgData name="Benjamin Payne" userId="S::benpayne@umbc.edu::b61ff11c-ba68-49af-b001-f9f234a6aca3" providerId="AD" clId="Web-{F20019C7-4264-8081-911C-7C20B0EB7954}" dt="2018-09-02T03:23:12.614" v="177" actId="20577"/>
-        <pc:sldMkLst>
-          <pc:docMk/>
-          <pc:sldMk cId="2862469523" sldId="305"/>
-        </pc:sldMkLst>
-        <pc:spChg chg="mod">
-          <ac:chgData name="Benjamin Payne" userId="S::benpayne@umbc.edu::b61ff11c-ba68-49af-b001-f9f234a6aca3" providerId="AD" clId="Web-{F20019C7-4264-8081-911C-7C20B0EB7954}" dt="2018-09-02T03:23:12.614" v="177" actId="20577"/>
-          <ac:spMkLst>
-            <pc:docMk/>
-            <pc:sldMk cId="2862469523" sldId="305"/>
-            <ac:spMk id="2" creationId="{DF8EBDB9-8B0F-4611-ADAE-B79A19254CD8}"/>
-          </ac:spMkLst>
-        </pc:spChg>
-        <pc:spChg chg="mod">
-          <ac:chgData name="Benjamin Payne" userId="S::benpayne@umbc.edu::b61ff11c-ba68-49af-b001-f9f234a6aca3" providerId="AD" clId="Web-{F20019C7-4264-8081-911C-7C20B0EB7954}" dt="2018-09-02T03:22:17.098" v="141" actId="20577"/>
-          <ac:spMkLst>
-            <pc:docMk/>
-            <pc:sldMk cId="2862469523" sldId="305"/>
-            <ac:spMk id="3" creationId="{EE6D4ABF-3904-4D97-8393-7111F17BC260}"/>
-          </ac:spMkLst>
-        </pc:spChg>
-        <pc:spChg chg="add del">
-          <ac:chgData name="Benjamin Payne" userId="S::benpayne@umbc.edu::b61ff11c-ba68-49af-b001-f9f234a6aca3" providerId="AD" clId="Web-{F20019C7-4264-8081-911C-7C20B0EB7954}" dt="2018-09-02T03:20:18.175" v="108"/>
-          <ac:spMkLst>
-            <pc:docMk/>
-            <pc:sldMk cId="2862469523" sldId="305"/>
-            <ac:spMk id="4" creationId="{3C03EB75-6AE5-4199-B8F7-8EB5F3943C39}"/>
-          </ac:spMkLst>
-        </pc:spChg>
-      </pc:sldChg>
-      <pc:sldChg chg="modSp new">
-        <pc:chgData name="Benjamin Payne" userId="S::benpayne@umbc.edu::b61ff11c-ba68-49af-b001-f9f234a6aca3" providerId="AD" clId="Web-{F20019C7-4264-8081-911C-7C20B0EB7954}" dt="2018-09-02T03:24:21.663" v="199" actId="20577"/>
-        <pc:sldMkLst>
-          <pc:docMk/>
-          <pc:sldMk cId="3403740684" sldId="306"/>
-        </pc:sldMkLst>
-        <pc:spChg chg="mod">
-          <ac:chgData name="Benjamin Payne" userId="S::benpayne@umbc.edu::b61ff11c-ba68-49af-b001-f9f234a6aca3" providerId="AD" clId="Web-{F20019C7-4264-8081-911C-7C20B0EB7954}" dt="2018-09-02T03:23:23.005" v="186" actId="20577"/>
-          <ac:spMkLst>
-            <pc:docMk/>
-            <pc:sldMk cId="3403740684" sldId="306"/>
-            <ac:spMk id="2" creationId="{A5AD2D61-3133-4CCD-9C1F-D80CD7124CB6}"/>
-          </ac:spMkLst>
-        </pc:spChg>
-        <pc:spChg chg="mod">
-          <ac:chgData name="Benjamin Payne" userId="S::benpayne@umbc.edu::b61ff11c-ba68-49af-b001-f9f234a6aca3" providerId="AD" clId="Web-{F20019C7-4264-8081-911C-7C20B0EB7954}" dt="2018-09-02T03:24:21.663" v="199" actId="20577"/>
-          <ac:spMkLst>
-            <pc:docMk/>
-            <pc:sldMk cId="3403740684" sldId="306"/>
-            <ac:spMk id="3" creationId="{D7804E48-4B12-43FF-AE75-80D2BB079022}"/>
-          </ac:spMkLst>
-        </pc:spChg>
-      </pc:sldChg>
-    </pc:docChg>
-  </pc:docChgLst>
-  <pc:docChgLst>
-    <pc:chgData name="Benjamin Payne" userId="S::benpayne@umbc.edu::b61ff11c-ba68-49af-b001-f9f234a6aca3" providerId="AD" clId="Web-{A806D380-7509-7A74-DE21-98C0CBCA8B20}"/>
-    <pc:docChg chg="addSld modSld sldOrd">
-      <pc:chgData name="Benjamin Payne" userId="S::benpayne@umbc.edu::b61ff11c-ba68-49af-b001-f9f234a6aca3" providerId="AD" clId="Web-{A806D380-7509-7A74-DE21-98C0CBCA8B20}" dt="2018-09-02T13:02:19.490" v="269"/>
-      <pc:docMkLst>
-        <pc:docMk/>
-      </pc:docMkLst>
-      <pc:sldChg chg="modSp ord">
-        <pc:chgData name="Benjamin Payne" userId="S::benpayne@umbc.edu::b61ff11c-ba68-49af-b001-f9f234a6aca3" providerId="AD" clId="Web-{A806D380-7509-7A74-DE21-98C0CBCA8B20}" dt="2018-09-02T12:55:29.266" v="176" actId="20577"/>
-        <pc:sldMkLst>
-          <pc:docMk/>
-          <pc:sldMk cId="3393807459" sldId="258"/>
-        </pc:sldMkLst>
-        <pc:spChg chg="mod">
-          <ac:chgData name="Benjamin Payne" userId="S::benpayne@umbc.edu::b61ff11c-ba68-49af-b001-f9f234a6aca3" providerId="AD" clId="Web-{A806D380-7509-7A74-DE21-98C0CBCA8B20}" dt="2018-09-02T12:55:29.266" v="176" actId="20577"/>
-          <ac:spMkLst>
-            <pc:docMk/>
-            <pc:sldMk cId="3393807459" sldId="258"/>
-            <ac:spMk id="3" creationId="{182200E1-A375-4370-BF0E-723CB089AE6B}"/>
-          </ac:spMkLst>
-        </pc:spChg>
-      </pc:sldChg>
-      <pc:sldChg chg="modSp">
-        <pc:chgData name="Benjamin Payne" userId="S::benpayne@umbc.edu::b61ff11c-ba68-49af-b001-f9f234a6aca3" providerId="AD" clId="Web-{A806D380-7509-7A74-DE21-98C0CBCA8B20}" dt="2018-09-02T12:56:11.127" v="191" actId="20577"/>
-        <pc:sldMkLst>
-          <pc:docMk/>
-          <pc:sldMk cId="1147460063" sldId="260"/>
-        </pc:sldMkLst>
-        <pc:spChg chg="mod">
-          <ac:chgData name="Benjamin Payne" userId="S::benpayne@umbc.edu::b61ff11c-ba68-49af-b001-f9f234a6aca3" providerId="AD" clId="Web-{A806D380-7509-7A74-DE21-98C0CBCA8B20}" dt="2018-09-02T12:56:11.127" v="191" actId="20577"/>
-          <ac:spMkLst>
-            <pc:docMk/>
-            <pc:sldMk cId="1147460063" sldId="260"/>
-            <ac:spMk id="2" creationId="{A4FE7D55-8B56-4BE4-8350-9C0CF211258D}"/>
-          </ac:spMkLst>
-        </pc:spChg>
-      </pc:sldChg>
-      <pc:sldChg chg="ord">
-        <pc:chgData name="Benjamin Payne" userId="S::benpayne@umbc.edu::b61ff11c-ba68-49af-b001-f9f234a6aca3" providerId="AD" clId="Web-{A806D380-7509-7A74-DE21-98C0CBCA8B20}" dt="2018-09-02T12:33:49.067" v="47"/>
-        <pc:sldMkLst>
-          <pc:docMk/>
-          <pc:sldMk cId="345678624" sldId="264"/>
-        </pc:sldMkLst>
-      </pc:sldChg>
-      <pc:sldChg chg="ord">
-        <pc:chgData name="Benjamin Payne" userId="S::benpayne@umbc.edu::b61ff11c-ba68-49af-b001-f9f234a6aca3" providerId="AD" clId="Web-{A806D380-7509-7A74-DE21-98C0CBCA8B20}" dt="2018-09-02T12:34:19.833" v="49"/>
-        <pc:sldMkLst>
-          <pc:docMk/>
-          <pc:sldMk cId="529933260" sldId="265"/>
-        </pc:sldMkLst>
-      </pc:sldChg>
-      <pc:sldChg chg="ord">
-        <pc:chgData name="Benjamin Payne" userId="S::benpayne@umbc.edu::b61ff11c-ba68-49af-b001-f9f234a6aca3" providerId="AD" clId="Web-{A806D380-7509-7A74-DE21-98C0CBCA8B20}" dt="2018-09-02T13:01:08.580" v="235"/>
-        <pc:sldMkLst>
-          <pc:docMk/>
-          <pc:sldMk cId="2631658036" sldId="266"/>
-        </pc:sldMkLst>
-      </pc:sldChg>
-      <pc:sldChg chg="ord">
-        <pc:chgData name="Benjamin Payne" userId="S::benpayne@umbc.edu::b61ff11c-ba68-49af-b001-f9f234a6aca3" providerId="AD" clId="Web-{A806D380-7509-7A74-DE21-98C0CBCA8B20}" dt="2018-09-02T12:35:12.568" v="52"/>
-        <pc:sldMkLst>
-          <pc:docMk/>
-          <pc:sldMk cId="3773127384" sldId="269"/>
-        </pc:sldMkLst>
-      </pc:sldChg>
-      <pc:sldChg chg="ord">
-        <pc:chgData name="Benjamin Payne" userId="S::benpayne@umbc.edu::b61ff11c-ba68-49af-b001-f9f234a6aca3" providerId="AD" clId="Web-{A806D380-7509-7A74-DE21-98C0CBCA8B20}" dt="2018-09-02T12:34:27.630" v="50"/>
-        <pc:sldMkLst>
-          <pc:docMk/>
-          <pc:sldMk cId="3440817313" sldId="270"/>
-        </pc:sldMkLst>
-      </pc:sldChg>
-      <pc:sldChg chg="addSp delSp modSp mod ord modClrScheme chgLayout modNotes">
-        <pc:chgData name="Benjamin Payne" userId="S::benpayne@umbc.edu::b61ff11c-ba68-49af-b001-f9f234a6aca3" providerId="AD" clId="Web-{A806D380-7509-7A74-DE21-98C0CBCA8B20}" dt="2018-09-02T12:54:18.245" v="161" actId="14100"/>
-        <pc:sldMkLst>
-          <pc:docMk/>
-          <pc:sldMk cId="3934880628" sldId="272"/>
-        </pc:sldMkLst>
-        <pc:spChg chg="del">
-          <ac:chgData name="Benjamin Payne" userId="S::benpayne@umbc.edu::b61ff11c-ba68-49af-b001-f9f234a6aca3" providerId="AD" clId="Web-{A806D380-7509-7A74-DE21-98C0CBCA8B20}" dt="2018-09-02T12:52:36.607" v="149"/>
-          <ac:spMkLst>
-            <pc:docMk/>
-            <pc:sldMk cId="3934880628" sldId="272"/>
-            <ac:spMk id="2" creationId="{4B088998-F6A3-4602-9157-5EB8DEA315C7}"/>
-          </ac:spMkLst>
-        </pc:spChg>
-        <pc:spChg chg="mod ord">
-          <ac:chgData name="Benjamin Payne" userId="S::benpayne@umbc.edu::b61ff11c-ba68-49af-b001-f9f234a6aca3" providerId="AD" clId="Web-{A806D380-7509-7A74-DE21-98C0CBCA8B20}" dt="2018-09-02T12:54:04.213" v="159" actId="1076"/>
-          <ac:spMkLst>
-            <pc:docMk/>
-            <pc:sldMk cId="3934880628" sldId="272"/>
-            <ac:spMk id="3" creationId="{3845C725-2BE9-45ED-9463-E9C12DFB1FAF}"/>
-          </ac:spMkLst>
-        </pc:spChg>
-        <pc:spChg chg="add del mod">
-          <ac:chgData name="Benjamin Payne" userId="S::benpayne@umbc.edu::b61ff11c-ba68-49af-b001-f9f234a6aca3" providerId="AD" clId="Web-{A806D380-7509-7A74-DE21-98C0CBCA8B20}" dt="2018-09-02T12:52:43.154" v="150"/>
-          <ac:spMkLst>
-            <pc:docMk/>
-            <pc:sldMk cId="3934880628" sldId="272"/>
-            <ac:spMk id="7" creationId="{576BCDCC-3A56-4D74-80B5-B78C1619DFA8}"/>
-          </ac:spMkLst>
-        </pc:spChg>
-        <pc:picChg chg="add mod">
-          <ac:chgData name="Benjamin Payne" userId="S::benpayne@umbc.edu::b61ff11c-ba68-49af-b001-f9f234a6aca3" providerId="AD" clId="Web-{A806D380-7509-7A74-DE21-98C0CBCA8B20}" dt="2018-09-02T12:54:18.245" v="161" actId="14100"/>
-          <ac:picMkLst>
-            <pc:docMk/>
-            <pc:sldMk cId="3934880628" sldId="272"/>
-            <ac:picMk id="4" creationId="{AA3B6D45-AB53-4B88-91F0-4018DFDC38D9}"/>
-          </ac:picMkLst>
-        </pc:picChg>
-      </pc:sldChg>
-      <pc:sldChg chg="modSp">
-        <pc:chgData name="Benjamin Payne" userId="S::benpayne@umbc.edu::b61ff11c-ba68-49af-b001-f9f234a6aca3" providerId="AD" clId="Web-{A806D380-7509-7A74-DE21-98C0CBCA8B20}" dt="2018-09-02T12:37:34.493" v="79" actId="20577"/>
-        <pc:sldMkLst>
-          <pc:docMk/>
-          <pc:sldMk cId="1322323809" sldId="276"/>
-        </pc:sldMkLst>
-        <pc:spChg chg="mod">
-          <ac:chgData name="Benjamin Payne" userId="S::benpayne@umbc.edu::b61ff11c-ba68-49af-b001-f9f234a6aca3" providerId="AD" clId="Web-{A806D380-7509-7A74-DE21-98C0CBCA8B20}" dt="2018-09-02T12:37:34.493" v="79" actId="20577"/>
-          <ac:spMkLst>
-            <pc:docMk/>
-            <pc:sldMk cId="1322323809" sldId="276"/>
-            <ac:spMk id="3" creationId="{999BF89E-B216-4BA7-895B-3DD72EA34D84}"/>
-          </ac:spMkLst>
-        </pc:spChg>
-      </pc:sldChg>
-      <pc:sldChg chg="modSp">
-        <pc:chgData name="Benjamin Payne" userId="S::benpayne@umbc.edu::b61ff11c-ba68-49af-b001-f9f234a6aca3" providerId="AD" clId="Web-{A806D380-7509-7A74-DE21-98C0CBCA8B20}" dt="2018-09-02T12:37:49.852" v="85" actId="20577"/>
-        <pc:sldMkLst>
-          <pc:docMk/>
-          <pc:sldMk cId="2940493400" sldId="277"/>
-        </pc:sldMkLst>
-        <pc:spChg chg="mod">
-          <ac:chgData name="Benjamin Payne" userId="S::benpayne@umbc.edu::b61ff11c-ba68-49af-b001-f9f234a6aca3" providerId="AD" clId="Web-{A806D380-7509-7A74-DE21-98C0CBCA8B20}" dt="2018-09-02T12:37:49.852" v="85" actId="20577"/>
-          <ac:spMkLst>
-            <pc:docMk/>
-            <pc:sldMk cId="2940493400" sldId="277"/>
-            <ac:spMk id="3" creationId="{1656225D-AE88-4349-9D87-A7E2993C2557}"/>
-          </ac:spMkLst>
-        </pc:spChg>
-      </pc:sldChg>
-      <pc:sldChg chg="ord">
-        <pc:chgData name="Benjamin Payne" userId="S::benpayne@umbc.edu::b61ff11c-ba68-49af-b001-f9f234a6aca3" providerId="AD" clId="Web-{A806D380-7509-7A74-DE21-98C0CBCA8B20}" dt="2018-09-02T12:34:32.567" v="51"/>
-        <pc:sldMkLst>
-          <pc:docMk/>
-          <pc:sldMk cId="1113823316" sldId="281"/>
-        </pc:sldMkLst>
-      </pc:sldChg>
-      <pc:sldChg chg="ord">
-        <pc:chgData name="Benjamin Payne" userId="S::benpayne@umbc.edu::b61ff11c-ba68-49af-b001-f9f234a6aca3" providerId="AD" clId="Web-{A806D380-7509-7A74-DE21-98C0CBCA8B20}" dt="2018-09-02T12:56:03.673" v="188"/>
-        <pc:sldMkLst>
-          <pc:docMk/>
-          <pc:sldMk cId="1534279816" sldId="285"/>
-        </pc:sldMkLst>
-      </pc:sldChg>
-      <pc:sldChg chg="ord">
-        <pc:chgData name="Benjamin Payne" userId="S::benpayne@umbc.edu::b61ff11c-ba68-49af-b001-f9f234a6aca3" providerId="AD" clId="Web-{A806D380-7509-7A74-DE21-98C0CBCA8B20}" dt="2018-09-02T13:02:19.490" v="269"/>
-        <pc:sldMkLst>
-          <pc:docMk/>
-          <pc:sldMk cId="4159161737" sldId="287"/>
-        </pc:sldMkLst>
-      </pc:sldChg>
-      <pc:sldChg chg="ord">
-        <pc:chgData name="Benjamin Payne" userId="S::benpayne@umbc.edu::b61ff11c-ba68-49af-b001-f9f234a6aca3" providerId="AD" clId="Web-{A806D380-7509-7A74-DE21-98C0CBCA8B20}" dt="2018-09-02T12:36:18.991" v="58"/>
-        <pc:sldMkLst>
-          <pc:docMk/>
-          <pc:sldMk cId="448976463" sldId="290"/>
-        </pc:sldMkLst>
-      </pc:sldChg>
-      <pc:sldChg chg="ord">
-        <pc:chgData name="Benjamin Payne" userId="S::benpayne@umbc.edu::b61ff11c-ba68-49af-b001-f9f234a6aca3" providerId="AD" clId="Web-{A806D380-7509-7A74-DE21-98C0CBCA8B20}" dt="2018-09-02T12:36:18.991" v="57"/>
-        <pc:sldMkLst>
-          <pc:docMk/>
-          <pc:sldMk cId="2429467567" sldId="291"/>
-        </pc:sldMkLst>
-      </pc:sldChg>
-      <pc:sldChg chg="ord">
-        <pc:chgData name="Benjamin Payne" userId="S::benpayne@umbc.edu::b61ff11c-ba68-49af-b001-f9f234a6aca3" providerId="AD" clId="Web-{A806D380-7509-7A74-DE21-98C0CBCA8B20}" dt="2018-09-02T12:36:18.991" v="56"/>
-        <pc:sldMkLst>
-          <pc:docMk/>
-          <pc:sldMk cId="3036437131" sldId="292"/>
-        </pc:sldMkLst>
-      </pc:sldChg>
-      <pc:sldChg chg="ord">
-        <pc:chgData name="Benjamin Payne" userId="S::benpayne@umbc.edu::b61ff11c-ba68-49af-b001-f9f234a6aca3" providerId="AD" clId="Web-{A806D380-7509-7A74-DE21-98C0CBCA8B20}" dt="2018-09-02T12:36:18.991" v="55"/>
-        <pc:sldMkLst>
-          <pc:docMk/>
-          <pc:sldMk cId="3843842010" sldId="293"/>
-        </pc:sldMkLst>
-      </pc:sldChg>
-      <pc:sldChg chg="ord">
-        <pc:chgData name="Benjamin Payne" userId="S::benpayne@umbc.edu::b61ff11c-ba68-49af-b001-f9f234a6aca3" providerId="AD" clId="Web-{A806D380-7509-7A74-DE21-98C0CBCA8B20}" dt="2018-09-02T12:36:18.991" v="54"/>
-        <pc:sldMkLst>
-          <pc:docMk/>
-          <pc:sldMk cId="3279861388" sldId="294"/>
-        </pc:sldMkLst>
-      </pc:sldChg>
-      <pc:sldChg chg="addSp modSp ord modNotes">
-        <pc:chgData name="Benjamin Payne" userId="S::benpayne@umbc.edu::b61ff11c-ba68-49af-b001-f9f234a6aca3" providerId="AD" clId="Web-{A806D380-7509-7A74-DE21-98C0CBCA8B20}" dt="2018-09-02T13:01:38.255" v="252" actId="20577"/>
-        <pc:sldMkLst>
-          <pc:docMk/>
-          <pc:sldMk cId="2800023263" sldId="295"/>
-        </pc:sldMkLst>
-        <pc:spChg chg="mod">
-          <ac:chgData name="Benjamin Payne" userId="S::benpayne@umbc.edu::b61ff11c-ba68-49af-b001-f9f234a6aca3" providerId="AD" clId="Web-{A806D380-7509-7A74-DE21-98C0CBCA8B20}" dt="2018-09-02T12:58:30.946" v="219" actId="1076"/>
-          <ac:spMkLst>
-            <pc:docMk/>
-            <pc:sldMk cId="2800023263" sldId="295"/>
-            <ac:spMk id="2" creationId="{D61A40F4-9BEB-427F-A049-C371F4865286}"/>
-          </ac:spMkLst>
-        </pc:spChg>
-        <pc:spChg chg="mod">
-          <ac:chgData name="Benjamin Payne" userId="S::benpayne@umbc.edu::b61ff11c-ba68-49af-b001-f9f234a6aca3" providerId="AD" clId="Web-{A806D380-7509-7A74-DE21-98C0CBCA8B20}" dt="2018-09-02T13:01:38.255" v="252" actId="20577"/>
-          <ac:spMkLst>
-            <pc:docMk/>
-            <pc:sldMk cId="2800023263" sldId="295"/>
-            <ac:spMk id="3" creationId="{5DB02FAE-897A-445E-AD3F-282295B11BD6}"/>
-          </ac:spMkLst>
-        </pc:spChg>
-        <pc:spChg chg="add mod">
-          <ac:chgData name="Benjamin Payne" userId="S::benpayne@umbc.edu::b61ff11c-ba68-49af-b001-f9f234a6aca3" providerId="AD" clId="Web-{A806D380-7509-7A74-DE21-98C0CBCA8B20}" dt="2018-09-02T12:59:08.294" v="232" actId="1076"/>
-          <ac:spMkLst>
-            <pc:docMk/>
-            <pc:sldMk cId="2800023263" sldId="295"/>
-            <ac:spMk id="6" creationId="{4E1A4615-D3EF-47E1-A3A9-1607D524AE49}"/>
-          </ac:spMkLst>
-        </pc:spChg>
-        <pc:picChg chg="add mod">
-          <ac:chgData name="Benjamin Payne" userId="S::benpayne@umbc.edu::b61ff11c-ba68-49af-b001-f9f234a6aca3" providerId="AD" clId="Web-{A806D380-7509-7A74-DE21-98C0CBCA8B20}" dt="2018-09-02T12:58:28.118" v="218" actId="1076"/>
-          <ac:picMkLst>
-            <pc:docMk/>
-            <pc:sldMk cId="2800023263" sldId="295"/>
-            <ac:picMk id="4" creationId="{B0C7E52A-ED49-4D56-87DF-CE971059888F}"/>
-          </ac:picMkLst>
-        </pc:picChg>
-      </pc:sldChg>
-      <pc:sldChg chg="ord">
-        <pc:chgData name="Benjamin Payne" userId="S::benpayne@umbc.edu::b61ff11c-ba68-49af-b001-f9f234a6aca3" providerId="AD" clId="Web-{A806D380-7509-7A74-DE21-98C0CBCA8B20}" dt="2018-09-02T12:40:52.644" v="97"/>
-        <pc:sldMkLst>
-          <pc:docMk/>
-          <pc:sldMk cId="921011170" sldId="296"/>
-        </pc:sldMkLst>
-      </pc:sldChg>
-      <pc:sldChg chg="addSp modSp modNotes">
-        <pc:chgData name="Benjamin Payne" userId="S::benpayne@umbc.edu::b61ff11c-ba68-49af-b001-f9f234a6aca3" providerId="AD" clId="Web-{A806D380-7509-7A74-DE21-98C0CBCA8B20}" dt="2018-09-02T12:32:15.692" v="44" actId="14100"/>
-        <pc:sldMkLst>
-          <pc:docMk/>
-          <pc:sldMk cId="2862469523" sldId="305"/>
-        </pc:sldMkLst>
-        <pc:spChg chg="mod">
-          <ac:chgData name="Benjamin Payne" userId="S::benpayne@umbc.edu::b61ff11c-ba68-49af-b001-f9f234a6aca3" providerId="AD" clId="Web-{A806D380-7509-7A74-DE21-98C0CBCA8B20}" dt="2018-09-02T12:28:24.055" v="2" actId="20577"/>
-          <ac:spMkLst>
-            <pc:docMk/>
-            <pc:sldMk cId="2862469523" sldId="305"/>
-            <ac:spMk id="3" creationId="{EE6D4ABF-3904-4D97-8393-7111F17BC260}"/>
-          </ac:spMkLst>
-        </pc:spChg>
-        <pc:picChg chg="add mod">
-          <ac:chgData name="Benjamin Payne" userId="S::benpayne@umbc.edu::b61ff11c-ba68-49af-b001-f9f234a6aca3" providerId="AD" clId="Web-{A806D380-7509-7A74-DE21-98C0CBCA8B20}" dt="2018-09-02T12:32:15.692" v="44" actId="14100"/>
-          <ac:picMkLst>
-            <pc:docMk/>
-            <pc:sldMk cId="2862469523" sldId="305"/>
-            <ac:picMk id="4" creationId="{07FD097D-2F37-436F-B7D9-7E2F13DCDAE8}"/>
-          </ac:picMkLst>
-        </pc:picChg>
-      </pc:sldChg>
-      <pc:sldChg chg="modSp new">
-        <pc:chgData name="Benjamin Payne" userId="S::benpayne@umbc.edu::b61ff11c-ba68-49af-b001-f9f234a6aca3" providerId="AD" clId="Web-{A806D380-7509-7A74-DE21-98C0CBCA8B20}" dt="2018-09-02T12:47:34.371" v="144" actId="20577"/>
-        <pc:sldMkLst>
-          <pc:docMk/>
-          <pc:sldMk cId="458965493" sldId="307"/>
-        </pc:sldMkLst>
-        <pc:spChg chg="mod">
-          <ac:chgData name="Benjamin Payne" userId="S::benpayne@umbc.edu::b61ff11c-ba68-49af-b001-f9f234a6aca3" providerId="AD" clId="Web-{A806D380-7509-7A74-DE21-98C0CBCA8B20}" dt="2018-09-02T12:29:26.682" v="21" actId="20577"/>
-          <ac:spMkLst>
-            <pc:docMk/>
-            <pc:sldMk cId="458965493" sldId="307"/>
-            <ac:spMk id="2" creationId="{3609DF53-5CD3-47DB-9FFF-2DD63A1B00B9}"/>
-          </ac:spMkLst>
-        </pc:spChg>
-        <pc:spChg chg="mod">
-          <ac:chgData name="Benjamin Payne" userId="S::benpayne@umbc.edu::b61ff11c-ba68-49af-b001-f9f234a6aca3" providerId="AD" clId="Web-{A806D380-7509-7A74-DE21-98C0CBCA8B20}" dt="2018-09-02T12:47:34.371" v="144" actId="20577"/>
-          <ac:spMkLst>
-            <pc:docMk/>
-            <pc:sldMk cId="458965493" sldId="307"/>
-            <ac:spMk id="3" creationId="{7AC56A81-8301-4CBA-9D72-6B4C0545479E}"/>
-          </ac:spMkLst>
-        </pc:spChg>
-      </pc:sldChg>
-      <pc:sldChg chg="modSp new">
-        <pc:chgData name="Benjamin Payne" userId="S::benpayne@umbc.edu::b61ff11c-ba68-49af-b001-f9f234a6aca3" providerId="AD" clId="Web-{A806D380-7509-7A74-DE21-98C0CBCA8B20}" dt="2018-09-02T13:02:02.130" v="264" actId="20577"/>
-        <pc:sldMkLst>
-          <pc:docMk/>
-          <pc:sldMk cId="2682358222" sldId="308"/>
-        </pc:sldMkLst>
-        <pc:spChg chg="mod">
-          <ac:chgData name="Benjamin Payne" userId="S::benpayne@umbc.edu::b61ff11c-ba68-49af-b001-f9f234a6aca3" providerId="AD" clId="Web-{A806D380-7509-7A74-DE21-98C0CBCA8B20}" dt="2018-09-02T13:02:02.130" v="264" actId="20577"/>
-          <ac:spMkLst>
-            <pc:docMk/>
-            <pc:sldMk cId="2682358222" sldId="308"/>
-            <ac:spMk id="2" creationId="{C2452A58-76D8-4825-86B6-0571F9C68F6B}"/>
-          </ac:spMkLst>
-        </pc:spChg>
-        <pc:spChg chg="mod">
-          <ac:chgData name="Benjamin Payne" userId="S::benpayne@umbc.edu::b61ff11c-ba68-49af-b001-f9f234a6aca3" providerId="AD" clId="Web-{A806D380-7509-7A74-DE21-98C0CBCA8B20}" dt="2018-09-02T12:55:53.704" v="185" actId="20577"/>
-          <ac:spMkLst>
-            <pc:docMk/>
-            <pc:sldMk cId="2682358222" sldId="308"/>
-            <ac:spMk id="3" creationId="{4B81DACC-D6F3-49FB-8ADA-77146B721817}"/>
-          </ac:spMkLst>
-        </pc:spChg>
-      </pc:sldChg>
-    </pc:docChg>
-  </pc:docChgLst>
-  <pc:docChgLst>
-    <pc:chgData name="Benjamin Payne" userId="S::benpayne@umbc.edu::b61ff11c-ba68-49af-b001-f9f234a6aca3" providerId="AD" clId="Web-{CCEA4305-652F-5DCE-F2EB-2C0526F7CED1}"/>
-    <pc:docChg chg="addSld modSld sldOrd">
-      <pc:chgData name="Benjamin Payne" userId="S::benpayne@umbc.edu::b61ff11c-ba68-49af-b001-f9f234a6aca3" providerId="AD" clId="Web-{CCEA4305-652F-5DCE-F2EB-2C0526F7CED1}" dt="2018-08-26T15:12:14.392" v="973" actId="20577"/>
-      <pc:docMkLst>
-        <pc:docMk/>
-      </pc:docMkLst>
-      <pc:sldChg chg="addSp modSp">
-        <pc:chgData name="Benjamin Payne" userId="S::benpayne@umbc.edu::b61ff11c-ba68-49af-b001-f9f234a6aca3" providerId="AD" clId="Web-{CCEA4305-652F-5DCE-F2EB-2C0526F7CED1}" dt="2018-08-26T15:12:10.705" v="971" actId="20577"/>
-        <pc:sldMkLst>
-          <pc:docMk/>
-          <pc:sldMk cId="1501705857" sldId="275"/>
-        </pc:sldMkLst>
-        <pc:spChg chg="mod">
-          <ac:chgData name="Benjamin Payne" userId="S::benpayne@umbc.edu::b61ff11c-ba68-49af-b001-f9f234a6aca3" providerId="AD" clId="Web-{CCEA4305-652F-5DCE-F2EB-2C0526F7CED1}" dt="2018-08-26T15:12:10.705" v="971" actId="20577"/>
-          <ac:spMkLst>
-            <pc:docMk/>
-            <pc:sldMk cId="1501705857" sldId="275"/>
-            <ac:spMk id="3" creationId="{CFB7782B-104F-45F8-8DF2-A99775513ABC}"/>
-          </ac:spMkLst>
-        </pc:spChg>
-        <pc:spChg chg="add mod">
-          <ac:chgData name="Benjamin Payne" userId="S::benpayne@umbc.edu::b61ff11c-ba68-49af-b001-f9f234a6aca3" providerId="AD" clId="Web-{CCEA4305-652F-5DCE-F2EB-2C0526F7CED1}" dt="2018-08-26T14:47:42.177" v="20" actId="20577"/>
-          <ac:spMkLst>
-            <pc:docMk/>
-            <pc:sldMk cId="1501705857" sldId="275"/>
-            <ac:spMk id="5" creationId="{7672A0B8-3B06-4B20-9C55-4F70D7AF9C25}"/>
-          </ac:spMkLst>
-        </pc:spChg>
-      </pc:sldChg>
-      <pc:sldChg chg="modSp new">
-        <pc:chgData name="Benjamin Payne" userId="S::benpayne@umbc.edu::b61ff11c-ba68-49af-b001-f9f234a6aca3" providerId="AD" clId="Web-{CCEA4305-652F-5DCE-F2EB-2C0526F7CED1}" dt="2018-08-26T15:06:49.854" v="713" actId="20577"/>
-        <pc:sldMkLst>
-          <pc:docMk/>
-          <pc:sldMk cId="1322323809" sldId="276"/>
-        </pc:sldMkLst>
-        <pc:spChg chg="mod">
-          <ac:chgData name="Benjamin Payne" userId="S::benpayne@umbc.edu::b61ff11c-ba68-49af-b001-f9f234a6aca3" providerId="AD" clId="Web-{CCEA4305-652F-5DCE-F2EB-2C0526F7CED1}" dt="2018-08-26T15:04:03.482" v="604" actId="20577"/>
-          <ac:spMkLst>
-            <pc:docMk/>
-            <pc:sldMk cId="1322323809" sldId="276"/>
-            <ac:spMk id="2" creationId="{635203D2-31FB-42F7-B900-5D6151C355EC}"/>
-          </ac:spMkLst>
-        </pc:spChg>
-        <pc:spChg chg="mod">
-          <ac:chgData name="Benjamin Payne" userId="S::benpayne@umbc.edu::b61ff11c-ba68-49af-b001-f9f234a6aca3" providerId="AD" clId="Web-{CCEA4305-652F-5DCE-F2EB-2C0526F7CED1}" dt="2018-08-26T15:06:49.854" v="713" actId="20577"/>
-          <ac:spMkLst>
-            <pc:docMk/>
-            <pc:sldMk cId="1322323809" sldId="276"/>
-            <ac:spMk id="3" creationId="{999BF89E-B216-4BA7-895B-3DD72EA34D84}"/>
-          </ac:spMkLst>
-        </pc:spChg>
-      </pc:sldChg>
-      <pc:sldChg chg="modSp new ord">
-        <pc:chgData name="Benjamin Payne" userId="S::benpayne@umbc.edu::b61ff11c-ba68-49af-b001-f9f234a6aca3" providerId="AD" clId="Web-{CCEA4305-652F-5DCE-F2EB-2C0526F7CED1}" dt="2018-08-26T15:07:08.402" v="731" actId="20577"/>
-        <pc:sldMkLst>
-          <pc:docMk/>
-          <pc:sldMk cId="2940493400" sldId="277"/>
-        </pc:sldMkLst>
-        <pc:spChg chg="mod">
-          <ac:chgData name="Benjamin Payne" userId="S::benpayne@umbc.edu::b61ff11c-ba68-49af-b001-f9f234a6aca3" providerId="AD" clId="Web-{CCEA4305-652F-5DCE-F2EB-2C0526F7CED1}" dt="2018-08-26T15:02:47.438" v="513" actId="20577"/>
-          <ac:spMkLst>
-            <pc:docMk/>
-            <pc:sldMk cId="2940493400" sldId="277"/>
-            <ac:spMk id="2" creationId="{2E787AD0-601A-4D88-A538-B043D835267F}"/>
-          </ac:spMkLst>
-        </pc:spChg>
-        <pc:spChg chg="mod">
-          <ac:chgData name="Benjamin Payne" userId="S::benpayne@umbc.edu::b61ff11c-ba68-49af-b001-f9f234a6aca3" providerId="AD" clId="Web-{CCEA4305-652F-5DCE-F2EB-2C0526F7CED1}" dt="2018-08-26T15:07:08.402" v="731" actId="20577"/>
-          <ac:spMkLst>
-            <pc:docMk/>
-            <pc:sldMk cId="2940493400" sldId="277"/>
-            <ac:spMk id="3" creationId="{1656225D-AE88-4349-9D87-A7E2993C2557}"/>
-          </ac:spMkLst>
-        </pc:spChg>
-      </pc:sldChg>
-      <pc:sldChg chg="modSp new">
-        <pc:chgData name="Benjamin Payne" userId="S::benpayne@umbc.edu::b61ff11c-ba68-49af-b001-f9f234a6aca3" providerId="AD" clId="Web-{CCEA4305-652F-5DCE-F2EB-2C0526F7CED1}" dt="2018-08-26T15:11:54.595" v="966" actId="20577"/>
-        <pc:sldMkLst>
-          <pc:docMk/>
-          <pc:sldMk cId="1689905171" sldId="278"/>
-        </pc:sldMkLst>
-        <pc:spChg chg="mod">
-          <ac:chgData name="Benjamin Payne" userId="S::benpayne@umbc.edu::b61ff11c-ba68-49af-b001-f9f234a6aca3" providerId="AD" clId="Web-{CCEA4305-652F-5DCE-F2EB-2C0526F7CED1}" dt="2018-08-26T15:07:29.638" v="742" actId="20577"/>
-          <ac:spMkLst>
-            <pc:docMk/>
-            <pc:sldMk cId="1689905171" sldId="278"/>
-            <ac:spMk id="2" creationId="{8964D71F-FACF-4EC4-BEDA-DE8A47DC23B3}"/>
-          </ac:spMkLst>
-        </pc:spChg>
-        <pc:spChg chg="mod">
-          <ac:chgData name="Benjamin Payne" userId="S::benpayne@umbc.edu::b61ff11c-ba68-49af-b001-f9f234a6aca3" providerId="AD" clId="Web-{CCEA4305-652F-5DCE-F2EB-2C0526F7CED1}" dt="2018-08-26T15:11:54.595" v="966" actId="20577"/>
-          <ac:spMkLst>
-            <pc:docMk/>
-            <pc:sldMk cId="1689905171" sldId="278"/>
-            <ac:spMk id="3" creationId="{883231F5-2EDA-4D2B-8CE7-827A88B210A6}"/>
-          </ac:spMkLst>
-        </pc:spChg>
-      </pc:sldChg>
-    </pc:docChg>
-  </pc:docChgLst>
-  <pc:docChgLst>
-    <pc:chgData name="Benjamin Payne" userId="S::benpayne@umbc.edu::b61ff11c-ba68-49af-b001-f9f234a6aca3" providerId="AD" clId="Web-{44E86231-9E04-3E33-22DA-428E72CE1144}"/>
-    <pc:docChg chg="addSld modSld">
-      <pc:chgData name="Benjamin Payne" userId="S::benpayne@umbc.edu::b61ff11c-ba68-49af-b001-f9f234a6aca3" providerId="AD" clId="Web-{44E86231-9E04-3E33-22DA-428E72CE1144}" dt="2018-08-18T16:34:25.039" v="115" actId="20577"/>
-      <pc:docMkLst>
-        <pc:docMk/>
-      </pc:docMkLst>
-      <pc:sldChg chg="modSp">
-        <pc:chgData name="Benjamin Payne" userId="S::benpayne@umbc.edu::b61ff11c-ba68-49af-b001-f9f234a6aca3" providerId="AD" clId="Web-{44E86231-9E04-3E33-22DA-428E72CE1144}" dt="2018-08-18T16:30:20.817" v="35" actId="20577"/>
-        <pc:sldMkLst>
-          <pc:docMk/>
-          <pc:sldMk cId="3690999722" sldId="266"/>
-        </pc:sldMkLst>
-        <pc:spChg chg="mod">
-          <ac:chgData name="Benjamin Payne" userId="S::benpayne@umbc.edu::b61ff11c-ba68-49af-b001-f9f234a6aca3" providerId="AD" clId="Web-{44E86231-9E04-3E33-22DA-428E72CE1144}" dt="2018-08-18T16:30:20.817" v="35" actId="20577"/>
-          <ac:spMkLst>
-            <pc:docMk/>
-            <pc:sldMk cId="3690999722" sldId="266"/>
-            <ac:spMk id="3" creationId="{443C0148-BD26-4777-A844-9E0366AD5D49}"/>
-          </ac:spMkLst>
-        </pc:spChg>
-      </pc:sldChg>
-      <pc:sldChg chg="addSp modSp">
-        <pc:chgData name="Benjamin Payne" userId="S::benpayne@umbc.edu::b61ff11c-ba68-49af-b001-f9f234a6aca3" providerId="AD" clId="Web-{44E86231-9E04-3E33-22DA-428E72CE1144}" dt="2018-08-18T16:29:54.785" v="28" actId="1076"/>
-        <pc:sldMkLst>
-          <pc:docMk/>
-          <pc:sldMk cId="709874332" sldId="284"/>
-        </pc:sldMkLst>
-        <pc:spChg chg="add mod">
-          <ac:chgData name="Benjamin Payne" userId="S::benpayne@umbc.edu::b61ff11c-ba68-49af-b001-f9f234a6aca3" providerId="AD" clId="Web-{44E86231-9E04-3E33-22DA-428E72CE1144}" dt="2018-08-18T16:29:54.785" v="28" actId="1076"/>
-          <ac:spMkLst>
-            <pc:docMk/>
-            <pc:sldMk cId="709874332" sldId="284"/>
-            <ac:spMk id="3" creationId="{2D766B0D-42AD-4BAD-8658-4DF1AE30064F}"/>
-          </ac:spMkLst>
-        </pc:spChg>
-      </pc:sldChg>
-      <pc:sldChg chg="modSp">
-        <pc:chgData name="Benjamin Payne" userId="S::benpayne@umbc.edu::b61ff11c-ba68-49af-b001-f9f234a6aca3" providerId="AD" clId="Web-{44E86231-9E04-3E33-22DA-428E72CE1144}" dt="2018-08-18T16:31:45.413" v="45" actId="20577"/>
-        <pc:sldMkLst>
-          <pc:docMk/>
-          <pc:sldMk cId="3220581953" sldId="287"/>
-        </pc:sldMkLst>
-        <pc:spChg chg="mod">
-          <ac:chgData name="Benjamin Payne" userId="S::benpayne@umbc.edu::b61ff11c-ba68-49af-b001-f9f234a6aca3" providerId="AD" clId="Web-{44E86231-9E04-3E33-22DA-428E72CE1144}" dt="2018-08-18T16:31:45.413" v="45" actId="20577"/>
-          <ac:spMkLst>
-            <pc:docMk/>
-            <pc:sldMk cId="3220581953" sldId="287"/>
-            <ac:spMk id="3" creationId="{E1055E2D-A790-4304-A1AC-1698727C2BF2}"/>
-          </ac:spMkLst>
-        </pc:spChg>
-      </pc:sldChg>
-      <pc:sldChg chg="modSp">
-        <pc:chgData name="Benjamin Payne" userId="S::benpayne@umbc.edu::b61ff11c-ba68-49af-b001-f9f234a6aca3" providerId="AD" clId="Web-{44E86231-9E04-3E33-22DA-428E72CE1144}" dt="2018-08-18T16:32:44.786" v="55" actId="20577"/>
-        <pc:sldMkLst>
-          <pc:docMk/>
-          <pc:sldMk cId="1508720486" sldId="288"/>
-        </pc:sldMkLst>
-        <pc:spChg chg="mod">
-          <ac:chgData name="Benjamin Payne" userId="S::benpayne@umbc.edu::b61ff11c-ba68-49af-b001-f9f234a6aca3" providerId="AD" clId="Web-{44E86231-9E04-3E33-22DA-428E72CE1144}" dt="2018-08-18T16:32:44.786" v="55" actId="20577"/>
-          <ac:spMkLst>
-            <pc:docMk/>
-            <pc:sldMk cId="1508720486" sldId="288"/>
-            <ac:spMk id="3" creationId="{E1055E2D-A790-4304-A1AC-1698727C2BF2}"/>
-          </ac:spMkLst>
-        </pc:spChg>
-      </pc:sldChg>
-      <pc:sldChg chg="modSp">
-        <pc:chgData name="Benjamin Payne" userId="S::benpayne@umbc.edu::b61ff11c-ba68-49af-b001-f9f234a6aca3" providerId="AD" clId="Web-{44E86231-9E04-3E33-22DA-428E72CE1144}" dt="2018-08-18T16:33:04.240" v="72" actId="14100"/>
-        <pc:sldMkLst>
-          <pc:docMk/>
-          <pc:sldMk cId="1442927395" sldId="289"/>
-        </pc:sldMkLst>
-        <pc:spChg chg="mod">
-          <ac:chgData name="Benjamin Payne" userId="S::benpayne@umbc.edu::b61ff11c-ba68-49af-b001-f9f234a6aca3" providerId="AD" clId="Web-{44E86231-9E04-3E33-22DA-428E72CE1144}" dt="2018-08-18T16:33:04.240" v="72" actId="14100"/>
-          <ac:spMkLst>
-            <pc:docMk/>
-            <pc:sldMk cId="1442927395" sldId="289"/>
-            <ac:spMk id="3" creationId="{E1055E2D-A790-4304-A1AC-1698727C2BF2}"/>
-          </ac:spMkLst>
-        </pc:spChg>
-      </pc:sldChg>
-      <pc:sldChg chg="modSp">
-        <pc:chgData name="Benjamin Payne" userId="S::benpayne@umbc.edu::b61ff11c-ba68-49af-b001-f9f234a6aca3" providerId="AD" clId="Web-{44E86231-9E04-3E33-22DA-428E72CE1144}" dt="2018-08-18T16:33:41.803" v="107" actId="20577"/>
-        <pc:sldMkLst>
-          <pc:docMk/>
-          <pc:sldMk cId="3579465122" sldId="290"/>
-        </pc:sldMkLst>
-        <pc:spChg chg="mod">
-          <ac:chgData name="Benjamin Payne" userId="S::benpayne@umbc.edu::b61ff11c-ba68-49af-b001-f9f234a6aca3" providerId="AD" clId="Web-{44E86231-9E04-3E33-22DA-428E72CE1144}" dt="2018-08-18T16:33:41.803" v="107" actId="20577"/>
-          <ac:spMkLst>
-            <pc:docMk/>
-            <pc:sldMk cId="3579465122" sldId="290"/>
-            <ac:spMk id="3" creationId="{E1055E2D-A790-4304-A1AC-1698727C2BF2}"/>
-          </ac:spMkLst>
-        </pc:spChg>
-      </pc:sldChg>
-      <pc:sldChg chg="modSp new">
-        <pc:chgData name="Benjamin Payne" userId="S::benpayne@umbc.edu::b61ff11c-ba68-49af-b001-f9f234a6aca3" providerId="AD" clId="Web-{44E86231-9E04-3E33-22DA-428E72CE1144}" dt="2018-08-18T16:34:25.039" v="114" actId="20577"/>
-        <pc:sldMkLst>
-          <pc:docMk/>
-          <pc:sldMk cId="3810760957" sldId="291"/>
-        </pc:sldMkLst>
-        <pc:spChg chg="mod">
-          <ac:chgData name="Benjamin Payne" userId="S::benpayne@umbc.edu::b61ff11c-ba68-49af-b001-f9f234a6aca3" providerId="AD" clId="Web-{44E86231-9E04-3E33-22DA-428E72CE1144}" dt="2018-08-18T16:34:25.039" v="114" actId="20577"/>
-          <ac:spMkLst>
-            <pc:docMk/>
-            <pc:sldMk cId="3810760957" sldId="291"/>
-            <ac:spMk id="2" creationId="{4F1CEADA-137B-4338-BC77-14877B7C6D9C}"/>
-          </ac:spMkLst>
-        </pc:spChg>
-      </pc:sldChg>
-    </pc:docChg>
-  </pc:docChgLst>
-  <pc:docChgLst>
-    <pc:chgData name="Benjamin Payne" userId="S::benpayne@umbc.edu::b61ff11c-ba68-49af-b001-f9f234a6aca3" providerId="AD" clId="Web-{6B57D058-E516-DB87-EFB2-8AD69485380D}"/>
-    <pc:docChg chg="addSld modSld">
-      <pc:chgData name="Benjamin Payne" userId="S::benpayne@umbc.edu::b61ff11c-ba68-49af-b001-f9f234a6aca3" providerId="AD" clId="Web-{6B57D058-E516-DB87-EFB2-8AD69485380D}" dt="2018-09-01T12:19:43.725" v="176" actId="20577"/>
-      <pc:docMkLst>
-        <pc:docMk/>
-      </pc:docMkLst>
-      <pc:sldChg chg="modSp">
-        <pc:chgData name="Benjamin Payne" userId="S::benpayne@umbc.edu::b61ff11c-ba68-49af-b001-f9f234a6aca3" providerId="AD" clId="Web-{6B57D058-E516-DB87-EFB2-8AD69485380D}" dt="2018-09-01T12:19:43.725" v="175" actId="20577"/>
-        <pc:sldMkLst>
-          <pc:docMk/>
-          <pc:sldMk cId="1501705857" sldId="275"/>
-        </pc:sldMkLst>
-        <pc:spChg chg="mod">
-          <ac:chgData name="Benjamin Payne" userId="S::benpayne@umbc.edu::b61ff11c-ba68-49af-b001-f9f234a6aca3" providerId="AD" clId="Web-{6B57D058-E516-DB87-EFB2-8AD69485380D}" dt="2018-09-01T12:04:09.780" v="166" actId="20577"/>
-          <ac:spMkLst>
-            <pc:docMk/>
-            <pc:sldMk cId="1501705857" sldId="275"/>
-            <ac:spMk id="4" creationId="{967CD337-39D4-4AB7-9F74-57058006C840}"/>
-          </ac:spMkLst>
-        </pc:spChg>
-        <pc:spChg chg="mod">
-          <ac:chgData name="Benjamin Payne" userId="S::benpayne@umbc.edu::b61ff11c-ba68-49af-b001-f9f234a6aca3" providerId="AD" clId="Web-{6B57D058-E516-DB87-EFB2-8AD69485380D}" dt="2018-09-01T12:19:43.725" v="175" actId="20577"/>
-          <ac:spMkLst>
-            <pc:docMk/>
-            <pc:sldMk cId="1501705857" sldId="275"/>
-            <ac:spMk id="5" creationId="{7672A0B8-3B06-4B20-9C55-4F70D7AF9C25}"/>
-          </ac:spMkLst>
-        </pc:spChg>
-      </pc:sldChg>
-      <pc:sldChg chg="modSp new">
-        <pc:chgData name="Benjamin Payne" userId="S::benpayne@umbc.edu::b61ff11c-ba68-49af-b001-f9f234a6aca3" providerId="AD" clId="Web-{6B57D058-E516-DB87-EFB2-8AD69485380D}" dt="2018-09-01T11:55:08.342" v="56" actId="20577"/>
-        <pc:sldMkLst>
-          <pc:docMk/>
-          <pc:sldMk cId="2800023263" sldId="295"/>
-        </pc:sldMkLst>
-        <pc:spChg chg="mod">
-          <ac:chgData name="Benjamin Payne" userId="S::benpayne@umbc.edu::b61ff11c-ba68-49af-b001-f9f234a6aca3" providerId="AD" clId="Web-{6B57D058-E516-DB87-EFB2-8AD69485380D}" dt="2018-09-01T11:54:30.075" v="11" actId="20577"/>
-          <ac:spMkLst>
-            <pc:docMk/>
-            <pc:sldMk cId="2800023263" sldId="295"/>
-            <ac:spMk id="2" creationId="{D61A40F4-9BEB-427F-A049-C371F4865286}"/>
-          </ac:spMkLst>
-        </pc:spChg>
-        <pc:spChg chg="mod">
-          <ac:chgData name="Benjamin Payne" userId="S::benpayne@umbc.edu::b61ff11c-ba68-49af-b001-f9f234a6aca3" providerId="AD" clId="Web-{6B57D058-E516-DB87-EFB2-8AD69485380D}" dt="2018-09-01T11:55:08.342" v="56" actId="20577"/>
-          <ac:spMkLst>
-            <pc:docMk/>
-            <pc:sldMk cId="2800023263" sldId="295"/>
-            <ac:spMk id="3" creationId="{5DB02FAE-897A-445E-AD3F-282295B11BD6}"/>
-          </ac:spMkLst>
-        </pc:spChg>
-      </pc:sldChg>
-      <pc:sldChg chg="modSp new">
-        <pc:chgData name="Benjamin Payne" userId="S::benpayne@umbc.edu::b61ff11c-ba68-49af-b001-f9f234a6aca3" providerId="AD" clId="Web-{6B57D058-E516-DB87-EFB2-8AD69485380D}" dt="2018-09-01T11:57:07.865" v="91" actId="20577"/>
-        <pc:sldMkLst>
-          <pc:docMk/>
-          <pc:sldMk cId="921011170" sldId="296"/>
-        </pc:sldMkLst>
-        <pc:spChg chg="mod">
-          <ac:chgData name="Benjamin Payne" userId="S::benpayne@umbc.edu::b61ff11c-ba68-49af-b001-f9f234a6aca3" providerId="AD" clId="Web-{6B57D058-E516-DB87-EFB2-8AD69485380D}" dt="2018-09-01T11:57:07.865" v="91" actId="20577"/>
-          <ac:spMkLst>
-            <pc:docMk/>
-            <pc:sldMk cId="921011170" sldId="296"/>
-            <ac:spMk id="2" creationId="{11F4DF6B-E2B1-4D07-8418-7C07FD12F421}"/>
-          </ac:spMkLst>
-        </pc:spChg>
-      </pc:sldChg>
-      <pc:sldChg chg="modSp new">
-        <pc:chgData name="Benjamin Payne" userId="S::benpayne@umbc.edu::b61ff11c-ba68-49af-b001-f9f234a6aca3" providerId="AD" clId="Web-{6B57D058-E516-DB87-EFB2-8AD69485380D}" dt="2018-09-01T12:03:50.325" v="159" actId="20577"/>
-        <pc:sldMkLst>
-          <pc:docMk/>
-          <pc:sldMk cId="2081110502" sldId="297"/>
-        </pc:sldMkLst>
-        <pc:spChg chg="mod">
-          <ac:chgData name="Benjamin Payne" userId="S::benpayne@umbc.edu::b61ff11c-ba68-49af-b001-f9f234a6aca3" providerId="AD" clId="Web-{6B57D058-E516-DB87-EFB2-8AD69485380D}" dt="2018-09-01T11:57:35.006" v="114" actId="20577"/>
-          <ac:spMkLst>
-            <pc:docMk/>
-            <pc:sldMk cId="2081110502" sldId="297"/>
-            <ac:spMk id="2" creationId="{E98EFE97-962C-4A91-A6E9-E6FDA90E2D53}"/>
-          </ac:spMkLst>
-        </pc:spChg>
-        <pc:spChg chg="mod">
-          <ac:chgData name="Benjamin Payne" userId="S::benpayne@umbc.edu::b61ff11c-ba68-49af-b001-f9f234a6aca3" providerId="AD" clId="Web-{6B57D058-E516-DB87-EFB2-8AD69485380D}" dt="2018-09-01T12:03:50.325" v="159" actId="20577"/>
-          <ac:spMkLst>
-            <pc:docMk/>
-            <pc:sldMk cId="2081110502" sldId="297"/>
-            <ac:spMk id="3" creationId="{73600063-3A4C-4DF6-9E0F-8BB490FF0EEB}"/>
-          </ac:spMkLst>
-        </pc:spChg>
-      </pc:sldChg>
-    </pc:docChg>
-  </pc:docChgLst>
-  <pc:docChgLst>
-    <pc:chgData name="Benjamin Payne" userId="S::benpayne@umbc.edu::b61ff11c-ba68-49af-b001-f9f234a6aca3" providerId="AD" clId="Web-{9969F882-7DBD-6F15-FD04-C1C53A2FDD41}"/>
-    <pc:docChg chg="addSld modSld">
-      <pc:chgData name="Benjamin Payne" userId="S::benpayne@umbc.edu::b61ff11c-ba68-49af-b001-f9f234a6aca3" providerId="AD" clId="Web-{9969F882-7DBD-6F15-FD04-C1C53A2FDD41}" dt="2018-09-04T11:06:11.858" v="749" actId="20577"/>
-      <pc:docMkLst>
-        <pc:docMk/>
-      </pc:docMkLst>
-      <pc:sldChg chg="modSp">
-        <pc:chgData name="Benjamin Payne" userId="S::benpayne@umbc.edu::b61ff11c-ba68-49af-b001-f9f234a6aca3" providerId="AD" clId="Web-{9969F882-7DBD-6F15-FD04-C1C53A2FDD41}" dt="2018-09-04T11:06:10.812" v="747" actId="20577"/>
-        <pc:sldMkLst>
-          <pc:docMk/>
-          <pc:sldMk cId="2631658036" sldId="266"/>
-        </pc:sldMkLst>
-        <pc:spChg chg="mod">
-          <ac:chgData name="Benjamin Payne" userId="S::benpayne@umbc.edu::b61ff11c-ba68-49af-b001-f9f234a6aca3" providerId="AD" clId="Web-{9969F882-7DBD-6F15-FD04-C1C53A2FDD41}" dt="2018-09-04T11:06:10.812" v="747" actId="20577"/>
-          <ac:spMkLst>
-            <pc:docMk/>
-            <pc:sldMk cId="2631658036" sldId="266"/>
-            <ac:spMk id="3" creationId="{60B7C8A4-2196-4CA2-A0E8-0C858763468D}"/>
-          </ac:spMkLst>
-        </pc:spChg>
-      </pc:sldChg>
-      <pc:sldChg chg="modSp">
-        <pc:chgData name="Benjamin Payne" userId="S::benpayne@umbc.edu::b61ff11c-ba68-49af-b001-f9f234a6aca3" providerId="AD" clId="Web-{9969F882-7DBD-6F15-FD04-C1C53A2FDD41}" dt="2018-09-04T10:58:19.376" v="660" actId="20577"/>
-        <pc:sldMkLst>
-          <pc:docMk/>
-          <pc:sldMk cId="3773127384" sldId="269"/>
-        </pc:sldMkLst>
-        <pc:spChg chg="mod">
-          <ac:chgData name="Benjamin Payne" userId="S::benpayne@umbc.edu::b61ff11c-ba68-49af-b001-f9f234a6aca3" providerId="AD" clId="Web-{9969F882-7DBD-6F15-FD04-C1C53A2FDD41}" dt="2018-09-04T10:58:19.376" v="660" actId="20577"/>
-          <ac:spMkLst>
-            <pc:docMk/>
-            <pc:sldMk cId="3773127384" sldId="269"/>
-            <ac:spMk id="3" creationId="{3DE031E0-2CCF-40D3-AD6B-61FCC2E6765A}"/>
-          </ac:spMkLst>
-        </pc:spChg>
-      </pc:sldChg>
-      <pc:sldChg chg="modSp">
-        <pc:chgData name="Benjamin Payne" userId="S::benpayne@umbc.edu::b61ff11c-ba68-49af-b001-f9f234a6aca3" providerId="AD" clId="Web-{9969F882-7DBD-6F15-FD04-C1C53A2FDD41}" dt="2018-09-04T11:05:34.327" v="742" actId="20577"/>
-        <pc:sldMkLst>
-          <pc:docMk/>
-          <pc:sldMk cId="172553602" sldId="271"/>
-        </pc:sldMkLst>
-        <pc:spChg chg="mod">
-          <ac:chgData name="Benjamin Payne" userId="S::benpayne@umbc.edu::b61ff11c-ba68-49af-b001-f9f234a6aca3" providerId="AD" clId="Web-{9969F882-7DBD-6F15-FD04-C1C53A2FDD41}" dt="2018-09-04T11:05:34.327" v="742" actId="20577"/>
-          <ac:spMkLst>
-            <pc:docMk/>
-            <pc:sldMk cId="172553602" sldId="271"/>
-            <ac:spMk id="3" creationId="{40791B94-5544-4D97-9A3F-A1D97AA96470}"/>
-          </ac:spMkLst>
-        </pc:spChg>
-      </pc:sldChg>
-      <pc:sldChg chg="addSp modSp">
-        <pc:chgData name="Benjamin Payne" userId="S::benpayne@umbc.edu::b61ff11c-ba68-49af-b001-f9f234a6aca3" providerId="AD" clId="Web-{9969F882-7DBD-6F15-FD04-C1C53A2FDD41}" dt="2018-09-04T11:04:45.515" v="731" actId="14100"/>
-        <pc:sldMkLst>
-          <pc:docMk/>
-          <pc:sldMk cId="1777384071" sldId="274"/>
-        </pc:sldMkLst>
-        <pc:spChg chg="mod">
-          <ac:chgData name="Benjamin Payne" userId="S::benpayne@umbc.edu::b61ff11c-ba68-49af-b001-f9f234a6aca3" providerId="AD" clId="Web-{9969F882-7DBD-6F15-FD04-C1C53A2FDD41}" dt="2018-09-04T11:03:20.249" v="724" actId="1076"/>
-          <ac:spMkLst>
-            <pc:docMk/>
-            <pc:sldMk cId="1777384071" sldId="274"/>
-            <ac:spMk id="2" creationId="{4BC91E34-1F79-4BFD-9A96-C49CF47C834C}"/>
-          </ac:spMkLst>
-        </pc:spChg>
-        <pc:spChg chg="mod">
-          <ac:chgData name="Benjamin Payne" userId="S::benpayne@umbc.edu::b61ff11c-ba68-49af-b001-f9f234a6aca3" providerId="AD" clId="Web-{9969F882-7DBD-6F15-FD04-C1C53A2FDD41}" dt="2018-09-04T11:03:29.015" v="725" actId="1076"/>
-          <ac:spMkLst>
-            <pc:docMk/>
-            <pc:sldMk cId="1777384071" sldId="274"/>
-            <ac:spMk id="3" creationId="{17669228-4437-4CB3-A131-A766EDD79DD8}"/>
-          </ac:spMkLst>
-        </pc:spChg>
-        <pc:spChg chg="add mod">
-          <ac:chgData name="Benjamin Payne" userId="S::benpayne@umbc.edu::b61ff11c-ba68-49af-b001-f9f234a6aca3" providerId="AD" clId="Web-{9969F882-7DBD-6F15-FD04-C1C53A2FDD41}" dt="2018-09-04T11:03:12.265" v="723" actId="1076"/>
-          <ac:spMkLst>
-            <pc:docMk/>
-            <pc:sldMk cId="1777384071" sldId="274"/>
-            <ac:spMk id="4" creationId="{E98C02E8-7A8F-4232-9F87-4369E8476653}"/>
-          </ac:spMkLst>
-        </pc:spChg>
-        <pc:picChg chg="add mod">
-          <ac:chgData name="Benjamin Payne" userId="S::benpayne@umbc.edu::b61ff11c-ba68-49af-b001-f9f234a6aca3" providerId="AD" clId="Web-{9969F882-7DBD-6F15-FD04-C1C53A2FDD41}" dt="2018-09-04T11:04:45.515" v="731" actId="14100"/>
-          <ac:picMkLst>
-            <pc:docMk/>
-            <pc:sldMk cId="1777384071" sldId="274"/>
-            <ac:picMk id="5" creationId="{C69326D6-2E35-4251-9D62-A049F6D3E2E4}"/>
-          </ac:picMkLst>
-        </pc:picChg>
-      </pc:sldChg>
-      <pc:sldChg chg="modSp">
-        <pc:chgData name="Benjamin Payne" userId="S::benpayne@umbc.edu::b61ff11c-ba68-49af-b001-f9f234a6aca3" providerId="AD" clId="Web-{9969F882-7DBD-6F15-FD04-C1C53A2FDD41}" dt="2018-09-04T10:57:52.220" v="642" actId="20577"/>
-        <pc:sldMkLst>
-          <pc:docMk/>
-          <pc:sldMk cId="1904148995" sldId="326"/>
-        </pc:sldMkLst>
-        <pc:spChg chg="mod">
-          <ac:chgData name="Benjamin Payne" userId="S::benpayne@umbc.edu::b61ff11c-ba68-49af-b001-f9f234a6aca3" providerId="AD" clId="Web-{9969F882-7DBD-6F15-FD04-C1C53A2FDD41}" dt="2018-09-04T10:57:52.220" v="642" actId="20577"/>
-          <ac:spMkLst>
-            <pc:docMk/>
-            <pc:sldMk cId="1904148995" sldId="326"/>
-            <ac:spMk id="3" creationId="{DA9A90EC-FCB7-4E9A-9F2F-4E89CA9EB062}"/>
-          </ac:spMkLst>
-        </pc:spChg>
-      </pc:sldChg>
-      <pc:sldChg chg="addSp modSp">
-        <pc:chgData name="Benjamin Payne" userId="S::benpayne@umbc.edu::b61ff11c-ba68-49af-b001-f9f234a6aca3" providerId="AD" clId="Web-{9969F882-7DBD-6F15-FD04-C1C53A2FDD41}" dt="2018-09-04T10:54:27.735" v="623" actId="1076"/>
-        <pc:sldMkLst>
-          <pc:docMk/>
-          <pc:sldMk cId="1289427263" sldId="328"/>
-        </pc:sldMkLst>
-        <pc:spChg chg="mod">
-          <ac:chgData name="Benjamin Payne" userId="S::benpayne@umbc.edu::b61ff11c-ba68-49af-b001-f9f234a6aca3" providerId="AD" clId="Web-{9969F882-7DBD-6F15-FD04-C1C53A2FDD41}" dt="2018-09-04T10:46:13.659" v="11" actId="20577"/>
-          <ac:spMkLst>
-            <pc:docMk/>
-            <pc:sldMk cId="1289427263" sldId="328"/>
-            <ac:spMk id="2" creationId="{4C9C5E6A-EAD1-4B05-B510-F23AEBE148EE}"/>
-          </ac:spMkLst>
-        </pc:spChg>
-        <pc:spChg chg="mod">
-          <ac:chgData name="Benjamin Payne" userId="S::benpayne@umbc.edu::b61ff11c-ba68-49af-b001-f9f234a6aca3" providerId="AD" clId="Web-{9969F882-7DBD-6F15-FD04-C1C53A2FDD41}" dt="2018-09-04T10:54:16.704" v="621" actId="1076"/>
-          <ac:spMkLst>
-            <pc:docMk/>
-            <pc:sldMk cId="1289427263" sldId="328"/>
-            <ac:spMk id="3" creationId="{F71F2D84-3AAD-478F-B92E-9BD7F8529972}"/>
-          </ac:spMkLst>
-        </pc:spChg>
-        <pc:spChg chg="add mod">
-          <ac:chgData name="Benjamin Payne" userId="S::benpayne@umbc.edu::b61ff11c-ba68-49af-b001-f9f234a6aca3" providerId="AD" clId="Web-{9969F882-7DBD-6F15-FD04-C1C53A2FDD41}" dt="2018-09-04T10:54:23.345" v="622" actId="1076"/>
-          <ac:spMkLst>
-            <pc:docMk/>
-            <pc:sldMk cId="1289427263" sldId="328"/>
-            <ac:spMk id="6" creationId="{96A9085D-BBCD-4EEE-8D77-43B881AB90C6}"/>
-          </ac:spMkLst>
-        </pc:spChg>
-        <pc:graphicFrameChg chg="add mod modGraphic">
-          <ac:chgData name="Benjamin Payne" userId="S::benpayne@umbc.edu::b61ff11c-ba68-49af-b001-f9f234a6aca3" providerId="AD" clId="Web-{9969F882-7DBD-6F15-FD04-C1C53A2FDD41}" dt="2018-09-04T10:54:11.657" v="620" actId="1076"/>
-          <ac:graphicFrameMkLst>
-            <pc:docMk/>
-            <pc:sldMk cId="1289427263" sldId="328"/>
-            <ac:graphicFrameMk id="5" creationId="{D90BC3E9-C6E7-49C3-9A51-F53310AE0309}"/>
-          </ac:graphicFrameMkLst>
-        </pc:graphicFrameChg>
-        <pc:picChg chg="add mod">
-          <ac:chgData name="Benjamin Payne" userId="S::benpayne@umbc.edu::b61ff11c-ba68-49af-b001-f9f234a6aca3" providerId="AD" clId="Web-{9969F882-7DBD-6F15-FD04-C1C53A2FDD41}" dt="2018-09-04T10:54:27.735" v="623" actId="1076"/>
-          <ac:picMkLst>
-            <pc:docMk/>
-            <pc:sldMk cId="1289427263" sldId="328"/>
-            <ac:picMk id="7" creationId="{2C6664C3-43E9-4C82-82DF-7ED0D8BDE062}"/>
-          </ac:picMkLst>
-        </pc:picChg>
-      </pc:sldChg>
-      <pc:sldChg chg="addSp delSp modSp add replId">
-        <pc:chgData name="Benjamin Payne" userId="S::benpayne@umbc.edu::b61ff11c-ba68-49af-b001-f9f234a6aca3" providerId="AD" clId="Web-{9969F882-7DBD-6F15-FD04-C1C53A2FDD41}" dt="2018-09-04T10:55:18.813" v="637" actId="20577"/>
-        <pc:sldMkLst>
-          <pc:docMk/>
-          <pc:sldMk cId="2899749622" sldId="329"/>
-        </pc:sldMkLst>
-        <pc:spChg chg="del">
-          <ac:chgData name="Benjamin Payne" userId="S::benpayne@umbc.edu::b61ff11c-ba68-49af-b001-f9f234a6aca3" providerId="AD" clId="Web-{9969F882-7DBD-6F15-FD04-C1C53A2FDD41}" dt="2018-09-04T10:51:34.689" v="52"/>
-          <ac:spMkLst>
-            <pc:docMk/>
-            <pc:sldMk cId="2899749622" sldId="329"/>
-            <ac:spMk id="2" creationId="{4C9C5E6A-EAD1-4B05-B510-F23AEBE148EE}"/>
-          </ac:spMkLst>
-        </pc:spChg>
-        <pc:spChg chg="del">
-          <ac:chgData name="Benjamin Payne" userId="S::benpayne@umbc.edu::b61ff11c-ba68-49af-b001-f9f234a6aca3" providerId="AD" clId="Web-{9969F882-7DBD-6F15-FD04-C1C53A2FDD41}" dt="2018-09-04T10:51:42.814" v="54"/>
-          <ac:spMkLst>
-            <pc:docMk/>
-            <pc:sldMk cId="2899749622" sldId="329"/>
-            <ac:spMk id="3" creationId="{F71F2D84-3AAD-478F-B92E-9BD7F8529972}"/>
-          </ac:spMkLst>
-        </pc:spChg>
-        <pc:spChg chg="del">
-          <ac:chgData name="Benjamin Payne" userId="S::benpayne@umbc.edu::b61ff11c-ba68-49af-b001-f9f234a6aca3" providerId="AD" clId="Web-{9969F882-7DBD-6F15-FD04-C1C53A2FDD41}" dt="2018-09-04T10:51:34.517" v="51"/>
-          <ac:spMkLst>
-            <pc:docMk/>
-            <pc:sldMk cId="2899749622" sldId="329"/>
-            <ac:spMk id="6" creationId="{96A9085D-BBCD-4EEE-8D77-43B881AB90C6}"/>
-          </ac:spMkLst>
-        </pc:spChg>
-        <pc:spChg chg="add del mod">
-          <ac:chgData name="Benjamin Payne" userId="S::benpayne@umbc.edu::b61ff11c-ba68-49af-b001-f9f234a6aca3" providerId="AD" clId="Web-{9969F882-7DBD-6F15-FD04-C1C53A2FDD41}" dt="2018-09-04T10:51:39.751" v="53"/>
-          <ac:spMkLst>
-            <pc:docMk/>
-            <pc:sldMk cId="2899749622" sldId="329"/>
-            <ac:spMk id="8" creationId="{AC2FCCA2-8B72-4E3A-8EBE-A6CAD485C005}"/>
-          </ac:spMkLst>
-        </pc:spChg>
-        <pc:spChg chg="add del mod">
-          <ac:chgData name="Benjamin Payne" userId="S::benpayne@umbc.edu::b61ff11c-ba68-49af-b001-f9f234a6aca3" providerId="AD" clId="Web-{9969F882-7DBD-6F15-FD04-C1C53A2FDD41}" dt="2018-09-04T10:51:49.064" v="55"/>
-          <ac:spMkLst>
-            <pc:docMk/>
-            <pc:sldMk cId="2899749622" sldId="329"/>
-            <ac:spMk id="10" creationId="{224BFF1B-7706-4FE9-BD07-49938B59B4D1}"/>
-          </ac:spMkLst>
-        </pc:spChg>
-        <pc:spChg chg="add mod">
-          <ac:chgData name="Benjamin Payne" userId="S::benpayne@umbc.edu::b61ff11c-ba68-49af-b001-f9f234a6aca3" providerId="AD" clId="Web-{9969F882-7DBD-6F15-FD04-C1C53A2FDD41}" dt="2018-09-04T10:55:18.813" v="637" actId="20577"/>
-          <ac:spMkLst>
-            <pc:docMk/>
-            <pc:sldMk cId="2899749622" sldId="329"/>
-            <ac:spMk id="12" creationId="{581EA793-FC35-47FF-96FE-E72AC99BF120}"/>
-          </ac:spMkLst>
-        </pc:spChg>
-        <pc:graphicFrameChg chg="mod modGraphic">
-          <ac:chgData name="Benjamin Payne" userId="S::benpayne@umbc.edu::b61ff11c-ba68-49af-b001-f9f234a6aca3" providerId="AD" clId="Web-{9969F882-7DBD-6F15-FD04-C1C53A2FDD41}" dt="2018-09-04T10:53:39.985" v="619"/>
-          <ac:graphicFrameMkLst>
-            <pc:docMk/>
-            <pc:sldMk cId="2899749622" sldId="329"/>
-            <ac:graphicFrameMk id="5" creationId="{D90BC3E9-C6E7-49C3-9A51-F53310AE0309}"/>
-          </ac:graphicFrameMkLst>
-        </pc:graphicFrameChg>
-        <pc:picChg chg="del">
-          <ac:chgData name="Benjamin Payne" userId="S::benpayne@umbc.edu::b61ff11c-ba68-49af-b001-f9f234a6aca3" providerId="AD" clId="Web-{9969F882-7DBD-6F15-FD04-C1C53A2FDD41}" dt="2018-09-04T10:51:34.517" v="50"/>
-          <ac:picMkLst>
-            <pc:docMk/>
-            <pc:sldMk cId="2899749622" sldId="329"/>
-            <ac:picMk id="7" creationId="{2C6664C3-43E9-4C82-82DF-7ED0D8BDE062}"/>
-          </ac:picMkLst>
-        </pc:picChg>
-      </pc:sldChg>
-      <pc:sldChg chg="modSp new">
-        <pc:chgData name="Benjamin Payne" userId="S::benpayne@umbc.edu::b61ff11c-ba68-49af-b001-f9f234a6aca3" providerId="AD" clId="Web-{9969F882-7DBD-6F15-FD04-C1C53A2FDD41}" dt="2018-09-04T10:59:15.782" v="711" actId="20577"/>
-        <pc:sldMkLst>
-          <pc:docMk/>
-          <pc:sldMk cId="1656741748" sldId="330"/>
-        </pc:sldMkLst>
-        <pc:spChg chg="mod">
-          <ac:chgData name="Benjamin Payne" userId="S::benpayne@umbc.edu::b61ff11c-ba68-49af-b001-f9f234a6aca3" providerId="AD" clId="Web-{9969F882-7DBD-6F15-FD04-C1C53A2FDD41}" dt="2018-09-04T10:58:45.048" v="672" actId="20577"/>
-          <ac:spMkLst>
-            <pc:docMk/>
-            <pc:sldMk cId="1656741748" sldId="330"/>
-            <ac:spMk id="2" creationId="{EC97143F-510B-445A-A83B-33D6B5E7AAF3}"/>
-          </ac:spMkLst>
-        </pc:spChg>
-        <pc:spChg chg="mod">
-          <ac:chgData name="Benjamin Payne" userId="S::benpayne@umbc.edu::b61ff11c-ba68-49af-b001-f9f234a6aca3" providerId="AD" clId="Web-{9969F882-7DBD-6F15-FD04-C1C53A2FDD41}" dt="2018-09-04T10:59:15.782" v="711" actId="20577"/>
-          <ac:spMkLst>
-            <pc:docMk/>
-            <pc:sldMk cId="1656741748" sldId="330"/>
-            <ac:spMk id="3" creationId="{8D139B67-3F44-4574-8B69-E7831D192C6D}"/>
-          </ac:spMkLst>
-        </pc:spChg>
-      </pc:sldChg>
-    </pc:docChg>
-  </pc:docChgLst>
-  <pc:docChgLst>
-    <pc:chgData name="Benjamin Payne" userId="S::benpayne@umbc.edu::b61ff11c-ba68-49af-b001-f9f234a6aca3" providerId="AD" clId="Web-{761A5C28-8141-E8BC-B738-3C4A6C01FA55}"/>
-    <pc:docChg chg="addSld modSld">
-      <pc:chgData name="Benjamin Payne" userId="S::benpayne@umbc.edu::b61ff11c-ba68-49af-b001-f9f234a6aca3" providerId="AD" clId="Web-{761A5C28-8141-E8BC-B738-3C4A6C01FA55}" dt="2018-08-25T15:27:26.508" v="96" actId="20577"/>
-      <pc:docMkLst>
-        <pc:docMk/>
-      </pc:docMkLst>
-      <pc:sldChg chg="modSp">
-        <pc:chgData name="Benjamin Payne" userId="S::benpayne@umbc.edu::b61ff11c-ba68-49af-b001-f9f234a6aca3" providerId="AD" clId="Web-{761A5C28-8141-E8BC-B738-3C4A6C01FA55}" dt="2018-08-25T15:26:49.850" v="57" actId="20577"/>
-        <pc:sldMkLst>
-          <pc:docMk/>
-          <pc:sldMk cId="3393807459" sldId="258"/>
-        </pc:sldMkLst>
-        <pc:spChg chg="mod">
-          <ac:chgData name="Benjamin Payne" userId="S::benpayne@umbc.edu::b61ff11c-ba68-49af-b001-f9f234a6aca3" providerId="AD" clId="Web-{761A5C28-8141-E8BC-B738-3C4A6C01FA55}" dt="2018-08-25T15:26:49.850" v="57" actId="20577"/>
-          <ac:spMkLst>
-            <pc:docMk/>
-            <pc:sldMk cId="3393807459" sldId="258"/>
-            <ac:spMk id="3" creationId="{182200E1-A375-4370-BF0E-723CB089AE6B}"/>
-          </ac:spMkLst>
-        </pc:spChg>
-      </pc:sldChg>
-      <pc:sldChg chg="modSp">
-        <pc:chgData name="Benjamin Payne" userId="S::benpayne@umbc.edu::b61ff11c-ba68-49af-b001-f9f234a6aca3" providerId="AD" clId="Web-{761A5C28-8141-E8BC-B738-3C4A6C01FA55}" dt="2018-08-25T15:27:26.508" v="95" actId="20577"/>
-        <pc:sldMkLst>
-          <pc:docMk/>
-          <pc:sldMk cId="2868977103" sldId="267"/>
-        </pc:sldMkLst>
-        <pc:spChg chg="mod">
-          <ac:chgData name="Benjamin Payne" userId="S::benpayne@umbc.edu::b61ff11c-ba68-49af-b001-f9f234a6aca3" providerId="AD" clId="Web-{761A5C28-8141-E8BC-B738-3C4A6C01FA55}" dt="2018-08-25T15:27:26.508" v="95" actId="20577"/>
-          <ac:spMkLst>
-            <pc:docMk/>
-            <pc:sldMk cId="2868977103" sldId="267"/>
-            <ac:spMk id="3" creationId="{0BFDB35F-5670-4CF4-94F9-97E081C504BD}"/>
-          </ac:spMkLst>
-        </pc:spChg>
-      </pc:sldChg>
-      <pc:sldChg chg="modSp new">
-        <pc:chgData name="Benjamin Payne" userId="S::benpayne@umbc.edu::b61ff11c-ba68-49af-b001-f9f234a6aca3" providerId="AD" clId="Web-{761A5C28-8141-E8BC-B738-3C4A6C01FA55}" dt="2018-08-25T15:21:30.861" v="29" actId="20577"/>
-        <pc:sldMkLst>
-          <pc:docMk/>
-          <pc:sldMk cId="3440817313" sldId="270"/>
-        </pc:sldMkLst>
-        <pc:spChg chg="mod">
-          <ac:chgData name="Benjamin Payne" userId="S::benpayne@umbc.edu::b61ff11c-ba68-49af-b001-f9f234a6aca3" providerId="AD" clId="Web-{761A5C28-8141-E8BC-B738-3C4A6C01FA55}" dt="2018-08-25T15:18:47.552" v="9" actId="20577"/>
-          <ac:spMkLst>
-            <pc:docMk/>
-            <pc:sldMk cId="3440817313" sldId="270"/>
-            <ac:spMk id="2" creationId="{AF218145-A7A1-4FC3-87DF-A79E46488B96}"/>
-          </ac:spMkLst>
-        </pc:spChg>
-        <pc:spChg chg="mod">
-          <ac:chgData name="Benjamin Payne" userId="S::benpayne@umbc.edu::b61ff11c-ba68-49af-b001-f9f234a6aca3" providerId="AD" clId="Web-{761A5C28-8141-E8BC-B738-3C4A6C01FA55}" dt="2018-08-25T15:21:30.861" v="29" actId="20577"/>
-          <ac:spMkLst>
-            <pc:docMk/>
-            <pc:sldMk cId="3440817313" sldId="270"/>
-            <ac:spMk id="3" creationId="{C705F30F-1520-4B73-A4FC-203C50266736}"/>
-          </ac:spMkLst>
-        </pc:spChg>
-      </pc:sldChg>
-    </pc:docChg>
-  </pc:docChgLst>
-  <pc:docChgLst>
-    <pc:chgData name="Benjamin Payne" userId="S::benpayne@umbc.edu::b61ff11c-ba68-49af-b001-f9f234a6aca3" providerId="AD" clId="Web-{1D726451-C056-D552-EE30-9B3E2D3A0185}"/>
-    <pc:docChg chg="addSld modSld">
-      <pc:chgData name="Benjamin Payne" userId="S::benpayne@umbc.edu::b61ff11c-ba68-49af-b001-f9f234a6aca3" providerId="AD" clId="Web-{1D726451-C056-D552-EE30-9B3E2D3A0185}" dt="2018-08-22T02:26:31.886" v="230" actId="20577"/>
-      <pc:docMkLst>
-        <pc:docMk/>
-      </pc:docMkLst>
-      <pc:sldChg chg="modSp">
-        <pc:chgData name="Benjamin Payne" userId="S::benpayne@umbc.edu::b61ff11c-ba68-49af-b001-f9f234a6aca3" providerId="AD" clId="Web-{1D726451-C056-D552-EE30-9B3E2D3A0185}" dt="2018-08-22T02:19:11.913" v="8" actId="20577"/>
-        <pc:sldMkLst>
-          <pc:docMk/>
-          <pc:sldMk cId="109857222" sldId="256"/>
-        </pc:sldMkLst>
-        <pc:spChg chg="mod">
-          <ac:chgData name="Benjamin Payne" userId="S::benpayne@umbc.edu::b61ff11c-ba68-49af-b001-f9f234a6aca3" providerId="AD" clId="Web-{1D726451-C056-D552-EE30-9B3E2D3A0185}" dt="2018-08-22T02:19:09.757" v="6" actId="20577"/>
-          <ac:spMkLst>
-            <pc:docMk/>
-            <pc:sldMk cId="109857222" sldId="256"/>
-            <ac:spMk id="2" creationId="{00000000-0000-0000-0000-000000000000}"/>
-          </ac:spMkLst>
-        </pc:spChg>
-        <pc:spChg chg="mod">
-          <ac:chgData name="Benjamin Payne" userId="S::benpayne@umbc.edu::b61ff11c-ba68-49af-b001-f9f234a6aca3" providerId="AD" clId="Web-{1D726451-C056-D552-EE30-9B3E2D3A0185}" dt="2018-08-22T02:19:11.913" v="8" actId="20577"/>
-          <ac:spMkLst>
-            <pc:docMk/>
-            <pc:sldMk cId="109857222" sldId="256"/>
-            <ac:spMk id="3" creationId="{00000000-0000-0000-0000-000000000000}"/>
-          </ac:spMkLst>
-        </pc:spChg>
-      </pc:sldChg>
-      <pc:sldChg chg="modSp new">
-        <pc:chgData name="Benjamin Payne" userId="S::benpayne@umbc.edu::b61ff11c-ba68-49af-b001-f9f234a6aca3" providerId="AD" clId="Web-{1D726451-C056-D552-EE30-9B3E2D3A0185}" dt="2018-08-22T02:26:31.886" v="229" actId="20577"/>
-        <pc:sldMkLst>
-          <pc:docMk/>
-          <pc:sldMk cId="2391544709" sldId="257"/>
-        </pc:sldMkLst>
-        <pc:spChg chg="mod">
-          <ac:chgData name="Benjamin Payne" userId="S::benpayne@umbc.edu::b61ff11c-ba68-49af-b001-f9f234a6aca3" providerId="AD" clId="Web-{1D726451-C056-D552-EE30-9B3E2D3A0185}" dt="2018-08-22T02:25:57.182" v="214" actId="20577"/>
-          <ac:spMkLst>
-            <pc:docMk/>
-            <pc:sldMk cId="2391544709" sldId="257"/>
-            <ac:spMk id="2" creationId="{63A7662B-5EEB-462B-947A-9F9400AC7619}"/>
-          </ac:spMkLst>
-        </pc:spChg>
-        <pc:spChg chg="mod">
-          <ac:chgData name="Benjamin Payne" userId="S::benpayne@umbc.edu::b61ff11c-ba68-49af-b001-f9f234a6aca3" providerId="AD" clId="Web-{1D726451-C056-D552-EE30-9B3E2D3A0185}" dt="2018-08-22T02:26:31.886" v="229" actId="20577"/>
-          <ac:spMkLst>
-            <pc:docMk/>
-            <pc:sldMk cId="2391544709" sldId="257"/>
-            <ac:spMk id="3" creationId="{4C4C9BEA-E1D0-4140-92A5-5781E2EC6EC6}"/>
-          </ac:spMkLst>
-        </pc:spChg>
-      </pc:sldChg>
-      <pc:sldChg chg="modSp new">
-        <pc:chgData name="Benjamin Payne" userId="S::benpayne@umbc.edu::b61ff11c-ba68-49af-b001-f9f234a6aca3" providerId="AD" clId="Web-{1D726451-C056-D552-EE30-9B3E2D3A0185}" dt="2018-08-22T02:24:08.924" v="100" actId="20577"/>
-        <pc:sldMkLst>
-          <pc:docMk/>
-          <pc:sldMk cId="3393807459" sldId="258"/>
-        </pc:sldMkLst>
-        <pc:spChg chg="mod">
-          <ac:chgData name="Benjamin Payne" userId="S::benpayne@umbc.edu::b61ff11c-ba68-49af-b001-f9f234a6aca3" providerId="AD" clId="Web-{1D726451-C056-D552-EE30-9B3E2D3A0185}" dt="2018-08-22T02:22:24.808" v="86" actId="20577"/>
-          <ac:spMkLst>
-            <pc:docMk/>
-            <pc:sldMk cId="3393807459" sldId="258"/>
-            <ac:spMk id="2" creationId="{3BB25258-7529-491D-9916-33D0E51CF927}"/>
-          </ac:spMkLst>
-        </pc:spChg>
-        <pc:spChg chg="mod">
-          <ac:chgData name="Benjamin Payne" userId="S::benpayne@umbc.edu::b61ff11c-ba68-49af-b001-f9f234a6aca3" providerId="AD" clId="Web-{1D726451-C056-D552-EE30-9B3E2D3A0185}" dt="2018-08-22T02:24:08.924" v="100" actId="20577"/>
-          <ac:spMkLst>
-            <pc:docMk/>
-            <pc:sldMk cId="3393807459" sldId="258"/>
-            <ac:spMk id="3" creationId="{182200E1-A375-4370-BF0E-723CB089AE6B}"/>
-          </ac:spMkLst>
-        </pc:spChg>
-      </pc:sldChg>
-      <pc:sldChg chg="modSp new">
-        <pc:chgData name="Benjamin Payne" userId="S::benpayne@umbc.edu::b61ff11c-ba68-49af-b001-f9f234a6aca3" providerId="AD" clId="Web-{1D726451-C056-D552-EE30-9B3E2D3A0185}" dt="2018-08-22T02:25:41.103" v="208" actId="20577"/>
-        <pc:sldMkLst>
-          <pc:docMk/>
-          <pc:sldMk cId="2337642694" sldId="259"/>
-        </pc:sldMkLst>
-        <pc:spChg chg="mod">
-          <ac:chgData name="Benjamin Payne" userId="S::benpayne@umbc.edu::b61ff11c-ba68-49af-b001-f9f234a6aca3" providerId="AD" clId="Web-{1D726451-C056-D552-EE30-9B3E2D3A0185}" dt="2018-08-22T02:24:25.191" v="109" actId="20577"/>
-          <ac:spMkLst>
-            <pc:docMk/>
-            <pc:sldMk cId="2337642694" sldId="259"/>
-            <ac:spMk id="2" creationId="{B8E2B996-ABC0-4828-A4ED-8D122434ACF5}"/>
-          </ac:spMkLst>
-        </pc:spChg>
-        <pc:spChg chg="mod">
-          <ac:chgData name="Benjamin Payne" userId="S::benpayne@umbc.edu::b61ff11c-ba68-49af-b001-f9f234a6aca3" providerId="AD" clId="Web-{1D726451-C056-D552-EE30-9B3E2D3A0185}" dt="2018-08-22T02:25:41.103" v="208" actId="20577"/>
-          <ac:spMkLst>
-            <pc:docMk/>
-            <pc:sldMk cId="2337642694" sldId="259"/>
-            <ac:spMk id="3" creationId="{4D759856-6873-41CE-8867-DBDA8B92395F}"/>
-          </ac:spMkLst>
-        </pc:spChg>
-      </pc:sldChg>
-    </pc:docChg>
-  </pc:docChgLst>
-  <pc:docChgLst>
-    <pc:chgData name="Benjamin Payne" userId="S::benpayne@umbc.edu::b61ff11c-ba68-49af-b001-f9f234a6aca3" providerId="AD" clId="Web-{606B9480-201E-F0D1-2F1C-604C748404C4}"/>
-    <pc:docChg chg="addSld modSld">
-      <pc:chgData name="Benjamin Payne" userId="S::benpayne@umbc.edu::b61ff11c-ba68-49af-b001-f9f234a6aca3" providerId="AD" clId="Web-{606B9480-201E-F0D1-2F1C-604C748404C4}" dt="2018-09-05T22:11:08.537" v="404" actId="20577"/>
-      <pc:docMkLst>
-        <pc:docMk/>
-      </pc:docMkLst>
-      <pc:sldChg chg="delSp modSp">
-        <pc:chgData name="Benjamin Payne" userId="S::benpayne@umbc.edu::b61ff11c-ba68-49af-b001-f9f234a6aca3" providerId="AD" clId="Web-{606B9480-201E-F0D1-2F1C-604C748404C4}" dt="2018-09-05T21:30:59.921" v="7" actId="20577"/>
-        <pc:sldMkLst>
-          <pc:docMk/>
-          <pc:sldMk cId="1501705857" sldId="275"/>
-        </pc:sldMkLst>
-        <pc:spChg chg="mod">
-          <ac:chgData name="Benjamin Payne" userId="S::benpayne@umbc.edu::b61ff11c-ba68-49af-b001-f9f234a6aca3" providerId="AD" clId="Web-{606B9480-201E-F0D1-2F1C-604C748404C4}" dt="2018-09-05T21:30:59.921" v="7" actId="20577"/>
-          <ac:spMkLst>
-            <pc:docMk/>
-            <pc:sldMk cId="1501705857" sldId="275"/>
-            <ac:spMk id="2" creationId="{6B985760-E7B0-4A6B-A00B-1CEE72423C83}"/>
-          </ac:spMkLst>
-        </pc:spChg>
-        <pc:spChg chg="mod">
-          <ac:chgData name="Benjamin Payne" userId="S::benpayne@umbc.edu::b61ff11c-ba68-49af-b001-f9f234a6aca3" providerId="AD" clId="Web-{606B9480-201E-F0D1-2F1C-604C748404C4}" dt="2018-09-05T21:30:49.186" v="2" actId="20577"/>
-          <ac:spMkLst>
-            <pc:docMk/>
-            <pc:sldMk cId="1501705857" sldId="275"/>
-            <ac:spMk id="3" creationId="{CFB7782B-104F-45F8-8DF2-A99775513ABC}"/>
-          </ac:spMkLst>
-        </pc:spChg>
-        <pc:spChg chg="del">
-          <ac:chgData name="Benjamin Payne" userId="S::benpayne@umbc.edu::b61ff11c-ba68-49af-b001-f9f234a6aca3" providerId="AD" clId="Web-{606B9480-201E-F0D1-2F1C-604C748404C4}" dt="2018-09-05T21:30:53.436" v="4"/>
-          <ac:spMkLst>
-            <pc:docMk/>
-            <pc:sldMk cId="1501705857" sldId="275"/>
-            <ac:spMk id="5" creationId="{7672A0B8-3B06-4B20-9C55-4F70D7AF9C25}"/>
-          </ac:spMkLst>
-        </pc:spChg>
-      </pc:sldChg>
-      <pc:sldChg chg="modSp">
-        <pc:chgData name="Benjamin Payne" userId="S::benpayne@umbc.edu::b61ff11c-ba68-49af-b001-f9f234a6aca3" providerId="AD" clId="Web-{606B9480-201E-F0D1-2F1C-604C748404C4}" dt="2018-09-05T22:11:08.537" v="403" actId="20577"/>
-        <pc:sldMkLst>
-          <pc:docMk/>
-          <pc:sldMk cId="1322323809" sldId="276"/>
-        </pc:sldMkLst>
-        <pc:spChg chg="mod">
-          <ac:chgData name="Benjamin Payne" userId="S::benpayne@umbc.edu::b61ff11c-ba68-49af-b001-f9f234a6aca3" providerId="AD" clId="Web-{606B9480-201E-F0D1-2F1C-604C748404C4}" dt="2018-09-05T22:11:08.537" v="403" actId="20577"/>
-          <ac:spMkLst>
-            <pc:docMk/>
-            <pc:sldMk cId="1322323809" sldId="276"/>
-            <ac:spMk id="2" creationId="{635203D2-31FB-42F7-B900-5D6151C355EC}"/>
-          </ac:spMkLst>
-        </pc:spChg>
-      </pc:sldChg>
-      <pc:sldChg chg="modSp">
-        <pc:chgData name="Benjamin Payne" userId="S::benpayne@umbc.edu::b61ff11c-ba68-49af-b001-f9f234a6aca3" providerId="AD" clId="Web-{606B9480-201E-F0D1-2F1C-604C748404C4}" dt="2018-09-05T22:10:45.443" v="392" actId="20577"/>
-        <pc:sldMkLst>
-          <pc:docMk/>
-          <pc:sldMk cId="1689905171" sldId="278"/>
-        </pc:sldMkLst>
-        <pc:spChg chg="mod">
-          <ac:chgData name="Benjamin Payne" userId="S::benpayne@umbc.edu::b61ff11c-ba68-49af-b001-f9f234a6aca3" providerId="AD" clId="Web-{606B9480-201E-F0D1-2F1C-604C748404C4}" dt="2018-09-05T22:10:45.443" v="392" actId="20577"/>
-          <ac:spMkLst>
-            <pc:docMk/>
-            <pc:sldMk cId="1689905171" sldId="278"/>
-            <ac:spMk id="3" creationId="{883231F5-2EDA-4D2B-8CE7-827A88B210A6}"/>
-          </ac:spMkLst>
-        </pc:spChg>
-      </pc:sldChg>
-      <pc:sldChg chg="modSp">
-        <pc:chgData name="Benjamin Payne" userId="S::benpayne@umbc.edu::b61ff11c-ba68-49af-b001-f9f234a6aca3" providerId="AD" clId="Web-{606B9480-201E-F0D1-2F1C-604C748404C4}" dt="2018-09-05T22:10:06.629" v="368" actId="20577"/>
-        <pc:sldMkLst>
-          <pc:docMk/>
-          <pc:sldMk cId="1904148995" sldId="326"/>
-        </pc:sldMkLst>
-        <pc:spChg chg="mod">
-          <ac:chgData name="Benjamin Payne" userId="S::benpayne@umbc.edu::b61ff11c-ba68-49af-b001-f9f234a6aca3" providerId="AD" clId="Web-{606B9480-201E-F0D1-2F1C-604C748404C4}" dt="2018-09-05T22:10:06.629" v="368" actId="20577"/>
-          <ac:spMkLst>
-            <pc:docMk/>
-            <pc:sldMk cId="1904148995" sldId="326"/>
-            <ac:spMk id="2" creationId="{642C84C8-910E-4F36-BB48-89B48065A43E}"/>
-          </ac:spMkLst>
-        </pc:spChg>
-        <pc:spChg chg="mod">
-          <ac:chgData name="Benjamin Payne" userId="S::benpayne@umbc.edu::b61ff11c-ba68-49af-b001-f9f234a6aca3" providerId="AD" clId="Web-{606B9480-201E-F0D1-2F1C-604C748404C4}" dt="2018-09-05T22:09:47.832" v="353" actId="20577"/>
-          <ac:spMkLst>
-            <pc:docMk/>
-            <pc:sldMk cId="1904148995" sldId="326"/>
-            <ac:spMk id="3" creationId="{DA9A90EC-FCB7-4E9A-9F2F-4E89CA9EB062}"/>
-          </ac:spMkLst>
-        </pc:spChg>
-      </pc:sldChg>
-      <pc:sldChg chg="addSp delSp modSp add replId">
-        <pc:chgData name="Benjamin Payne" userId="S::benpayne@umbc.edu::b61ff11c-ba68-49af-b001-f9f234a6aca3" providerId="AD" clId="Web-{606B9480-201E-F0D1-2F1C-604C748404C4}" dt="2018-09-05T22:05:49.843" v="249" actId="20577"/>
-        <pc:sldMkLst>
-          <pc:docMk/>
-          <pc:sldMk cId="1942028120" sldId="334"/>
-        </pc:sldMkLst>
-        <pc:spChg chg="mod">
-          <ac:chgData name="Benjamin Payne" userId="S::benpayne@umbc.edu::b61ff11c-ba68-49af-b001-f9f234a6aca3" providerId="AD" clId="Web-{606B9480-201E-F0D1-2F1C-604C748404C4}" dt="2018-09-05T22:05:49.843" v="249" actId="20577"/>
-          <ac:spMkLst>
-            <pc:docMk/>
-            <pc:sldMk cId="1942028120" sldId="334"/>
-            <ac:spMk id="2" creationId="{6B985760-E7B0-4A6B-A00B-1CEE72423C83}"/>
-          </ac:spMkLst>
-        </pc:spChg>
-        <pc:spChg chg="mod">
-          <ac:chgData name="Benjamin Payne" userId="S::benpayne@umbc.edu::b61ff11c-ba68-49af-b001-f9f234a6aca3" providerId="AD" clId="Web-{606B9480-201E-F0D1-2F1C-604C748404C4}" dt="2018-09-05T21:35:36.629" v="187" actId="20577"/>
-          <ac:spMkLst>
-            <pc:docMk/>
-            <pc:sldMk cId="1942028120" sldId="334"/>
-            <ac:spMk id="3" creationId="{CFB7782B-104F-45F8-8DF2-A99775513ABC}"/>
-          </ac:spMkLst>
-        </pc:spChg>
-        <pc:spChg chg="del">
-          <ac:chgData name="Benjamin Payne" userId="S::benpayne@umbc.edu::b61ff11c-ba68-49af-b001-f9f234a6aca3" providerId="AD" clId="Web-{606B9480-201E-F0D1-2F1C-604C748404C4}" dt="2018-09-05T21:36:05.723" v="191"/>
-          <ac:spMkLst>
-            <pc:docMk/>
-            <pc:sldMk cId="1942028120" sldId="334"/>
-            <ac:spMk id="4" creationId="{967CD337-39D4-4AB7-9F74-57058006C840}"/>
-          </ac:spMkLst>
-        </pc:spChg>
-        <pc:spChg chg="add del mod">
-          <ac:chgData name="Benjamin Payne" userId="S::benpayne@umbc.edu::b61ff11c-ba68-49af-b001-f9f234a6aca3" providerId="AD" clId="Web-{606B9480-201E-F0D1-2F1C-604C748404C4}" dt="2018-09-05T21:32:57.845" v="64"/>
-          <ac:spMkLst>
-            <pc:docMk/>
-            <pc:sldMk cId="1942028120" sldId="334"/>
-            <ac:spMk id="7" creationId="{0088D2AF-709C-40CC-BAF0-6A0B130F1DA5}"/>
-          </ac:spMkLst>
-        </pc:spChg>
-      </pc:sldChg>
-      <pc:sldChg chg="modSp new">
-        <pc:chgData name="Benjamin Payne" userId="S::benpayne@umbc.edu::b61ff11c-ba68-49af-b001-f9f234a6aca3" providerId="AD" clId="Web-{606B9480-201E-F0D1-2F1C-604C748404C4}" dt="2018-09-05T21:44:53.359" v="240" actId="20577"/>
-        <pc:sldMkLst>
-          <pc:docMk/>
-          <pc:sldMk cId="1280142049" sldId="335"/>
-        </pc:sldMkLst>
-        <pc:spChg chg="mod">
-          <ac:chgData name="Benjamin Payne" userId="S::benpayne@umbc.edu::b61ff11c-ba68-49af-b001-f9f234a6aca3" providerId="AD" clId="Web-{606B9480-201E-F0D1-2F1C-604C748404C4}" dt="2018-09-05T21:36:15.083" v="201" actId="20577"/>
-          <ac:spMkLst>
-            <pc:docMk/>
-            <pc:sldMk cId="1280142049" sldId="335"/>
-            <ac:spMk id="2" creationId="{0AB72F30-378F-4D8A-9F3F-FBC1F37815DB}"/>
-          </ac:spMkLst>
-        </pc:spChg>
-        <pc:spChg chg="mod">
-          <ac:chgData name="Benjamin Payne" userId="S::benpayne@umbc.edu::b61ff11c-ba68-49af-b001-f9f234a6aca3" providerId="AD" clId="Web-{606B9480-201E-F0D1-2F1C-604C748404C4}" dt="2018-09-05T21:44:53.359" v="240" actId="20577"/>
-          <ac:spMkLst>
-            <pc:docMk/>
-            <pc:sldMk cId="1280142049" sldId="335"/>
-            <ac:spMk id="3" creationId="{52EB105F-9617-47C5-B103-1574A7F8BA22}"/>
-          </ac:spMkLst>
-        </pc:spChg>
-      </pc:sldChg>
-    </pc:docChg>
-  </pc:docChgLst>
-  <pc:docChgLst>
-    <pc:chgData name="Benjamin Payne" userId="S::benpayne@umbc.edu::b61ff11c-ba68-49af-b001-f9f234a6aca3" providerId="AD" clId="Web-{B3A9D466-7489-297D-88C8-BA057AA52D9F}"/>
-    <pc:docChg chg="addSld modSld">
-      <pc:chgData name="Benjamin Payne" userId="S::benpayne@umbc.edu::b61ff11c-ba68-49af-b001-f9f234a6aca3" providerId="AD" clId="Web-{B3A9D466-7489-297D-88C8-BA057AA52D9F}" dt="2018-08-30T01:23:46.803" v="19" actId="20577"/>
-      <pc:docMkLst>
-        <pc:docMk/>
-      </pc:docMkLst>
-      <pc:sldChg chg="modSp new">
-        <pc:chgData name="Benjamin Payne" userId="S::benpayne@umbc.edu::b61ff11c-ba68-49af-b001-f9f234a6aca3" providerId="AD" clId="Web-{B3A9D466-7489-297D-88C8-BA057AA52D9F}" dt="2018-08-30T01:23:46.803" v="18" actId="20577"/>
-        <pc:sldMkLst>
-          <pc:docMk/>
-          <pc:sldMk cId="3300997659" sldId="289"/>
-        </pc:sldMkLst>
-        <pc:spChg chg="mod">
-          <ac:chgData name="Benjamin Payne" userId="S::benpayne@umbc.edu::b61ff11c-ba68-49af-b001-f9f234a6aca3" providerId="AD" clId="Web-{B3A9D466-7489-297D-88C8-BA057AA52D9F}" dt="2018-08-30T01:23:45.553" v="15" actId="20577"/>
-          <ac:spMkLst>
-            <pc:docMk/>
-            <pc:sldMk cId="3300997659" sldId="289"/>
-            <ac:spMk id="2" creationId="{12AFB183-AA91-4F69-9375-33EB2F4E5869}"/>
-          </ac:spMkLst>
-        </pc:spChg>
-        <pc:spChg chg="mod">
-          <ac:chgData name="Benjamin Payne" userId="S::benpayne@umbc.edu::b61ff11c-ba68-49af-b001-f9f234a6aca3" providerId="AD" clId="Web-{B3A9D466-7489-297D-88C8-BA057AA52D9F}" dt="2018-08-30T01:23:46.803" v="18" actId="20577"/>
-          <ac:spMkLst>
-            <pc:docMk/>
-            <pc:sldMk cId="3300997659" sldId="289"/>
-            <ac:spMk id="3" creationId="{A3AEEB11-7848-4A1F-8F6C-90E8CEB69C0F}"/>
-          </ac:spMkLst>
-        </pc:spChg>
-      </pc:sldChg>
-    </pc:docChg>
-  </pc:docChgLst>
-  <pc:docChgLst>
-    <pc:chgData name="Benjamin Payne" userId="S::benpayne@umbc.edu::b61ff11c-ba68-49af-b001-f9f234a6aca3" providerId="AD" clId="Web-{CF61F774-4EEA-481D-9A83-E41D14C66326}"/>
-    <pc:docChg chg="addSld delSld modSld sldOrd">
-      <pc:chgData name="Benjamin Payne" userId="S::benpayne@umbc.edu::b61ff11c-ba68-49af-b001-f9f234a6aca3" providerId="AD" clId="Web-{CF61F774-4EEA-481D-9A83-E41D14C66326}" dt="2018-09-01T23:48:37.688" v="764"/>
-      <pc:docMkLst>
-        <pc:docMk/>
-      </pc:docMkLst>
-      <pc:sldChg chg="modSp ord">
-        <pc:chgData name="Benjamin Payne" userId="S::benpayne@umbc.edu::b61ff11c-ba68-49af-b001-f9f234a6aca3" providerId="AD" clId="Web-{CF61F774-4EEA-481D-9A83-E41D14C66326}" dt="2018-09-01T23:41:50.203" v="673" actId="20577"/>
-        <pc:sldMkLst>
-          <pc:docMk/>
-          <pc:sldMk cId="2337642694" sldId="259"/>
-        </pc:sldMkLst>
-        <pc:spChg chg="mod">
-          <ac:chgData name="Benjamin Payne" userId="S::benpayne@umbc.edu::b61ff11c-ba68-49af-b001-f9f234a6aca3" providerId="AD" clId="Web-{CF61F774-4EEA-481D-9A83-E41D14C66326}" dt="2018-09-01T23:41:50.203" v="673" actId="20577"/>
-          <ac:spMkLst>
-            <pc:docMk/>
-            <pc:sldMk cId="2337642694" sldId="259"/>
-            <ac:spMk id="3" creationId="{4D759856-6873-41CE-8867-DBDA8B92395F}"/>
-          </ac:spMkLst>
-        </pc:spChg>
-      </pc:sldChg>
-      <pc:sldChg chg="ord">
-        <pc:chgData name="Benjamin Payne" userId="S::benpayne@umbc.edu::b61ff11c-ba68-49af-b001-f9f234a6aca3" providerId="AD" clId="Web-{CF61F774-4EEA-481D-9A83-E41D14C66326}" dt="2018-09-01T23:39:46.668" v="651"/>
-        <pc:sldMkLst>
-          <pc:docMk/>
-          <pc:sldMk cId="2868977103" sldId="267"/>
-        </pc:sldMkLst>
-      </pc:sldChg>
-      <pc:sldChg chg="modSp">
-        <pc:chgData name="Benjamin Payne" userId="S::benpayne@umbc.edu::b61ff11c-ba68-49af-b001-f9f234a6aca3" providerId="AD" clId="Web-{CF61F774-4EEA-481D-9A83-E41D14C66326}" dt="2018-09-01T23:13:55.675" v="269" actId="20577"/>
-        <pc:sldMkLst>
-          <pc:docMk/>
-          <pc:sldMk cId="3440817313" sldId="270"/>
-        </pc:sldMkLst>
-        <pc:spChg chg="mod">
-          <ac:chgData name="Benjamin Payne" userId="S::benpayne@umbc.edu::b61ff11c-ba68-49af-b001-f9f234a6aca3" providerId="AD" clId="Web-{CF61F774-4EEA-481D-9A83-E41D14C66326}" dt="2018-09-01T23:13:55.675" v="269" actId="20577"/>
-          <ac:spMkLst>
-            <pc:docMk/>
-            <pc:sldMk cId="3440817313" sldId="270"/>
-            <ac:spMk id="2" creationId="{AF218145-A7A1-4FC3-87DF-A79E46488B96}"/>
-          </ac:spMkLst>
-        </pc:spChg>
-      </pc:sldChg>
-      <pc:sldChg chg="del">
-        <pc:chgData name="Benjamin Payne" userId="S::benpayne@umbc.edu::b61ff11c-ba68-49af-b001-f9f234a6aca3" providerId="AD" clId="Web-{CF61F774-4EEA-481D-9A83-E41D14C66326}" dt="2018-09-01T23:13:28.581" v="266"/>
-        <pc:sldMkLst>
-          <pc:docMk/>
-          <pc:sldMk cId="1427304139" sldId="273"/>
-        </pc:sldMkLst>
-      </pc:sldChg>
-      <pc:sldChg chg="modSp">
-        <pc:chgData name="Benjamin Payne" userId="S::benpayne@umbc.edu::b61ff11c-ba68-49af-b001-f9f234a6aca3" providerId="AD" clId="Web-{CF61F774-4EEA-481D-9A83-E41D14C66326}" dt="2018-09-01T22:58:18.398" v="14" actId="20577"/>
-        <pc:sldMkLst>
-          <pc:docMk/>
-          <pc:sldMk cId="3365738038" sldId="280"/>
-        </pc:sldMkLst>
-        <pc:spChg chg="mod">
-          <ac:chgData name="Benjamin Payne" userId="S::benpayne@umbc.edu::b61ff11c-ba68-49af-b001-f9f234a6aca3" providerId="AD" clId="Web-{CF61F774-4EEA-481D-9A83-E41D14C66326}" dt="2018-09-01T22:58:18.398" v="14" actId="20577"/>
-          <ac:spMkLst>
-            <pc:docMk/>
-            <pc:sldMk cId="3365738038" sldId="280"/>
-            <ac:spMk id="3" creationId="{40625D3E-4517-46E0-BE45-C607D57B9CB4}"/>
-          </ac:spMkLst>
-        </pc:spChg>
-      </pc:sldChg>
-      <pc:sldChg chg="addSp modSp modNotes">
-        <pc:chgData name="Benjamin Payne" userId="S::benpayne@umbc.edu::b61ff11c-ba68-49af-b001-f9f234a6aca3" providerId="AD" clId="Web-{CF61F774-4EEA-481D-9A83-E41D14C66326}" dt="2018-09-01T23:48:37.688" v="764"/>
-        <pc:sldMkLst>
-          <pc:docMk/>
-          <pc:sldMk cId="1113823316" sldId="281"/>
-        </pc:sldMkLst>
-        <pc:spChg chg="mod">
-          <ac:chgData name="Benjamin Payne" userId="S::benpayne@umbc.edu::b61ff11c-ba68-49af-b001-f9f234a6aca3" providerId="AD" clId="Web-{CF61F774-4EEA-481D-9A83-E41D14C66326}" dt="2018-09-01T23:47:46.435" v="755" actId="1076"/>
-          <ac:spMkLst>
-            <pc:docMk/>
-            <pc:sldMk cId="1113823316" sldId="281"/>
-            <ac:spMk id="2" creationId="{0DC138F5-1CF1-45B3-8A1F-612EC19C6C92}"/>
-          </ac:spMkLst>
-        </pc:spChg>
-        <pc:spChg chg="mod">
-          <ac:chgData name="Benjamin Payne" userId="S::benpayne@umbc.edu::b61ff11c-ba68-49af-b001-f9f234a6aca3" providerId="AD" clId="Web-{CF61F774-4EEA-481D-9A83-E41D14C66326}" dt="2018-09-01T23:47:50.405" v="758" actId="20577"/>
-          <ac:spMkLst>
-            <pc:docMk/>
-            <pc:sldMk cId="1113823316" sldId="281"/>
-            <ac:spMk id="3" creationId="{8248DD79-3D9B-4E64-ADA9-9495D307B42F}"/>
-          </ac:spMkLst>
-        </pc:spChg>
-        <pc:picChg chg="add mod">
-          <ac:chgData name="Benjamin Payne" userId="S::benpayne@umbc.edu::b61ff11c-ba68-49af-b001-f9f234a6aca3" providerId="AD" clId="Web-{CF61F774-4EEA-481D-9A83-E41D14C66326}" dt="2018-09-01T23:47:41.263" v="754" actId="14100"/>
-          <ac:picMkLst>
-            <pc:docMk/>
-            <pc:sldMk cId="1113823316" sldId="281"/>
-            <ac:picMk id="4" creationId="{A960D9EB-6278-4B22-A1A6-913B0D9EFDC2}"/>
-          </ac:picMkLst>
-        </pc:picChg>
-      </pc:sldChg>
-      <pc:sldChg chg="modSp">
-        <pc:chgData name="Benjamin Payne" userId="S::benpayne@umbc.edu::b61ff11c-ba68-49af-b001-f9f234a6aca3" providerId="AD" clId="Web-{CF61F774-4EEA-481D-9A83-E41D14C66326}" dt="2018-09-01T23:38:58.777" v="649" actId="20577"/>
-        <pc:sldMkLst>
-          <pc:docMk/>
-          <pc:sldMk cId="4063999364" sldId="283"/>
-        </pc:sldMkLst>
-        <pc:spChg chg="mod">
-          <ac:chgData name="Benjamin Payne" userId="S::benpayne@umbc.edu::b61ff11c-ba68-49af-b001-f9f234a6aca3" providerId="AD" clId="Web-{CF61F774-4EEA-481D-9A83-E41D14C66326}" dt="2018-09-01T23:38:58.777" v="649" actId="20577"/>
-          <ac:spMkLst>
-            <pc:docMk/>
-            <pc:sldMk cId="4063999364" sldId="283"/>
-            <ac:spMk id="3" creationId="{CF77E521-6AB3-4E09-8AB0-C162C0224E24}"/>
-          </ac:spMkLst>
-        </pc:spChg>
-      </pc:sldChg>
-      <pc:sldChg chg="modSp">
-        <pc:chgData name="Benjamin Payne" userId="S::benpayne@umbc.edu::b61ff11c-ba68-49af-b001-f9f234a6aca3" providerId="AD" clId="Web-{CF61F774-4EEA-481D-9A83-E41D14C66326}" dt="2018-09-01T23:23:32.790" v="462" actId="20577"/>
-        <pc:sldMkLst>
-          <pc:docMk/>
-          <pc:sldMk cId="1567369141" sldId="284"/>
-        </pc:sldMkLst>
-        <pc:spChg chg="mod">
-          <ac:chgData name="Benjamin Payne" userId="S::benpayne@umbc.edu::b61ff11c-ba68-49af-b001-f9f234a6aca3" providerId="AD" clId="Web-{CF61F774-4EEA-481D-9A83-E41D14C66326}" dt="2018-09-01T23:23:32.790" v="462" actId="20577"/>
-          <ac:spMkLst>
-            <pc:docMk/>
-            <pc:sldMk cId="1567369141" sldId="284"/>
-            <ac:spMk id="4" creationId="{5B949F2D-2F15-4FC3-90DA-860FAA38BF68}"/>
-          </ac:spMkLst>
-        </pc:spChg>
-      </pc:sldChg>
-      <pc:sldChg chg="addSp delSp modSp modNotes">
-        <pc:chgData name="Benjamin Payne" userId="S::benpayne@umbc.edu::b61ff11c-ba68-49af-b001-f9f234a6aca3" providerId="AD" clId="Web-{CF61F774-4EEA-481D-9A83-E41D14C66326}" dt="2018-09-01T23:36:46.429" v="626"/>
-        <pc:sldMkLst>
-          <pc:docMk/>
-          <pc:sldMk cId="3300997659" sldId="289"/>
-        </pc:sldMkLst>
-        <pc:spChg chg="mod">
-          <ac:chgData name="Benjamin Payne" userId="S::benpayne@umbc.edu::b61ff11c-ba68-49af-b001-f9f234a6aca3" providerId="AD" clId="Web-{CF61F774-4EEA-481D-9A83-E41D14C66326}" dt="2018-09-01T23:36:24.429" v="610" actId="20577"/>
-          <ac:spMkLst>
-            <pc:docMk/>
-            <pc:sldMk cId="3300997659" sldId="289"/>
-            <ac:spMk id="3" creationId="{A3AEEB11-7848-4A1F-8F6C-90E8CEB69C0F}"/>
-          </ac:spMkLst>
-        </pc:spChg>
-        <pc:spChg chg="add del mod">
-          <ac:chgData name="Benjamin Payne" userId="S::benpayne@umbc.edu::b61ff11c-ba68-49af-b001-f9f234a6aca3" providerId="AD" clId="Web-{CF61F774-4EEA-481D-9A83-E41D14C66326}" dt="2018-09-01T23:36:46.429" v="626"/>
-          <ac:spMkLst>
-            <pc:docMk/>
-            <pc:sldMk cId="3300997659" sldId="289"/>
-            <ac:spMk id="4" creationId="{DABC852E-80B3-4784-8859-76F51BBBC536}"/>
-          </ac:spMkLst>
-        </pc:spChg>
-      </pc:sldChg>
-      <pc:sldChg chg="addSp delSp modSp">
-        <pc:chgData name="Benjamin Payne" userId="S::benpayne@umbc.edu::b61ff11c-ba68-49af-b001-f9f234a6aca3" providerId="AD" clId="Web-{CF61F774-4EEA-481D-9A83-E41D14C66326}" dt="2018-09-01T23:14:09.992" v="271" actId="20577"/>
-        <pc:sldMkLst>
-          <pc:docMk/>
-          <pc:sldMk cId="1791940524" sldId="300"/>
-        </pc:sldMkLst>
-        <pc:spChg chg="mod">
-          <ac:chgData name="Benjamin Payne" userId="S::benpayne@umbc.edu::b61ff11c-ba68-49af-b001-f9f234a6aca3" providerId="AD" clId="Web-{CF61F774-4EEA-481D-9A83-E41D14C66326}" dt="2018-09-01T23:09:00.335" v="212" actId="20577"/>
-          <ac:spMkLst>
-            <pc:docMk/>
-            <pc:sldMk cId="1791940524" sldId="300"/>
-            <ac:spMk id="2" creationId="{46674DCC-07C8-4448-90D2-B072BA2D82D1}"/>
-          </ac:spMkLst>
-        </pc:spChg>
-        <pc:spChg chg="add del mod">
-          <ac:chgData name="Benjamin Payne" userId="S::benpayne@umbc.edu::b61ff11c-ba68-49af-b001-f9f234a6aca3" providerId="AD" clId="Web-{CF61F774-4EEA-481D-9A83-E41D14C66326}" dt="2018-09-01T23:08:26.005" v="209"/>
-          <ac:spMkLst>
-            <pc:docMk/>
-            <pc:sldMk cId="1791940524" sldId="300"/>
-            <ac:spMk id="3" creationId="{78475030-C0A6-4397-8699-2F138BADE2D1}"/>
-          </ac:spMkLst>
-        </pc:spChg>
-        <pc:spChg chg="add mod">
-          <ac:chgData name="Benjamin Payne" userId="S::benpayne@umbc.edu::b61ff11c-ba68-49af-b001-f9f234a6aca3" providerId="AD" clId="Web-{CF61F774-4EEA-481D-9A83-E41D14C66326}" dt="2018-09-01T23:11:29.995" v="253" actId="1076"/>
-          <ac:spMkLst>
-            <pc:docMk/>
-            <pc:sldMk cId="1791940524" sldId="300"/>
-            <ac:spMk id="5" creationId="{CDE2E71F-39B1-42B0-8CD9-BD8F1B7C61FD}"/>
-          </ac:spMkLst>
-        </pc:spChg>
-        <pc:spChg chg="add mod">
-          <ac:chgData name="Benjamin Payne" userId="S::benpayne@umbc.edu::b61ff11c-ba68-49af-b001-f9f234a6aca3" providerId="AD" clId="Web-{CF61F774-4EEA-481D-9A83-E41D14C66326}" dt="2018-09-01T23:14:09.992" v="271" actId="20577"/>
-          <ac:spMkLst>
-            <pc:docMk/>
-            <pc:sldMk cId="1791940524" sldId="300"/>
-            <ac:spMk id="6" creationId="{1939DAE8-D0F6-4221-A07C-C727080E1716}"/>
-          </ac:spMkLst>
-        </pc:spChg>
-      </pc:sldChg>
-      <pc:sldChg chg="addSp modSp modNotes">
-        <pc:chgData name="Benjamin Payne" userId="S::benpayne@umbc.edu::b61ff11c-ba68-49af-b001-f9f234a6aca3" providerId="AD" clId="Web-{CF61F774-4EEA-481D-9A83-E41D14C66326}" dt="2018-09-01T23:29:18.699" v="535" actId="1076"/>
-        <pc:sldMkLst>
-          <pc:docMk/>
-          <pc:sldMk cId="2231666173" sldId="301"/>
-        </pc:sldMkLst>
-        <pc:spChg chg="mod">
-          <ac:chgData name="Benjamin Payne" userId="S::benpayne@umbc.edu::b61ff11c-ba68-49af-b001-f9f234a6aca3" providerId="AD" clId="Web-{CF61F774-4EEA-481D-9A83-E41D14C66326}" dt="2018-09-01T23:20:04.435" v="434" actId="1076"/>
-          <ac:spMkLst>
-            <pc:docMk/>
-            <pc:sldMk cId="2231666173" sldId="301"/>
-            <ac:spMk id="2" creationId="{46B1F39F-B0AA-470C-ABC1-2A14DDCDABF6}"/>
-          </ac:spMkLst>
-        </pc:spChg>
-        <pc:spChg chg="mod">
-          <ac:chgData name="Benjamin Payne" userId="S::benpayne@umbc.edu::b61ff11c-ba68-49af-b001-f9f234a6aca3" providerId="AD" clId="Web-{CF61F774-4EEA-481D-9A83-E41D14C66326}" dt="2018-09-01T23:23:15.180" v="456" actId="20577"/>
-          <ac:spMkLst>
-            <pc:docMk/>
-            <pc:sldMk cId="2231666173" sldId="301"/>
-            <ac:spMk id="3" creationId="{6C1D578C-2AFA-4806-BEC7-5CE5A0861786}"/>
-          </ac:spMkLst>
-        </pc:spChg>
-        <pc:spChg chg="add mod">
-          <ac:chgData name="Benjamin Payne" userId="S::benpayne@umbc.edu::b61ff11c-ba68-49af-b001-f9f234a6aca3" providerId="AD" clId="Web-{CF61F774-4EEA-481D-9A83-E41D14C66326}" dt="2018-09-01T23:29:18.699" v="535" actId="1076"/>
-          <ac:spMkLst>
-            <pc:docMk/>
-            <pc:sldMk cId="2231666173" sldId="301"/>
-            <ac:spMk id="6" creationId="{D462D27C-6AA3-4DF6-9ADA-C48431973958}"/>
-          </ac:spMkLst>
-        </pc:spChg>
-        <pc:picChg chg="add mod">
-          <ac:chgData name="Benjamin Payne" userId="S::benpayne@umbc.edu::b61ff11c-ba68-49af-b001-f9f234a6aca3" providerId="AD" clId="Web-{CF61F774-4EEA-481D-9A83-E41D14C66326}" dt="2018-09-01T23:27:41.547" v="470" actId="1076"/>
-          <ac:picMkLst>
-            <pc:docMk/>
-            <pc:sldMk cId="2231666173" sldId="301"/>
-            <ac:picMk id="4" creationId="{1A5C8F43-3E79-4125-BA3C-52AC2C15FF96}"/>
-          </ac:picMkLst>
-        </pc:picChg>
-      </pc:sldChg>
-      <pc:sldChg chg="modSp">
-        <pc:chgData name="Benjamin Payne" userId="S::benpayne@umbc.edu::b61ff11c-ba68-49af-b001-f9f234a6aca3" providerId="AD" clId="Web-{CF61F774-4EEA-481D-9A83-E41D14C66326}" dt="2018-09-01T23:01:08.894" v="114" actId="20577"/>
-        <pc:sldMkLst>
-          <pc:docMk/>
-          <pc:sldMk cId="1486241754" sldId="303"/>
-        </pc:sldMkLst>
-        <pc:spChg chg="mod">
-          <ac:chgData name="Benjamin Payne" userId="S::benpayne@umbc.edu::b61ff11c-ba68-49af-b001-f9f234a6aca3" providerId="AD" clId="Web-{CF61F774-4EEA-481D-9A83-E41D14C66326}" dt="2018-09-01T23:01:08.894" v="114" actId="20577"/>
-          <ac:spMkLst>
-            <pc:docMk/>
-            <pc:sldMk cId="1486241754" sldId="303"/>
-            <ac:spMk id="3" creationId="{E6BB48B3-B20D-44AB-BC97-C0DCB655B5FF}"/>
-          </ac:spMkLst>
-        </pc:spChg>
-      </pc:sldChg>
-      <pc:sldChg chg="addSp delSp modSp new">
-        <pc:chgData name="Benjamin Payne" userId="S::benpayne@umbc.edu::b61ff11c-ba68-49af-b001-f9f234a6aca3" providerId="AD" clId="Web-{CF61F774-4EEA-481D-9A83-E41D14C66326}" dt="2018-09-01T23:07:14.454" v="203" actId="1076"/>
-        <pc:sldMkLst>
-          <pc:docMk/>
-          <pc:sldMk cId="2699540909" sldId="304"/>
-        </pc:sldMkLst>
-        <pc:spChg chg="mod">
-          <ac:chgData name="Benjamin Payne" userId="S::benpayne@umbc.edu::b61ff11c-ba68-49af-b001-f9f234a6aca3" providerId="AD" clId="Web-{CF61F774-4EEA-481D-9A83-E41D14C66326}" dt="2018-09-01T23:06:14.404" v="142" actId="20577"/>
-          <ac:spMkLst>
-            <pc:docMk/>
-            <pc:sldMk cId="2699540909" sldId="304"/>
-            <ac:spMk id="2" creationId="{6D2FC3D4-5A0A-4A94-B3CB-4BF1696B87C6}"/>
-          </ac:spMkLst>
-        </pc:spChg>
-        <pc:spChg chg="del">
-          <ac:chgData name="Benjamin Payne" userId="S::benpayne@umbc.edu::b61ff11c-ba68-49af-b001-f9f234a6aca3" providerId="AD" clId="Web-{CF61F774-4EEA-481D-9A83-E41D14C66326}" dt="2018-09-01T23:05:06.433" v="134"/>
-          <ac:spMkLst>
-            <pc:docMk/>
-            <pc:sldMk cId="2699540909" sldId="304"/>
-            <ac:spMk id="3" creationId="{3C19E0CB-3455-45FF-BA6F-1F5614A0769C}"/>
-          </ac:spMkLst>
-        </pc:spChg>
-        <pc:spChg chg="add mod">
-          <ac:chgData name="Benjamin Payne" userId="S::benpayne@umbc.edu::b61ff11c-ba68-49af-b001-f9f234a6aca3" providerId="AD" clId="Web-{CF61F774-4EEA-481D-9A83-E41D14C66326}" dt="2018-09-01T23:07:14.454" v="203" actId="1076"/>
-          <ac:spMkLst>
-            <pc:docMk/>
-            <pc:sldMk cId="2699540909" sldId="304"/>
-            <ac:spMk id="6" creationId="{EB9D3F00-E6E3-40E3-A0EA-053E58DC3312}"/>
-          </ac:spMkLst>
-        </pc:spChg>
-        <pc:picChg chg="add mod ord">
-          <ac:chgData name="Benjamin Payne" userId="S::benpayne@umbc.edu::b61ff11c-ba68-49af-b001-f9f234a6aca3" providerId="AD" clId="Web-{CF61F774-4EEA-481D-9A83-E41D14C66326}" dt="2018-09-01T23:05:56.888" v="140"/>
-          <ac:picMkLst>
-            <pc:docMk/>
-            <pc:sldMk cId="2699540909" sldId="304"/>
-            <ac:picMk id="4" creationId="{0DBF25AC-9566-4B4D-8D55-F34D6D43BA11}"/>
-          </ac:picMkLst>
-        </pc:picChg>
-      </pc:sldChg>
-    </pc:docChg>
-  </pc:docChgLst>
-  <pc:docChgLst>
-    <pc:chgData name="Benjamin Payne" userId="S::benpayne@umbc.edu::b61ff11c-ba68-49af-b001-f9f234a6aca3" providerId="AD" clId="Web-{8DAE2ECE-44D7-D4AF-9B6D-722DC4BAC965}"/>
-    <pc:docChg chg="addSld modSld">
-      <pc:chgData name="Benjamin Payne" userId="S::benpayne@umbc.edu::b61ff11c-ba68-49af-b001-f9f234a6aca3" providerId="AD" clId="Web-{8DAE2ECE-44D7-D4AF-9B6D-722DC4BAC965}" dt="2018-08-26T12:26:46.737" v="218" actId="14100"/>
-      <pc:docMkLst>
-        <pc:docMk/>
-      </pc:docMkLst>
-      <pc:sldChg chg="addSp modSp new">
-        <pc:chgData name="Benjamin Payne" userId="S::benpayne@umbc.edu::b61ff11c-ba68-49af-b001-f9f234a6aca3" providerId="AD" clId="Web-{8DAE2ECE-44D7-D4AF-9B6D-722DC4BAC965}" dt="2018-08-26T12:26:46.737" v="218" actId="14100"/>
-        <pc:sldMkLst>
-          <pc:docMk/>
-          <pc:sldMk cId="1501705857" sldId="275"/>
-        </pc:sldMkLst>
-        <pc:spChg chg="mod">
-          <ac:chgData name="Benjamin Payne" userId="S::benpayne@umbc.edu::b61ff11c-ba68-49af-b001-f9f234a6aca3" providerId="AD" clId="Web-{8DAE2ECE-44D7-D4AF-9B6D-722DC4BAC965}" dt="2018-08-26T12:26:41.612" v="217" actId="1076"/>
-          <ac:spMkLst>
-            <pc:docMk/>
-            <pc:sldMk cId="1501705857" sldId="275"/>
-            <ac:spMk id="2" creationId="{6B985760-E7B0-4A6B-A00B-1CEE72423C83}"/>
-          </ac:spMkLst>
-        </pc:spChg>
-        <pc:spChg chg="mod">
-          <ac:chgData name="Benjamin Payne" userId="S::benpayne@umbc.edu::b61ff11c-ba68-49af-b001-f9f234a6aca3" providerId="AD" clId="Web-{8DAE2ECE-44D7-D4AF-9B6D-722DC4BAC965}" dt="2018-08-26T12:26:46.737" v="218" actId="14100"/>
-          <ac:spMkLst>
-            <pc:docMk/>
-            <pc:sldMk cId="1501705857" sldId="275"/>
-            <ac:spMk id="3" creationId="{CFB7782B-104F-45F8-8DF2-A99775513ABC}"/>
-          </ac:spMkLst>
-        </pc:spChg>
-        <pc:spChg chg="add mod">
-          <ac:chgData name="Benjamin Payne" userId="S::benpayne@umbc.edu::b61ff11c-ba68-49af-b001-f9f234a6aca3" providerId="AD" clId="Web-{8DAE2ECE-44D7-D4AF-9B6D-722DC4BAC965}" dt="2018-08-26T12:24:50.706" v="216" actId="1076"/>
-          <ac:spMkLst>
-            <pc:docMk/>
-            <pc:sldMk cId="1501705857" sldId="275"/>
-            <ac:spMk id="4" creationId="{967CD337-39D4-4AB7-9F74-57058006C840}"/>
-          </ac:spMkLst>
-        </pc:spChg>
-      </pc:sldChg>
-    </pc:docChg>
-  </pc:docChgLst>
-  <pc:docChgLst>
-    <pc:chgData name="Benjamin Payne" userId="S::benpayne@umbc.edu::b61ff11c-ba68-49af-b001-f9f234a6aca3" providerId="AD" clId="Web-{17621794-70AC-AA51-BC77-656556523E2D}"/>
-    <pc:docChg chg="modSld">
-      <pc:chgData name="Benjamin Payne" userId="S::benpayne@umbc.edu::b61ff11c-ba68-49af-b001-f9f234a6aca3" providerId="AD" clId="Web-{17621794-70AC-AA51-BC77-656556523E2D}" dt="2018-09-04T10:17:05.976" v="25" actId="20577"/>
-      <pc:docMkLst>
-        <pc:docMk/>
-      </pc:docMkLst>
-      <pc:sldChg chg="addSp modSp">
-        <pc:chgData name="Benjamin Payne" userId="S::benpayne@umbc.edu::b61ff11c-ba68-49af-b001-f9f234a6aca3" providerId="AD" clId="Web-{17621794-70AC-AA51-BC77-656556523E2D}" dt="2018-09-04T10:03:10.192" v="23" actId="20577"/>
-        <pc:sldMkLst>
-          <pc:docMk/>
-          <pc:sldMk cId="1534279816" sldId="285"/>
-        </pc:sldMkLst>
-        <pc:spChg chg="mod">
-          <ac:chgData name="Benjamin Payne" userId="S::benpayne@umbc.edu::b61ff11c-ba68-49af-b001-f9f234a6aca3" providerId="AD" clId="Web-{17621794-70AC-AA51-BC77-656556523E2D}" dt="2018-09-04T10:02:46.488" v="16" actId="20577"/>
-          <ac:spMkLst>
-            <pc:docMk/>
-            <pc:sldMk cId="1534279816" sldId="285"/>
-            <ac:spMk id="3" creationId="{F6FBA988-C6BD-4D64-8DE6-2CFEA03F071E}"/>
-          </ac:spMkLst>
-        </pc:spChg>
-        <pc:spChg chg="add mod">
-          <ac:chgData name="Benjamin Payne" userId="S::benpayne@umbc.edu::b61ff11c-ba68-49af-b001-f9f234a6aca3" providerId="AD" clId="Web-{17621794-70AC-AA51-BC77-656556523E2D}" dt="2018-09-04T10:03:10.192" v="23" actId="20577"/>
-          <ac:spMkLst>
-            <pc:docMk/>
-            <pc:sldMk cId="1534279816" sldId="285"/>
-            <ac:spMk id="4" creationId="{9B9484C4-184D-490A-9036-B7E37DE35296}"/>
-          </ac:spMkLst>
-        </pc:spChg>
-      </pc:sldChg>
-    </pc:docChg>
-  </pc:docChgLst>
-  <pc:docChgLst>
-    <pc:chgData name="Benjamin Payne" userId="S::benpayne@umbc.edu::b61ff11c-ba68-49af-b001-f9f234a6aca3" providerId="AD" clId="Web-{142E98D7-908D-C8F3-D38B-263B66468221}"/>
-    <pc:docChg chg="addSld delSld modSld sldOrd">
-      <pc:chgData name="Benjamin Payne" userId="S::benpayne@umbc.edu::b61ff11c-ba68-49af-b001-f9f234a6aca3" providerId="AD" clId="Web-{142E98D7-908D-C8F3-D38B-263B66468221}" dt="2018-08-18T11:48:15.120" v="781" actId="1076"/>
-      <pc:docMkLst>
-        <pc:docMk/>
-      </pc:docMkLst>
-      <pc:sldChg chg="modNotes">
-        <pc:chgData name="Benjamin Payne" userId="S::benpayne@umbc.edu::b61ff11c-ba68-49af-b001-f9f234a6aca3" providerId="AD" clId="Web-{142E98D7-908D-C8F3-D38B-263B66468221}" dt="2018-08-18T11:19:28.644" v="462"/>
-        <pc:sldMkLst>
-          <pc:docMk/>
-          <pc:sldMk cId="109857222" sldId="256"/>
-        </pc:sldMkLst>
-      </pc:sldChg>
-      <pc:sldChg chg="addSp modSp modNotes">
-        <pc:chgData name="Benjamin Payne" userId="S::benpayne@umbc.edu::b61ff11c-ba68-49af-b001-f9f234a6aca3" providerId="AD" clId="Web-{142E98D7-908D-C8F3-D38B-263B66468221}" dt="2018-08-18T11:26:51.086" v="485"/>
-        <pc:sldMkLst>
-          <pc:docMk/>
-          <pc:sldMk cId="1847525645" sldId="257"/>
-        </pc:sldMkLst>
-        <pc:spChg chg="mod">
-          <ac:chgData name="Benjamin Payne" userId="S::benpayne@umbc.edu::b61ff11c-ba68-49af-b001-f9f234a6aca3" providerId="AD" clId="Web-{142E98D7-908D-C8F3-D38B-263B66468221}" dt="2018-08-18T11:21:29.007" v="478" actId="20577"/>
-          <ac:spMkLst>
-            <pc:docMk/>
-            <pc:sldMk cId="1847525645" sldId="257"/>
-            <ac:spMk id="2" creationId="{ADB126DF-5967-4E34-893D-CBCC7F86AF2E}"/>
-          </ac:spMkLst>
-        </pc:spChg>
-        <pc:spChg chg="mod">
-          <ac:chgData name="Benjamin Payne" userId="S::benpayne@umbc.edu::b61ff11c-ba68-49af-b001-f9f234a6aca3" providerId="AD" clId="Web-{142E98D7-908D-C8F3-D38B-263B66468221}" dt="2018-08-18T11:21:41.725" v="483" actId="20577"/>
-          <ac:spMkLst>
-            <pc:docMk/>
-            <pc:sldMk cId="1847525645" sldId="257"/>
-            <ac:spMk id="3" creationId="{93BBC295-1D9C-48E2-BFC5-73DAD68A82CF}"/>
-          </ac:spMkLst>
-        </pc:spChg>
-        <pc:picChg chg="add mod ord">
-          <ac:chgData name="Benjamin Payne" userId="S::benpayne@umbc.edu::b61ff11c-ba68-49af-b001-f9f234a6aca3" providerId="AD" clId="Web-{142E98D7-908D-C8F3-D38B-263B66468221}" dt="2018-08-18T11:21:04.694" v="472"/>
-          <ac:picMkLst>
-            <pc:docMk/>
-            <pc:sldMk cId="1847525645" sldId="257"/>
-            <ac:picMk id="4" creationId="{8FE2A725-2280-436A-BA03-64C2BAB3FB98}"/>
-          </ac:picMkLst>
-        </pc:picChg>
-      </pc:sldChg>
-      <pc:sldChg chg="ord">
-        <pc:chgData name="Benjamin Payne" userId="S::benpayne@umbc.edu::b61ff11c-ba68-49af-b001-f9f234a6aca3" providerId="AD" clId="Web-{142E98D7-908D-C8F3-D38B-263B66468221}" dt="2018-08-18T11:00:33.266" v="374"/>
-        <pc:sldMkLst>
-          <pc:docMk/>
-          <pc:sldMk cId="2860496116" sldId="259"/>
-        </pc:sldMkLst>
-      </pc:sldChg>
-      <pc:sldChg chg="addSp modSp">
-        <pc:chgData name="Benjamin Payne" userId="S::benpayne@umbc.edu::b61ff11c-ba68-49af-b001-f9f234a6aca3" providerId="AD" clId="Web-{142E98D7-908D-C8F3-D38B-263B66468221}" dt="2018-08-18T10:33:28.986" v="131" actId="14100"/>
-        <pc:sldMkLst>
-          <pc:docMk/>
-          <pc:sldMk cId="1876768357" sldId="260"/>
-        </pc:sldMkLst>
-        <pc:spChg chg="mod">
-          <ac:chgData name="Benjamin Payne" userId="S::benpayne@umbc.edu::b61ff11c-ba68-49af-b001-f9f234a6aca3" providerId="AD" clId="Web-{142E98D7-908D-C8F3-D38B-263B66468221}" dt="2018-08-18T10:33:28.986" v="131" actId="14100"/>
-          <ac:spMkLst>
-            <pc:docMk/>
-            <pc:sldMk cId="1876768357" sldId="260"/>
-            <ac:spMk id="3" creationId="{015B042E-5F09-4099-A737-D53A1BD32AA0}"/>
-          </ac:spMkLst>
-        </pc:spChg>
-        <pc:spChg chg="add mod">
-          <ac:chgData name="Benjamin Payne" userId="S::benpayne@umbc.edu::b61ff11c-ba68-49af-b001-f9f234a6aca3" providerId="AD" clId="Web-{142E98D7-908D-C8F3-D38B-263B66468221}" dt="2018-08-18T10:33:17.517" v="129" actId="1076"/>
-          <ac:spMkLst>
-            <pc:docMk/>
-            <pc:sldMk cId="1876768357" sldId="260"/>
-            <ac:spMk id="4" creationId="{730636C5-48D1-485B-B1CF-29931597BEC3}"/>
-          </ac:spMkLst>
-        </pc:spChg>
-        <pc:picChg chg="add mod">
-          <ac:chgData name="Benjamin Payne" userId="S::benpayne@umbc.edu::b61ff11c-ba68-49af-b001-f9f234a6aca3" providerId="AD" clId="Web-{142E98D7-908D-C8F3-D38B-263B66468221}" dt="2018-08-18T10:33:25.111" v="130" actId="1076"/>
-          <ac:picMkLst>
-            <pc:docMk/>
-            <pc:sldMk cId="1876768357" sldId="260"/>
-            <ac:picMk id="5" creationId="{A2CF9816-FB2F-47BE-82F3-A8AEDCEE3197}"/>
-          </ac:picMkLst>
-        </pc:picChg>
-      </pc:sldChg>
-      <pc:sldChg chg="addSp modSp modNotes">
-        <pc:chgData name="Benjamin Payne" userId="S::benpayne@umbc.edu::b61ff11c-ba68-49af-b001-f9f234a6aca3" providerId="AD" clId="Web-{142E98D7-908D-C8F3-D38B-263B66468221}" dt="2018-08-18T10:29:04.344" v="109" actId="1076"/>
-        <pc:sldMkLst>
-          <pc:docMk/>
-          <pc:sldMk cId="2884606743" sldId="261"/>
-        </pc:sldMkLst>
-        <pc:spChg chg="mod">
-          <ac:chgData name="Benjamin Payne" userId="S::benpayne@umbc.edu::b61ff11c-ba68-49af-b001-f9f234a6aca3" providerId="AD" clId="Web-{142E98D7-908D-C8F3-D38B-263B66468221}" dt="2018-08-18T10:28:43.985" v="99" actId="1076"/>
-          <ac:spMkLst>
-            <pc:docMk/>
-            <pc:sldMk cId="2884606743" sldId="261"/>
-            <ac:spMk id="2" creationId="{AF5DBC81-1FCD-4434-9FC0-F9202DFFB6FF}"/>
-          </ac:spMkLst>
-        </pc:spChg>
-        <pc:spChg chg="mod">
-          <ac:chgData name="Benjamin Payne" userId="S::benpayne@umbc.edu::b61ff11c-ba68-49af-b001-f9f234a6aca3" providerId="AD" clId="Web-{142E98D7-908D-C8F3-D38B-263B66468221}" dt="2018-08-18T10:29:04.344" v="109" actId="1076"/>
-          <ac:spMkLst>
-            <pc:docMk/>
-            <pc:sldMk cId="2884606743" sldId="261"/>
-            <ac:spMk id="3" creationId="{23D9258A-BFF9-4A25-8A73-302420109E2D}"/>
-          </ac:spMkLst>
-        </pc:spChg>
-        <pc:picChg chg="add mod">
-          <ac:chgData name="Benjamin Payne" userId="S::benpayne@umbc.edu::b61ff11c-ba68-49af-b001-f9f234a6aca3" providerId="AD" clId="Web-{142E98D7-908D-C8F3-D38B-263B66468221}" dt="2018-08-18T10:28:26.969" v="95" actId="1076"/>
-          <ac:picMkLst>
-            <pc:docMk/>
-            <pc:sldMk cId="2884606743" sldId="261"/>
-            <ac:picMk id="4" creationId="{93D8745E-FD13-4250-8D07-490355416C35}"/>
-          </ac:picMkLst>
-        </pc:picChg>
-      </pc:sldChg>
-      <pc:sldChg chg="del">
-        <pc:chgData name="Benjamin Payne" userId="S::benpayne@umbc.edu::b61ff11c-ba68-49af-b001-f9f234a6aca3" providerId="AD" clId="Web-{142E98D7-908D-C8F3-D38B-263B66468221}" dt="2018-08-18T10:10:52.043" v="0"/>
-        <pc:sldMkLst>
-          <pc:docMk/>
-          <pc:sldMk cId="1105388245" sldId="262"/>
-        </pc:sldMkLst>
-      </pc:sldChg>
-      <pc:sldChg chg="del">
-        <pc:chgData name="Benjamin Payne" userId="S::benpayne@umbc.edu::b61ff11c-ba68-49af-b001-f9f234a6aca3" providerId="AD" clId="Web-{142E98D7-908D-C8F3-D38B-263B66468221}" dt="2018-08-18T10:10:54.480" v="1"/>
-        <pc:sldMkLst>
-          <pc:docMk/>
-          <pc:sldMk cId="2998688034" sldId="263"/>
-        </pc:sldMkLst>
-      </pc:sldChg>
-      <pc:sldChg chg="del">
-        <pc:chgData name="Benjamin Payne" userId="S::benpayne@umbc.edu::b61ff11c-ba68-49af-b001-f9f234a6aca3" providerId="AD" clId="Web-{142E98D7-908D-C8F3-D38B-263B66468221}" dt="2018-08-18T10:10:56.934" v="2"/>
-        <pc:sldMkLst>
-          <pc:docMk/>
-          <pc:sldMk cId="1119746368" sldId="264"/>
-        </pc:sldMkLst>
-      </pc:sldChg>
-      <pc:sldChg chg="addSp modSp">
-        <pc:chgData name="Benjamin Payne" userId="S::benpayne@umbc.edu::b61ff11c-ba68-49af-b001-f9f234a6aca3" providerId="AD" clId="Web-{142E98D7-908D-C8F3-D38B-263B66468221}" dt="2018-08-18T10:42:09.296" v="260" actId="20577"/>
-        <pc:sldMkLst>
-          <pc:docMk/>
-          <pc:sldMk cId="4278842127" sldId="265"/>
-        </pc:sldMkLst>
-        <pc:spChg chg="mod">
-          <ac:chgData name="Benjamin Payne" userId="S::benpayne@umbc.edu::b61ff11c-ba68-49af-b001-f9f234a6aca3" providerId="AD" clId="Web-{142E98D7-908D-C8F3-D38B-263B66468221}" dt="2018-08-18T10:41:31.031" v="240" actId="20577"/>
-          <ac:spMkLst>
-            <pc:docMk/>
-            <pc:sldMk cId="4278842127" sldId="265"/>
-            <ac:spMk id="3" creationId="{BFBA8429-B089-4264-A062-0E8D525F86E3}"/>
-          </ac:spMkLst>
-        </pc:spChg>
-        <pc:spChg chg="add mod">
-          <ac:chgData name="Benjamin Payne" userId="S::benpayne@umbc.edu::b61ff11c-ba68-49af-b001-f9f234a6aca3" providerId="AD" clId="Web-{142E98D7-908D-C8F3-D38B-263B66468221}" dt="2018-08-18T10:42:09.296" v="260" actId="20577"/>
-          <ac:spMkLst>
-            <pc:docMk/>
-            <pc:sldMk cId="4278842127" sldId="265"/>
-            <ac:spMk id="4" creationId="{4524B6D4-0E9B-4B3B-B2AE-D882ED5055AB}"/>
-          </ac:spMkLst>
-        </pc:spChg>
-      </pc:sldChg>
-      <pc:sldChg chg="ord">
-        <pc:chgData name="Benjamin Payne" userId="S::benpayne@umbc.edu::b61ff11c-ba68-49af-b001-f9f234a6aca3" providerId="AD" clId="Web-{142E98D7-908D-C8F3-D38B-263B66468221}" dt="2018-08-18T10:38:52.359" v="179"/>
-        <pc:sldMkLst>
-          <pc:docMk/>
-          <pc:sldMk cId="3690999722" sldId="266"/>
-        </pc:sldMkLst>
-      </pc:sldChg>
-      <pc:sldChg chg="addSp modSp ord modNotes">
-        <pc:chgData name="Benjamin Payne" userId="S::benpayne@umbc.edu::b61ff11c-ba68-49af-b001-f9f234a6aca3" providerId="AD" clId="Web-{142E98D7-908D-C8F3-D38B-263B66468221}" dt="2018-08-18T10:25:53.172" v="81" actId="1076"/>
-        <pc:sldMkLst>
-          <pc:docMk/>
-          <pc:sldMk cId="900156501" sldId="267"/>
-        </pc:sldMkLst>
-        <pc:spChg chg="mod">
-          <ac:chgData name="Benjamin Payne" userId="S::benpayne@umbc.edu::b61ff11c-ba68-49af-b001-f9f234a6aca3" providerId="AD" clId="Web-{142E98D7-908D-C8F3-D38B-263B66468221}" dt="2018-08-18T10:25:04.125" v="67" actId="1076"/>
-          <ac:spMkLst>
-            <pc:docMk/>
-            <pc:sldMk cId="900156501" sldId="267"/>
-            <ac:spMk id="3" creationId="{581CA153-4E7C-4EA4-93D7-6BCAEEB37E08}"/>
-          </ac:spMkLst>
-        </pc:spChg>
-        <pc:spChg chg="add mod">
-          <ac:chgData name="Benjamin Payne" userId="S::benpayne@umbc.edu::b61ff11c-ba68-49af-b001-f9f234a6aca3" providerId="AD" clId="Web-{142E98D7-908D-C8F3-D38B-263B66468221}" dt="2018-08-18T10:25:53.172" v="81" actId="1076"/>
-          <ac:spMkLst>
-            <pc:docMk/>
-            <pc:sldMk cId="900156501" sldId="267"/>
-            <ac:spMk id="6" creationId="{9286FBE8-F93F-4E0A-BB68-A1FA21BAF0F4}"/>
-          </ac:spMkLst>
-        </pc:spChg>
-        <pc:picChg chg="add mod">
-          <ac:chgData name="Benjamin Payne" userId="S::benpayne@umbc.edu::b61ff11c-ba68-49af-b001-f9f234a6aca3" providerId="AD" clId="Web-{142E98D7-908D-C8F3-D38B-263B66468221}" dt="2018-08-18T10:25:12.266" v="68" actId="1076"/>
-          <ac:picMkLst>
-            <pc:docMk/>
-            <pc:sldMk cId="900156501" sldId="267"/>
-            <ac:picMk id="4" creationId="{F06ABAC2-13E9-4C26-9699-A915F8C35935}"/>
-          </ac:picMkLst>
-        </pc:picChg>
-      </pc:sldChg>
-      <pc:sldChg chg="modSp ord">
-        <pc:chgData name="Benjamin Payne" userId="S::benpayne@umbc.edu::b61ff11c-ba68-49af-b001-f9f234a6aca3" providerId="AD" clId="Web-{142E98D7-908D-C8F3-D38B-263B66468221}" dt="2018-08-18T10:34:08.877" v="136" actId="20577"/>
-        <pc:sldMkLst>
-          <pc:docMk/>
-          <pc:sldMk cId="3201166040" sldId="268"/>
-        </pc:sldMkLst>
-        <pc:spChg chg="mod">
-          <ac:chgData name="Benjamin Payne" userId="S::benpayne@umbc.edu::b61ff11c-ba68-49af-b001-f9f234a6aca3" providerId="AD" clId="Web-{142E98D7-908D-C8F3-D38B-263B66468221}" dt="2018-08-18T10:34:08.877" v="136" actId="20577"/>
-          <ac:spMkLst>
-            <pc:docMk/>
-            <pc:sldMk cId="3201166040" sldId="268"/>
-            <ac:spMk id="3" creationId="{0E96B853-006F-4B8E-9902-C577175E35D6}"/>
-          </ac:spMkLst>
-        </pc:spChg>
-      </pc:sldChg>
-      <pc:sldChg chg="del">
-        <pc:chgData name="Benjamin Payne" userId="S::benpayne@umbc.edu::b61ff11c-ba68-49af-b001-f9f234a6aca3" providerId="AD" clId="Web-{142E98D7-908D-C8F3-D38B-263B66468221}" dt="2018-08-18T10:13:00.608" v="4"/>
-        <pc:sldMkLst>
-          <pc:docMk/>
-          <pc:sldMk cId="3944559311" sldId="269"/>
-        </pc:sldMkLst>
-      </pc:sldChg>
-      <pc:sldChg chg="addSp modSp mod ord setBg modNotes">
-        <pc:chgData name="Benjamin Payne" userId="S::benpayne@umbc.edu::b61ff11c-ba68-49af-b001-f9f234a6aca3" providerId="AD" clId="Web-{142E98D7-908D-C8F3-D38B-263B66468221}" dt="2018-08-18T11:43:45.026" v="672"/>
-        <pc:sldMkLst>
-          <pc:docMk/>
-          <pc:sldMk cId="465374350" sldId="270"/>
-        </pc:sldMkLst>
-        <pc:spChg chg="mod">
-          <ac:chgData name="Benjamin Payne" userId="S::benpayne@umbc.edu::b61ff11c-ba68-49af-b001-f9f234a6aca3" providerId="AD" clId="Web-{142E98D7-908D-C8F3-D38B-263B66468221}" dt="2018-08-18T11:42:54.947" v="654" actId="1076"/>
-          <ac:spMkLst>
-            <pc:docMk/>
-            <pc:sldMk cId="465374350" sldId="270"/>
-            <ac:spMk id="2" creationId="{3E4D3056-7FD6-4CCC-A40A-55DFF56B6C89}"/>
-          </ac:spMkLst>
-        </pc:spChg>
-        <pc:spChg chg="mod">
-          <ac:chgData name="Benjamin Payne" userId="S::benpayne@umbc.edu::b61ff11c-ba68-49af-b001-f9f234a6aca3" providerId="AD" clId="Web-{142E98D7-908D-C8F3-D38B-263B66468221}" dt="2018-08-18T11:43:20.416" v="666" actId="20577"/>
-          <ac:spMkLst>
-            <pc:docMk/>
-            <pc:sldMk cId="465374350" sldId="270"/>
-            <ac:spMk id="3" creationId="{87114A17-B7E2-4BDE-90D1-6B6B257F74CF}"/>
-          </ac:spMkLst>
-        </pc:spChg>
-        <pc:spChg chg="add">
-          <ac:chgData name="Benjamin Payne" userId="S::benpayne@umbc.edu::b61ff11c-ba68-49af-b001-f9f234a6aca3" providerId="AD" clId="Web-{142E98D7-908D-C8F3-D38B-263B66468221}" dt="2018-08-18T11:42:01.931" v="638"/>
-          <ac:spMkLst>
-            <pc:docMk/>
-            <pc:sldMk cId="465374350" sldId="270"/>
-            <ac:spMk id="9" creationId="{F56F5174-31D9-4DBB-AAB7-A1FD7BDB1352}"/>
-          </ac:spMkLst>
-        </pc:spChg>
-        <pc:spChg chg="add">
-          <ac:chgData name="Benjamin Payne" userId="S::benpayne@umbc.edu::b61ff11c-ba68-49af-b001-f9f234a6aca3" providerId="AD" clId="Web-{142E98D7-908D-C8F3-D38B-263B66468221}" dt="2018-08-18T11:42:01.931" v="638"/>
-          <ac:spMkLst>
-            <pc:docMk/>
-            <pc:sldMk cId="465374350" sldId="270"/>
-            <ac:spMk id="13" creationId="{F9A95BEE-6BB1-4A28-A8E6-A34B2E42EF87}"/>
-          </ac:spMkLst>
-        </pc:spChg>
-        <pc:picChg chg="add mod ord">
-          <ac:chgData name="Benjamin Payne" userId="S::benpayne@umbc.edu::b61ff11c-ba68-49af-b001-f9f234a6aca3" providerId="AD" clId="Web-{142E98D7-908D-C8F3-D38B-263B66468221}" dt="2018-08-18T11:42:01.931" v="638"/>
-          <ac:picMkLst>
-            <pc:docMk/>
-            <pc:sldMk cId="465374350" sldId="270"/>
-            <ac:picMk id="4" creationId="{6A2FEC5C-CF9A-48A0-9D5C-80F7D7E87716}"/>
-          </ac:picMkLst>
-        </pc:picChg>
-        <pc:picChg chg="add">
-          <ac:chgData name="Benjamin Payne" userId="S::benpayne@umbc.edu::b61ff11c-ba68-49af-b001-f9f234a6aca3" providerId="AD" clId="Web-{142E98D7-908D-C8F3-D38B-263B66468221}" dt="2018-08-18T11:42:01.931" v="638"/>
-          <ac:picMkLst>
-            <pc:docMk/>
-            <pc:sldMk cId="465374350" sldId="270"/>
-            <ac:picMk id="11" creationId="{AE113210-7872-481A-ADE6-3A05CCAF5EB2}"/>
-          </ac:picMkLst>
-        </pc:picChg>
-      </pc:sldChg>
-      <pc:sldChg chg="del">
-        <pc:chgData name="Benjamin Payne" userId="S::benpayne@umbc.edu::b61ff11c-ba68-49af-b001-f9f234a6aca3" providerId="AD" clId="Web-{142E98D7-908D-C8F3-D38B-263B66468221}" dt="2018-08-18T10:11:42.574" v="3"/>
-        <pc:sldMkLst>
-          <pc:docMk/>
-          <pc:sldMk cId="1363176264" sldId="271"/>
-        </pc:sldMkLst>
-      </pc:sldChg>
-      <pc:sldChg chg="addSp modSp">
-        <pc:chgData name="Benjamin Payne" userId="S::benpayne@umbc.edu::b61ff11c-ba68-49af-b001-f9f234a6aca3" providerId="AD" clId="Web-{142E98D7-908D-C8F3-D38B-263B66468221}" dt="2018-08-18T11:48:15.120" v="781" actId="1076"/>
-        <pc:sldMkLst>
-          <pc:docMk/>
-          <pc:sldMk cId="2968388444" sldId="272"/>
-        </pc:sldMkLst>
-        <pc:spChg chg="mod">
-          <ac:chgData name="Benjamin Payne" userId="S::benpayne@umbc.edu::b61ff11c-ba68-49af-b001-f9f234a6aca3" providerId="AD" clId="Web-{142E98D7-908D-C8F3-D38B-263B66468221}" dt="2018-08-18T11:45:06.917" v="725" actId="20577"/>
-          <ac:spMkLst>
-            <pc:docMk/>
-            <pc:sldMk cId="2968388444" sldId="272"/>
-            <ac:spMk id="3" creationId="{55A880FE-9DE4-437A-BA99-8A01145140CB}"/>
-          </ac:spMkLst>
-        </pc:spChg>
-        <pc:spChg chg="add mod">
-          <ac:chgData name="Benjamin Payne" userId="S::benpayne@umbc.edu::b61ff11c-ba68-49af-b001-f9f234a6aca3" providerId="AD" clId="Web-{142E98D7-908D-C8F3-D38B-263B66468221}" dt="2018-08-18T11:48:15.120" v="781" actId="1076"/>
-          <ac:spMkLst>
-            <pc:docMk/>
-            <pc:sldMk cId="2968388444" sldId="272"/>
-            <ac:spMk id="4" creationId="{602FD875-693F-4816-913D-7486A9261007}"/>
-          </ac:spMkLst>
-        </pc:spChg>
-      </pc:sldChg>
-      <pc:sldChg chg="modSp ord">
-        <pc:chgData name="Benjamin Payne" userId="S::benpayne@umbc.edu::b61ff11c-ba68-49af-b001-f9f234a6aca3" providerId="AD" clId="Web-{142E98D7-908D-C8F3-D38B-263B66468221}" dt="2018-08-18T10:20:22.578" v="47"/>
-        <pc:sldMkLst>
-          <pc:docMk/>
-          <pc:sldMk cId="1653610907" sldId="274"/>
-        </pc:sldMkLst>
-        <pc:spChg chg="mod">
-          <ac:chgData name="Benjamin Payne" userId="S::benpayne@umbc.edu::b61ff11c-ba68-49af-b001-f9f234a6aca3" providerId="AD" clId="Web-{142E98D7-908D-C8F3-D38B-263B66468221}" dt="2018-08-18T10:14:13.921" v="33" actId="20577"/>
-          <ac:spMkLst>
-            <pc:docMk/>
-            <pc:sldMk cId="1653610907" sldId="274"/>
-            <ac:spMk id="3" creationId="{795E6541-F790-43A3-8AA3-C24BFFF1275E}"/>
-          </ac:spMkLst>
-        </pc:spChg>
-      </pc:sldChg>
-      <pc:sldChg chg="modSp modNotes">
-        <pc:chgData name="Benjamin Payne" userId="S::benpayne@umbc.edu::b61ff11c-ba68-49af-b001-f9f234a6aca3" providerId="AD" clId="Web-{142E98D7-908D-C8F3-D38B-263B66468221}" dt="2018-08-18T10:19:19.094" v="46"/>
-        <pc:sldMkLst>
-          <pc:docMk/>
-          <pc:sldMk cId="3368428427" sldId="275"/>
-        </pc:sldMkLst>
-        <pc:spChg chg="mod">
-          <ac:chgData name="Benjamin Payne" userId="S::benpayne@umbc.edu::b61ff11c-ba68-49af-b001-f9f234a6aca3" providerId="AD" clId="Web-{142E98D7-908D-C8F3-D38B-263B66468221}" dt="2018-08-18T10:14:35.015" v="40" actId="1076"/>
-          <ac:spMkLst>
-            <pc:docMk/>
-            <pc:sldMk cId="3368428427" sldId="275"/>
-            <ac:spMk id="3" creationId="{D850296D-7AB8-48C8-BA9B-87C0E5E36123}"/>
-          </ac:spMkLst>
-        </pc:spChg>
-      </pc:sldChg>
-      <pc:sldChg chg="modNotes">
-        <pc:chgData name="Benjamin Payne" userId="S::benpayne@umbc.edu::b61ff11c-ba68-49af-b001-f9f234a6aca3" providerId="AD" clId="Web-{142E98D7-908D-C8F3-D38B-263B66468221}" dt="2018-08-18T10:51:43.267" v="333"/>
-        <pc:sldMkLst>
-          <pc:docMk/>
-          <pc:sldMk cId="1244777073" sldId="276"/>
-        </pc:sldMkLst>
-      </pc:sldChg>
-      <pc:sldChg chg="modSp modNotes">
-        <pc:chgData name="Benjamin Payne" userId="S::benpayne@umbc.edu::b61ff11c-ba68-49af-b001-f9f234a6aca3" providerId="AD" clId="Web-{142E98D7-908D-C8F3-D38B-263B66468221}" dt="2018-08-18T11:35:59.039" v="544"/>
-        <pc:sldMkLst>
-          <pc:docMk/>
-          <pc:sldMk cId="1364403274" sldId="277"/>
-        </pc:sldMkLst>
-        <pc:spChg chg="mod">
-          <ac:chgData name="Benjamin Payne" userId="S::benpayne@umbc.edu::b61ff11c-ba68-49af-b001-f9f234a6aca3" providerId="AD" clId="Web-{142E98D7-908D-C8F3-D38B-263B66468221}" dt="2018-08-18T11:35:11.524" v="529" actId="20577"/>
-          <ac:spMkLst>
-            <pc:docMk/>
-            <pc:sldMk cId="1364403274" sldId="277"/>
-            <ac:spMk id="3" creationId="{7DABFF33-165D-49CD-8F9D-7394951F24DB}"/>
-          </ac:spMkLst>
-        </pc:spChg>
-      </pc:sldChg>
-      <pc:sldChg chg="ord">
-        <pc:chgData name="Benjamin Payne" userId="S::benpayne@umbc.edu::b61ff11c-ba68-49af-b001-f9f234a6aca3" providerId="AD" clId="Web-{142E98D7-908D-C8F3-D38B-263B66468221}" dt="2018-08-18T10:21:28.531" v="51"/>
-        <pc:sldMkLst>
-          <pc:docMk/>
-          <pc:sldMk cId="2348569640" sldId="278"/>
-        </pc:sldMkLst>
-      </pc:sldChg>
-      <pc:sldChg chg="ord">
-        <pc:chgData name="Benjamin Payne" userId="S::benpayne@umbc.edu::b61ff11c-ba68-49af-b001-f9f234a6aca3" providerId="AD" clId="Web-{142E98D7-908D-C8F3-D38B-263B66468221}" dt="2018-08-18T10:57:23.735" v="373"/>
-        <pc:sldMkLst>
-          <pc:docMk/>
-          <pc:sldMk cId="2711550260" sldId="279"/>
-        </pc:sldMkLst>
-      </pc:sldChg>
-      <pc:sldChg chg="addSp delSp modSp new modNotes">
-        <pc:chgData name="Benjamin Payne" userId="S::benpayne@umbc.edu::b61ff11c-ba68-49af-b001-f9f234a6aca3" providerId="AD" clId="Web-{142E98D7-908D-C8F3-D38B-263B66468221}" dt="2018-08-18T11:46:14.167" v="764" actId="20577"/>
-        <pc:sldMkLst>
-          <pc:docMk/>
-          <pc:sldMk cId="2870482583" sldId="280"/>
-        </pc:sldMkLst>
-        <pc:spChg chg="mod">
-          <ac:chgData name="Benjamin Payne" userId="S::benpayne@umbc.edu::b61ff11c-ba68-49af-b001-f9f234a6aca3" providerId="AD" clId="Web-{142E98D7-908D-C8F3-D38B-263B66468221}" dt="2018-08-18T10:38:25.140" v="176" actId="20577"/>
-          <ac:spMkLst>
-            <pc:docMk/>
-            <pc:sldMk cId="2870482583" sldId="280"/>
-            <ac:spMk id="2" creationId="{10D71628-37D7-44B8-9BF7-B5DD391466B1}"/>
-          </ac:spMkLst>
-        </pc:spChg>
-        <pc:spChg chg="del">
-          <ac:chgData name="Benjamin Payne" userId="S::benpayne@umbc.edu::b61ff11c-ba68-49af-b001-f9f234a6aca3" providerId="AD" clId="Web-{142E98D7-908D-C8F3-D38B-263B66468221}" dt="2018-08-18T10:37:47.733" v="168"/>
-          <ac:spMkLst>
-            <pc:docMk/>
-            <pc:sldMk cId="2870482583" sldId="280"/>
-            <ac:spMk id="3" creationId="{6BAC8534-C2FE-42B5-94DF-6C4CE4B5D1CC}"/>
-          </ac:spMkLst>
-        </pc:spChg>
-        <pc:spChg chg="add mod">
-          <ac:chgData name="Benjamin Payne" userId="S::benpayne@umbc.edu::b61ff11c-ba68-49af-b001-f9f234a6aca3" providerId="AD" clId="Web-{142E98D7-908D-C8F3-D38B-263B66468221}" dt="2018-08-18T11:46:14.167" v="764" actId="20577"/>
-          <ac:spMkLst>
-            <pc:docMk/>
-            <pc:sldMk cId="2870482583" sldId="280"/>
-            <ac:spMk id="6" creationId="{E41DD94E-B323-47E3-91D1-774620F52BF2}"/>
-          </ac:spMkLst>
-        </pc:spChg>
-        <pc:spChg chg="add del">
-          <ac:chgData name="Benjamin Payne" userId="S::benpayne@umbc.edu::b61ff11c-ba68-49af-b001-f9f234a6aca3" providerId="AD" clId="Web-{142E98D7-908D-C8F3-D38B-263B66468221}" dt="2018-08-18T11:45:39.464" v="730"/>
-          <ac:spMkLst>
-            <pc:docMk/>
-            <pc:sldMk cId="2870482583" sldId="280"/>
-            <ac:spMk id="7" creationId="{A502897E-CEEF-4657-B895-631743E628D3}"/>
-          </ac:spMkLst>
-        </pc:spChg>
-        <pc:picChg chg="add mod ord">
-          <ac:chgData name="Benjamin Payne" userId="S::benpayne@umbc.edu::b61ff11c-ba68-49af-b001-f9f234a6aca3" providerId="AD" clId="Web-{142E98D7-908D-C8F3-D38B-263B66468221}" dt="2018-08-18T10:38:14.890" v="173" actId="1076"/>
-          <ac:picMkLst>
-            <pc:docMk/>
-            <pc:sldMk cId="2870482583" sldId="280"/>
-            <ac:picMk id="4" creationId="{F898879F-4E32-4E78-ADE2-EB0117A35D52}"/>
-          </ac:picMkLst>
-        </pc:picChg>
-      </pc:sldChg>
-      <pc:sldChg chg="addSp delSp modSp new ord">
-        <pc:chgData name="Benjamin Payne" userId="S::benpayne@umbc.edu::b61ff11c-ba68-49af-b001-f9f234a6aca3" providerId="AD" clId="Web-{142E98D7-908D-C8F3-D38B-263B66468221}" dt="2018-08-18T11:37:00.586" v="578" actId="1076"/>
-        <pc:sldMkLst>
-          <pc:docMk/>
-          <pc:sldMk cId="687479494" sldId="281"/>
-        </pc:sldMkLst>
-        <pc:spChg chg="mod">
-          <ac:chgData name="Benjamin Payne" userId="S::benpayne@umbc.edu::b61ff11c-ba68-49af-b001-f9f234a6aca3" providerId="AD" clId="Web-{142E98D7-908D-C8F3-D38B-263B66468221}" dt="2018-08-18T10:51:18.094" v="330" actId="1076"/>
-          <ac:spMkLst>
-            <pc:docMk/>
-            <pc:sldMk cId="687479494" sldId="281"/>
-            <ac:spMk id="2" creationId="{B171FF6F-5126-487A-A984-7068FD6A4360}"/>
-          </ac:spMkLst>
-        </pc:spChg>
-        <pc:spChg chg="del">
-          <ac:chgData name="Benjamin Payne" userId="S::benpayne@umbc.edu::b61ff11c-ba68-49af-b001-f9f234a6aca3" providerId="AD" clId="Web-{142E98D7-908D-C8F3-D38B-263B66468221}" dt="2018-08-18T10:49:25.016" v="320"/>
-          <ac:spMkLst>
-            <pc:docMk/>
-            <pc:sldMk cId="687479494" sldId="281"/>
-            <ac:spMk id="3" creationId="{2749617F-6963-430A-90BD-37F069A0D1D8}"/>
-          </ac:spMkLst>
-        </pc:spChg>
-        <pc:spChg chg="add del mod">
-          <ac:chgData name="Benjamin Payne" userId="S::benpayne@umbc.edu::b61ff11c-ba68-49af-b001-f9f234a6aca3" providerId="AD" clId="Web-{142E98D7-908D-C8F3-D38B-263B66468221}" dt="2018-08-18T11:35:56.852" v="543"/>
-          <ac:spMkLst>
-            <pc:docMk/>
-            <pc:sldMk cId="687479494" sldId="281"/>
-            <ac:spMk id="6" creationId="{2A7AAC24-176A-4CE9-9E61-67909BEA798C}"/>
-          </ac:spMkLst>
-        </pc:spChg>
-        <pc:spChg chg="add mod">
-          <ac:chgData name="Benjamin Payne" userId="S::benpayne@umbc.edu::b61ff11c-ba68-49af-b001-f9f234a6aca3" providerId="AD" clId="Web-{142E98D7-908D-C8F3-D38B-263B66468221}" dt="2018-08-18T11:37:00.586" v="578" actId="1076"/>
-          <ac:spMkLst>
-            <pc:docMk/>
-            <pc:sldMk cId="687479494" sldId="281"/>
-            <ac:spMk id="7" creationId="{0E936069-7286-44E6-AAD9-C6955406D2AA}"/>
-          </ac:spMkLst>
-        </pc:spChg>
-        <pc:picChg chg="add mod ord modCrop">
-          <ac:chgData name="Benjamin Payne" userId="S::benpayne@umbc.edu::b61ff11c-ba68-49af-b001-f9f234a6aca3" providerId="AD" clId="Web-{142E98D7-908D-C8F3-D38B-263B66468221}" dt="2018-08-18T11:36:33.696" v="562" actId="1076"/>
-          <ac:picMkLst>
-            <pc:docMk/>
-            <pc:sldMk cId="687479494" sldId="281"/>
-            <ac:picMk id="4" creationId="{F4FB086F-01C9-47D4-B13E-278AD68E4261}"/>
-          </ac:picMkLst>
-        </pc:picChg>
-      </pc:sldChg>
-      <pc:sldChg chg="modSp new">
-        <pc:chgData name="Benjamin Payne" userId="S::benpayne@umbc.edu::b61ff11c-ba68-49af-b001-f9f234a6aca3" providerId="AD" clId="Web-{142E98D7-908D-C8F3-D38B-263B66468221}" dt="2018-08-18T10:57:03.235" v="358" actId="20577"/>
-        <pc:sldMkLst>
-          <pc:docMk/>
-          <pc:sldMk cId="3915717569" sldId="282"/>
-        </pc:sldMkLst>
-        <pc:spChg chg="mod">
-          <ac:chgData name="Benjamin Payne" userId="S::benpayne@umbc.edu::b61ff11c-ba68-49af-b001-f9f234a6aca3" providerId="AD" clId="Web-{142E98D7-908D-C8F3-D38B-263B66468221}" dt="2018-08-18T10:57:03.235" v="358" actId="20577"/>
-          <ac:spMkLst>
-            <pc:docMk/>
-            <pc:sldMk cId="3915717569" sldId="282"/>
-            <ac:spMk id="2" creationId="{9D1072CF-B523-451A-94C8-8F9BB402902D}"/>
-          </ac:spMkLst>
-        </pc:spChg>
-      </pc:sldChg>
-      <pc:sldChg chg="modSp new">
-        <pc:chgData name="Benjamin Payne" userId="S::benpayne@umbc.edu::b61ff11c-ba68-49af-b001-f9f234a6aca3" providerId="AD" clId="Web-{142E98D7-908D-C8F3-D38B-263B66468221}" dt="2018-08-18T11:27:05.883" v="488" actId="20577"/>
-        <pc:sldMkLst>
-          <pc:docMk/>
-          <pc:sldMk cId="1316053804" sldId="283"/>
-        </pc:sldMkLst>
-        <pc:spChg chg="mod">
-          <ac:chgData name="Benjamin Payne" userId="S::benpayne@umbc.edu::b61ff11c-ba68-49af-b001-f9f234a6aca3" providerId="AD" clId="Web-{142E98D7-908D-C8F3-D38B-263B66468221}" dt="2018-08-18T11:27:05.883" v="488" actId="20577"/>
-          <ac:spMkLst>
-            <pc:docMk/>
-            <pc:sldMk cId="1316053804" sldId="283"/>
-            <ac:spMk id="2" creationId="{B7331B4F-3F96-44C4-890A-C3C103ED3915}"/>
-          </ac:spMkLst>
-        </pc:spChg>
-      </pc:sldChg>
-      <pc:sldChg chg="addSp delSp modSp new">
-        <pc:chgData name="Benjamin Payne" userId="S::benpayne@umbc.edu::b61ff11c-ba68-49af-b001-f9f234a6aca3" providerId="AD" clId="Web-{142E98D7-908D-C8F3-D38B-263B66468221}" dt="2018-08-18T11:02:58.547" v="430" actId="20577"/>
-        <pc:sldMkLst>
-          <pc:docMk/>
-          <pc:sldMk cId="709874332" sldId="284"/>
-        </pc:sldMkLst>
-        <pc:spChg chg="mod">
-          <ac:chgData name="Benjamin Payne" userId="S::benpayne@umbc.edu::b61ff11c-ba68-49af-b001-f9f234a6aca3" providerId="AD" clId="Web-{142E98D7-908D-C8F3-D38B-263B66468221}" dt="2018-08-18T11:01:47.719" v="400" actId="1076"/>
-          <ac:spMkLst>
-            <pc:docMk/>
-            <pc:sldMk cId="709874332" sldId="284"/>
-            <ac:spMk id="2" creationId="{0A20E041-E675-44AC-9111-49AF9325554B}"/>
-          </ac:spMkLst>
-        </pc:spChg>
-        <pc:spChg chg="del">
-          <ac:chgData name="Benjamin Payne" userId="S::benpayne@umbc.edu::b61ff11c-ba68-49af-b001-f9f234a6aca3" providerId="AD" clId="Web-{142E98D7-908D-C8F3-D38B-263B66468221}" dt="2018-08-18T11:00:54.141" v="376"/>
-          <ac:spMkLst>
-            <pc:docMk/>
-            <pc:sldMk cId="709874332" sldId="284"/>
-            <ac:spMk id="3" creationId="{5BE2EF37-3B3A-47C9-89D6-17025FD5D64D}"/>
-          </ac:spMkLst>
-        </pc:spChg>
-        <pc:spChg chg="add mod">
-          <ac:chgData name="Benjamin Payne" userId="S::benpayne@umbc.edu::b61ff11c-ba68-49af-b001-f9f234a6aca3" providerId="AD" clId="Web-{142E98D7-908D-C8F3-D38B-263B66468221}" dt="2018-08-18T11:02:58.547" v="430" actId="20577"/>
-          <ac:spMkLst>
-            <pc:docMk/>
-            <pc:sldMk cId="709874332" sldId="284"/>
-            <ac:spMk id="6" creationId="{D616CE44-72AE-4EB1-9464-A99678F4A0EE}"/>
-          </ac:spMkLst>
-        </pc:spChg>
-        <pc:picChg chg="add mod ord">
-          <ac:chgData name="Benjamin Payne" userId="S::benpayne@umbc.edu::b61ff11c-ba68-49af-b001-f9f234a6aca3" providerId="AD" clId="Web-{142E98D7-908D-C8F3-D38B-263B66468221}" dt="2018-08-18T11:02:44.594" v="428" actId="1076"/>
-          <ac:picMkLst>
-            <pc:docMk/>
-            <pc:sldMk cId="709874332" sldId="284"/>
-            <ac:picMk id="4" creationId="{1509B9AB-C30C-4323-B009-E8AB5128499D}"/>
-          </ac:picMkLst>
-        </pc:picChg>
-      </pc:sldChg>
-      <pc:sldChg chg="modSp new">
-        <pc:chgData name="Benjamin Payne" userId="S::benpayne@umbc.edu::b61ff11c-ba68-49af-b001-f9f234a6aca3" providerId="AD" clId="Web-{142E98D7-908D-C8F3-D38B-263B66468221}" dt="2018-08-18T11:05:19.329" v="451" actId="20577"/>
-        <pc:sldMkLst>
-          <pc:docMk/>
-          <pc:sldMk cId="3305314408" sldId="285"/>
-        </pc:sldMkLst>
-        <pc:spChg chg="mod">
-          <ac:chgData name="Benjamin Payne" userId="S::benpayne@umbc.edu::b61ff11c-ba68-49af-b001-f9f234a6aca3" providerId="AD" clId="Web-{142E98D7-908D-C8F3-D38B-263B66468221}" dt="2018-08-18T11:05:16.110" v="448" actId="20577"/>
-          <ac:spMkLst>
-            <pc:docMk/>
-            <pc:sldMk cId="3305314408" sldId="285"/>
-            <ac:spMk id="2" creationId="{D5D6F69B-4EEC-4F3A-864A-865184089604}"/>
-          </ac:spMkLst>
-        </pc:spChg>
-        <pc:spChg chg="mod">
-          <ac:chgData name="Benjamin Payne" userId="S::benpayne@umbc.edu::b61ff11c-ba68-49af-b001-f9f234a6aca3" providerId="AD" clId="Web-{142E98D7-908D-C8F3-D38B-263B66468221}" dt="2018-08-18T11:05:19.329" v="451" actId="20577"/>
-          <ac:spMkLst>
-            <pc:docMk/>
-            <pc:sldMk cId="3305314408" sldId="285"/>
-            <ac:spMk id="3" creationId="{ED9EC77E-1E80-44B3-9000-C218BABC3350}"/>
-          </ac:spMkLst>
-        </pc:spChg>
-      </pc:sldChg>
-      <pc:sldChg chg="modSp new modNotes">
-        <pc:chgData name="Benjamin Payne" userId="S::benpayne@umbc.edu::b61ff11c-ba68-49af-b001-f9f234a6aca3" providerId="AD" clId="Web-{142E98D7-908D-C8F3-D38B-263B66468221}" dt="2018-08-18T11:30:52.508" v="513"/>
-        <pc:sldMkLst>
-          <pc:docMk/>
-          <pc:sldMk cId="1793106801" sldId="286"/>
-        </pc:sldMkLst>
-        <pc:spChg chg="mod">
-          <ac:chgData name="Benjamin Payne" userId="S::benpayne@umbc.edu::b61ff11c-ba68-49af-b001-f9f234a6aca3" providerId="AD" clId="Web-{142E98D7-908D-C8F3-D38B-263B66468221}" dt="2018-08-18T11:28:28.055" v="501" actId="20577"/>
-          <ac:spMkLst>
-            <pc:docMk/>
-            <pc:sldMk cId="1793106801" sldId="286"/>
-            <ac:spMk id="2" creationId="{906183ED-CD3A-4553-B511-EC3B060DED78}"/>
-          </ac:spMkLst>
-        </pc:spChg>
-      </pc:sldChg>
-    </pc:docChg>
-  </pc:docChgLst>
-  <pc:docChgLst>
-    <pc:chgData name="Benjamin Payne" userId="S::benpayne@umbc.edu::b61ff11c-ba68-49af-b001-f9f234a6aca3" providerId="AD" clId="Web-{5204379D-AEC4-E8B8-6F17-EB8C9EBD838C}"/>
-    <pc:docChg chg="modSld">
-      <pc:chgData name="Benjamin Payne" userId="S::benpayne@umbc.edu::b61ff11c-ba68-49af-b001-f9f234a6aca3" providerId="AD" clId="Web-{5204379D-AEC4-E8B8-6F17-EB8C9EBD838C}" dt="2018-08-18T02:25:42.880" v="120" actId="20577"/>
-      <pc:docMkLst>
-        <pc:docMk/>
-      </pc:docMkLst>
-      <pc:sldChg chg="modSp">
-        <pc:chgData name="Benjamin Payne" userId="S::benpayne@umbc.edu::b61ff11c-ba68-49af-b001-f9f234a6aca3" providerId="AD" clId="Web-{5204379D-AEC4-E8B8-6F17-EB8C9EBD838C}" dt="2018-08-18T02:11:20.716" v="6" actId="20577"/>
-        <pc:sldMkLst>
-          <pc:docMk/>
-          <pc:sldMk cId="1847525645" sldId="257"/>
-        </pc:sldMkLst>
-        <pc:spChg chg="mod">
-          <ac:chgData name="Benjamin Payne" userId="S::benpayne@umbc.edu::b61ff11c-ba68-49af-b001-f9f234a6aca3" providerId="AD" clId="Web-{5204379D-AEC4-E8B8-6F17-EB8C9EBD838C}" dt="2018-08-18T02:11:20.716" v="6" actId="20577"/>
-          <ac:spMkLst>
-            <pc:docMk/>
-            <pc:sldMk cId="1847525645" sldId="257"/>
-            <ac:spMk id="3" creationId="{93BBC295-1D9C-48E2-BFC5-73DAD68A82CF}"/>
-          </ac:spMkLst>
-        </pc:spChg>
-      </pc:sldChg>
-      <pc:sldChg chg="modSp">
-        <pc:chgData name="Benjamin Payne" userId="S::benpayne@umbc.edu::b61ff11c-ba68-49af-b001-f9f234a6aca3" providerId="AD" clId="Web-{5204379D-AEC4-E8B8-6F17-EB8C9EBD838C}" dt="2018-08-18T02:13:33.581" v="8" actId="20577"/>
-        <pc:sldMkLst>
-          <pc:docMk/>
-          <pc:sldMk cId="1876768357" sldId="260"/>
-        </pc:sldMkLst>
-        <pc:spChg chg="mod">
-          <ac:chgData name="Benjamin Payne" userId="S::benpayne@umbc.edu::b61ff11c-ba68-49af-b001-f9f234a6aca3" providerId="AD" clId="Web-{5204379D-AEC4-E8B8-6F17-EB8C9EBD838C}" dt="2018-08-18T02:13:33.581" v="8" actId="20577"/>
-          <ac:spMkLst>
-            <pc:docMk/>
-            <pc:sldMk cId="1876768357" sldId="260"/>
-            <ac:spMk id="2" creationId="{1200FC06-4CEE-4EB1-A488-D2B49256DF24}"/>
-          </ac:spMkLst>
-        </pc:spChg>
-      </pc:sldChg>
-      <pc:sldChg chg="modSp">
-        <pc:chgData name="Benjamin Payne" userId="S::benpayne@umbc.edu::b61ff11c-ba68-49af-b001-f9f234a6aca3" providerId="AD" clId="Web-{5204379D-AEC4-E8B8-6F17-EB8C9EBD838C}" dt="2018-08-18T02:15:16.715" v="11" actId="20577"/>
-        <pc:sldMkLst>
-          <pc:docMk/>
-          <pc:sldMk cId="2998688034" sldId="263"/>
-        </pc:sldMkLst>
-        <pc:spChg chg="mod">
-          <ac:chgData name="Benjamin Payne" userId="S::benpayne@umbc.edu::b61ff11c-ba68-49af-b001-f9f234a6aca3" providerId="AD" clId="Web-{5204379D-AEC4-E8B8-6F17-EB8C9EBD838C}" dt="2018-08-18T02:15:16.715" v="11" actId="20577"/>
-          <ac:spMkLst>
-            <pc:docMk/>
-            <pc:sldMk cId="2998688034" sldId="263"/>
-            <ac:spMk id="3" creationId="{8D34ED30-383B-4698-A46A-C291B4EB302B}"/>
-          </ac:spMkLst>
-        </pc:spChg>
-      </pc:sldChg>
-      <pc:sldChg chg="modSp">
-        <pc:chgData name="Benjamin Payne" userId="S::benpayne@umbc.edu::b61ff11c-ba68-49af-b001-f9f234a6aca3" providerId="AD" clId="Web-{5204379D-AEC4-E8B8-6F17-EB8C9EBD838C}" dt="2018-08-18T02:15:53.732" v="18" actId="20577"/>
-        <pc:sldMkLst>
-          <pc:docMk/>
-          <pc:sldMk cId="1119746368" sldId="264"/>
-        </pc:sldMkLst>
-        <pc:spChg chg="mod">
-          <ac:chgData name="Benjamin Payne" userId="S::benpayne@umbc.edu::b61ff11c-ba68-49af-b001-f9f234a6aca3" providerId="AD" clId="Web-{5204379D-AEC4-E8B8-6F17-EB8C9EBD838C}" dt="2018-08-18T02:15:53.732" v="18" actId="20577"/>
-          <ac:spMkLst>
-            <pc:docMk/>
-            <pc:sldMk cId="1119746368" sldId="264"/>
-            <ac:spMk id="3" creationId="{52A4E6D3-1A5E-4998-9849-CD0D79875B38}"/>
-          </ac:spMkLst>
-        </pc:spChg>
-      </pc:sldChg>
-      <pc:sldChg chg="modSp">
-        <pc:chgData name="Benjamin Payne" userId="S::benpayne@umbc.edu::b61ff11c-ba68-49af-b001-f9f234a6aca3" providerId="AD" clId="Web-{5204379D-AEC4-E8B8-6F17-EB8C9EBD838C}" dt="2018-08-18T02:16:33.139" v="30" actId="20577"/>
-        <pc:sldMkLst>
-          <pc:docMk/>
-          <pc:sldMk cId="4278842127" sldId="265"/>
-        </pc:sldMkLst>
-        <pc:spChg chg="mod">
-          <ac:chgData name="Benjamin Payne" userId="S::benpayne@umbc.edu::b61ff11c-ba68-49af-b001-f9f234a6aca3" providerId="AD" clId="Web-{5204379D-AEC4-E8B8-6F17-EB8C9EBD838C}" dt="2018-08-18T02:16:33.139" v="30" actId="20577"/>
-          <ac:spMkLst>
-            <pc:docMk/>
-            <pc:sldMk cId="4278842127" sldId="265"/>
-            <ac:spMk id="3" creationId="{BFBA8429-B089-4264-A062-0E8D525F86E3}"/>
-          </ac:spMkLst>
-        </pc:spChg>
-      </pc:sldChg>
-      <pc:sldChg chg="modSp">
-        <pc:chgData name="Benjamin Payne" userId="S::benpayne@umbc.edu::b61ff11c-ba68-49af-b001-f9f234a6aca3" providerId="AD" clId="Web-{5204379D-AEC4-E8B8-6F17-EB8C9EBD838C}" dt="2018-08-18T02:16:50.202" v="38" actId="20577"/>
-        <pc:sldMkLst>
-          <pc:docMk/>
-          <pc:sldMk cId="3690999722" sldId="266"/>
-        </pc:sldMkLst>
-        <pc:spChg chg="mod">
-          <ac:chgData name="Benjamin Payne" userId="S::benpayne@umbc.edu::b61ff11c-ba68-49af-b001-f9f234a6aca3" providerId="AD" clId="Web-{5204379D-AEC4-E8B8-6F17-EB8C9EBD838C}" dt="2018-08-18T02:16:50.202" v="38" actId="20577"/>
-          <ac:spMkLst>
-            <pc:docMk/>
-            <pc:sldMk cId="3690999722" sldId="266"/>
-            <ac:spMk id="3" creationId="{443C0148-BD26-4777-A844-9E0366AD5D49}"/>
-          </ac:spMkLst>
-        </pc:spChg>
-      </pc:sldChg>
-      <pc:sldChg chg="modSp">
-        <pc:chgData name="Benjamin Payne" userId="S::benpayne@umbc.edu::b61ff11c-ba68-49af-b001-f9f234a6aca3" providerId="AD" clId="Web-{5204379D-AEC4-E8B8-6F17-EB8C9EBD838C}" dt="2018-08-18T02:19:19.528" v="54" actId="20577"/>
-        <pc:sldMkLst>
-          <pc:docMk/>
-          <pc:sldMk cId="3201166040" sldId="268"/>
-        </pc:sldMkLst>
-        <pc:spChg chg="mod">
-          <ac:chgData name="Benjamin Payne" userId="S::benpayne@umbc.edu::b61ff11c-ba68-49af-b001-f9f234a6aca3" providerId="AD" clId="Web-{5204379D-AEC4-E8B8-6F17-EB8C9EBD838C}" dt="2018-08-18T02:19:19.528" v="54" actId="20577"/>
-          <ac:spMkLst>
-            <pc:docMk/>
-            <pc:sldMk cId="3201166040" sldId="268"/>
-            <ac:spMk id="3" creationId="{0E96B853-006F-4B8E-9902-C577175E35D6}"/>
-          </ac:spMkLst>
-        </pc:spChg>
-      </pc:sldChg>
-      <pc:sldChg chg="modSp">
-        <pc:chgData name="Benjamin Payne" userId="S::benpayne@umbc.edu::b61ff11c-ba68-49af-b001-f9f234a6aca3" providerId="AD" clId="Web-{5204379D-AEC4-E8B8-6F17-EB8C9EBD838C}" dt="2018-08-18T02:19:58.264" v="71" actId="20577"/>
-        <pc:sldMkLst>
-          <pc:docMk/>
-          <pc:sldMk cId="3944559311" sldId="269"/>
-        </pc:sldMkLst>
-        <pc:spChg chg="mod">
-          <ac:chgData name="Benjamin Payne" userId="S::benpayne@umbc.edu::b61ff11c-ba68-49af-b001-f9f234a6aca3" providerId="AD" clId="Web-{5204379D-AEC4-E8B8-6F17-EB8C9EBD838C}" dt="2018-08-18T02:19:24.200" v="56" actId="20577"/>
-          <ac:spMkLst>
-            <pc:docMk/>
-            <pc:sldMk cId="3944559311" sldId="269"/>
-            <ac:spMk id="2" creationId="{88A6CFE3-7A51-4A8D-BFC3-B5B7D1E9C7C6}"/>
-          </ac:spMkLst>
-        </pc:spChg>
-        <pc:spChg chg="mod">
-          <ac:chgData name="Benjamin Payne" userId="S::benpayne@umbc.edu::b61ff11c-ba68-49af-b001-f9f234a6aca3" providerId="AD" clId="Web-{5204379D-AEC4-E8B8-6F17-EB8C9EBD838C}" dt="2018-08-18T02:19:58.264" v="71" actId="20577"/>
-          <ac:spMkLst>
-            <pc:docMk/>
-            <pc:sldMk cId="3944559311" sldId="269"/>
-            <ac:spMk id="3" creationId="{A8098767-D99E-4308-A466-C95A0109782D}"/>
-          </ac:spMkLst>
-        </pc:spChg>
-      </pc:sldChg>
-      <pc:sldChg chg="modSp">
-        <pc:chgData name="Benjamin Payne" userId="S::benpayne@umbc.edu::b61ff11c-ba68-49af-b001-f9f234a6aca3" providerId="AD" clId="Web-{5204379D-AEC4-E8B8-6F17-EB8C9EBD838C}" dt="2018-08-18T02:21:50.869" v="89" actId="20577"/>
-        <pc:sldMkLst>
-          <pc:docMk/>
-          <pc:sldMk cId="465374350" sldId="270"/>
-        </pc:sldMkLst>
-        <pc:spChg chg="mod">
-          <ac:chgData name="Benjamin Payne" userId="S::benpayne@umbc.edu::b61ff11c-ba68-49af-b001-f9f234a6aca3" providerId="AD" clId="Web-{5204379D-AEC4-E8B8-6F17-EB8C9EBD838C}" dt="2018-08-18T02:21:50.869" v="89" actId="20577"/>
-          <ac:spMkLst>
-            <pc:docMk/>
-            <pc:sldMk cId="465374350" sldId="270"/>
-            <ac:spMk id="3" creationId="{87114A17-B7E2-4BDE-90D1-6B6B257F74CF}"/>
-          </ac:spMkLst>
-        </pc:spChg>
-      </pc:sldChg>
-      <pc:sldChg chg="modSp">
-        <pc:chgData name="Benjamin Payne" userId="S::benpayne@umbc.edu::b61ff11c-ba68-49af-b001-f9f234a6aca3" providerId="AD" clId="Web-{5204379D-AEC4-E8B8-6F17-EB8C9EBD838C}" dt="2018-08-18T02:25:42.865" v="119" actId="20577"/>
-        <pc:sldMkLst>
-          <pc:docMk/>
-          <pc:sldMk cId="1363176264" sldId="271"/>
-        </pc:sldMkLst>
-        <pc:spChg chg="mod">
-          <ac:chgData name="Benjamin Payne" userId="S::benpayne@umbc.edu::b61ff11c-ba68-49af-b001-f9f234a6aca3" providerId="AD" clId="Web-{5204379D-AEC4-E8B8-6F17-EB8C9EBD838C}" dt="2018-08-18T02:25:42.865" v="119" actId="20577"/>
-          <ac:spMkLst>
-            <pc:docMk/>
-            <pc:sldMk cId="1363176264" sldId="271"/>
-            <ac:spMk id="3" creationId="{DC0F31FD-FD82-4CC9-8B74-090AE7D85A10}"/>
-          </ac:spMkLst>
-        </pc:spChg>
-      </pc:sldChg>
-    </pc:docChg>
-  </pc:docChgLst>
-  <pc:docChgLst>
-    <pc:chgData name="Benjamin Payne" userId="S::benpayne@umbc.edu::b61ff11c-ba68-49af-b001-f9f234a6aca3" providerId="AD" clId="Web-{C8F04F60-5FC5-A126-8E16-82B8F6BFD555}"/>
-    <pc:docChg chg="addSld modSld">
-      <pc:chgData name="Benjamin Payne" userId="S::benpayne@umbc.edu::b61ff11c-ba68-49af-b001-f9f234a6aca3" providerId="AD" clId="Web-{C8F04F60-5FC5-A126-8E16-82B8F6BFD555}" dt="2018-08-28T02:16:42.346" v="97" actId="20577"/>
-      <pc:docMkLst>
-        <pc:docMk/>
-      </pc:docMkLst>
-      <pc:sldChg chg="addSp delSp modSp new">
-        <pc:chgData name="Benjamin Payne" userId="S::benpayne@umbc.edu::b61ff11c-ba68-49af-b001-f9f234a6aca3" providerId="AD" clId="Web-{C8F04F60-5FC5-A126-8E16-82B8F6BFD555}" dt="2018-08-28T02:07:10.360" v="86" actId="20577"/>
-        <pc:sldMkLst>
-          <pc:docMk/>
-          <pc:sldMk cId="2943374916" sldId="282"/>
-        </pc:sldMkLst>
-        <pc:spChg chg="mod">
-          <ac:chgData name="Benjamin Payne" userId="S::benpayne@umbc.edu::b61ff11c-ba68-49af-b001-f9f234a6aca3" providerId="AD" clId="Web-{C8F04F60-5FC5-A126-8E16-82B8F6BFD555}" dt="2018-08-28T01:38:51.568" v="7" actId="20577"/>
-          <ac:spMkLst>
-            <pc:docMk/>
-            <pc:sldMk cId="2943374916" sldId="282"/>
-            <ac:spMk id="2" creationId="{E8507853-F785-4F3C-9EB7-D0003F681650}"/>
-          </ac:spMkLst>
-        </pc:spChg>
-        <pc:spChg chg="mod">
-          <ac:chgData name="Benjamin Payne" userId="S::benpayne@umbc.edu::b61ff11c-ba68-49af-b001-f9f234a6aca3" providerId="AD" clId="Web-{C8F04F60-5FC5-A126-8E16-82B8F6BFD555}" dt="2018-08-28T02:07:10.360" v="86" actId="20577"/>
-          <ac:spMkLst>
-            <pc:docMk/>
-            <pc:sldMk cId="2943374916" sldId="282"/>
-            <ac:spMk id="3" creationId="{85F5E84A-43AF-4390-B4B1-5667B0F86A94}"/>
-          </ac:spMkLst>
-        </pc:spChg>
-        <pc:spChg chg="add del">
-          <ac:chgData name="Benjamin Payne" userId="S::benpayne@umbc.edu::b61ff11c-ba68-49af-b001-f9f234a6aca3" providerId="AD" clId="Web-{C8F04F60-5FC5-A126-8E16-82B8F6BFD555}" dt="2018-08-28T02:05:07.901" v="56"/>
-          <ac:spMkLst>
-            <pc:docMk/>
-            <pc:sldMk cId="2943374916" sldId="282"/>
-            <ac:spMk id="5" creationId="{2F2C5797-FC53-4461-8060-682ACA153A70}"/>
-          </ac:spMkLst>
-        </pc:spChg>
-        <pc:spChg chg="add mod">
-          <ac:chgData name="Benjamin Payne" userId="S::benpayne@umbc.edu::b61ff11c-ba68-49af-b001-f9f234a6aca3" providerId="AD" clId="Web-{C8F04F60-5FC5-A126-8E16-82B8F6BFD555}" dt="2018-08-28T02:06:21.031" v="74" actId="20577"/>
-          <ac:spMkLst>
-            <pc:docMk/>
-            <pc:sldMk cId="2943374916" sldId="282"/>
-            <ac:spMk id="7" creationId="{BC6D8919-5E66-4BC2-AB55-C88DDA0BF6B3}"/>
-          </ac:spMkLst>
-        </pc:spChg>
-        <pc:spChg chg="add del">
-          <ac:chgData name="Benjamin Payne" userId="S::benpayne@umbc.edu::b61ff11c-ba68-49af-b001-f9f234a6aca3" providerId="AD" clId="Web-{C8F04F60-5FC5-A126-8E16-82B8F6BFD555}" dt="2018-08-28T02:06:54.672" v="82"/>
-          <ac:spMkLst>
-            <pc:docMk/>
-            <pc:sldMk cId="2943374916" sldId="282"/>
-            <ac:spMk id="8" creationId="{D11227A2-F287-4ECA-8EFA-A015EB879799}"/>
-          </ac:spMkLst>
-        </pc:spChg>
-      </pc:sldChg>
-      <pc:sldChg chg="modSp new">
-        <pc:chgData name="Benjamin Payne" userId="S::benpayne@umbc.edu::b61ff11c-ba68-49af-b001-f9f234a6aca3" providerId="AD" clId="Web-{C8F04F60-5FC5-A126-8E16-82B8F6BFD555}" dt="2018-08-28T02:09:41.655" v="95" actId="20577"/>
-        <pc:sldMkLst>
-          <pc:docMk/>
-          <pc:sldMk cId="4063999364" sldId="283"/>
-        </pc:sldMkLst>
-        <pc:spChg chg="mod">
-          <ac:chgData name="Benjamin Payne" userId="S::benpayne@umbc.edu::b61ff11c-ba68-49af-b001-f9f234a6aca3" providerId="AD" clId="Web-{C8F04F60-5FC5-A126-8E16-82B8F6BFD555}" dt="2018-08-28T02:09:38.484" v="92" actId="20577"/>
-          <ac:spMkLst>
-            <pc:docMk/>
-            <pc:sldMk cId="4063999364" sldId="283"/>
-            <ac:spMk id="2" creationId="{EDEBD44E-9089-44FB-8853-95AD3CFCCE35}"/>
-          </ac:spMkLst>
-        </pc:spChg>
-        <pc:spChg chg="mod">
-          <ac:chgData name="Benjamin Payne" userId="S::benpayne@umbc.edu::b61ff11c-ba68-49af-b001-f9f234a6aca3" providerId="AD" clId="Web-{C8F04F60-5FC5-A126-8E16-82B8F6BFD555}" dt="2018-08-28T02:09:41.655" v="95" actId="20577"/>
-          <ac:spMkLst>
-            <pc:docMk/>
-            <pc:sldMk cId="4063999364" sldId="283"/>
-            <ac:spMk id="3" creationId="{CF77E521-6AB3-4E09-8AB0-C162C0224E24}"/>
-          </ac:spMkLst>
-        </pc:spChg>
-      </pc:sldChg>
-    </pc:docChg>
-  </pc:docChgLst>
-  <pc:docChgLst>
-    <pc:chgData name="Benjamin Payne" userId="S::benpayne@umbc.edu::b61ff11c-ba68-49af-b001-f9f234a6aca3" providerId="AD" clId="Web-{BF48198D-B196-6EDF-ECD9-254847245A1E}"/>
-    <pc:docChg chg="addSld modSld">
-      <pc:chgData name="Benjamin Payne" userId="S::benpayne@umbc.edu::b61ff11c-ba68-49af-b001-f9f234a6aca3" providerId="AD" clId="Web-{BF48198D-B196-6EDF-ECD9-254847245A1E}" dt="2018-08-22T02:28:02.806" v="15" actId="20577"/>
-      <pc:docMkLst>
-        <pc:docMk/>
-      </pc:docMkLst>
-      <pc:sldChg chg="modSp new">
-        <pc:chgData name="Benjamin Payne" userId="S::benpayne@umbc.edu::b61ff11c-ba68-49af-b001-f9f234a6aca3" providerId="AD" clId="Web-{BF48198D-B196-6EDF-ECD9-254847245A1E}" dt="2018-08-22T02:28:01.383" v="13" actId="20577"/>
-        <pc:sldMkLst>
-          <pc:docMk/>
-          <pc:sldMk cId="1147460063" sldId="260"/>
-        </pc:sldMkLst>
-        <pc:spChg chg="mod">
-          <ac:chgData name="Benjamin Payne" userId="S::benpayne@umbc.edu::b61ff11c-ba68-49af-b001-f9f234a6aca3" providerId="AD" clId="Web-{BF48198D-B196-6EDF-ECD9-254847245A1E}" dt="2018-08-22T02:28:01.383" v="13" actId="20577"/>
-          <ac:spMkLst>
-            <pc:docMk/>
-            <pc:sldMk cId="1147460063" sldId="260"/>
-            <ac:spMk id="2" creationId="{A4FE7D55-8B56-4BE4-8350-9C0CF211258D}"/>
-          </ac:spMkLst>
-        </pc:spChg>
-      </pc:sldChg>
-    </pc:docChg>
-  </pc:docChgLst>
-  <pc:docChgLst>
-    <pc:chgData name="Benjamin Payne" userId="S::benpayne@umbc.edu::b61ff11c-ba68-49af-b001-f9f234a6aca3" providerId="AD" clId="Web-{A8D9D516-0BB6-3190-BBBA-AE8445C33826}"/>
-    <pc:docChg chg="delSld modSld">
-      <pc:chgData name="Benjamin Payne" userId="S::benpayne@umbc.edu::b61ff11c-ba68-49af-b001-f9f234a6aca3" providerId="AD" clId="Web-{A8D9D516-0BB6-3190-BBBA-AE8445C33826}" dt="2018-08-19T20:23:00.416" v="57"/>
-      <pc:docMkLst>
-        <pc:docMk/>
-      </pc:docMkLst>
-      <pc:sldChg chg="modSp">
-        <pc:chgData name="Benjamin Payne" userId="S::benpayne@umbc.edu::b61ff11c-ba68-49af-b001-f9f234a6aca3" providerId="AD" clId="Web-{A8D9D516-0BB6-3190-BBBA-AE8445C33826}" dt="2018-08-19T20:22:50.506" v="6" actId="20577"/>
-        <pc:sldMkLst>
-          <pc:docMk/>
-          <pc:sldMk cId="109857222" sldId="256"/>
-        </pc:sldMkLst>
-        <pc:spChg chg="mod">
-          <ac:chgData name="Benjamin Payne" userId="S::benpayne@umbc.edu::b61ff11c-ba68-49af-b001-f9f234a6aca3" providerId="AD" clId="Web-{A8D9D516-0BB6-3190-BBBA-AE8445C33826}" dt="2018-08-19T20:22:50.459" v="2" actId="20577"/>
-          <ac:spMkLst>
-            <pc:docMk/>
-            <pc:sldMk cId="109857222" sldId="256"/>
-            <ac:spMk id="2" creationId="{00000000-0000-0000-0000-000000000000}"/>
-          </ac:spMkLst>
-        </pc:spChg>
-        <pc:spChg chg="mod">
-          <ac:chgData name="Benjamin Payne" userId="S::benpayne@umbc.edu::b61ff11c-ba68-49af-b001-f9f234a6aca3" providerId="AD" clId="Web-{A8D9D516-0BB6-3190-BBBA-AE8445C33826}" dt="2018-08-19T20:22:50.506" v="6" actId="20577"/>
-          <ac:spMkLst>
-            <pc:docMk/>
-            <pc:sldMk cId="109857222" sldId="256"/>
-            <ac:spMk id="3" creationId="{00000000-0000-0000-0000-000000000000}"/>
-          </ac:spMkLst>
-        </pc:spChg>
-      </pc:sldChg>
-      <pc:sldChg chg="del">
-        <pc:chgData name="Benjamin Payne" userId="S::benpayne@umbc.edu::b61ff11c-ba68-49af-b001-f9f234a6aca3" providerId="AD" clId="Web-{A8D9D516-0BB6-3190-BBBA-AE8445C33826}" dt="2018-08-19T20:23:00.416" v="57"/>
-        <pc:sldMkLst>
-          <pc:docMk/>
-          <pc:sldMk cId="1847525645" sldId="257"/>
-        </pc:sldMkLst>
-      </pc:sldChg>
-      <pc:sldChg chg="del">
-        <pc:chgData name="Benjamin Payne" userId="S::benpayne@umbc.edu::b61ff11c-ba68-49af-b001-f9f234a6aca3" providerId="AD" clId="Web-{A8D9D516-0BB6-3190-BBBA-AE8445C33826}" dt="2018-08-19T20:23:00.416" v="56"/>
-        <pc:sldMkLst>
-          <pc:docMk/>
-          <pc:sldMk cId="3638516464" sldId="258"/>
-        </pc:sldMkLst>
-      </pc:sldChg>
-      <pc:sldChg chg="del">
-        <pc:chgData name="Benjamin Payne" userId="S::benpayne@umbc.edu::b61ff11c-ba68-49af-b001-f9f234a6aca3" providerId="AD" clId="Web-{A8D9D516-0BB6-3190-BBBA-AE8445C33826}" dt="2018-08-19T20:23:00.400" v="45"/>
-        <pc:sldMkLst>
-          <pc:docMk/>
-          <pc:sldMk cId="2860496116" sldId="259"/>
-        </pc:sldMkLst>
-      </pc:sldChg>
-      <pc:sldChg chg="del">
-        <pc:chgData name="Benjamin Payne" userId="S::benpayne@umbc.edu::b61ff11c-ba68-49af-b001-f9f234a6aca3" providerId="AD" clId="Web-{A8D9D516-0BB6-3190-BBBA-AE8445C33826}" dt="2018-08-19T20:23:00.385" v="33"/>
-        <pc:sldMkLst>
-          <pc:docMk/>
-          <pc:sldMk cId="1876768357" sldId="260"/>
-        </pc:sldMkLst>
-      </pc:sldChg>
-      <pc:sldChg chg="del">
-        <pc:chgData name="Benjamin Payne" userId="S::benpayne@umbc.edu::b61ff11c-ba68-49af-b001-f9f234a6aca3" providerId="AD" clId="Web-{A8D9D516-0BB6-3190-BBBA-AE8445C33826}" dt="2018-08-19T20:23:00.385" v="32"/>
-        <pc:sldMkLst>
-          <pc:docMk/>
-          <pc:sldMk cId="2884606743" sldId="261"/>
-        </pc:sldMkLst>
-      </pc:sldChg>
-      <pc:sldChg chg="del">
-        <pc:chgData name="Benjamin Payne" userId="S::benpayne@umbc.edu::b61ff11c-ba68-49af-b001-f9f234a6aca3" providerId="AD" clId="Web-{A8D9D516-0BB6-3190-BBBA-AE8445C33826}" dt="2018-08-19T20:23:00.369" v="16"/>
-        <pc:sldMkLst>
-          <pc:docMk/>
-          <pc:sldMk cId="4278842127" sldId="265"/>
-        </pc:sldMkLst>
-      </pc:sldChg>
-      <pc:sldChg chg="del">
-        <pc:chgData name="Benjamin Payne" userId="S::benpayne@umbc.edu::b61ff11c-ba68-49af-b001-f9f234a6aca3" providerId="AD" clId="Web-{A8D9D516-0BB6-3190-BBBA-AE8445C33826}" dt="2018-08-19T20:23:00.400" v="48"/>
-        <pc:sldMkLst>
-          <pc:docMk/>
-          <pc:sldMk cId="3690999722" sldId="266"/>
-        </pc:sldMkLst>
-      </pc:sldChg>
-      <pc:sldChg chg="del">
-        <pc:chgData name="Benjamin Payne" userId="S::benpayne@umbc.edu::b61ff11c-ba68-49af-b001-f9f234a6aca3" providerId="AD" clId="Web-{A8D9D516-0BB6-3190-BBBA-AE8445C33826}" dt="2018-08-19T20:23:00.400" v="43"/>
-        <pc:sldMkLst>
-          <pc:docMk/>
-          <pc:sldMk cId="900156501" sldId="267"/>
-        </pc:sldMkLst>
-      </pc:sldChg>
-      <pc:sldChg chg="del">
-        <pc:chgData name="Benjamin Payne" userId="S::benpayne@umbc.edu::b61ff11c-ba68-49af-b001-f9f234a6aca3" providerId="AD" clId="Web-{A8D9D516-0BB6-3190-BBBA-AE8445C33826}" dt="2018-08-19T20:23:00.400" v="42"/>
-        <pc:sldMkLst>
-          <pc:docMk/>
-          <pc:sldMk cId="3201166040" sldId="268"/>
-        </pc:sldMkLst>
-      </pc:sldChg>
-      <pc:sldChg chg="del">
-        <pc:chgData name="Benjamin Payne" userId="S::benpayne@umbc.edu::b61ff11c-ba68-49af-b001-f9f234a6aca3" providerId="AD" clId="Web-{A8D9D516-0BB6-3190-BBBA-AE8445C33826}" dt="2018-08-19T20:23:00.369" v="10"/>
-        <pc:sldMkLst>
-          <pc:docMk/>
-          <pc:sldMk cId="465374350" sldId="270"/>
-        </pc:sldMkLst>
-      </pc:sldChg>
-      <pc:sldChg chg="del">
-        <pc:chgData name="Benjamin Payne" userId="S::benpayne@umbc.edu::b61ff11c-ba68-49af-b001-f9f234a6aca3" providerId="AD" clId="Web-{A8D9D516-0BB6-3190-BBBA-AE8445C33826}" dt="2018-08-19T20:23:00.369" v="14"/>
-        <pc:sldMkLst>
-          <pc:docMk/>
-          <pc:sldMk cId="2968388444" sldId="272"/>
-        </pc:sldMkLst>
-      </pc:sldChg>
-      <pc:sldChg chg="del">
-        <pc:chgData name="Benjamin Payne" userId="S::benpayne@umbc.edu::b61ff11c-ba68-49af-b001-f9f234a6aca3" providerId="AD" clId="Web-{A8D9D516-0BB6-3190-BBBA-AE8445C33826}" dt="2018-08-19T20:23:00.369" v="13"/>
-        <pc:sldMkLst>
-          <pc:docMk/>
-          <pc:sldMk cId="1824397595" sldId="273"/>
-        </pc:sldMkLst>
-      </pc:sldChg>
-      <pc:sldChg chg="del">
-        <pc:chgData name="Benjamin Payne" userId="S::benpayne@umbc.edu::b61ff11c-ba68-49af-b001-f9f234a6aca3" providerId="AD" clId="Web-{A8D9D516-0BB6-3190-BBBA-AE8445C33826}" dt="2018-08-19T20:23:00.369" v="11"/>
-        <pc:sldMkLst>
-          <pc:docMk/>
-          <pc:sldMk cId="1653610907" sldId="274"/>
-        </pc:sldMkLst>
-      </pc:sldChg>
-      <pc:sldChg chg="del">
-        <pc:chgData name="Benjamin Payne" userId="S::benpayne@umbc.edu::b61ff11c-ba68-49af-b001-f9f234a6aca3" providerId="AD" clId="Web-{A8D9D516-0BB6-3190-BBBA-AE8445C33826}" dt="2018-08-19T20:23:00.369" v="12"/>
-        <pc:sldMkLst>
-          <pc:docMk/>
-          <pc:sldMk cId="3368428427" sldId="275"/>
-        </pc:sldMkLst>
-      </pc:sldChg>
-      <pc:sldChg chg="del">
-        <pc:chgData name="Benjamin Payne" userId="S::benpayne@umbc.edu::b61ff11c-ba68-49af-b001-f9f234a6aca3" providerId="AD" clId="Web-{A8D9D516-0BB6-3190-BBBA-AE8445C33826}" dt="2018-08-19T20:23:00.385" v="31"/>
-        <pc:sldMkLst>
-          <pc:docMk/>
-          <pc:sldMk cId="1244777073" sldId="276"/>
-        </pc:sldMkLst>
-      </pc:sldChg>
-      <pc:sldChg chg="del">
-        <pc:chgData name="Benjamin Payne" userId="S::benpayne@umbc.edu::b61ff11c-ba68-49af-b001-f9f234a6aca3" providerId="AD" clId="Web-{A8D9D516-0BB6-3190-BBBA-AE8445C33826}" dt="2018-08-19T20:23:00.385" v="19"/>
-        <pc:sldMkLst>
-          <pc:docMk/>
-          <pc:sldMk cId="1364403274" sldId="277"/>
-        </pc:sldMkLst>
-      </pc:sldChg>
-      <pc:sldChg chg="del">
-        <pc:chgData name="Benjamin Payne" userId="S::benpayne@umbc.edu::b61ff11c-ba68-49af-b001-f9f234a6aca3" providerId="AD" clId="Web-{A8D9D516-0BB6-3190-BBBA-AE8445C33826}" dt="2018-08-19T20:23:00.369" v="9"/>
-        <pc:sldMkLst>
-          <pc:docMk/>
-          <pc:sldMk cId="2348569640" sldId="278"/>
-        </pc:sldMkLst>
-      </pc:sldChg>
-      <pc:sldChg chg="del">
-        <pc:chgData name="Benjamin Payne" userId="S::benpayne@umbc.edu::b61ff11c-ba68-49af-b001-f9f234a6aca3" providerId="AD" clId="Web-{A8D9D516-0BB6-3190-BBBA-AE8445C33826}" dt="2018-08-19T20:23:00.416" v="52"/>
-        <pc:sldMkLst>
-          <pc:docMk/>
-          <pc:sldMk cId="2711550260" sldId="279"/>
-        </pc:sldMkLst>
-      </pc:sldChg>
-      <pc:sldChg chg="del">
-        <pc:chgData name="Benjamin Payne" userId="S::benpayne@umbc.edu::b61ff11c-ba68-49af-b001-f9f234a6aca3" providerId="AD" clId="Web-{A8D9D516-0BB6-3190-BBBA-AE8445C33826}" dt="2018-08-19T20:23:00.369" v="15"/>
-        <pc:sldMkLst>
-          <pc:docMk/>
-          <pc:sldMk cId="2870482583" sldId="280"/>
-        </pc:sldMkLst>
-      </pc:sldChg>
-      <pc:sldChg chg="del">
-        <pc:chgData name="Benjamin Payne" userId="S::benpayne@umbc.edu::b61ff11c-ba68-49af-b001-f9f234a6aca3" providerId="AD" clId="Web-{A8D9D516-0BB6-3190-BBBA-AE8445C33826}" dt="2018-08-19T20:23:00.400" v="47"/>
-        <pc:sldMkLst>
-          <pc:docMk/>
-          <pc:sldMk cId="687479494" sldId="281"/>
-        </pc:sldMkLst>
-      </pc:sldChg>
-      <pc:sldChg chg="del">
-        <pc:chgData name="Benjamin Payne" userId="S::benpayne@umbc.edu::b61ff11c-ba68-49af-b001-f9f234a6aca3" providerId="AD" clId="Web-{A8D9D516-0BB6-3190-BBBA-AE8445C33826}" dt="2018-08-19T20:23:00.416" v="55"/>
-        <pc:sldMkLst>
-          <pc:docMk/>
-          <pc:sldMk cId="3915717569" sldId="282"/>
-        </pc:sldMkLst>
-      </pc:sldChg>
-      <pc:sldChg chg="del">
-        <pc:chgData name="Benjamin Payne" userId="S::benpayne@umbc.edu::b61ff11c-ba68-49af-b001-f9f234a6aca3" providerId="AD" clId="Web-{A8D9D516-0BB6-3190-BBBA-AE8445C33826}" dt="2018-08-19T20:23:00.416" v="51"/>
-        <pc:sldMkLst>
-          <pc:docMk/>
-          <pc:sldMk cId="1316053804" sldId="283"/>
-        </pc:sldMkLst>
-      </pc:sldChg>
-      <pc:sldChg chg="del">
-        <pc:chgData name="Benjamin Payne" userId="S::benpayne@umbc.edu::b61ff11c-ba68-49af-b001-f9f234a6aca3" providerId="AD" clId="Web-{A8D9D516-0BB6-3190-BBBA-AE8445C33826}" dt="2018-08-19T20:23:00.416" v="50"/>
-        <pc:sldMkLst>
-          <pc:docMk/>
-          <pc:sldMk cId="709874332" sldId="284"/>
-        </pc:sldMkLst>
-      </pc:sldChg>
-      <pc:sldChg chg="del">
-        <pc:chgData name="Benjamin Payne" userId="S::benpayne@umbc.edu::b61ff11c-ba68-49af-b001-f9f234a6aca3" providerId="AD" clId="Web-{A8D9D516-0BB6-3190-BBBA-AE8445C33826}" dt="2018-08-19T20:23:00.416" v="49"/>
-        <pc:sldMkLst>
-          <pc:docMk/>
-          <pc:sldMk cId="3305314408" sldId="285"/>
-        </pc:sldMkLst>
-      </pc:sldChg>
-      <pc:sldChg chg="del">
-        <pc:chgData name="Benjamin Payne" userId="S::benpayne@umbc.edu::b61ff11c-ba68-49af-b001-f9f234a6aca3" providerId="AD" clId="Web-{A8D9D516-0BB6-3190-BBBA-AE8445C33826}" dt="2018-08-19T20:23:00.400" v="46"/>
-        <pc:sldMkLst>
-          <pc:docMk/>
-          <pc:sldMk cId="1793106801" sldId="286"/>
-        </pc:sldMkLst>
-      </pc:sldChg>
-      <pc:sldChg chg="del">
-        <pc:chgData name="Benjamin Payne" userId="S::benpayne@umbc.edu::b61ff11c-ba68-49af-b001-f9f234a6aca3" providerId="AD" clId="Web-{A8D9D516-0BB6-3190-BBBA-AE8445C33826}" dt="2018-08-19T20:23:00.385" v="28"/>
-        <pc:sldMkLst>
-          <pc:docMk/>
-          <pc:sldMk cId="3220581953" sldId="287"/>
-        </pc:sldMkLst>
-      </pc:sldChg>
-      <pc:sldChg chg="del">
-        <pc:chgData name="Benjamin Payne" userId="S::benpayne@umbc.edu::b61ff11c-ba68-49af-b001-f9f234a6aca3" providerId="AD" clId="Web-{A8D9D516-0BB6-3190-BBBA-AE8445C33826}" dt="2018-08-19T20:23:00.385" v="27"/>
-        <pc:sldMkLst>
-          <pc:docMk/>
-          <pc:sldMk cId="1508720486" sldId="288"/>
-        </pc:sldMkLst>
-      </pc:sldChg>
-      <pc:sldChg chg="del">
-        <pc:chgData name="Benjamin Payne" userId="S::benpayne@umbc.edu::b61ff11c-ba68-49af-b001-f9f234a6aca3" providerId="AD" clId="Web-{A8D9D516-0BB6-3190-BBBA-AE8445C33826}" dt="2018-08-19T20:23:00.385" v="26"/>
-        <pc:sldMkLst>
-          <pc:docMk/>
-          <pc:sldMk cId="1442927395" sldId="289"/>
-        </pc:sldMkLst>
-      </pc:sldChg>
-      <pc:sldChg chg="del">
-        <pc:chgData name="Benjamin Payne" userId="S::benpayne@umbc.edu::b61ff11c-ba68-49af-b001-f9f234a6aca3" providerId="AD" clId="Web-{A8D9D516-0BB6-3190-BBBA-AE8445C33826}" dt="2018-08-19T20:23:00.385" v="25"/>
-        <pc:sldMkLst>
-          <pc:docMk/>
-          <pc:sldMk cId="3579465122" sldId="290"/>
-        </pc:sldMkLst>
-      </pc:sldChg>
-      <pc:sldChg chg="del">
-        <pc:chgData name="Benjamin Payne" userId="S::benpayne@umbc.edu::b61ff11c-ba68-49af-b001-f9f234a6aca3" providerId="AD" clId="Web-{A8D9D516-0BB6-3190-BBBA-AE8445C33826}" dt="2018-08-19T20:23:00.385" v="23"/>
-        <pc:sldMkLst>
-          <pc:docMk/>
-          <pc:sldMk cId="3810760957" sldId="291"/>
-        </pc:sldMkLst>
-      </pc:sldChg>
-      <pc:sldChg chg="del">
-        <pc:chgData name="Benjamin Payne" userId="S::benpayne@umbc.edu::b61ff11c-ba68-49af-b001-f9f234a6aca3" providerId="AD" clId="Web-{A8D9D516-0BB6-3190-BBBA-AE8445C33826}" dt="2018-08-19T20:23:00.385" v="29"/>
-        <pc:sldMkLst>
-          <pc:docMk/>
-          <pc:sldMk cId="506731024" sldId="292"/>
-        </pc:sldMkLst>
-      </pc:sldChg>
-      <pc:sldChg chg="del">
-        <pc:chgData name="Benjamin Payne" userId="S::benpayne@umbc.edu::b61ff11c-ba68-49af-b001-f9f234a6aca3" providerId="AD" clId="Web-{A8D9D516-0BB6-3190-BBBA-AE8445C33826}" dt="2018-08-19T20:23:00.385" v="24"/>
-        <pc:sldMkLst>
-          <pc:docMk/>
-          <pc:sldMk cId="3668972220" sldId="293"/>
-        </pc:sldMkLst>
-      </pc:sldChg>
-      <pc:sldChg chg="del">
-        <pc:chgData name="Benjamin Payne" userId="S::benpayne@umbc.edu::b61ff11c-ba68-49af-b001-f9f234a6aca3" providerId="AD" clId="Web-{A8D9D516-0BB6-3190-BBBA-AE8445C33826}" dt="2018-08-19T20:23:00.369" v="17"/>
-        <pc:sldMkLst>
-          <pc:docMk/>
-          <pc:sldMk cId="493460726" sldId="294"/>
-        </pc:sldMkLst>
-      </pc:sldChg>
-      <pc:sldChg chg="del">
-        <pc:chgData name="Benjamin Payne" userId="S::benpayne@umbc.edu::b61ff11c-ba68-49af-b001-f9f234a6aca3" providerId="AD" clId="Web-{A8D9D516-0BB6-3190-BBBA-AE8445C33826}" dt="2018-08-19T20:23:00.385" v="21"/>
-        <pc:sldMkLst>
-          <pc:docMk/>
-          <pc:sldMk cId="2440936555" sldId="295"/>
-        </pc:sldMkLst>
-      </pc:sldChg>
-      <pc:sldChg chg="del">
-        <pc:chgData name="Benjamin Payne" userId="S::benpayne@umbc.edu::b61ff11c-ba68-49af-b001-f9f234a6aca3" providerId="AD" clId="Web-{A8D9D516-0BB6-3190-BBBA-AE8445C33826}" dt="2018-08-19T20:23:00.385" v="20"/>
-        <pc:sldMkLst>
-          <pc:docMk/>
-          <pc:sldMk cId="2549415326" sldId="296"/>
-        </pc:sldMkLst>
-      </pc:sldChg>
-      <pc:sldChg chg="del">
-        <pc:chgData name="Benjamin Payne" userId="S::benpayne@umbc.edu::b61ff11c-ba68-49af-b001-f9f234a6aca3" providerId="AD" clId="Web-{A8D9D516-0BB6-3190-BBBA-AE8445C33826}" dt="2018-08-19T20:23:00.385" v="18"/>
-        <pc:sldMkLst>
-          <pc:docMk/>
-          <pc:sldMk cId="4083283560" sldId="297"/>
-        </pc:sldMkLst>
-      </pc:sldChg>
-      <pc:sldChg chg="del">
-        <pc:chgData name="Benjamin Payne" userId="S::benpayne@umbc.edu::b61ff11c-ba68-49af-b001-f9f234a6aca3" providerId="AD" clId="Web-{A8D9D516-0BB6-3190-BBBA-AE8445C33826}" dt="2018-08-19T20:23:00.400" v="44"/>
-        <pc:sldMkLst>
-          <pc:docMk/>
-          <pc:sldMk cId="3550033117" sldId="298"/>
-        </pc:sldMkLst>
-      </pc:sldChg>
-      <pc:sldChg chg="del">
-        <pc:chgData name="Benjamin Payne" userId="S::benpayne@umbc.edu::b61ff11c-ba68-49af-b001-f9f234a6aca3" providerId="AD" clId="Web-{A8D9D516-0BB6-3190-BBBA-AE8445C33826}" dt="2018-08-19T20:23:00.400" v="41"/>
-        <pc:sldMkLst>
-          <pc:docMk/>
-          <pc:sldMk cId="226529201" sldId="299"/>
-        </pc:sldMkLst>
-      </pc:sldChg>
-      <pc:sldChg chg="del">
-        <pc:chgData name="Benjamin Payne" userId="S::benpayne@umbc.edu::b61ff11c-ba68-49af-b001-f9f234a6aca3" providerId="AD" clId="Web-{A8D9D516-0BB6-3190-BBBA-AE8445C33826}" dt="2018-08-19T20:23:00.400" v="40"/>
-        <pc:sldMkLst>
-          <pc:docMk/>
-          <pc:sldMk cId="3287480692" sldId="300"/>
-        </pc:sldMkLst>
-      </pc:sldChg>
-      <pc:sldChg chg="del">
-        <pc:chgData name="Benjamin Payne" userId="S::benpayne@umbc.edu::b61ff11c-ba68-49af-b001-f9f234a6aca3" providerId="AD" clId="Web-{A8D9D516-0BB6-3190-BBBA-AE8445C33826}" dt="2018-08-19T20:23:00.400" v="39"/>
-        <pc:sldMkLst>
-          <pc:docMk/>
-          <pc:sldMk cId="1625610559" sldId="301"/>
-        </pc:sldMkLst>
-      </pc:sldChg>
-      <pc:sldChg chg="del">
-        <pc:chgData name="Benjamin Payne" userId="S::benpayne@umbc.edu::b61ff11c-ba68-49af-b001-f9f234a6aca3" providerId="AD" clId="Web-{A8D9D516-0BB6-3190-BBBA-AE8445C33826}" dt="2018-08-19T20:23:00.400" v="38"/>
-        <pc:sldMkLst>
-          <pc:docMk/>
-          <pc:sldMk cId="4154156185" sldId="302"/>
-        </pc:sldMkLst>
-      </pc:sldChg>
-      <pc:sldChg chg="del">
-        <pc:chgData name="Benjamin Payne" userId="S::benpayne@umbc.edu::b61ff11c-ba68-49af-b001-f9f234a6aca3" providerId="AD" clId="Web-{A8D9D516-0BB6-3190-BBBA-AE8445C33826}" dt="2018-08-19T20:23:00.400" v="37"/>
-        <pc:sldMkLst>
-          <pc:docMk/>
-          <pc:sldMk cId="207448203" sldId="303"/>
-        </pc:sldMkLst>
-      </pc:sldChg>
-      <pc:sldChg chg="del">
-        <pc:chgData name="Benjamin Payne" userId="S::benpayne@umbc.edu::b61ff11c-ba68-49af-b001-f9f234a6aca3" providerId="AD" clId="Web-{A8D9D516-0BB6-3190-BBBA-AE8445C33826}" dt="2018-08-19T20:23:00.400" v="36"/>
-        <pc:sldMkLst>
-          <pc:docMk/>
-          <pc:sldMk cId="2555946005" sldId="304"/>
-        </pc:sldMkLst>
-      </pc:sldChg>
-      <pc:sldChg chg="del">
-        <pc:chgData name="Benjamin Payne" userId="S::benpayne@umbc.edu::b61ff11c-ba68-49af-b001-f9f234a6aca3" providerId="AD" clId="Web-{A8D9D516-0BB6-3190-BBBA-AE8445C33826}" dt="2018-08-19T20:23:00.400" v="35"/>
-        <pc:sldMkLst>
-          <pc:docMk/>
-          <pc:sldMk cId="1139464394" sldId="305"/>
-        </pc:sldMkLst>
-      </pc:sldChg>
-      <pc:sldChg chg="del">
-        <pc:chgData name="Benjamin Payne" userId="S::benpayne@umbc.edu::b61ff11c-ba68-49af-b001-f9f234a6aca3" providerId="AD" clId="Web-{A8D9D516-0BB6-3190-BBBA-AE8445C33826}" dt="2018-08-19T20:23:00.416" v="54"/>
-        <pc:sldMkLst>
-          <pc:docMk/>
-          <pc:sldMk cId="2921916629" sldId="306"/>
-        </pc:sldMkLst>
-      </pc:sldChg>
-      <pc:sldChg chg="del">
-        <pc:chgData name="Benjamin Payne" userId="S::benpayne@umbc.edu::b61ff11c-ba68-49af-b001-f9f234a6aca3" providerId="AD" clId="Web-{A8D9D516-0BB6-3190-BBBA-AE8445C33826}" dt="2018-08-19T20:23:00.416" v="53"/>
-        <pc:sldMkLst>
-          <pc:docMk/>
-          <pc:sldMk cId="2687368092" sldId="307"/>
-        </pc:sldMkLst>
-      </pc:sldChg>
-      <pc:sldChg chg="del">
-        <pc:chgData name="Benjamin Payne" userId="S::benpayne@umbc.edu::b61ff11c-ba68-49af-b001-f9f234a6aca3" providerId="AD" clId="Web-{A8D9D516-0BB6-3190-BBBA-AE8445C33826}" dt="2018-08-19T20:23:00.400" v="34"/>
-        <pc:sldMkLst>
-          <pc:docMk/>
-          <pc:sldMk cId="1204432836" sldId="308"/>
-        </pc:sldMkLst>
-      </pc:sldChg>
-      <pc:sldChg chg="del">
-        <pc:chgData name="Benjamin Payne" userId="S::benpayne@umbc.edu::b61ff11c-ba68-49af-b001-f9f234a6aca3" providerId="AD" clId="Web-{A8D9D516-0BB6-3190-BBBA-AE8445C33826}" dt="2018-08-19T20:23:00.385" v="30"/>
-        <pc:sldMkLst>
-          <pc:docMk/>
-          <pc:sldMk cId="3357745213" sldId="309"/>
-        </pc:sldMkLst>
-      </pc:sldChg>
-      <pc:sldChg chg="del">
-        <pc:chgData name="Benjamin Payne" userId="S::benpayne@umbc.edu::b61ff11c-ba68-49af-b001-f9f234a6aca3" providerId="AD" clId="Web-{A8D9D516-0BB6-3190-BBBA-AE8445C33826}" dt="2018-08-19T20:23:00.385" v="22"/>
-        <pc:sldMkLst>
-          <pc:docMk/>
-          <pc:sldMk cId="3454123665" sldId="310"/>
-        </pc:sldMkLst>
-      </pc:sldChg>
-    </pc:docChg>
-  </pc:docChgLst>
-  <pc:docChgLst>
-    <pc:chgData name="Benjamin Payne" userId="S::benpayne@umbc.edu::b61ff11c-ba68-49af-b001-f9f234a6aca3" providerId="AD" clId="Web-{6DA25557-26BE-24CE-9696-2209BA5B6457}"/>
-    <pc:docChg chg="addSld modSld">
-      <pc:chgData name="Benjamin Payne" userId="S::benpayne@umbc.edu::b61ff11c-ba68-49af-b001-f9f234a6aca3" providerId="AD" clId="Web-{6DA25557-26BE-24CE-9696-2209BA5B6457}" dt="2018-08-26T20:46:46.183" v="31" actId="20577"/>
-      <pc:docMkLst>
-        <pc:docMk/>
-      </pc:docMkLst>
-      <pc:sldChg chg="modSp new">
-        <pc:chgData name="Benjamin Payne" userId="S::benpayne@umbc.edu::b61ff11c-ba68-49af-b001-f9f234a6aca3" providerId="AD" clId="Web-{6DA25557-26BE-24CE-9696-2209BA5B6457}" dt="2018-08-26T20:41:58.874" v="11" actId="20577"/>
-        <pc:sldMkLst>
-          <pc:docMk/>
-          <pc:sldMk cId="3365738038" sldId="280"/>
-        </pc:sldMkLst>
-        <pc:spChg chg="mod">
-          <ac:chgData name="Benjamin Payne" userId="S::benpayne@umbc.edu::b61ff11c-ba68-49af-b001-f9f234a6aca3" providerId="AD" clId="Web-{6DA25557-26BE-24CE-9696-2209BA5B6457}" dt="2018-08-26T20:41:19.123" v="5" actId="20577"/>
-          <ac:spMkLst>
-            <pc:docMk/>
-            <pc:sldMk cId="3365738038" sldId="280"/>
-            <ac:spMk id="2" creationId="{7DEA6889-92F5-481B-AE10-6CA4A80B5860}"/>
-          </ac:spMkLst>
-        </pc:spChg>
-        <pc:spChg chg="mod">
-          <ac:chgData name="Benjamin Payne" userId="S::benpayne@umbc.edu::b61ff11c-ba68-49af-b001-f9f234a6aca3" providerId="AD" clId="Web-{6DA25557-26BE-24CE-9696-2209BA5B6457}" dt="2018-08-26T20:41:58.874" v="11" actId="20577"/>
-          <ac:spMkLst>
-            <pc:docMk/>
-            <pc:sldMk cId="3365738038" sldId="280"/>
-            <ac:spMk id="3" creationId="{40625D3E-4517-46E0-BE45-C607D57B9CB4}"/>
-          </ac:spMkLst>
-        </pc:spChg>
-      </pc:sldChg>
-      <pc:sldChg chg="modSp new">
-        <pc:chgData name="Benjamin Payne" userId="S::benpayne@umbc.edu::b61ff11c-ba68-49af-b001-f9f234a6aca3" providerId="AD" clId="Web-{6DA25557-26BE-24CE-9696-2209BA5B6457}" dt="2018-08-26T20:46:46.183" v="30" actId="20577"/>
-        <pc:sldMkLst>
-          <pc:docMk/>
-          <pc:sldMk cId="1113823316" sldId="281"/>
-        </pc:sldMkLst>
-        <pc:spChg chg="mod">
-          <ac:chgData name="Benjamin Payne" userId="S::benpayne@umbc.edu::b61ff11c-ba68-49af-b001-f9f234a6aca3" providerId="AD" clId="Web-{6DA25557-26BE-24CE-9696-2209BA5B6457}" dt="2018-08-26T20:46:46.183" v="30" actId="20577"/>
-          <ac:spMkLst>
-            <pc:docMk/>
-            <pc:sldMk cId="1113823316" sldId="281"/>
-            <ac:spMk id="2" creationId="{0DC138F5-1CF1-45B3-8A1F-612EC19C6C92}"/>
-          </ac:spMkLst>
-        </pc:spChg>
-      </pc:sldChg>
-    </pc:docChg>
-  </pc:docChgLst>
-  <pc:docChgLst>
-    <pc:chgData name="Benjamin Payne" userId="S::benpayne@umbc.edu::b61ff11c-ba68-49af-b001-f9f234a6aca3" providerId="AD" clId="Web-{691D68DE-0A6A-7833-16D7-694518F14B2F}"/>
-    <pc:docChg chg="addSld modSld">
-      <pc:chgData name="Benjamin Payne" userId="S::benpayne@umbc.edu::b61ff11c-ba68-49af-b001-f9f234a6aca3" providerId="AD" clId="Web-{691D68DE-0A6A-7833-16D7-694518F14B2F}" dt="2018-08-26T20:11:10.821" v="85" actId="20577"/>
-      <pc:docMkLst>
-        <pc:docMk/>
-      </pc:docMkLst>
-      <pc:sldChg chg="modSp">
-        <pc:chgData name="Benjamin Payne" userId="S::benpayne@umbc.edu::b61ff11c-ba68-49af-b001-f9f234a6aca3" providerId="AD" clId="Web-{691D68DE-0A6A-7833-16D7-694518F14B2F}" dt="2018-08-26T20:11:00.258" v="76" actId="20577"/>
-        <pc:sldMkLst>
-          <pc:docMk/>
-          <pc:sldMk cId="1501705857" sldId="275"/>
-        </pc:sldMkLst>
-        <pc:spChg chg="mod">
-          <ac:chgData name="Benjamin Payne" userId="S::benpayne@umbc.edu::b61ff11c-ba68-49af-b001-f9f234a6aca3" providerId="AD" clId="Web-{691D68DE-0A6A-7833-16D7-694518F14B2F}" dt="2018-08-26T20:11:00.258" v="76" actId="20577"/>
-          <ac:spMkLst>
-            <pc:docMk/>
-            <pc:sldMk cId="1501705857" sldId="275"/>
-            <ac:spMk id="2" creationId="{6B985760-E7B0-4A6B-A00B-1CEE72423C83}"/>
-          </ac:spMkLst>
-        </pc:spChg>
-      </pc:sldChg>
-      <pc:sldChg chg="modSp new">
-        <pc:chgData name="Benjamin Payne" userId="S::benpayne@umbc.edu::b61ff11c-ba68-49af-b001-f9f234a6aca3" providerId="AD" clId="Web-{691D68DE-0A6A-7833-16D7-694518F14B2F}" dt="2018-08-26T20:11:09.743" v="83" actId="20577"/>
-        <pc:sldMkLst>
-          <pc:docMk/>
-          <pc:sldMk cId="695782667" sldId="279"/>
-        </pc:sldMkLst>
-        <pc:spChg chg="mod">
-          <ac:chgData name="Benjamin Payne" userId="S::benpayne@umbc.edu::b61ff11c-ba68-49af-b001-f9f234a6aca3" providerId="AD" clId="Web-{691D68DE-0A6A-7833-16D7-694518F14B2F}" dt="2018-08-26T20:11:09.743" v="83" actId="20577"/>
-          <ac:spMkLst>
-            <pc:docMk/>
-            <pc:sldMk cId="695782667" sldId="279"/>
-            <ac:spMk id="2" creationId="{2F5C15D9-4911-47A4-9B81-8440A243DCCC}"/>
-          </ac:spMkLst>
-        </pc:spChg>
-        <pc:spChg chg="mod">
-          <ac:chgData name="Benjamin Payne" userId="S::benpayne@umbc.edu::b61ff11c-ba68-49af-b001-f9f234a6aca3" providerId="AD" clId="Web-{691D68DE-0A6A-7833-16D7-694518F14B2F}" dt="2018-08-26T20:10:42.163" v="70" actId="20577"/>
-          <ac:spMkLst>
-            <pc:docMk/>
-            <pc:sldMk cId="695782667" sldId="279"/>
-            <ac:spMk id="3" creationId="{85A1115F-9417-43B0-9CB3-92C1A92DDA38}"/>
-          </ac:spMkLst>
-        </pc:spChg>
-      </pc:sldChg>
-    </pc:docChg>
-  </pc:docChgLst>
-  <pc:docChgLst>
-    <pc:chgData name="Benjamin Payne" userId="S::benpayne@umbc.edu::b61ff11c-ba68-49af-b001-f9f234a6aca3" providerId="AD" clId="Web-{13895214-8276-F4B1-DC83-7D8820E50981}"/>
-    <pc:docChg chg="modSld">
-      <pc:chgData name="Benjamin Payne" userId="S::benpayne@umbc.edu::b61ff11c-ba68-49af-b001-f9f234a6aca3" providerId="AD" clId="Web-{13895214-8276-F4B1-DC83-7D8820E50981}" dt="2018-09-04T11:13:53.826" v="39" actId="20577"/>
-      <pc:docMkLst>
-        <pc:docMk/>
-      </pc:docMkLst>
-      <pc:sldChg chg="modSp">
-        <pc:chgData name="Benjamin Payne" userId="S::benpayne@umbc.edu::b61ff11c-ba68-49af-b001-f9f234a6aca3" providerId="AD" clId="Web-{13895214-8276-F4B1-DC83-7D8820E50981}" dt="2018-09-04T11:13:53.826" v="38" actId="20577"/>
-        <pc:sldMkLst>
-          <pc:docMk/>
-          <pc:sldMk cId="668830637" sldId="286"/>
-        </pc:sldMkLst>
-        <pc:spChg chg="mod">
-          <ac:chgData name="Benjamin Payne" userId="S::benpayne@umbc.edu::b61ff11c-ba68-49af-b001-f9f234a6aca3" providerId="AD" clId="Web-{13895214-8276-F4B1-DC83-7D8820E50981}" dt="2018-09-04T11:13:53.826" v="38" actId="20577"/>
-          <ac:spMkLst>
-            <pc:docMk/>
-            <pc:sldMk cId="668830637" sldId="286"/>
-            <ac:spMk id="3" creationId="{5B8B0706-94ED-458E-907E-F25FDE922341}"/>
-          </ac:spMkLst>
-        </pc:spChg>
-      </pc:sldChg>
-      <pc:sldChg chg="modSp">
-        <pc:chgData name="Benjamin Payne" userId="S::benpayne@umbc.edu::b61ff11c-ba68-49af-b001-f9f234a6aca3" providerId="AD" clId="Web-{13895214-8276-F4B1-DC83-7D8820E50981}" dt="2018-09-04T11:12:51.417" v="28" actId="20577"/>
-        <pc:sldMkLst>
-          <pc:docMk/>
-          <pc:sldMk cId="2160123173" sldId="288"/>
-        </pc:sldMkLst>
-        <pc:spChg chg="mod">
-          <ac:chgData name="Benjamin Payne" userId="S::benpayne@umbc.edu::b61ff11c-ba68-49af-b001-f9f234a6aca3" providerId="AD" clId="Web-{13895214-8276-F4B1-DC83-7D8820E50981}" dt="2018-09-04T11:12:51.417" v="28" actId="20577"/>
-          <ac:spMkLst>
-            <pc:docMk/>
-            <pc:sldMk cId="2160123173" sldId="288"/>
-            <ac:spMk id="3" creationId="{D87AFD70-9BF9-44EA-A092-D2DF2BDD11FA}"/>
-          </ac:spMkLst>
-        </pc:spChg>
-      </pc:sldChg>
-    </pc:docChg>
-  </pc:docChgLst>
-  <pc:docChgLst>
-    <pc:chgData name="Benjamin Payne" userId="S::benpayne@umbc.edu::b61ff11c-ba68-49af-b001-f9f234a6aca3" providerId="AD" clId="Web-{61FA1F70-C65C-22C4-8410-E91BA1043000}"/>
-    <pc:docChg chg="addSld modSld">
-      <pc:chgData name="Benjamin Payne" userId="S::benpayne@umbc.edu::b61ff11c-ba68-49af-b001-f9f234a6aca3" providerId="AD" clId="Web-{61FA1F70-C65C-22C4-8410-E91BA1043000}" dt="2018-09-02T18:28:56.069" v="719" actId="20577"/>
-      <pc:docMkLst>
-        <pc:docMk/>
-      </pc:docMkLst>
-      <pc:sldChg chg="modSp">
-        <pc:chgData name="Benjamin Payne" userId="S::benpayne@umbc.edu::b61ff11c-ba68-49af-b001-f9f234a6aca3" providerId="AD" clId="Web-{61FA1F70-C65C-22C4-8410-E91BA1043000}" dt="2018-09-02T18:26:01.062" v="697" actId="20577"/>
-        <pc:sldMkLst>
-          <pc:docMk/>
-          <pc:sldMk cId="2391544709" sldId="257"/>
-        </pc:sldMkLst>
-        <pc:spChg chg="mod">
-          <ac:chgData name="Benjamin Payne" userId="S::benpayne@umbc.edu::b61ff11c-ba68-49af-b001-f9f234a6aca3" providerId="AD" clId="Web-{61FA1F70-C65C-22C4-8410-E91BA1043000}" dt="2018-09-02T18:26:01.062" v="697" actId="20577"/>
-          <ac:spMkLst>
-            <pc:docMk/>
-            <pc:sldMk cId="2391544709" sldId="257"/>
-            <ac:spMk id="4" creationId="{E9FB9F6D-EA27-4782-8CA5-8BB03D51B4F3}"/>
-          </ac:spMkLst>
-        </pc:spChg>
-      </pc:sldChg>
-      <pc:sldChg chg="addSp modSp">
-        <pc:chgData name="Benjamin Payne" userId="S::benpayne@umbc.edu::b61ff11c-ba68-49af-b001-f9f234a6aca3" providerId="AD" clId="Web-{61FA1F70-C65C-22C4-8410-E91BA1043000}" dt="2018-09-02T17:34:11.523" v="235" actId="1076"/>
-        <pc:sldMkLst>
-          <pc:docMk/>
-          <pc:sldMk cId="2337642694" sldId="259"/>
-        </pc:sldMkLst>
-        <pc:spChg chg="mod">
-          <ac:chgData name="Benjamin Payne" userId="S::benpayne@umbc.edu::b61ff11c-ba68-49af-b001-f9f234a6aca3" providerId="AD" clId="Web-{61FA1F70-C65C-22C4-8410-E91BA1043000}" dt="2018-09-02T17:33:04.412" v="234" actId="1076"/>
-          <ac:spMkLst>
-            <pc:docMk/>
-            <pc:sldMk cId="2337642694" sldId="259"/>
-            <ac:spMk id="3" creationId="{4D759856-6873-41CE-8867-DBDA8B92395F}"/>
-          </ac:spMkLst>
-        </pc:spChg>
-        <pc:picChg chg="add mod">
-          <ac:chgData name="Benjamin Payne" userId="S::benpayne@umbc.edu::b61ff11c-ba68-49af-b001-f9f234a6aca3" providerId="AD" clId="Web-{61FA1F70-C65C-22C4-8410-E91BA1043000}" dt="2018-09-02T17:34:11.523" v="235" actId="1076"/>
-          <ac:picMkLst>
-            <pc:docMk/>
-            <pc:sldMk cId="2337642694" sldId="259"/>
-            <ac:picMk id="4" creationId="{1A896FB0-E234-4C0F-B74E-B7E625EAE35E}"/>
-          </ac:picMkLst>
-        </pc:picChg>
-        <pc:picChg chg="add mod">
-          <ac:chgData name="Benjamin Payne" userId="S::benpayne@umbc.edu::b61ff11c-ba68-49af-b001-f9f234a6aca3" providerId="AD" clId="Web-{61FA1F70-C65C-22C4-8410-E91BA1043000}" dt="2018-09-02T17:32:08.301" v="218" actId="1076"/>
-          <ac:picMkLst>
-            <pc:docMk/>
-            <pc:sldMk cId="2337642694" sldId="259"/>
-            <ac:picMk id="6" creationId="{72F3F717-48C3-4FD0-9F81-96016E60EDA6}"/>
-          </ac:picMkLst>
-        </pc:picChg>
-      </pc:sldChg>
-      <pc:sldChg chg="modSp">
-        <pc:chgData name="Benjamin Payne" userId="S::benpayne@umbc.edu::b61ff11c-ba68-49af-b001-f9f234a6aca3" providerId="AD" clId="Web-{61FA1F70-C65C-22C4-8410-E91BA1043000}" dt="2018-09-02T17:27:18.145" v="176" actId="20577"/>
-        <pc:sldMkLst>
-          <pc:docMk/>
-          <pc:sldMk cId="2868977103" sldId="267"/>
-        </pc:sldMkLst>
-        <pc:spChg chg="mod">
-          <ac:chgData name="Benjamin Payne" userId="S::benpayne@umbc.edu::b61ff11c-ba68-49af-b001-f9f234a6aca3" providerId="AD" clId="Web-{61FA1F70-C65C-22C4-8410-E91BA1043000}" dt="2018-09-02T17:27:18.145" v="176" actId="20577"/>
-          <ac:spMkLst>
-            <pc:docMk/>
-            <pc:sldMk cId="2868977103" sldId="267"/>
-            <ac:spMk id="3" creationId="{0BFDB35F-5670-4CF4-94F9-97E081C504BD}"/>
-          </ac:spMkLst>
-        </pc:spChg>
-      </pc:sldChg>
-      <pc:sldChg chg="modSp">
-        <pc:chgData name="Benjamin Payne" userId="S::benpayne@umbc.edu::b61ff11c-ba68-49af-b001-f9f234a6aca3" providerId="AD" clId="Web-{61FA1F70-C65C-22C4-8410-E91BA1043000}" dt="2018-09-02T18:28:56.069" v="718" actId="20577"/>
-        <pc:sldMkLst>
-          <pc:docMk/>
-          <pc:sldMk cId="2616726059" sldId="268"/>
-        </pc:sldMkLst>
-        <pc:spChg chg="mod">
-          <ac:chgData name="Benjamin Payne" userId="S::benpayne@umbc.edu::b61ff11c-ba68-49af-b001-f9f234a6aca3" providerId="AD" clId="Web-{61FA1F70-C65C-22C4-8410-E91BA1043000}" dt="2018-09-02T18:28:56.069" v="718" actId="20577"/>
-          <ac:spMkLst>
-            <pc:docMk/>
-            <pc:sldMk cId="2616726059" sldId="268"/>
-            <ac:spMk id="3" creationId="{56719A45-5EB8-4734-8FD1-AD3CC2B44AC1}"/>
-          </ac:spMkLst>
-        </pc:spChg>
-      </pc:sldChg>
-      <pc:sldChg chg="modSp">
-        <pc:chgData name="Benjamin Payne" userId="S::benpayne@umbc.edu::b61ff11c-ba68-49af-b001-f9f234a6aca3" providerId="AD" clId="Web-{61FA1F70-C65C-22C4-8410-E91BA1043000}" dt="2018-09-02T17:20:52.519" v="112" actId="20577"/>
-        <pc:sldMkLst>
-          <pc:docMk/>
-          <pc:sldMk cId="695782667" sldId="279"/>
-        </pc:sldMkLst>
-        <pc:spChg chg="mod">
-          <ac:chgData name="Benjamin Payne" userId="S::benpayne@umbc.edu::b61ff11c-ba68-49af-b001-f9f234a6aca3" providerId="AD" clId="Web-{61FA1F70-C65C-22C4-8410-E91BA1043000}" dt="2018-09-02T17:20:52.519" v="112" actId="20577"/>
-          <ac:spMkLst>
-            <pc:docMk/>
-            <pc:sldMk cId="695782667" sldId="279"/>
-            <ac:spMk id="3" creationId="{85A1115F-9417-43B0-9CB3-92C1A92DDA38}"/>
-          </ac:spMkLst>
-        </pc:spChg>
-      </pc:sldChg>
-      <pc:sldChg chg="modSp">
-        <pc:chgData name="Benjamin Payne" userId="S::benpayne@umbc.edu::b61ff11c-ba68-49af-b001-f9f234a6aca3" providerId="AD" clId="Web-{61FA1F70-C65C-22C4-8410-E91BA1043000}" dt="2018-09-02T17:29:42.749" v="207" actId="20577"/>
-        <pc:sldMkLst>
-          <pc:docMk/>
-          <pc:sldMk cId="3139786432" sldId="299"/>
-        </pc:sldMkLst>
-        <pc:spChg chg="mod">
-          <ac:chgData name="Benjamin Payne" userId="S::benpayne@umbc.edu::b61ff11c-ba68-49af-b001-f9f234a6aca3" providerId="AD" clId="Web-{61FA1F70-C65C-22C4-8410-E91BA1043000}" dt="2018-09-02T17:29:42.749" v="207" actId="20577"/>
-          <ac:spMkLst>
-            <pc:docMk/>
-            <pc:sldMk cId="3139786432" sldId="299"/>
-            <ac:spMk id="3" creationId="{84BBD28E-007E-4406-9D46-B82179E4C79F}"/>
-          </ac:spMkLst>
-        </pc:spChg>
-      </pc:sldChg>
-      <pc:sldChg chg="addSp modSp">
-        <pc:chgData name="Benjamin Payne" userId="S::benpayne@umbc.edu::b61ff11c-ba68-49af-b001-f9f234a6aca3" providerId="AD" clId="Web-{61FA1F70-C65C-22C4-8410-E91BA1043000}" dt="2018-09-02T17:28:51.231" v="200"/>
-        <pc:sldMkLst>
-          <pc:docMk/>
-          <pc:sldMk cId="1486241754" sldId="303"/>
-        </pc:sldMkLst>
-        <pc:spChg chg="mod">
-          <ac:chgData name="Benjamin Payne" userId="S::benpayne@umbc.edu::b61ff11c-ba68-49af-b001-f9f234a6aca3" providerId="AD" clId="Web-{61FA1F70-C65C-22C4-8410-E91BA1043000}" dt="2018-09-02T17:27:50.057" v="182" actId="20577"/>
-          <ac:spMkLst>
-            <pc:docMk/>
-            <pc:sldMk cId="1486241754" sldId="303"/>
-            <ac:spMk id="2" creationId="{A2EBB9C2-126E-4CD8-9B39-DD110DFBEACB}"/>
-          </ac:spMkLst>
-        </pc:spChg>
-        <pc:spChg chg="mod">
-          <ac:chgData name="Benjamin Payne" userId="S::benpayne@umbc.edu::b61ff11c-ba68-49af-b001-f9f234a6aca3" providerId="AD" clId="Web-{61FA1F70-C65C-22C4-8410-E91BA1043000}" dt="2018-09-02T17:28:36.246" v="195" actId="20577"/>
-          <ac:spMkLst>
-            <pc:docMk/>
-            <pc:sldMk cId="1486241754" sldId="303"/>
-            <ac:spMk id="3" creationId="{E6BB48B3-B20D-44AB-BC97-C0DCB655B5FF}"/>
-          </ac:spMkLst>
-        </pc:spChg>
-        <pc:cxnChg chg="add mod">
-          <ac:chgData name="Benjamin Payne" userId="S::benpayne@umbc.edu::b61ff11c-ba68-49af-b001-f9f234a6aca3" providerId="AD" clId="Web-{61FA1F70-C65C-22C4-8410-E91BA1043000}" dt="2018-09-02T17:28:51.231" v="200"/>
-          <ac:cxnSpMkLst>
-            <pc:docMk/>
-            <pc:sldMk cId="1486241754" sldId="303"/>
-            <ac:cxnSpMk id="4" creationId="{34D317E1-5E50-4A67-94FC-74ECF1A5A340}"/>
-          </ac:cxnSpMkLst>
-        </pc:cxnChg>
-      </pc:sldChg>
-      <pc:sldChg chg="modSp">
-        <pc:chgData name="Benjamin Payne" userId="S::benpayne@umbc.edu::b61ff11c-ba68-49af-b001-f9f234a6aca3" providerId="AD" clId="Web-{61FA1F70-C65C-22C4-8410-E91BA1043000}" dt="2018-09-02T18:21:23.513" v="577" actId="20577"/>
-        <pc:sldMkLst>
-          <pc:docMk/>
-          <pc:sldMk cId="3887352271" sldId="309"/>
-        </pc:sldMkLst>
-        <pc:spChg chg="mod">
-          <ac:chgData name="Benjamin Payne" userId="S::benpayne@umbc.edu::b61ff11c-ba68-49af-b001-f9f234a6aca3" providerId="AD" clId="Web-{61FA1F70-C65C-22C4-8410-E91BA1043000}" dt="2018-09-02T18:21:23.513" v="577" actId="20577"/>
-          <ac:spMkLst>
-            <pc:docMk/>
-            <pc:sldMk cId="3887352271" sldId="309"/>
-            <ac:spMk id="3" creationId="{6E16B59F-4225-4D5A-92A3-0DEB3115D828}"/>
-          </ac:spMkLst>
-        </pc:spChg>
-      </pc:sldChg>
-      <pc:sldChg chg="modSp">
-        <pc:chgData name="Benjamin Payne" userId="S::benpayne@umbc.edu::b61ff11c-ba68-49af-b001-f9f234a6aca3" providerId="AD" clId="Web-{61FA1F70-C65C-22C4-8410-E91BA1043000}" dt="2018-09-02T17:41:37.214" v="346" actId="20577"/>
-        <pc:sldMkLst>
-          <pc:docMk/>
-          <pc:sldMk cId="1136467448" sldId="310"/>
-        </pc:sldMkLst>
-        <pc:spChg chg="mod">
-          <ac:chgData name="Benjamin Payne" userId="S::benpayne@umbc.edu::b61ff11c-ba68-49af-b001-f9f234a6aca3" providerId="AD" clId="Web-{61FA1F70-C65C-22C4-8410-E91BA1043000}" dt="2018-09-02T17:41:37.214" v="346" actId="20577"/>
-          <ac:spMkLst>
-            <pc:docMk/>
-            <pc:sldMk cId="1136467448" sldId="310"/>
-            <ac:spMk id="3" creationId="{ED6D49F3-959B-4B3D-9B56-FFB1106BAF3C}"/>
-          </ac:spMkLst>
-        </pc:spChg>
-      </pc:sldChg>
-      <pc:sldChg chg="addSp delSp modSp new">
-        <pc:chgData name="Benjamin Payne" userId="S::benpayne@umbc.edu::b61ff11c-ba68-49af-b001-f9f234a6aca3" providerId="AD" clId="Web-{61FA1F70-C65C-22C4-8410-E91BA1043000}" dt="2018-09-02T18:25:31.858" v="690" actId="20577"/>
-        <pc:sldMkLst>
-          <pc:docMk/>
-          <pc:sldMk cId="4132940008" sldId="313"/>
-        </pc:sldMkLst>
-        <pc:spChg chg="mod">
-          <ac:chgData name="Benjamin Payne" userId="S::benpayne@umbc.edu::b61ff11c-ba68-49af-b001-f9f234a6aca3" providerId="AD" clId="Web-{61FA1F70-C65C-22C4-8410-E91BA1043000}" dt="2018-09-02T18:21:56.436" v="584" actId="20577"/>
-          <ac:spMkLst>
-            <pc:docMk/>
-            <pc:sldMk cId="4132940008" sldId="313"/>
-            <ac:spMk id="2" creationId="{97DBEB36-ED31-42E8-A7D7-4F2B9F703A00}"/>
-          </ac:spMkLst>
-        </pc:spChg>
-        <pc:spChg chg="mod">
-          <ac:chgData name="Benjamin Payne" userId="S::benpayne@umbc.edu::b61ff11c-ba68-49af-b001-f9f234a6aca3" providerId="AD" clId="Web-{61FA1F70-C65C-22C4-8410-E91BA1043000}" dt="2018-09-02T18:25:31.858" v="690" actId="20577"/>
-          <ac:spMkLst>
-            <pc:docMk/>
-            <pc:sldMk cId="4132940008" sldId="313"/>
-            <ac:spMk id="3" creationId="{DACB8026-C2D6-4B73-BB44-5FD76470F52E}"/>
-          </ac:spMkLst>
-        </pc:spChg>
-        <pc:graphicFrameChg chg="add del mod modGraphic">
-          <ac:chgData name="Benjamin Payne" userId="S::benpayne@umbc.edu::b61ff11c-ba68-49af-b001-f9f234a6aca3" providerId="AD" clId="Web-{61FA1F70-C65C-22C4-8410-E91BA1043000}" dt="2018-09-02T18:23:25.710" v="613"/>
-          <ac:graphicFrameMkLst>
-            <pc:docMk/>
-            <pc:sldMk cId="4132940008" sldId="313"/>
-            <ac:graphicFrameMk id="4" creationId="{CF457E2E-E3D6-40CE-A801-EA8E0A1998CC}"/>
-          </ac:graphicFrameMkLst>
-        </pc:graphicFrameChg>
-      </pc:sldChg>
-    </pc:docChg>
-  </pc:docChgLst>
-  <pc:docChgLst>
-    <pc:chgData name="Benjamin Payne" userId="S::benpayne@umbc.edu::b61ff11c-ba68-49af-b001-f9f234a6aca3" providerId="AD" clId="Web-{CDE66BBB-6ABB-90DC-76CE-6C8781F82C64}"/>
-    <pc:docChg chg="modSld">
-      <pc:chgData name="Benjamin Payne" userId="S::benpayne@umbc.edu::b61ff11c-ba68-49af-b001-f9f234a6aca3" providerId="AD" clId="Web-{CDE66BBB-6ABB-90DC-76CE-6C8781F82C64}" dt="2018-09-06T00:41:23.435" v="6" actId="20577"/>
-      <pc:docMkLst>
-        <pc:docMk/>
-      </pc:docMkLst>
-      <pc:sldChg chg="modSp">
-        <pc:chgData name="Benjamin Payne" userId="S::benpayne@umbc.edu::b61ff11c-ba68-49af-b001-f9f234a6aca3" providerId="AD" clId="Web-{CDE66BBB-6ABB-90DC-76CE-6C8781F82C64}" dt="2018-09-06T00:40:52.888" v="0" actId="1076"/>
-        <pc:sldMkLst>
-          <pc:docMk/>
-          <pc:sldMk cId="2631658036" sldId="266"/>
-        </pc:sldMkLst>
-        <pc:picChg chg="mod">
-          <ac:chgData name="Benjamin Payne" userId="S::benpayne@umbc.edu::b61ff11c-ba68-49af-b001-f9f234a6aca3" providerId="AD" clId="Web-{CDE66BBB-6ABB-90DC-76CE-6C8781F82C64}" dt="2018-09-06T00:40:52.888" v="0" actId="1076"/>
-          <ac:picMkLst>
-            <pc:docMk/>
-            <pc:sldMk cId="2631658036" sldId="266"/>
-            <ac:picMk id="4" creationId="{4815D937-D5C9-47CA-A300-C5CC4278B20E}"/>
-          </ac:picMkLst>
-        </pc:picChg>
-      </pc:sldChg>
-      <pc:sldChg chg="modSp">
-        <pc:chgData name="Benjamin Payne" userId="S::benpayne@umbc.edu::b61ff11c-ba68-49af-b001-f9f234a6aca3" providerId="AD" clId="Web-{CDE66BBB-6ABB-90DC-76CE-6C8781F82C64}" dt="2018-09-06T00:41:22.310" v="4" actId="20577"/>
-        <pc:sldMkLst>
-          <pc:docMk/>
-          <pc:sldMk cId="668830637" sldId="286"/>
-        </pc:sldMkLst>
-        <pc:spChg chg="mod">
-          <ac:chgData name="Benjamin Payne" userId="S::benpayne@umbc.edu::b61ff11c-ba68-49af-b001-f9f234a6aca3" providerId="AD" clId="Web-{CDE66BBB-6ABB-90DC-76CE-6C8781F82C64}" dt="2018-09-06T00:41:22.310" v="4" actId="20577"/>
-          <ac:spMkLst>
-            <pc:docMk/>
-            <pc:sldMk cId="668830637" sldId="286"/>
-            <ac:spMk id="3" creationId="{5B8B0706-94ED-458E-907E-F25FDE922341}"/>
-          </ac:spMkLst>
-        </pc:spChg>
-      </pc:sldChg>
-    </pc:docChg>
-  </pc:docChgLst>
-  <pc:docChgLst>
-    <pc:chgData name="Benjamin Payne" userId="S::benpayne@umbc.edu::b61ff11c-ba68-49af-b001-f9f234a6aca3" providerId="AD" clId="Web-{2A796646-0353-DD0D-F775-EFFAB2BE2E62}"/>
-    <pc:docChg chg="modSld">
-      <pc:chgData name="Benjamin Payne" userId="S::benpayne@umbc.edu::b61ff11c-ba68-49af-b001-f9f234a6aca3" providerId="AD" clId="Web-{2A796646-0353-DD0D-F775-EFFAB2BE2E62}" dt="2018-09-02T19:14:08.988" v="93" actId="20577"/>
-      <pc:docMkLst>
-        <pc:docMk/>
-      </pc:docMkLst>
-      <pc:sldChg chg="modSp">
-        <pc:chgData name="Benjamin Payne" userId="S::benpayne@umbc.edu::b61ff11c-ba68-49af-b001-f9f234a6aca3" providerId="AD" clId="Web-{2A796646-0353-DD0D-F775-EFFAB2BE2E62}" dt="2018-09-02T19:14:08.988" v="92" actId="20577"/>
-        <pc:sldMkLst>
-          <pc:docMk/>
-          <pc:sldMk cId="3393807459" sldId="258"/>
-        </pc:sldMkLst>
-        <pc:spChg chg="mod">
-          <ac:chgData name="Benjamin Payne" userId="S::benpayne@umbc.edu::b61ff11c-ba68-49af-b001-f9f234a6aca3" providerId="AD" clId="Web-{2A796646-0353-DD0D-F775-EFFAB2BE2E62}" dt="2018-09-02T19:14:08.988" v="92" actId="20577"/>
-          <ac:spMkLst>
-            <pc:docMk/>
-            <pc:sldMk cId="3393807459" sldId="258"/>
-            <ac:spMk id="3" creationId="{182200E1-A375-4370-BF0E-723CB089AE6B}"/>
-          </ac:spMkLst>
-        </pc:spChg>
-      </pc:sldChg>
-      <pc:sldChg chg="modSp">
-        <pc:chgData name="Benjamin Payne" userId="S::benpayne@umbc.edu::b61ff11c-ba68-49af-b001-f9f234a6aca3" providerId="AD" clId="Web-{2A796646-0353-DD0D-F775-EFFAB2BE2E62}" dt="2018-09-02T19:10:46.166" v="41" actId="20577"/>
-        <pc:sldMkLst>
-          <pc:docMk/>
-          <pc:sldMk cId="2616726059" sldId="268"/>
-        </pc:sldMkLst>
-        <pc:spChg chg="mod">
-          <ac:chgData name="Benjamin Payne" userId="S::benpayne@umbc.edu::b61ff11c-ba68-49af-b001-f9f234a6aca3" providerId="AD" clId="Web-{2A796646-0353-DD0D-F775-EFFAB2BE2E62}" dt="2018-09-02T19:10:46.166" v="41" actId="20577"/>
-          <ac:spMkLst>
-            <pc:docMk/>
-            <pc:sldMk cId="2616726059" sldId="268"/>
-            <ac:spMk id="3" creationId="{56719A45-5EB8-4734-8FD1-AD3CC2B44AC1}"/>
-          </ac:spMkLst>
-        </pc:spChg>
-      </pc:sldChg>
-    </pc:docChg>
-  </pc:docChgLst>
-  <pc:docChgLst>
-    <pc:chgData name="Benjamin Payne" userId="S::benpayne@umbc.edu::b61ff11c-ba68-49af-b001-f9f234a6aca3" providerId="AD" clId="Web-{35A8EF39-85A0-3931-7AB4-C85A00AC8AB8}"/>
-    <pc:docChg chg="modSld">
-      <pc:chgData name="Benjamin Payne" userId="S::benpayne@umbc.edu::b61ff11c-ba68-49af-b001-f9f234a6aca3" providerId="AD" clId="Web-{35A8EF39-85A0-3931-7AB4-C85A00AC8AB8}" dt="2018-08-26T15:44:23.604" v="11" actId="20577"/>
-      <pc:docMkLst>
-        <pc:docMk/>
-      </pc:docMkLst>
-      <pc:sldChg chg="modSp">
-        <pc:chgData name="Benjamin Payne" userId="S::benpayne@umbc.edu::b61ff11c-ba68-49af-b001-f9f234a6aca3" providerId="AD" clId="Web-{35A8EF39-85A0-3931-7AB4-C85A00AC8AB8}" dt="2018-08-26T15:44:23.604" v="10" actId="20577"/>
-        <pc:sldMkLst>
-          <pc:docMk/>
-          <pc:sldMk cId="1689905171" sldId="278"/>
-        </pc:sldMkLst>
-        <pc:spChg chg="mod">
-          <ac:chgData name="Benjamin Payne" userId="S::benpayne@umbc.edu::b61ff11c-ba68-49af-b001-f9f234a6aca3" providerId="AD" clId="Web-{35A8EF39-85A0-3931-7AB4-C85A00AC8AB8}" dt="2018-08-26T15:44:23.604" v="10" actId="20577"/>
-          <ac:spMkLst>
-            <pc:docMk/>
-            <pc:sldMk cId="1689905171" sldId="278"/>
-            <ac:spMk id="3" creationId="{883231F5-2EDA-4D2B-8CE7-827A88B210A6}"/>
-          </ac:spMkLst>
-        </pc:spChg>
-      </pc:sldChg>
-    </pc:docChg>
-  </pc:docChgLst>
-  <pc:docChgLst>
-    <pc:chgData name="Benjamin Payne" userId="S::benpayne@umbc.edu::b61ff11c-ba68-49af-b001-f9f234a6aca3" providerId="AD" clId="Web-{FEE0B6FD-0A64-F31D-7834-DFA125B561C7}"/>
-    <pc:docChg chg="modSld">
-      <pc:chgData name="Benjamin Payne" userId="S::benpayne@umbc.edu::b61ff11c-ba68-49af-b001-f9f234a6aca3" providerId="AD" clId="Web-{FEE0B6FD-0A64-F31D-7834-DFA125B561C7}" dt="2018-08-23T13:04:24.869" v="35" actId="20577"/>
-      <pc:docMkLst>
-        <pc:docMk/>
-      </pc:docMkLst>
-      <pc:sldChg chg="addSp delSp modSp mod modClrScheme chgLayout">
-        <pc:chgData name="Benjamin Payne" userId="S::benpayne@umbc.edu::b61ff11c-ba68-49af-b001-f9f234a6aca3" providerId="AD" clId="Web-{FEE0B6FD-0A64-F31D-7834-DFA125B561C7}" dt="2018-08-23T13:04:24.869" v="34" actId="20577"/>
-        <pc:sldMkLst>
-          <pc:docMk/>
-          <pc:sldMk cId="4098882263" sldId="262"/>
-        </pc:sldMkLst>
-        <pc:spChg chg="mod ord">
-          <ac:chgData name="Benjamin Payne" userId="S::benpayne@umbc.edu::b61ff11c-ba68-49af-b001-f9f234a6aca3" providerId="AD" clId="Web-{FEE0B6FD-0A64-F31D-7834-DFA125B561C7}" dt="2018-08-23T13:03:45.883" v="1"/>
-          <ac:spMkLst>
-            <pc:docMk/>
-            <pc:sldMk cId="4098882263" sldId="262"/>
-            <ac:spMk id="2" creationId="{90F8D6CD-CED3-4AF5-A5D4-2165C670088D}"/>
-          </ac:spMkLst>
-        </pc:spChg>
-        <pc:spChg chg="add del mod ord">
-          <ac:chgData name="Benjamin Payne" userId="S::benpayne@umbc.edu::b61ff11c-ba68-49af-b001-f9f234a6aca3" providerId="AD" clId="Web-{FEE0B6FD-0A64-F31D-7834-DFA125B561C7}" dt="2018-08-23T13:04:03.728" v="17"/>
-          <ac:spMkLst>
-            <pc:docMk/>
-            <pc:sldMk cId="4098882263" sldId="262"/>
-            <ac:spMk id="3" creationId="{6A37BAF8-919B-461D-A7B6-249E9E2F9EDD}"/>
-          </ac:spMkLst>
-        </pc:spChg>
-        <pc:spChg chg="del">
-          <ac:chgData name="Benjamin Payne" userId="S::benpayne@umbc.edu::b61ff11c-ba68-49af-b001-f9f234a6aca3" providerId="AD" clId="Web-{FEE0B6FD-0A64-F31D-7834-DFA125B561C7}" dt="2018-08-23T13:03:37.477" v="0"/>
-          <ac:spMkLst>
-            <pc:docMk/>
-            <pc:sldMk cId="4098882263" sldId="262"/>
-            <ac:spMk id="4" creationId="{0570751D-8E10-454D-94D7-001DA8C81F79}"/>
-          </ac:spMkLst>
-        </pc:spChg>
-        <pc:spChg chg="add mod ord">
-          <ac:chgData name="Benjamin Payne" userId="S::benpayne@umbc.edu::b61ff11c-ba68-49af-b001-f9f234a6aca3" providerId="AD" clId="Web-{FEE0B6FD-0A64-F31D-7834-DFA125B561C7}" dt="2018-08-23T13:04:20.291" v="28" actId="20577"/>
-          <ac:spMkLst>
-            <pc:docMk/>
-            <pc:sldMk cId="4098882263" sldId="262"/>
-            <ac:spMk id="5" creationId="{946E275A-7F1B-4C35-A02E-91F52EF32265}"/>
-          </ac:spMkLst>
-        </pc:spChg>
-        <pc:spChg chg="add del mod ord">
-          <ac:chgData name="Benjamin Payne" userId="S::benpayne@umbc.edu::b61ff11c-ba68-49af-b001-f9f234a6aca3" providerId="AD" clId="Web-{FEE0B6FD-0A64-F31D-7834-DFA125B561C7}" dt="2018-08-23T13:04:06.775" v="18"/>
-          <ac:spMkLst>
-            <pc:docMk/>
-            <pc:sldMk cId="4098882263" sldId="262"/>
-            <ac:spMk id="6" creationId="{6F52BDAD-8D62-4B32-8A97-A25B23EEC3DF}"/>
-          </ac:spMkLst>
-        </pc:spChg>
-        <pc:spChg chg="add mod ord">
-          <ac:chgData name="Benjamin Payne" userId="S::benpayne@umbc.edu::b61ff11c-ba68-49af-b001-f9f234a6aca3" providerId="AD" clId="Web-{FEE0B6FD-0A64-F31D-7834-DFA125B561C7}" dt="2018-08-23T13:04:24.869" v="34" actId="20577"/>
-          <ac:spMkLst>
-            <pc:docMk/>
-            <pc:sldMk cId="4098882263" sldId="262"/>
-            <ac:spMk id="7" creationId="{49866399-6384-4C49-8508-6C815AD7834A}"/>
-          </ac:spMkLst>
-        </pc:spChg>
-        <pc:spChg chg="add del mod">
-          <ac:chgData name="Benjamin Payne" userId="S::benpayne@umbc.edu::b61ff11c-ba68-49af-b001-f9f234a6aca3" providerId="AD" clId="Web-{FEE0B6FD-0A64-F31D-7834-DFA125B561C7}" dt="2018-08-23T13:03:53.399" v="3"/>
-          <ac:spMkLst>
-            <pc:docMk/>
-            <pc:sldMk cId="4098882263" sldId="262"/>
-            <ac:spMk id="9" creationId="{B3748614-7E8F-426B-A354-A49F06BF2D83}"/>
-          </ac:spMkLst>
-        </pc:spChg>
-      </pc:sldChg>
-    </pc:docChg>
-  </pc:docChgLst>
-  <pc:docChgLst>
-    <pc:chgData name="Benjamin Payne" userId="S::benpayne@umbc.edu::b61ff11c-ba68-49af-b001-f9f234a6aca3" providerId="AD" clId="Web-{FB06842A-7310-AF24-66B5-7EC079319EB7}"/>
-    <pc:docChg chg="addSld delSld modSld sldOrd">
-      <pc:chgData name="Benjamin Payne" userId="S::benpayne@umbc.edu::b61ff11c-ba68-49af-b001-f9f234a6aca3" providerId="AD" clId="Web-{FB06842A-7310-AF24-66B5-7EC079319EB7}" dt="2018-09-04T00:22:02.297" v="1810" actId="20577"/>
-      <pc:docMkLst>
-        <pc:docMk/>
-      </pc:docMkLst>
-      <pc:sldChg chg="modSp">
-        <pc:chgData name="Benjamin Payne" userId="S::benpayne@umbc.edu::b61ff11c-ba68-49af-b001-f9f234a6aca3" providerId="AD" clId="Web-{FB06842A-7310-AF24-66B5-7EC079319EB7}" dt="2018-09-03T22:13:39.318" v="329" actId="20577"/>
-        <pc:sldMkLst>
-          <pc:docMk/>
-          <pc:sldMk cId="3393807459" sldId="258"/>
-        </pc:sldMkLst>
-        <pc:spChg chg="mod">
-          <ac:chgData name="Benjamin Payne" userId="S::benpayne@umbc.edu::b61ff11c-ba68-49af-b001-f9f234a6aca3" providerId="AD" clId="Web-{FB06842A-7310-AF24-66B5-7EC079319EB7}" dt="2018-09-03T22:13:39.318" v="329" actId="20577"/>
-          <ac:spMkLst>
-            <pc:docMk/>
-            <pc:sldMk cId="3393807459" sldId="258"/>
-            <ac:spMk id="3" creationId="{182200E1-A375-4370-BF0E-723CB089AE6B}"/>
-          </ac:spMkLst>
-        </pc:spChg>
-      </pc:sldChg>
-      <pc:sldChg chg="modSp">
-        <pc:chgData name="Benjamin Payne" userId="S::benpayne@umbc.edu::b61ff11c-ba68-49af-b001-f9f234a6aca3" providerId="AD" clId="Web-{FB06842A-7310-AF24-66B5-7EC079319EB7}" dt="2018-09-03T23:40:36.981" v="1263" actId="20577"/>
-        <pc:sldMkLst>
-          <pc:docMk/>
-          <pc:sldMk cId="2337642694" sldId="259"/>
-        </pc:sldMkLst>
-        <pc:spChg chg="mod">
-          <ac:chgData name="Benjamin Payne" userId="S::benpayne@umbc.edu::b61ff11c-ba68-49af-b001-f9f234a6aca3" providerId="AD" clId="Web-{FB06842A-7310-AF24-66B5-7EC079319EB7}" dt="2018-09-03T23:40:36.981" v="1263" actId="20577"/>
-          <ac:spMkLst>
-            <pc:docMk/>
-            <pc:sldMk cId="2337642694" sldId="259"/>
-            <ac:spMk id="3" creationId="{4D759856-6873-41CE-8867-DBDA8B92395F}"/>
-          </ac:spMkLst>
-        </pc:spChg>
-      </pc:sldChg>
-      <pc:sldChg chg="ord">
-        <pc:chgData name="Benjamin Payne" userId="S::benpayne@umbc.edu::b61ff11c-ba68-49af-b001-f9f234a6aca3" providerId="AD" clId="Web-{FB06842A-7310-AF24-66B5-7EC079319EB7}" dt="2018-09-03T22:32:41.677" v="562"/>
-        <pc:sldMkLst>
-          <pc:docMk/>
-          <pc:sldMk cId="1147460063" sldId="260"/>
-        </pc:sldMkLst>
-      </pc:sldChg>
-      <pc:sldChg chg="addSp delSp modSp">
-        <pc:chgData name="Benjamin Payne" userId="S::benpayne@umbc.edu::b61ff11c-ba68-49af-b001-f9f234a6aca3" providerId="AD" clId="Web-{FB06842A-7310-AF24-66B5-7EC079319EB7}" dt="2018-09-03T23:12:49.105" v="975"/>
-        <pc:sldMkLst>
-          <pc:docMk/>
-          <pc:sldMk cId="1346395305" sldId="261"/>
-        </pc:sldMkLst>
-        <pc:spChg chg="del">
-          <ac:chgData name="Benjamin Payne" userId="S::benpayne@umbc.edu::b61ff11c-ba68-49af-b001-f9f234a6aca3" providerId="AD" clId="Web-{FB06842A-7310-AF24-66B5-7EC079319EB7}" dt="2018-09-03T22:44:17.355" v="638"/>
-          <ac:spMkLst>
-            <pc:docMk/>
-            <pc:sldMk cId="1346395305" sldId="261"/>
-            <ac:spMk id="2" creationId="{91739C6C-B8DC-433A-9609-A13A774DF671}"/>
-          </ac:spMkLst>
-        </pc:spChg>
-        <pc:spChg chg="add del mod">
-          <ac:chgData name="Benjamin Payne" userId="S::benpayne@umbc.edu::b61ff11c-ba68-49af-b001-f9f234a6aca3" providerId="AD" clId="Web-{FB06842A-7310-AF24-66B5-7EC079319EB7}" dt="2018-09-03T23:12:49.105" v="975"/>
-          <ac:spMkLst>
-            <pc:docMk/>
-            <pc:sldMk cId="1346395305" sldId="261"/>
-            <ac:spMk id="5" creationId="{D4EDBCA7-96D7-4A1F-A02E-485D00ACC992}"/>
-          </ac:spMkLst>
-        </pc:spChg>
-      </pc:sldChg>
-      <pc:sldChg chg="addSp modSp">
-        <pc:chgData name="Benjamin Payne" userId="S::benpayne@umbc.edu::b61ff11c-ba68-49af-b001-f9f234a6aca3" providerId="AD" clId="Web-{FB06842A-7310-AF24-66B5-7EC079319EB7}" dt="2018-09-03T22:47:27.899" v="762" actId="20577"/>
-        <pc:sldMkLst>
-          <pc:docMk/>
-          <pc:sldMk cId="4098882263" sldId="262"/>
-        </pc:sldMkLst>
-        <pc:spChg chg="mod">
-          <ac:chgData name="Benjamin Payne" userId="S::benpayne@umbc.edu::b61ff11c-ba68-49af-b001-f9f234a6aca3" providerId="AD" clId="Web-{FB06842A-7310-AF24-66B5-7EC079319EB7}" dt="2018-09-03T22:47:27.899" v="762" actId="20577"/>
-          <ac:spMkLst>
-            <pc:docMk/>
-            <pc:sldMk cId="4098882263" sldId="262"/>
-            <ac:spMk id="2" creationId="{90F8D6CD-CED3-4AF5-A5D4-2165C670088D}"/>
-          </ac:spMkLst>
-        </pc:spChg>
-        <pc:spChg chg="add mod">
-          <ac:chgData name="Benjamin Payne" userId="S::benpayne@umbc.edu::b61ff11c-ba68-49af-b001-f9f234a6aca3" providerId="AD" clId="Web-{FB06842A-7310-AF24-66B5-7EC079319EB7}" dt="2018-09-03T22:47:20.226" v="757" actId="20577"/>
-          <ac:spMkLst>
-            <pc:docMk/>
-            <pc:sldMk cId="4098882263" sldId="262"/>
-            <ac:spMk id="3" creationId="{F113298B-8C79-4F82-BE0C-43ABA92E62B5}"/>
-          </ac:spMkLst>
-        </pc:spChg>
-        <pc:spChg chg="mod">
-          <ac:chgData name="Benjamin Payne" userId="S::benpayne@umbc.edu::b61ff11c-ba68-49af-b001-f9f234a6aca3" providerId="AD" clId="Web-{FB06842A-7310-AF24-66B5-7EC079319EB7}" dt="2018-09-03T22:44:32.434" v="639" actId="1076"/>
-          <ac:spMkLst>
-            <pc:docMk/>
-            <pc:sldMk cId="4098882263" sldId="262"/>
-            <ac:spMk id="5" creationId="{946E275A-7F1B-4C35-A02E-91F52EF32265}"/>
-          </ac:spMkLst>
-        </pc:spChg>
-        <pc:spChg chg="mod">
-          <ac:chgData name="Benjamin Payne" userId="S::benpayne@umbc.edu::b61ff11c-ba68-49af-b001-f9f234a6aca3" providerId="AD" clId="Web-{FB06842A-7310-AF24-66B5-7EC079319EB7}" dt="2018-09-03T22:44:32.450" v="640" actId="1076"/>
-          <ac:spMkLst>
-            <pc:docMk/>
-            <pc:sldMk cId="4098882263" sldId="262"/>
-            <ac:spMk id="7" creationId="{49866399-6384-4C49-8508-6C815AD7834A}"/>
-          </ac:spMkLst>
-        </pc:spChg>
-      </pc:sldChg>
-      <pc:sldChg chg="addSp delSp modSp">
-        <pc:chgData name="Benjamin Payne" userId="S::benpayne@umbc.edu::b61ff11c-ba68-49af-b001-f9f234a6aca3" providerId="AD" clId="Web-{FB06842A-7310-AF24-66B5-7EC079319EB7}" dt="2018-09-03T22:49:11.013" v="850" actId="20577"/>
-        <pc:sldMkLst>
-          <pc:docMk/>
-          <pc:sldMk cId="904356056" sldId="263"/>
-        </pc:sldMkLst>
-        <pc:spChg chg="del">
-          <ac:chgData name="Benjamin Payne" userId="S::benpayne@umbc.edu::b61ff11c-ba68-49af-b001-f9f234a6aca3" providerId="AD" clId="Web-{FB06842A-7310-AF24-66B5-7EC079319EB7}" dt="2018-09-03T22:44:06.933" v="637"/>
-          <ac:spMkLst>
-            <pc:docMk/>
-            <pc:sldMk cId="904356056" sldId="263"/>
-            <ac:spMk id="2" creationId="{BEB63BCA-5A6E-465C-9FD5-27D7D0848030}"/>
-          </ac:spMkLst>
-        </pc:spChg>
-        <pc:spChg chg="del">
-          <ac:chgData name="Benjamin Payne" userId="S::benpayne@umbc.edu::b61ff11c-ba68-49af-b001-f9f234a6aca3" providerId="AD" clId="Web-{FB06842A-7310-AF24-66B5-7EC079319EB7}" dt="2018-09-03T22:44:06.917" v="636"/>
-          <ac:spMkLst>
-            <pc:docMk/>
-            <pc:sldMk cId="904356056" sldId="263"/>
-            <ac:spMk id="3" creationId="{DFE941AE-F9FA-4245-961F-BFCAA1725206}"/>
-          </ac:spMkLst>
-        </pc:spChg>
-        <pc:spChg chg="add mod">
-          <ac:chgData name="Benjamin Payne" userId="S::benpayne@umbc.edu::b61ff11c-ba68-49af-b001-f9f234a6aca3" providerId="AD" clId="Web-{FB06842A-7310-AF24-66B5-7EC079319EB7}" dt="2018-09-03T22:49:11.013" v="850" actId="20577"/>
-          <ac:spMkLst>
-            <pc:docMk/>
-            <pc:sldMk cId="904356056" sldId="263"/>
-            <ac:spMk id="5" creationId="{1A91CF01-AC40-4A02-B0B3-785B571B84DD}"/>
-          </ac:spMkLst>
-        </pc:spChg>
-        <pc:spChg chg="add mod">
-          <ac:chgData name="Benjamin Payne" userId="S::benpayne@umbc.edu::b61ff11c-ba68-49af-b001-f9f234a6aca3" providerId="AD" clId="Web-{FB06842A-7310-AF24-66B5-7EC079319EB7}" dt="2018-09-03T22:44:49.232" v="649" actId="20577"/>
-          <ac:spMkLst>
-            <pc:docMk/>
-            <pc:sldMk cId="904356056" sldId="263"/>
-            <ac:spMk id="7" creationId="{833DE1A4-365B-4969-AB97-A6168E8B5229}"/>
-          </ac:spMkLst>
-        </pc:spChg>
-      </pc:sldChg>
-      <pc:sldChg chg="modSp">
-        <pc:chgData name="Benjamin Payne" userId="S::benpayne@umbc.edu::b61ff11c-ba68-49af-b001-f9f234a6aca3" providerId="AD" clId="Web-{FB06842A-7310-AF24-66B5-7EC079319EB7}" dt="2018-09-04T00:16:32.399" v="1782" actId="20577"/>
-        <pc:sldMkLst>
-          <pc:docMk/>
-          <pc:sldMk cId="345678624" sldId="264"/>
-        </pc:sldMkLst>
-        <pc:spChg chg="mod">
-          <ac:chgData name="Benjamin Payne" userId="S::benpayne@umbc.edu::b61ff11c-ba68-49af-b001-f9f234a6aca3" providerId="AD" clId="Web-{FB06842A-7310-AF24-66B5-7EC079319EB7}" dt="2018-09-04T00:12:25.350" v="1706" actId="20577"/>
-          <ac:spMkLst>
-            <pc:docMk/>
-            <pc:sldMk cId="345678624" sldId="264"/>
-            <ac:spMk id="2" creationId="{3E9832BB-0B87-4A12-A6B6-3936A91BA5F8}"/>
-          </ac:spMkLst>
-        </pc:spChg>
-        <pc:spChg chg="mod">
-          <ac:chgData name="Benjamin Payne" userId="S::benpayne@umbc.edu::b61ff11c-ba68-49af-b001-f9f234a6aca3" providerId="AD" clId="Web-{FB06842A-7310-AF24-66B5-7EC079319EB7}" dt="2018-09-04T00:16:32.399" v="1782" actId="20577"/>
-          <ac:spMkLst>
-            <pc:docMk/>
-            <pc:sldMk cId="345678624" sldId="264"/>
-            <ac:spMk id="3" creationId="{7521322D-3F2A-42B7-B8DD-7DB8778D4CD3}"/>
-          </ac:spMkLst>
-        </pc:spChg>
-      </pc:sldChg>
-      <pc:sldChg chg="modSp del">
-        <pc:chgData name="Benjamin Payne" userId="S::benpayne@umbc.edu::b61ff11c-ba68-49af-b001-f9f234a6aca3" providerId="AD" clId="Web-{FB06842A-7310-AF24-66B5-7EC079319EB7}" dt="2018-09-03T23:03:53.024" v="952"/>
-        <pc:sldMkLst>
-          <pc:docMk/>
-          <pc:sldMk cId="529933260" sldId="265"/>
-        </pc:sldMkLst>
-        <pc:spChg chg="mod">
-          <ac:chgData name="Benjamin Payne" userId="S::benpayne@umbc.edu::b61ff11c-ba68-49af-b001-f9f234a6aca3" providerId="AD" clId="Web-{FB06842A-7310-AF24-66B5-7EC079319EB7}" dt="2018-09-03T23:02:49.959" v="943" actId="20577"/>
-          <ac:spMkLst>
-            <pc:docMk/>
-            <pc:sldMk cId="529933260" sldId="265"/>
-            <ac:spMk id="3" creationId="{922B9838-34FB-44BC-8CDB-0FAC01AE7A87}"/>
-          </ac:spMkLst>
-        </pc:spChg>
-      </pc:sldChg>
-      <pc:sldChg chg="modSp">
-        <pc:chgData name="Benjamin Payne" userId="S::benpayne@umbc.edu::b61ff11c-ba68-49af-b001-f9f234a6aca3" providerId="AD" clId="Web-{FB06842A-7310-AF24-66B5-7EC079319EB7}" dt="2018-09-03T23:00:08.304" v="904" actId="20577"/>
-        <pc:sldMkLst>
-          <pc:docMk/>
-          <pc:sldMk cId="2868977103" sldId="267"/>
-        </pc:sldMkLst>
-        <pc:spChg chg="mod">
-          <ac:chgData name="Benjamin Payne" userId="S::benpayne@umbc.edu::b61ff11c-ba68-49af-b001-f9f234a6aca3" providerId="AD" clId="Web-{FB06842A-7310-AF24-66B5-7EC079319EB7}" dt="2018-09-03T23:00:08.304" v="904" actId="20577"/>
-          <ac:spMkLst>
-            <pc:docMk/>
-            <pc:sldMk cId="2868977103" sldId="267"/>
-            <ac:spMk id="2" creationId="{B376FE6C-38E8-4AE6-ADF6-BA9594FF69B6}"/>
-          </ac:spMkLst>
-        </pc:spChg>
-        <pc:spChg chg="mod">
-          <ac:chgData name="Benjamin Payne" userId="S::benpayne@umbc.edu::b61ff11c-ba68-49af-b001-f9f234a6aca3" providerId="AD" clId="Web-{FB06842A-7310-AF24-66B5-7EC079319EB7}" dt="2018-09-03T21:39:26.440" v="41" actId="20577"/>
-          <ac:spMkLst>
-            <pc:docMk/>
-            <pc:sldMk cId="2868977103" sldId="267"/>
-            <ac:spMk id="3" creationId="{0BFDB35F-5670-4CF4-94F9-97E081C504BD}"/>
-          </ac:spMkLst>
-        </pc:spChg>
-      </pc:sldChg>
-      <pc:sldChg chg="addSp modSp ord">
-        <pc:chgData name="Benjamin Payne" userId="S::benpayne@umbc.edu::b61ff11c-ba68-49af-b001-f9f234a6aca3" providerId="AD" clId="Web-{FB06842A-7310-AF24-66B5-7EC079319EB7}" dt="2018-09-03T22:03:09.123" v="290"/>
-        <pc:sldMkLst>
-          <pc:docMk/>
-          <pc:sldMk cId="2616726059" sldId="268"/>
-        </pc:sldMkLst>
-        <pc:spChg chg="mod">
-          <ac:chgData name="Benjamin Payne" userId="S::benpayne@umbc.edu::b61ff11c-ba68-49af-b001-f9f234a6aca3" providerId="AD" clId="Web-{FB06842A-7310-AF24-66B5-7EC079319EB7}" dt="2018-09-03T22:02:36.059" v="287" actId="20577"/>
-          <ac:spMkLst>
-            <pc:docMk/>
-            <pc:sldMk cId="2616726059" sldId="268"/>
-            <ac:spMk id="2" creationId="{16930437-D656-4FD4-87F7-8A7FFA990643}"/>
-          </ac:spMkLst>
-        </pc:spChg>
-        <pc:spChg chg="mod">
-          <ac:chgData name="Benjamin Payne" userId="S::benpayne@umbc.edu::b61ff11c-ba68-49af-b001-f9f234a6aca3" providerId="AD" clId="Web-{FB06842A-7310-AF24-66B5-7EC079319EB7}" dt="2018-09-03T22:00:21.583" v="183" actId="1076"/>
-          <ac:spMkLst>
-            <pc:docMk/>
-            <pc:sldMk cId="2616726059" sldId="268"/>
-            <ac:spMk id="3" creationId="{56719A45-5EB8-4734-8FD1-AD3CC2B44AC1}"/>
-          </ac:spMkLst>
-        </pc:spChg>
-        <pc:spChg chg="add mod">
-          <ac:chgData name="Benjamin Payne" userId="S::benpayne@umbc.edu::b61ff11c-ba68-49af-b001-f9f234a6aca3" providerId="AD" clId="Web-{FB06842A-7310-AF24-66B5-7EC079319EB7}" dt="2018-09-03T22:02:00.526" v="284" actId="20577"/>
-          <ac:spMkLst>
-            <pc:docMk/>
-            <pc:sldMk cId="2616726059" sldId="268"/>
-            <ac:spMk id="4" creationId="{7909931D-76F9-4D90-A470-683A4C4B1E00}"/>
-          </ac:spMkLst>
-        </pc:spChg>
-      </pc:sldChg>
-      <pc:sldChg chg="modSp ord">
-        <pc:chgData name="Benjamin Payne" userId="S::benpayne@umbc.edu::b61ff11c-ba68-49af-b001-f9f234a6aca3" providerId="AD" clId="Web-{FB06842A-7310-AF24-66B5-7EC079319EB7}" dt="2018-09-03T23:12:18.838" v="967" actId="20577"/>
-        <pc:sldMkLst>
-          <pc:docMk/>
-          <pc:sldMk cId="3773127384" sldId="269"/>
-        </pc:sldMkLst>
-        <pc:spChg chg="mod">
-          <ac:chgData name="Benjamin Payne" userId="S::benpayne@umbc.edu::b61ff11c-ba68-49af-b001-f9f234a6aca3" providerId="AD" clId="Web-{FB06842A-7310-AF24-66B5-7EC079319EB7}" dt="2018-09-03T23:12:18.838" v="967" actId="20577"/>
-          <ac:spMkLst>
-            <pc:docMk/>
-            <pc:sldMk cId="3773127384" sldId="269"/>
-            <ac:spMk id="3" creationId="{3DE031E0-2CCF-40D3-AD6B-61FCC2E6765A}"/>
-          </ac:spMkLst>
-        </pc:spChg>
-      </pc:sldChg>
-      <pc:sldChg chg="modSp">
-        <pc:chgData name="Benjamin Payne" userId="S::benpayne@umbc.edu::b61ff11c-ba68-49af-b001-f9f234a6aca3" providerId="AD" clId="Web-{FB06842A-7310-AF24-66B5-7EC079319EB7}" dt="2018-09-03T23:12:38.277" v="972" actId="20577"/>
-        <pc:sldMkLst>
-          <pc:docMk/>
-          <pc:sldMk cId="172553602" sldId="271"/>
-        </pc:sldMkLst>
-        <pc:spChg chg="mod">
-          <ac:chgData name="Benjamin Payne" userId="S::benpayne@umbc.edu::b61ff11c-ba68-49af-b001-f9f234a6aca3" providerId="AD" clId="Web-{FB06842A-7310-AF24-66B5-7EC079319EB7}" dt="2018-09-03T22:49:11.309" v="870" actId="20577"/>
-          <ac:spMkLst>
-            <pc:docMk/>
-            <pc:sldMk cId="172553602" sldId="271"/>
-            <ac:spMk id="2" creationId="{B0120B63-8FE5-4195-8991-C7C0DE406EF8}"/>
-          </ac:spMkLst>
-        </pc:spChg>
-        <pc:spChg chg="mod">
-          <ac:chgData name="Benjamin Payne" userId="S::benpayne@umbc.edu::b61ff11c-ba68-49af-b001-f9f234a6aca3" providerId="AD" clId="Web-{FB06842A-7310-AF24-66B5-7EC079319EB7}" dt="2018-09-03T23:12:38.277" v="972" actId="20577"/>
-          <ac:spMkLst>
-            <pc:docMk/>
-            <pc:sldMk cId="172553602" sldId="271"/>
-            <ac:spMk id="3" creationId="{40791B94-5544-4D97-9A3F-A1D97AA96470}"/>
-          </ac:spMkLst>
-        </pc:spChg>
-      </pc:sldChg>
-      <pc:sldChg chg="modSp ord">
-        <pc:chgData name="Benjamin Payne" userId="S::benpayne@umbc.edu::b61ff11c-ba68-49af-b001-f9f234a6aca3" providerId="AD" clId="Web-{FB06842A-7310-AF24-66B5-7EC079319EB7}" dt="2018-09-03T22:33:50.555" v="603" actId="20577"/>
-        <pc:sldMkLst>
-          <pc:docMk/>
-          <pc:sldMk cId="1777384071" sldId="274"/>
-        </pc:sldMkLst>
-        <pc:spChg chg="mod">
-          <ac:chgData name="Benjamin Payne" userId="S::benpayne@umbc.edu::b61ff11c-ba68-49af-b001-f9f234a6aca3" providerId="AD" clId="Web-{FB06842A-7310-AF24-66B5-7EC079319EB7}" dt="2018-09-03T22:31:37.034" v="526" actId="20577"/>
-          <ac:spMkLst>
-            <pc:docMk/>
-            <pc:sldMk cId="1777384071" sldId="274"/>
-            <ac:spMk id="2" creationId="{4BC91E34-1F79-4BFD-9A96-C49CF47C834C}"/>
-          </ac:spMkLst>
-        </pc:spChg>
-        <pc:spChg chg="mod">
-          <ac:chgData name="Benjamin Payne" userId="S::benpayne@umbc.edu::b61ff11c-ba68-49af-b001-f9f234a6aca3" providerId="AD" clId="Web-{FB06842A-7310-AF24-66B5-7EC079319EB7}" dt="2018-09-03T22:33:50.555" v="603" actId="20577"/>
-          <ac:spMkLst>
-            <pc:docMk/>
-            <pc:sldMk cId="1777384071" sldId="274"/>
-            <ac:spMk id="3" creationId="{17669228-4437-4CB3-A131-A766EDD79DD8}"/>
-          </ac:spMkLst>
-        </pc:spChg>
-      </pc:sldChg>
-      <pc:sldChg chg="modSp">
-        <pc:chgData name="Benjamin Payne" userId="S::benpayne@umbc.edu::b61ff11c-ba68-49af-b001-f9f234a6aca3" providerId="AD" clId="Web-{FB06842A-7310-AF24-66B5-7EC079319EB7}" dt="2018-09-03T22:17:02.374" v="342" actId="20577"/>
-        <pc:sldMkLst>
-          <pc:docMk/>
-          <pc:sldMk cId="1501705857" sldId="275"/>
-        </pc:sldMkLst>
-        <pc:spChg chg="mod">
-          <ac:chgData name="Benjamin Payne" userId="S::benpayne@umbc.edu::b61ff11c-ba68-49af-b001-f9f234a6aca3" providerId="AD" clId="Web-{FB06842A-7310-AF24-66B5-7EC079319EB7}" dt="2018-09-03T22:17:02.374" v="342" actId="20577"/>
-          <ac:spMkLst>
-            <pc:docMk/>
-            <pc:sldMk cId="1501705857" sldId="275"/>
-            <ac:spMk id="3" creationId="{CFB7782B-104F-45F8-8DF2-A99775513ABC}"/>
-          </ac:spMkLst>
-        </pc:spChg>
-      </pc:sldChg>
-      <pc:sldChg chg="modSp">
-        <pc:chgData name="Benjamin Payne" userId="S::benpayne@umbc.edu::b61ff11c-ba68-49af-b001-f9f234a6aca3" providerId="AD" clId="Web-{FB06842A-7310-AF24-66B5-7EC079319EB7}" dt="2018-09-03T22:49:11.716" v="886" actId="20577"/>
-        <pc:sldMkLst>
-          <pc:docMk/>
-          <pc:sldMk cId="2940493400" sldId="277"/>
-        </pc:sldMkLst>
-        <pc:spChg chg="mod">
-          <ac:chgData name="Benjamin Payne" userId="S::benpayne@umbc.edu::b61ff11c-ba68-49af-b001-f9f234a6aca3" providerId="AD" clId="Web-{FB06842A-7310-AF24-66B5-7EC079319EB7}" dt="2018-09-03T22:49:11.716" v="886" actId="20577"/>
-          <ac:spMkLst>
-            <pc:docMk/>
-            <pc:sldMk cId="2940493400" sldId="277"/>
-            <ac:spMk id="2" creationId="{2E787AD0-601A-4D88-A538-B043D835267F}"/>
-          </ac:spMkLst>
-        </pc:spChg>
-      </pc:sldChg>
-      <pc:sldChg chg="addSp modSp">
-        <pc:chgData name="Benjamin Payne" userId="S::benpayne@umbc.edu::b61ff11c-ba68-49af-b001-f9f234a6aca3" providerId="AD" clId="Web-{FB06842A-7310-AF24-66B5-7EC079319EB7}" dt="2018-09-03T21:38:31.313" v="18" actId="20577"/>
-        <pc:sldMkLst>
-          <pc:docMk/>
-          <pc:sldMk cId="695782667" sldId="279"/>
-        </pc:sldMkLst>
-        <pc:spChg chg="add mod">
-          <ac:chgData name="Benjamin Payne" userId="S::benpayne@umbc.edu::b61ff11c-ba68-49af-b001-f9f234a6aca3" providerId="AD" clId="Web-{FB06842A-7310-AF24-66B5-7EC079319EB7}" dt="2018-09-03T21:38:31.313" v="18" actId="20577"/>
-          <ac:spMkLst>
-            <pc:docMk/>
-            <pc:sldMk cId="695782667" sldId="279"/>
-            <ac:spMk id="4" creationId="{BBD9D7D7-548A-45A2-9297-235FA29626E8}"/>
-          </ac:spMkLst>
-        </pc:spChg>
-      </pc:sldChg>
-      <pc:sldChg chg="modSp">
-        <pc:chgData name="Benjamin Payne" userId="S::benpayne@umbc.edu::b61ff11c-ba68-49af-b001-f9f234a6aca3" providerId="AD" clId="Web-{FB06842A-7310-AF24-66B5-7EC079319EB7}" dt="2018-09-03T23:18:16.121" v="1000" actId="20577"/>
-        <pc:sldMkLst>
-          <pc:docMk/>
-          <pc:sldMk cId="1113823316" sldId="281"/>
-        </pc:sldMkLst>
-        <pc:spChg chg="mod">
-          <ac:chgData name="Benjamin Payne" userId="S::benpayne@umbc.edu::b61ff11c-ba68-49af-b001-f9f234a6aca3" providerId="AD" clId="Web-{FB06842A-7310-AF24-66B5-7EC079319EB7}" dt="2018-09-03T23:18:16.121" v="1000" actId="20577"/>
-          <ac:spMkLst>
-            <pc:docMk/>
-            <pc:sldMk cId="1113823316" sldId="281"/>
-            <ac:spMk id="3" creationId="{8248DD79-3D9B-4E64-ADA9-9495D307B42F}"/>
-          </ac:spMkLst>
-        </pc:spChg>
-      </pc:sldChg>
-      <pc:sldChg chg="modSp">
-        <pc:chgData name="Benjamin Payne" userId="S::benpayne@umbc.edu::b61ff11c-ba68-49af-b001-f9f234a6aca3" providerId="AD" clId="Web-{FB06842A-7310-AF24-66B5-7EC079319EB7}" dt="2018-09-03T22:21:08.334" v="498" actId="20577"/>
-        <pc:sldMkLst>
-          <pc:docMk/>
-          <pc:sldMk cId="1534279816" sldId="285"/>
-        </pc:sldMkLst>
-        <pc:spChg chg="mod">
-          <ac:chgData name="Benjamin Payne" userId="S::benpayne@umbc.edu::b61ff11c-ba68-49af-b001-f9f234a6aca3" providerId="AD" clId="Web-{FB06842A-7310-AF24-66B5-7EC079319EB7}" dt="2018-09-03T22:21:08.334" v="498" actId="20577"/>
-          <ac:spMkLst>
-            <pc:docMk/>
-            <pc:sldMk cId="1534279816" sldId="285"/>
-            <ac:spMk id="3" creationId="{F6FBA988-C6BD-4D64-8DE6-2CFEA03F071E}"/>
-          </ac:spMkLst>
-        </pc:spChg>
-      </pc:sldChg>
-      <pc:sldChg chg="addSp modSp modNotes">
-        <pc:chgData name="Benjamin Payne" userId="S::benpayne@umbc.edu::b61ff11c-ba68-49af-b001-f9f234a6aca3" providerId="AD" clId="Web-{FB06842A-7310-AF24-66B5-7EC079319EB7}" dt="2018-09-03T23:27:52.153" v="1090" actId="1076"/>
-        <pc:sldMkLst>
-          <pc:docMk/>
-          <pc:sldMk cId="2160123173" sldId="288"/>
-        </pc:sldMkLst>
-        <pc:spChg chg="mod">
-          <ac:chgData name="Benjamin Payne" userId="S::benpayne@umbc.edu::b61ff11c-ba68-49af-b001-f9f234a6aca3" providerId="AD" clId="Web-{FB06842A-7310-AF24-66B5-7EC079319EB7}" dt="2018-09-03T23:25:49.363" v="1075" actId="14100"/>
-          <ac:spMkLst>
-            <pc:docMk/>
-            <pc:sldMk cId="2160123173" sldId="288"/>
-            <ac:spMk id="3" creationId="{D87AFD70-9BF9-44EA-A092-D2DF2BDD11FA}"/>
-          </ac:spMkLst>
-        </pc:spChg>
-        <pc:picChg chg="add mod">
-          <ac:chgData name="Benjamin Payne" userId="S::benpayne@umbc.edu::b61ff11c-ba68-49af-b001-f9f234a6aca3" providerId="AD" clId="Web-{FB06842A-7310-AF24-66B5-7EC079319EB7}" dt="2018-09-03T23:25:58.101" v="1077" actId="1076"/>
-          <ac:picMkLst>
-            <pc:docMk/>
-            <pc:sldMk cId="2160123173" sldId="288"/>
-            <ac:picMk id="4" creationId="{A406D419-45BC-4CBA-81B7-29F666E5EB35}"/>
-          </ac:picMkLst>
-        </pc:picChg>
-        <pc:picChg chg="add mod">
-          <ac:chgData name="Benjamin Payne" userId="S::benpayne@umbc.edu::b61ff11c-ba68-49af-b001-f9f234a6aca3" providerId="AD" clId="Web-{FB06842A-7310-AF24-66B5-7EC079319EB7}" dt="2018-09-03T23:26:10.992" v="1079" actId="1076"/>
-          <ac:picMkLst>
-            <pc:docMk/>
-            <pc:sldMk cId="2160123173" sldId="288"/>
-            <ac:picMk id="6" creationId="{1540DE1E-C122-4C99-AB03-1141F35AF781}"/>
-          </ac:picMkLst>
-        </pc:picChg>
-        <pc:picChg chg="add mod">
-          <ac:chgData name="Benjamin Payne" userId="S::benpayne@umbc.edu::b61ff11c-ba68-49af-b001-f9f234a6aca3" providerId="AD" clId="Web-{FB06842A-7310-AF24-66B5-7EC079319EB7}" dt="2018-09-03T23:26:14.570" v="1080" actId="1076"/>
-          <ac:picMkLst>
-            <pc:docMk/>
-            <pc:sldMk cId="2160123173" sldId="288"/>
-            <ac:picMk id="8" creationId="{648DEC83-CF9A-4417-AE1E-210CDCAE60A1}"/>
-          </ac:picMkLst>
-        </pc:picChg>
-        <pc:picChg chg="add mod">
-          <ac:chgData name="Benjamin Payne" userId="S::benpayne@umbc.edu::b61ff11c-ba68-49af-b001-f9f234a6aca3" providerId="AD" clId="Web-{FB06842A-7310-AF24-66B5-7EC079319EB7}" dt="2018-09-03T23:27:25.230" v="1086" actId="1076"/>
-          <ac:picMkLst>
-            <pc:docMk/>
-            <pc:sldMk cId="2160123173" sldId="288"/>
-            <ac:picMk id="10" creationId="{102F4684-AE9F-4C61-9044-3294D36B60DB}"/>
-          </ac:picMkLst>
-        </pc:picChg>
-        <pc:picChg chg="add mod">
-          <ac:chgData name="Benjamin Payne" userId="S::benpayne@umbc.edu::b61ff11c-ba68-49af-b001-f9f234a6aca3" providerId="AD" clId="Web-{FB06842A-7310-AF24-66B5-7EC079319EB7}" dt="2018-09-03T23:27:52.153" v="1090" actId="1076"/>
-          <ac:picMkLst>
-            <pc:docMk/>
-            <pc:sldMk cId="2160123173" sldId="288"/>
-            <ac:picMk id="12" creationId="{372A647F-BCFD-4E63-87FB-7B074E995F4D}"/>
-          </ac:picMkLst>
-        </pc:picChg>
-      </pc:sldChg>
-      <pc:sldChg chg="addSp modSp">
-        <pc:chgData name="Benjamin Payne" userId="S::benpayne@umbc.edu::b61ff11c-ba68-49af-b001-f9f234a6aca3" providerId="AD" clId="Web-{FB06842A-7310-AF24-66B5-7EC079319EB7}" dt="2018-09-03T23:59:51.127" v="1649" actId="14100"/>
-        <pc:sldMkLst>
-          <pc:docMk/>
-          <pc:sldMk cId="3036437131" sldId="292"/>
-        </pc:sldMkLst>
-        <pc:spChg chg="add mod">
-          <ac:chgData name="Benjamin Payne" userId="S::benpayne@umbc.edu::b61ff11c-ba68-49af-b001-f9f234a6aca3" providerId="AD" clId="Web-{FB06842A-7310-AF24-66B5-7EC079319EB7}" dt="2018-09-03T23:59:51.127" v="1649" actId="14100"/>
-          <ac:spMkLst>
-            <pc:docMk/>
-            <pc:sldMk cId="3036437131" sldId="292"/>
-            <ac:spMk id="5" creationId="{B60F99AB-5AD4-45B4-8E11-583844CD23A1}"/>
-          </ac:spMkLst>
-        </pc:spChg>
-      </pc:sldChg>
-      <pc:sldChg chg="addSp delSp modSp">
-        <pc:chgData name="Benjamin Payne" userId="S::benpayne@umbc.edu::b61ff11c-ba68-49af-b001-f9f234a6aca3" providerId="AD" clId="Web-{FB06842A-7310-AF24-66B5-7EC079319EB7}" dt="2018-09-04T00:01:10.459" v="1666" actId="14100"/>
-        <pc:sldMkLst>
-          <pc:docMk/>
-          <pc:sldMk cId="3279861388" sldId="294"/>
-        </pc:sldMkLst>
-        <pc:spChg chg="add mod">
-          <ac:chgData name="Benjamin Payne" userId="S::benpayne@umbc.edu::b61ff11c-ba68-49af-b001-f9f234a6aca3" providerId="AD" clId="Web-{FB06842A-7310-AF24-66B5-7EC079319EB7}" dt="2018-09-04T00:01:10.459" v="1666" actId="14100"/>
-          <ac:spMkLst>
-            <pc:docMk/>
-            <pc:sldMk cId="3279861388" sldId="294"/>
-            <ac:spMk id="5" creationId="{0F6129D1-8CD5-4027-A112-43F3284C52D0}"/>
-          </ac:spMkLst>
-        </pc:spChg>
-        <pc:spChg chg="add del">
-          <ac:chgData name="Benjamin Payne" userId="S::benpayne@umbc.edu::b61ff11c-ba68-49af-b001-f9f234a6aca3" providerId="AD" clId="Web-{FB06842A-7310-AF24-66B5-7EC079319EB7}" dt="2018-09-04T00:00:34.176" v="1652"/>
-          <ac:spMkLst>
-            <pc:docMk/>
-            <pc:sldMk cId="3279861388" sldId="294"/>
-            <ac:spMk id="7" creationId="{303579B1-DDD9-4BBB-9433-A25650FA4506}"/>
-          </ac:spMkLst>
-        </pc:spChg>
-      </pc:sldChg>
-      <pc:sldChg chg="del">
-        <pc:chgData name="Benjamin Payne" userId="S::benpayne@umbc.edu::b61ff11c-ba68-49af-b001-f9f234a6aca3" providerId="AD" clId="Web-{FB06842A-7310-AF24-66B5-7EC079319EB7}" dt="2018-09-03T23:04:44.480" v="953"/>
-        <pc:sldMkLst>
-          <pc:docMk/>
-          <pc:sldMk cId="921011170" sldId="296"/>
-        </pc:sldMkLst>
-      </pc:sldChg>
-      <pc:sldChg chg="modSp">
-        <pc:chgData name="Benjamin Payne" userId="S::benpayne@umbc.edu::b61ff11c-ba68-49af-b001-f9f234a6aca3" providerId="AD" clId="Web-{FB06842A-7310-AF24-66B5-7EC079319EB7}" dt="2018-09-03T23:31:43.790" v="1125" actId="20577"/>
-        <pc:sldMkLst>
-          <pc:docMk/>
-          <pc:sldMk cId="3403740684" sldId="306"/>
-        </pc:sldMkLst>
-        <pc:spChg chg="mod">
-          <ac:chgData name="Benjamin Payne" userId="S::benpayne@umbc.edu::b61ff11c-ba68-49af-b001-f9f234a6aca3" providerId="AD" clId="Web-{FB06842A-7310-AF24-66B5-7EC079319EB7}" dt="2018-09-03T23:31:43.790" v="1125" actId="20577"/>
-          <ac:spMkLst>
-            <pc:docMk/>
-            <pc:sldMk cId="3403740684" sldId="306"/>
-            <ac:spMk id="3" creationId="{D7804E48-4B12-43FF-AE75-80D2BB079022}"/>
-          </ac:spMkLst>
-        </pc:spChg>
-      </pc:sldChg>
-      <pc:sldChg chg="modSp">
-        <pc:chgData name="Benjamin Payne" userId="S::benpayne@umbc.edu::b61ff11c-ba68-49af-b001-f9f234a6aca3" providerId="AD" clId="Web-{FB06842A-7310-AF24-66B5-7EC079319EB7}" dt="2018-09-03T22:10:14.853" v="303" actId="20577"/>
-        <pc:sldMkLst>
-          <pc:docMk/>
-          <pc:sldMk cId="3887352271" sldId="309"/>
-        </pc:sldMkLst>
-        <pc:spChg chg="mod">
-          <ac:chgData name="Benjamin Payne" userId="S::benpayne@umbc.edu::b61ff11c-ba68-49af-b001-f9f234a6aca3" providerId="AD" clId="Web-{FB06842A-7310-AF24-66B5-7EC079319EB7}" dt="2018-09-03T22:10:14.853" v="303" actId="20577"/>
-          <ac:spMkLst>
-            <pc:docMk/>
-            <pc:sldMk cId="3887352271" sldId="309"/>
-            <ac:spMk id="2" creationId="{F5449BFF-8292-4098-9E74-6785FBB69589}"/>
-          </ac:spMkLst>
-        </pc:spChg>
-      </pc:sldChg>
-      <pc:sldChg chg="addSp modSp">
-        <pc:chgData name="Benjamin Payne" userId="S::benpayne@umbc.edu::b61ff11c-ba68-49af-b001-f9f234a6aca3" providerId="AD" clId="Web-{FB06842A-7310-AF24-66B5-7EC079319EB7}" dt="2018-09-03T23:36:01.679" v="1137" actId="20577"/>
-        <pc:sldMkLst>
-          <pc:docMk/>
-          <pc:sldMk cId="4132940008" sldId="313"/>
-        </pc:sldMkLst>
-        <pc:spChg chg="mod">
-          <ac:chgData name="Benjamin Payne" userId="S::benpayne@umbc.edu::b61ff11c-ba68-49af-b001-f9f234a6aca3" providerId="AD" clId="Web-{FB06842A-7310-AF24-66B5-7EC079319EB7}" dt="2018-09-03T22:04:28.549" v="296" actId="20577"/>
-          <ac:spMkLst>
-            <pc:docMk/>
-            <pc:sldMk cId="4132940008" sldId="313"/>
-            <ac:spMk id="2" creationId="{97DBEB36-ED31-42E8-A7D7-4F2B9F703A00}"/>
-          </ac:spMkLst>
-        </pc:spChg>
-        <pc:spChg chg="mod">
-          <ac:chgData name="Benjamin Payne" userId="S::benpayne@umbc.edu::b61ff11c-ba68-49af-b001-f9f234a6aca3" providerId="AD" clId="Web-{FB06842A-7310-AF24-66B5-7EC079319EB7}" dt="2018-09-03T21:55:21.788" v="127" actId="20577"/>
-          <ac:spMkLst>
-            <pc:docMk/>
-            <pc:sldMk cId="4132940008" sldId="313"/>
-            <ac:spMk id="3" creationId="{DACB8026-C2D6-4B73-BB44-5FD76470F52E}"/>
-          </ac:spMkLst>
-        </pc:spChg>
-        <pc:spChg chg="add mod">
-          <ac:chgData name="Benjamin Payne" userId="S::benpayne@umbc.edu::b61ff11c-ba68-49af-b001-f9f234a6aca3" providerId="AD" clId="Web-{FB06842A-7310-AF24-66B5-7EC079319EB7}" dt="2018-09-03T23:36:01.679" v="1137" actId="20577"/>
-          <ac:spMkLst>
-            <pc:docMk/>
-            <pc:sldMk cId="4132940008" sldId="313"/>
-            <ac:spMk id="4" creationId="{F9C1FF5E-9633-4B4A-81D7-7A7884B9BB26}"/>
-          </ac:spMkLst>
-        </pc:spChg>
-      </pc:sldChg>
-      <pc:sldChg chg="addSp modSp modNotes">
-        <pc:chgData name="Benjamin Payne" userId="S::benpayne@umbc.edu::b61ff11c-ba68-49af-b001-f9f234a6aca3" providerId="AD" clId="Web-{FB06842A-7310-AF24-66B5-7EC079319EB7}" dt="2018-09-03T21:52:31.342" v="118" actId="1076"/>
-        <pc:sldMkLst>
-          <pc:docMk/>
-          <pc:sldMk cId="2806332869" sldId="317"/>
-        </pc:sldMkLst>
-        <pc:spChg chg="add mod">
-          <ac:chgData name="Benjamin Payne" userId="S::benpayne@umbc.edu::b61ff11c-ba68-49af-b001-f9f234a6aca3" providerId="AD" clId="Web-{FB06842A-7310-AF24-66B5-7EC079319EB7}" dt="2018-09-03T21:52:31.342" v="118" actId="1076"/>
-          <ac:spMkLst>
-            <pc:docMk/>
-            <pc:sldMk cId="2806332869" sldId="317"/>
-            <ac:spMk id="6" creationId="{B19F2F86-5F8B-488D-83B2-0C4D30580F02}"/>
-          </ac:spMkLst>
-        </pc:spChg>
-        <pc:picChg chg="add mod">
-          <ac:chgData name="Benjamin Payne" userId="S::benpayne@umbc.edu::b61ff11c-ba68-49af-b001-f9f234a6aca3" providerId="AD" clId="Web-{FB06842A-7310-AF24-66B5-7EC079319EB7}" dt="2018-09-03T21:51:00.195" v="110" actId="1076"/>
-          <ac:picMkLst>
-            <pc:docMk/>
-            <pc:sldMk cId="2806332869" sldId="317"/>
-            <ac:picMk id="4" creationId="{DC0651BE-CA67-43EA-BC30-532665B4676F}"/>
-          </ac:picMkLst>
-        </pc:picChg>
-      </pc:sldChg>
-      <pc:sldChg chg="modSp">
-        <pc:chgData name="Benjamin Payne" userId="S::benpayne@umbc.edu::b61ff11c-ba68-49af-b001-f9f234a6aca3" providerId="AD" clId="Web-{FB06842A-7310-AF24-66B5-7EC079319EB7}" dt="2018-09-03T21:48:03.264" v="94" actId="20577"/>
-        <pc:sldMkLst>
-          <pc:docMk/>
-          <pc:sldMk cId="2905888123" sldId="318"/>
-        </pc:sldMkLst>
-        <pc:spChg chg="mod">
-          <ac:chgData name="Benjamin Payne" userId="S::benpayne@umbc.edu::b61ff11c-ba68-49af-b001-f9f234a6aca3" providerId="AD" clId="Web-{FB06842A-7310-AF24-66B5-7EC079319EB7}" dt="2018-09-03T21:48:03.264" v="94" actId="20577"/>
-          <ac:spMkLst>
-            <pc:docMk/>
-            <pc:sldMk cId="2905888123" sldId="318"/>
-            <ac:spMk id="2" creationId="{A3406678-39F7-467A-9F9A-840ED4AEABEE}"/>
-          </ac:spMkLst>
-        </pc:spChg>
-        <pc:spChg chg="mod">
-          <ac:chgData name="Benjamin Payne" userId="S::benpayne@umbc.edu::b61ff11c-ba68-49af-b001-f9f234a6aca3" providerId="AD" clId="Web-{FB06842A-7310-AF24-66B5-7EC079319EB7}" dt="2018-09-03T21:47:10.837" v="67" actId="20577"/>
-          <ac:spMkLst>
-            <pc:docMk/>
-            <pc:sldMk cId="2905888123" sldId="318"/>
-            <ac:spMk id="3" creationId="{3141B279-B28A-42C7-BB6C-3F02BDDFCE85}"/>
-          </ac:spMkLst>
-        </pc:spChg>
-      </pc:sldChg>
-      <pc:sldChg chg="modSp new">
-        <pc:chgData name="Benjamin Payne" userId="S::benpayne@umbc.edu::b61ff11c-ba68-49af-b001-f9f234a6aca3" providerId="AD" clId="Web-{FB06842A-7310-AF24-66B5-7EC079319EB7}" dt="2018-09-03T23:20:36.208" v="1041" actId="20577"/>
-        <pc:sldMkLst>
-          <pc:docMk/>
-          <pc:sldMk cId="1298141798" sldId="319"/>
-        </pc:sldMkLst>
-        <pc:spChg chg="mod">
-          <ac:chgData name="Benjamin Payne" userId="S::benpayne@umbc.edu::b61ff11c-ba68-49af-b001-f9f234a6aca3" providerId="AD" clId="Web-{FB06842A-7310-AF24-66B5-7EC079319EB7}" dt="2018-09-03T23:18:48.607" v="1015" actId="20577"/>
-          <ac:spMkLst>
-            <pc:docMk/>
-            <pc:sldMk cId="1298141798" sldId="319"/>
-            <ac:spMk id="2" creationId="{D50A80CF-F0C0-49FB-BFEA-1F109EAE2BFA}"/>
-          </ac:spMkLst>
-        </pc:spChg>
-        <pc:spChg chg="mod">
-          <ac:chgData name="Benjamin Payne" userId="S::benpayne@umbc.edu::b61ff11c-ba68-49af-b001-f9f234a6aca3" providerId="AD" clId="Web-{FB06842A-7310-AF24-66B5-7EC079319EB7}" dt="2018-09-03T23:20:36.208" v="1041" actId="20577"/>
-          <ac:spMkLst>
-            <pc:docMk/>
-            <pc:sldMk cId="1298141798" sldId="319"/>
-            <ac:spMk id="3" creationId="{18D75B2E-E955-4F28-AE2C-AC0B2C5C6FF2}"/>
-          </ac:spMkLst>
-        </pc:spChg>
-      </pc:sldChg>
-      <pc:sldChg chg="modSp new">
-        <pc:chgData name="Benjamin Payne" userId="S::benpayne@umbc.edu::b61ff11c-ba68-49af-b001-f9f234a6aca3" providerId="AD" clId="Web-{FB06842A-7310-AF24-66B5-7EC079319EB7}" dt="2018-09-03T23:50:49.767" v="1391" actId="20577"/>
-        <pc:sldMkLst>
-          <pc:docMk/>
-          <pc:sldMk cId="2943628030" sldId="320"/>
-        </pc:sldMkLst>
-        <pc:spChg chg="mod">
-          <ac:chgData name="Benjamin Payne" userId="S::benpayne@umbc.edu::b61ff11c-ba68-49af-b001-f9f234a6aca3" providerId="AD" clId="Web-{FB06842A-7310-AF24-66B5-7EC079319EB7}" dt="2018-09-03T23:36:47.228" v="1147" actId="20577"/>
-          <ac:spMkLst>
-            <pc:docMk/>
-            <pc:sldMk cId="2943628030" sldId="320"/>
-            <ac:spMk id="2" creationId="{5283D9C6-F65F-4544-9CB9-CE7FC17CFB6C}"/>
-          </ac:spMkLst>
-        </pc:spChg>
-        <pc:spChg chg="mod">
-          <ac:chgData name="Benjamin Payne" userId="S::benpayne@umbc.edu::b61ff11c-ba68-49af-b001-f9f234a6aca3" providerId="AD" clId="Web-{FB06842A-7310-AF24-66B5-7EC079319EB7}" dt="2018-09-03T23:50:49.767" v="1391" actId="20577"/>
-          <ac:spMkLst>
-            <pc:docMk/>
-            <pc:sldMk cId="2943628030" sldId="320"/>
-            <ac:spMk id="3" creationId="{3BA1B4E3-24D3-4C5A-8A86-40F2BF4911CD}"/>
-          </ac:spMkLst>
-        </pc:spChg>
-      </pc:sldChg>
-      <pc:sldChg chg="modSp add replId">
-        <pc:chgData name="Benjamin Payne" userId="S::benpayne@umbc.edu::b61ff11c-ba68-49af-b001-f9f234a6aca3" providerId="AD" clId="Web-{FB06842A-7310-AF24-66B5-7EC079319EB7}" dt="2018-09-04T00:10:45.040" v="1683" actId="20577"/>
-        <pc:sldMkLst>
-          <pc:docMk/>
-          <pc:sldMk cId="959641883" sldId="321"/>
-        </pc:sldMkLst>
-        <pc:spChg chg="mod">
-          <ac:chgData name="Benjamin Payne" userId="S::benpayne@umbc.edu::b61ff11c-ba68-49af-b001-f9f234a6aca3" providerId="AD" clId="Web-{FB06842A-7310-AF24-66B5-7EC079319EB7}" dt="2018-09-04T00:10:45.040" v="1683" actId="20577"/>
-          <ac:spMkLst>
-            <pc:docMk/>
-            <pc:sldMk cId="959641883" sldId="321"/>
-            <ac:spMk id="3" creationId="{3BA1B4E3-24D3-4C5A-8A86-40F2BF4911CD}"/>
-          </ac:spMkLst>
-        </pc:spChg>
-      </pc:sldChg>
-      <pc:sldChg chg="modSp new">
-        <pc:chgData name="Benjamin Payne" userId="S::benpayne@umbc.edu::b61ff11c-ba68-49af-b001-f9f234a6aca3" providerId="AD" clId="Web-{FB06842A-7310-AF24-66B5-7EC079319EB7}" dt="2018-09-03T23:50:28.376" v="1379" actId="20577"/>
-        <pc:sldMkLst>
-          <pc:docMk/>
-          <pc:sldMk cId="2959156538" sldId="322"/>
-        </pc:sldMkLst>
-        <pc:spChg chg="mod">
-          <ac:chgData name="Benjamin Payne" userId="S::benpayne@umbc.edu::b61ff11c-ba68-49af-b001-f9f234a6aca3" providerId="AD" clId="Web-{FB06842A-7310-AF24-66B5-7EC079319EB7}" dt="2018-09-03T23:42:50.456" v="1331" actId="20577"/>
-          <ac:spMkLst>
-            <pc:docMk/>
-            <pc:sldMk cId="2959156538" sldId="322"/>
-            <ac:spMk id="2" creationId="{19C8AA9B-F3BE-4A79-9D2E-891BDA16FC5D}"/>
-          </ac:spMkLst>
-        </pc:spChg>
-        <pc:spChg chg="mod">
-          <ac:chgData name="Benjamin Payne" userId="S::benpayne@umbc.edu::b61ff11c-ba68-49af-b001-f9f234a6aca3" providerId="AD" clId="Web-{FB06842A-7310-AF24-66B5-7EC079319EB7}" dt="2018-09-03T23:50:28.376" v="1379" actId="20577"/>
-          <ac:spMkLst>
-            <pc:docMk/>
-            <pc:sldMk cId="2959156538" sldId="322"/>
-            <ac:spMk id="3" creationId="{C3841459-FAD5-4DA1-849E-EC5BC0C8C171}"/>
-          </ac:spMkLst>
-        </pc:spChg>
-      </pc:sldChg>
-      <pc:sldChg chg="modSp add replId">
-        <pc:chgData name="Benjamin Payne" userId="S::benpayne@umbc.edu::b61ff11c-ba68-49af-b001-f9f234a6aca3" providerId="AD" clId="Web-{FB06842A-7310-AF24-66B5-7EC079319EB7}" dt="2018-09-04T00:21:48.999" v="1808" actId="20577"/>
-        <pc:sldMkLst>
-          <pc:docMk/>
-          <pc:sldMk cId="2541836068" sldId="323"/>
-        </pc:sldMkLst>
-        <pc:spChg chg="mod">
-          <ac:chgData name="Benjamin Payne" userId="S::benpayne@umbc.edu::b61ff11c-ba68-49af-b001-f9f234a6aca3" providerId="AD" clId="Web-{FB06842A-7310-AF24-66B5-7EC079319EB7}" dt="2018-09-04T00:21:40.202" v="1805" actId="20577"/>
-          <ac:spMkLst>
-            <pc:docMk/>
-            <pc:sldMk cId="2541836068" sldId="323"/>
-            <ac:spMk id="2" creationId="{3E9832BB-0B87-4A12-A6B6-3936A91BA5F8}"/>
-          </ac:spMkLst>
-        </pc:spChg>
-        <pc:spChg chg="mod">
-          <ac:chgData name="Benjamin Payne" userId="S::benpayne@umbc.edu::b61ff11c-ba68-49af-b001-f9f234a6aca3" providerId="AD" clId="Web-{FB06842A-7310-AF24-66B5-7EC079319EB7}" dt="2018-09-04T00:21:48.999" v="1808" actId="20577"/>
-          <ac:spMkLst>
-            <pc:docMk/>
-            <pc:sldMk cId="2541836068" sldId="323"/>
-            <ac:spMk id="3" creationId="{7521322D-3F2A-42B7-B8DD-7DB8778D4CD3}"/>
-          </ac:spMkLst>
-        </pc:spChg>
-      </pc:sldChg>
-    </pc:docChg>
-  </pc:docChgLst>
-  <pc:docChgLst>
-    <pc:chgData name="Benjamin Payne" userId="S::benpayne@umbc.edu::b61ff11c-ba68-49af-b001-f9f234a6aca3" providerId="AD" clId="Web-{4FA5FEA7-1B5C-65C4-26BF-15612B02B442}"/>
-    <pc:docChg chg="addSld modSld">
-      <pc:chgData name="Benjamin Payne" userId="S::benpayne@umbc.edu::b61ff11c-ba68-49af-b001-f9f234a6aca3" providerId="AD" clId="Web-{4FA5FEA7-1B5C-65C4-26BF-15612B02B442}" dt="2018-08-25T19:53:01.145" v="13" actId="20577"/>
-      <pc:docMkLst>
-        <pc:docMk/>
-      </pc:docMkLst>
-      <pc:sldChg chg="modSp new">
-        <pc:chgData name="Benjamin Payne" userId="S::benpayne@umbc.edu::b61ff11c-ba68-49af-b001-f9f234a6aca3" providerId="AD" clId="Web-{4FA5FEA7-1B5C-65C4-26BF-15612B02B442}" dt="2018-08-25T19:52:57.895" v="11" actId="20577"/>
-        <pc:sldMkLst>
-          <pc:docMk/>
-          <pc:sldMk cId="1777384071" sldId="274"/>
-        </pc:sldMkLst>
-        <pc:spChg chg="mod">
-          <ac:chgData name="Benjamin Payne" userId="S::benpayne@umbc.edu::b61ff11c-ba68-49af-b001-f9f234a6aca3" providerId="AD" clId="Web-{4FA5FEA7-1B5C-65C4-26BF-15612B02B442}" dt="2018-08-25T19:52:57.895" v="11" actId="20577"/>
-          <ac:spMkLst>
-            <pc:docMk/>
-            <pc:sldMk cId="1777384071" sldId="274"/>
-            <ac:spMk id="2" creationId="{4BC91E34-1F79-4BFD-9A96-C49CF47C834C}"/>
-          </ac:spMkLst>
-        </pc:spChg>
-      </pc:sldChg>
-    </pc:docChg>
-  </pc:docChgLst>
-  <pc:docChgLst>
-    <pc:chgData name="Benjamin Payne" userId="S::benpayne@umbc.edu::b61ff11c-ba68-49af-b001-f9f234a6aca3" providerId="AD" clId="Web-{AE85E72D-B3B7-B89C-AF9C-3A3C8D3BD1E1}"/>
-    <pc:docChg chg="addSld modSld">
-      <pc:chgData name="Benjamin Payne" userId="S::benpayne@umbc.edu::b61ff11c-ba68-49af-b001-f9f234a6aca3" providerId="AD" clId="Web-{AE85E72D-B3B7-B89C-AF9C-3A3C8D3BD1E1}" dt="2018-08-18T12:26:57.241" v="781"/>
-      <pc:docMkLst>
-        <pc:docMk/>
-      </pc:docMkLst>
-      <pc:sldChg chg="modSp">
-        <pc:chgData name="Benjamin Payne" userId="S::benpayne@umbc.edu::b61ff11c-ba68-49af-b001-f9f234a6aca3" providerId="AD" clId="Web-{AE85E72D-B3B7-B89C-AF9C-3A3C8D3BD1E1}" dt="2018-08-18T11:58:20.891" v="112" actId="20577"/>
-        <pc:sldMkLst>
-          <pc:docMk/>
-          <pc:sldMk cId="3915717569" sldId="282"/>
-        </pc:sldMkLst>
-        <pc:spChg chg="mod">
-          <ac:chgData name="Benjamin Payne" userId="S::benpayne@umbc.edu::b61ff11c-ba68-49af-b001-f9f234a6aca3" providerId="AD" clId="Web-{AE85E72D-B3B7-B89C-AF9C-3A3C8D3BD1E1}" dt="2018-08-18T11:58:20.891" v="112" actId="20577"/>
-          <ac:spMkLst>
-            <pc:docMk/>
-            <pc:sldMk cId="3915717569" sldId="282"/>
-            <ac:spMk id="3" creationId="{DC5B9FEB-0F53-4009-8F02-028EFF58FE0B}"/>
-          </ac:spMkLst>
-        </pc:spChg>
-      </pc:sldChg>
-      <pc:sldChg chg="addSp modSp mod modClrScheme chgLayout">
-        <pc:chgData name="Benjamin Payne" userId="S::benpayne@umbc.edu::b61ff11c-ba68-49af-b001-f9f234a6aca3" providerId="AD" clId="Web-{AE85E72D-B3B7-B89C-AF9C-3A3C8D3BD1E1}" dt="2018-08-18T12:11:20.545" v="336" actId="20577"/>
-        <pc:sldMkLst>
-          <pc:docMk/>
-          <pc:sldMk cId="1316053804" sldId="283"/>
-        </pc:sldMkLst>
-        <pc:spChg chg="mod ord">
-          <ac:chgData name="Benjamin Payne" userId="S::benpayne@umbc.edu::b61ff11c-ba68-49af-b001-f9f234a6aca3" providerId="AD" clId="Web-{AE85E72D-B3B7-B89C-AF9C-3A3C8D3BD1E1}" dt="2018-08-18T11:59:30.956" v="170"/>
-          <ac:spMkLst>
-            <pc:docMk/>
-            <pc:sldMk cId="1316053804" sldId="283"/>
-            <ac:spMk id="2" creationId="{B7331B4F-3F96-44C4-890A-C3C103ED3915}"/>
-          </ac:spMkLst>
-        </pc:spChg>
-        <pc:spChg chg="mod ord">
-          <ac:chgData name="Benjamin Payne" userId="S::benpayne@umbc.edu::b61ff11c-ba68-49af-b001-f9f234a6aca3" providerId="AD" clId="Web-{AE85E72D-B3B7-B89C-AF9C-3A3C8D3BD1E1}" dt="2018-08-18T12:11:20.545" v="336" actId="20577"/>
-          <ac:spMkLst>
-            <pc:docMk/>
-            <pc:sldMk cId="1316053804" sldId="283"/>
-            <ac:spMk id="3" creationId="{E99E1B89-FFE2-4D51-8F92-85A774213868}"/>
-          </ac:spMkLst>
-        </pc:spChg>
-        <pc:spChg chg="add mod ord">
-          <ac:chgData name="Benjamin Payne" userId="S::benpayne@umbc.edu::b61ff11c-ba68-49af-b001-f9f234a6aca3" providerId="AD" clId="Web-{AE85E72D-B3B7-B89C-AF9C-3A3C8D3BD1E1}" dt="2018-08-18T12:08:34.773" v="335" actId="20577"/>
-          <ac:spMkLst>
-            <pc:docMk/>
-            <pc:sldMk cId="1316053804" sldId="283"/>
-            <ac:spMk id="4" creationId="{247099E7-9E25-484C-95AE-6B82A119B5B0}"/>
-          </ac:spMkLst>
-        </pc:spChg>
-      </pc:sldChg>
-      <pc:sldChg chg="addSp modSp new modNotes">
-        <pc:chgData name="Benjamin Payne" userId="S::benpayne@umbc.edu::b61ff11c-ba68-49af-b001-f9f234a6aca3" providerId="AD" clId="Web-{AE85E72D-B3B7-B89C-AF9C-3A3C8D3BD1E1}" dt="2018-08-18T12:21:24.256" v="608" actId="20577"/>
-        <pc:sldMkLst>
-          <pc:docMk/>
-          <pc:sldMk cId="3220581953" sldId="287"/>
-        </pc:sldMkLst>
-        <pc:spChg chg="mod">
-          <ac:chgData name="Benjamin Payne" userId="S::benpayne@umbc.edu::b61ff11c-ba68-49af-b001-f9f234a6aca3" providerId="AD" clId="Web-{AE85E72D-B3B7-B89C-AF9C-3A3C8D3BD1E1}" dt="2018-08-18T12:21:24.256" v="608" actId="20577"/>
-          <ac:spMkLst>
-            <pc:docMk/>
-            <pc:sldMk cId="3220581953" sldId="287"/>
-            <ac:spMk id="2" creationId="{C35CA1C4-9151-424E-B04D-9108E4B892A2}"/>
-          </ac:spMkLst>
-        </pc:spChg>
-        <pc:spChg chg="mod">
-          <ac:chgData name="Benjamin Payne" userId="S::benpayne@umbc.edu::b61ff11c-ba68-49af-b001-f9f234a6aca3" providerId="AD" clId="Web-{AE85E72D-B3B7-B89C-AF9C-3A3C8D3BD1E1}" dt="2018-08-18T12:21:15.959" v="605" actId="1076"/>
-          <ac:spMkLst>
-            <pc:docMk/>
-            <pc:sldMk cId="3220581953" sldId="287"/>
-            <ac:spMk id="3" creationId="{E1055E2D-A790-4304-A1AC-1698727C2BF2}"/>
-          </ac:spMkLst>
-        </pc:spChg>
-        <pc:spChg chg="add mod">
-          <ac:chgData name="Benjamin Payne" userId="S::benpayne@umbc.edu::b61ff11c-ba68-49af-b001-f9f234a6aca3" providerId="AD" clId="Web-{AE85E72D-B3B7-B89C-AF9C-3A3C8D3BD1E1}" dt="2018-08-18T12:17:45.356" v="468" actId="1076"/>
-          <ac:spMkLst>
-            <pc:docMk/>
-            <pc:sldMk cId="3220581953" sldId="287"/>
-            <ac:spMk id="6" creationId="{D1771F45-E9D4-419E-BBD8-75A8A081BC34}"/>
-          </ac:spMkLst>
-        </pc:spChg>
-        <pc:picChg chg="add mod">
-          <ac:chgData name="Benjamin Payne" userId="S::benpayne@umbc.edu::b61ff11c-ba68-49af-b001-f9f234a6aca3" providerId="AD" clId="Web-{AE85E72D-B3B7-B89C-AF9C-3A3C8D3BD1E1}" dt="2018-08-18T12:17:07.369" v="453" actId="1076"/>
-          <ac:picMkLst>
-            <pc:docMk/>
-            <pc:sldMk cId="3220581953" sldId="287"/>
-            <ac:picMk id="4" creationId="{A1B146A0-FD7D-40F4-80A4-753E5D563307}"/>
-          </ac:picMkLst>
-        </pc:picChg>
-      </pc:sldChg>
-      <pc:sldChg chg="delSp modSp add replId modNotes">
-        <pc:chgData name="Benjamin Payne" userId="S::benpayne@umbc.edu::b61ff11c-ba68-49af-b001-f9f234a6aca3" providerId="AD" clId="Web-{AE85E72D-B3B7-B89C-AF9C-3A3C8D3BD1E1}" dt="2018-08-18T12:26:57.241" v="781"/>
-        <pc:sldMkLst>
-          <pc:docMk/>
-          <pc:sldMk cId="1508720486" sldId="288"/>
-        </pc:sldMkLst>
-        <pc:spChg chg="mod">
-          <ac:chgData name="Benjamin Payne" userId="S::benpayne@umbc.edu::b61ff11c-ba68-49af-b001-f9f234a6aca3" providerId="AD" clId="Web-{AE85E72D-B3B7-B89C-AF9C-3A3C8D3BD1E1}" dt="2018-08-18T12:19:14.545" v="521" actId="20577"/>
-          <ac:spMkLst>
-            <pc:docMk/>
-            <pc:sldMk cId="1508720486" sldId="288"/>
-            <ac:spMk id="2" creationId="{C35CA1C4-9151-424E-B04D-9108E4B892A2}"/>
-          </ac:spMkLst>
-        </pc:spChg>
-        <pc:spChg chg="mod">
-          <ac:chgData name="Benjamin Payne" userId="S::benpayne@umbc.edu::b61ff11c-ba68-49af-b001-f9f234a6aca3" providerId="AD" clId="Web-{AE85E72D-B3B7-B89C-AF9C-3A3C8D3BD1E1}" dt="2018-08-18T12:26:47.850" v="770" actId="20577"/>
-          <ac:spMkLst>
-            <pc:docMk/>
-            <pc:sldMk cId="1508720486" sldId="288"/>
-            <ac:spMk id="3" creationId="{E1055E2D-A790-4304-A1AC-1698727C2BF2}"/>
-          </ac:spMkLst>
-        </pc:spChg>
-        <pc:spChg chg="del">
-          <ac:chgData name="Benjamin Payne" userId="S::benpayne@umbc.edu::b61ff11c-ba68-49af-b001-f9f234a6aca3" providerId="AD" clId="Web-{AE85E72D-B3B7-B89C-AF9C-3A3C8D3BD1E1}" dt="2018-08-18T12:18:13.580" v="471"/>
-          <ac:spMkLst>
-            <pc:docMk/>
-            <pc:sldMk cId="1508720486" sldId="288"/>
-            <ac:spMk id="6" creationId="{D1771F45-E9D4-419E-BBD8-75A8A081BC34}"/>
-          </ac:spMkLst>
-        </pc:spChg>
-      </pc:sldChg>
-      <pc:sldChg chg="delSp modSp add replId">
-        <pc:chgData name="Benjamin Payne" userId="S::benpayne@umbc.edu::b61ff11c-ba68-49af-b001-f9f234a6aca3" providerId="AD" clId="Web-{AE85E72D-B3B7-B89C-AF9C-3A3C8D3BD1E1}" dt="2018-08-18T12:19:50.828" v="550" actId="20577"/>
-        <pc:sldMkLst>
-          <pc:docMk/>
-          <pc:sldMk cId="1442927395" sldId="289"/>
-        </pc:sldMkLst>
-        <pc:spChg chg="mod">
-          <ac:chgData name="Benjamin Payne" userId="S::benpayne@umbc.edu::b61ff11c-ba68-49af-b001-f9f234a6aca3" providerId="AD" clId="Web-{AE85E72D-B3B7-B89C-AF9C-3A3C8D3BD1E1}" dt="2018-08-18T12:19:50.828" v="550" actId="20577"/>
-          <ac:spMkLst>
-            <pc:docMk/>
-            <pc:sldMk cId="1442927395" sldId="289"/>
-            <ac:spMk id="2" creationId="{C35CA1C4-9151-424E-B04D-9108E4B892A2}"/>
-          </ac:spMkLst>
-        </pc:spChg>
-        <pc:spChg chg="mod">
-          <ac:chgData name="Benjamin Payne" userId="S::benpayne@umbc.edu::b61ff11c-ba68-49af-b001-f9f234a6aca3" providerId="AD" clId="Web-{AE85E72D-B3B7-B89C-AF9C-3A3C8D3BD1E1}" dt="2018-08-18T12:19:43.531" v="544" actId="20577"/>
-          <ac:spMkLst>
-            <pc:docMk/>
-            <pc:sldMk cId="1442927395" sldId="289"/>
-            <ac:spMk id="3" creationId="{E1055E2D-A790-4304-A1AC-1698727C2BF2}"/>
-          </ac:spMkLst>
-        </pc:spChg>
-        <pc:picChg chg="del">
-          <ac:chgData name="Benjamin Payne" userId="S::benpayne@umbc.edu::b61ff11c-ba68-49af-b001-f9f234a6aca3" providerId="AD" clId="Web-{AE85E72D-B3B7-B89C-AF9C-3A3C8D3BD1E1}" dt="2018-08-18T12:19:20.998" v="524"/>
-          <ac:picMkLst>
-            <pc:docMk/>
-            <pc:sldMk cId="1442927395" sldId="289"/>
-            <ac:picMk id="4" creationId="{A1B146A0-FD7D-40F4-80A4-753E5D563307}"/>
-          </ac:picMkLst>
-        </pc:picChg>
-      </pc:sldChg>
-      <pc:sldChg chg="modSp add replId">
-        <pc:chgData name="Benjamin Payne" userId="S::benpayne@umbc.edu::b61ff11c-ba68-49af-b001-f9f234a6aca3" providerId="AD" clId="Web-{AE85E72D-B3B7-B89C-AF9C-3A3C8D3BD1E1}" dt="2018-08-18T12:20:08.828" v="561" actId="20577"/>
-        <pc:sldMkLst>
-          <pc:docMk/>
-          <pc:sldMk cId="3579465122" sldId="290"/>
-        </pc:sldMkLst>
-        <pc:spChg chg="mod">
-          <ac:chgData name="Benjamin Payne" userId="S::benpayne@umbc.edu::b61ff11c-ba68-49af-b001-f9f234a6aca3" providerId="AD" clId="Web-{AE85E72D-B3B7-B89C-AF9C-3A3C8D3BD1E1}" dt="2018-08-18T12:20:08.828" v="561" actId="20577"/>
-          <ac:spMkLst>
-            <pc:docMk/>
-            <pc:sldMk cId="3579465122" sldId="290"/>
-            <ac:spMk id="2" creationId="{C35CA1C4-9151-424E-B04D-9108E4B892A2}"/>
-          </ac:spMkLst>
-        </pc:spChg>
-      </pc:sldChg>
-    </pc:docChg>
-  </pc:docChgLst>
-  <pc:docChgLst>
-    <pc:chgData name="Benjamin Payne" userId="S::benpayne@umbc.edu::b61ff11c-ba68-49af-b001-f9f234a6aca3" providerId="AD" clId="Web-{F25B9E84-B307-5126-D333-3361857D1C84}"/>
-    <pc:docChg chg="modSld sldOrd">
-      <pc:chgData name="Benjamin Payne" userId="S::benpayne@umbc.edu::b61ff11c-ba68-49af-b001-f9f234a6aca3" providerId="AD" clId="Web-{F25B9E84-B307-5126-D333-3361857D1C84}" dt="2018-09-04T11:59:26.146" v="12" actId="20577"/>
-      <pc:docMkLst>
-        <pc:docMk/>
-      </pc:docMkLst>
-      <pc:sldChg chg="addSp modSp">
-        <pc:chgData name="Benjamin Payne" userId="S::benpayne@umbc.edu::b61ff11c-ba68-49af-b001-f9f234a6aca3" providerId="AD" clId="Web-{F25B9E84-B307-5126-D333-3361857D1C84}" dt="2018-09-04T11:59:13.880" v="10" actId="20577"/>
-        <pc:sldMkLst>
-          <pc:docMk/>
-          <pc:sldMk cId="1501705857" sldId="275"/>
-        </pc:sldMkLst>
-        <pc:spChg chg="add mod">
-          <ac:chgData name="Benjamin Payne" userId="S::benpayne@umbc.edu::b61ff11c-ba68-49af-b001-f9f234a6aca3" providerId="AD" clId="Web-{F25B9E84-B307-5126-D333-3361857D1C84}" dt="2018-09-04T11:59:13.880" v="10" actId="20577"/>
-          <ac:spMkLst>
-            <pc:docMk/>
-            <pc:sldMk cId="1501705857" sldId="275"/>
-            <ac:spMk id="6" creationId="{CF844688-7239-4EE8-BFA1-15FB9FC26F65}"/>
-          </ac:spMkLst>
-        </pc:spChg>
-      </pc:sldChg>
-      <pc:sldChg chg="ord">
-        <pc:chgData name="Benjamin Payne" userId="S::benpayne@umbc.edu::b61ff11c-ba68-49af-b001-f9f234a6aca3" providerId="AD" clId="Web-{F25B9E84-B307-5126-D333-3361857D1C84}" dt="2018-09-04T11:58:12.958" v="0"/>
-        <pc:sldMkLst>
-          <pc:docMk/>
-          <pc:sldMk cId="604767135" sldId="324"/>
-        </pc:sldMkLst>
-      </pc:sldChg>
-    </pc:docChg>
-  </pc:docChgLst>
-  <pc:docChgLst>
-    <pc:chgData name="Benjamin Payne" userId="S::benpayne@umbc.edu::b61ff11c-ba68-49af-b001-f9f234a6aca3" providerId="AD" clId="Web-{A48E44A3-B43B-DFDD-F9C3-B7C759E7D81F}"/>
-    <pc:docChg chg="addSld modSld">
-      <pc:chgData name="Benjamin Payne" userId="S::benpayne@umbc.edu::b61ff11c-ba68-49af-b001-f9f234a6aca3" providerId="AD" clId="Web-{A48E44A3-B43B-DFDD-F9C3-B7C759E7D81F}" dt="2018-09-02T15:57:56.279" v="544" actId="20577"/>
-      <pc:docMkLst>
-        <pc:docMk/>
-      </pc:docMkLst>
-      <pc:sldChg chg="addSp modSp">
-        <pc:chgData name="Benjamin Payne" userId="S::benpayne@umbc.edu::b61ff11c-ba68-49af-b001-f9f234a6aca3" providerId="AD" clId="Web-{A48E44A3-B43B-DFDD-F9C3-B7C759E7D81F}" dt="2018-09-02T15:54:37.195" v="536" actId="20577"/>
-        <pc:sldMkLst>
-          <pc:docMk/>
-          <pc:sldMk cId="2391544709" sldId="257"/>
-        </pc:sldMkLst>
-        <pc:spChg chg="mod">
-          <ac:chgData name="Benjamin Payne" userId="S::benpayne@umbc.edu::b61ff11c-ba68-49af-b001-f9f234a6aca3" providerId="AD" clId="Web-{A48E44A3-B43B-DFDD-F9C3-B7C759E7D81F}" dt="2018-09-02T15:41:33.463" v="527" actId="20577"/>
-          <ac:spMkLst>
-            <pc:docMk/>
-            <pc:sldMk cId="2391544709" sldId="257"/>
-            <ac:spMk id="3" creationId="{4C4C9BEA-E1D0-4140-92A5-5781E2EC6EC6}"/>
-          </ac:spMkLst>
-        </pc:spChg>
-        <pc:spChg chg="add mod">
-          <ac:chgData name="Benjamin Payne" userId="S::benpayne@umbc.edu::b61ff11c-ba68-49af-b001-f9f234a6aca3" providerId="AD" clId="Web-{A48E44A3-B43B-DFDD-F9C3-B7C759E7D81F}" dt="2018-09-02T15:54:37.195" v="536" actId="20577"/>
-          <ac:spMkLst>
-            <pc:docMk/>
-            <pc:sldMk cId="2391544709" sldId="257"/>
-            <ac:spMk id="4" creationId="{E9FB9F6D-EA27-4782-8CA5-8BB03D51B4F3}"/>
-          </ac:spMkLst>
-        </pc:spChg>
-      </pc:sldChg>
-      <pc:sldChg chg="modSp">
-        <pc:chgData name="Benjamin Payne" userId="S::benpayne@umbc.edu::b61ff11c-ba68-49af-b001-f9f234a6aca3" providerId="AD" clId="Web-{A48E44A3-B43B-DFDD-F9C3-B7C759E7D81F}" dt="2018-09-02T15:54:50.555" v="542" actId="20577"/>
-        <pc:sldMkLst>
-          <pc:docMk/>
-          <pc:sldMk cId="1147460063" sldId="260"/>
-        </pc:sldMkLst>
-        <pc:spChg chg="mod">
-          <ac:chgData name="Benjamin Payne" userId="S::benpayne@umbc.edu::b61ff11c-ba68-49af-b001-f9f234a6aca3" providerId="AD" clId="Web-{A48E44A3-B43B-DFDD-F9C3-B7C759E7D81F}" dt="2018-09-02T15:54:50.555" v="542" actId="20577"/>
-          <ac:spMkLst>
-            <pc:docMk/>
-            <pc:sldMk cId="1147460063" sldId="260"/>
-            <ac:spMk id="3" creationId="{92A49F72-7645-4E9E-86D3-6DEE1ACF4D86}"/>
-          </ac:spMkLst>
-        </pc:spChg>
-      </pc:sldChg>
-      <pc:sldChg chg="addSp modSp mod setBg modNotes">
-        <pc:chgData name="Benjamin Payne" userId="S::benpayne@umbc.edu::b61ff11c-ba68-49af-b001-f9f234a6aca3" providerId="AD" clId="Web-{A48E44A3-B43B-DFDD-F9C3-B7C759E7D81F}" dt="2018-09-02T15:10:10.432" v="34" actId="14100"/>
-        <pc:sldMkLst>
-          <pc:docMk/>
-          <pc:sldMk cId="4063999364" sldId="283"/>
-        </pc:sldMkLst>
-        <pc:spChg chg="mod">
-          <ac:chgData name="Benjamin Payne" userId="S::benpayne@umbc.edu::b61ff11c-ba68-49af-b001-f9f234a6aca3" providerId="AD" clId="Web-{A48E44A3-B43B-DFDD-F9C3-B7C759E7D81F}" dt="2018-09-02T15:08:56.616" v="16"/>
-          <ac:spMkLst>
-            <pc:docMk/>
-            <pc:sldMk cId="4063999364" sldId="283"/>
-            <ac:spMk id="2" creationId="{EDEBD44E-9089-44FB-8853-95AD3CFCCE35}"/>
-          </ac:spMkLst>
-        </pc:spChg>
-        <pc:spChg chg="mod">
-          <ac:chgData name="Benjamin Payne" userId="S::benpayne@umbc.edu::b61ff11c-ba68-49af-b001-f9f234a6aca3" providerId="AD" clId="Web-{A48E44A3-B43B-DFDD-F9C3-B7C759E7D81F}" dt="2018-09-02T15:10:10.432" v="34" actId="14100"/>
-          <ac:spMkLst>
-            <pc:docMk/>
-            <pc:sldMk cId="4063999364" sldId="283"/>
-            <ac:spMk id="3" creationId="{CF77E521-6AB3-4E09-8AB0-C162C0224E24}"/>
-          </ac:spMkLst>
-        </pc:spChg>
-        <pc:picChg chg="add mod">
-          <ac:chgData name="Benjamin Payne" userId="S::benpayne@umbc.edu::b61ff11c-ba68-49af-b001-f9f234a6aca3" providerId="AD" clId="Web-{A48E44A3-B43B-DFDD-F9C3-B7C759E7D81F}" dt="2018-09-02T15:08:56.616" v="16"/>
-          <ac:picMkLst>
-            <pc:docMk/>
-            <pc:sldMk cId="4063999364" sldId="283"/>
-            <ac:picMk id="4" creationId="{A0867CE7-D83F-4290-8C30-745A46A7E7C7}"/>
-          </ac:picMkLst>
-        </pc:picChg>
-        <pc:cxnChg chg="add">
-          <ac:chgData name="Benjamin Payne" userId="S::benpayne@umbc.edu::b61ff11c-ba68-49af-b001-f9f234a6aca3" providerId="AD" clId="Web-{A48E44A3-B43B-DFDD-F9C3-B7C759E7D81F}" dt="2018-09-02T15:08:56.616" v="16"/>
-          <ac:cxnSpMkLst>
-            <pc:docMk/>
-            <pc:sldMk cId="4063999364" sldId="283"/>
-            <ac:cxnSpMk id="9" creationId="{E4A809D5-3600-46D4-A466-67F2349A54FB}"/>
-          </ac:cxnSpMkLst>
-        </pc:cxnChg>
-      </pc:sldChg>
-      <pc:sldChg chg="addSp modSp">
-        <pc:chgData name="Benjamin Payne" userId="S::benpayne@umbc.edu::b61ff11c-ba68-49af-b001-f9f234a6aca3" providerId="AD" clId="Web-{A48E44A3-B43B-DFDD-F9C3-B7C759E7D81F}" dt="2018-09-02T15:12:55.138" v="66" actId="20577"/>
-        <pc:sldMkLst>
-          <pc:docMk/>
-          <pc:sldMk cId="2862469523" sldId="305"/>
-        </pc:sldMkLst>
-        <pc:spChg chg="mod">
-          <ac:chgData name="Benjamin Payne" userId="S::benpayne@umbc.edu::b61ff11c-ba68-49af-b001-f9f234a6aca3" providerId="AD" clId="Web-{A48E44A3-B43B-DFDD-F9C3-B7C759E7D81F}" dt="2018-09-02T15:10:55.359" v="38" actId="20577"/>
-          <ac:spMkLst>
-            <pc:docMk/>
-            <pc:sldMk cId="2862469523" sldId="305"/>
-            <ac:spMk id="3" creationId="{EE6D4ABF-3904-4D97-8393-7111F17BC260}"/>
-          </ac:spMkLst>
-        </pc:spChg>
-        <pc:spChg chg="add mod">
-          <ac:chgData name="Benjamin Payne" userId="S::benpayne@umbc.edu::b61ff11c-ba68-49af-b001-f9f234a6aca3" providerId="AD" clId="Web-{A48E44A3-B43B-DFDD-F9C3-B7C759E7D81F}" dt="2018-09-02T15:12:55.138" v="66" actId="20577"/>
-          <ac:spMkLst>
-            <pc:docMk/>
-            <pc:sldMk cId="2862469523" sldId="305"/>
-            <ac:spMk id="5" creationId="{1C7ABA02-6F38-4D38-BF89-6C7A53F88AFB}"/>
-          </ac:spMkLst>
-        </pc:spChg>
-      </pc:sldChg>
-      <pc:sldChg chg="addSp modSp">
-        <pc:chgData name="Benjamin Payne" userId="S::benpayne@umbc.edu::b61ff11c-ba68-49af-b001-f9f234a6aca3" providerId="AD" clId="Web-{A48E44A3-B43B-DFDD-F9C3-B7C759E7D81F}" dt="2018-09-02T15:12:31.052" v="57" actId="1076"/>
-        <pc:sldMkLst>
-          <pc:docMk/>
-          <pc:sldMk cId="3403740684" sldId="306"/>
-        </pc:sldMkLst>
-        <pc:spChg chg="add mod">
-          <ac:chgData name="Benjamin Payne" userId="S::benpayne@umbc.edu::b61ff11c-ba68-49af-b001-f9f234a6aca3" providerId="AD" clId="Web-{A48E44A3-B43B-DFDD-F9C3-B7C759E7D81F}" dt="2018-09-02T15:12:31.052" v="57" actId="1076"/>
-          <ac:spMkLst>
-            <pc:docMk/>
-            <pc:sldMk cId="3403740684" sldId="306"/>
-            <ac:spMk id="4" creationId="{0EC7ECE4-1153-4EEA-B33A-CA260B283CF3}"/>
-          </ac:spMkLst>
-        </pc:spChg>
-      </pc:sldChg>
-      <pc:sldChg chg="modSp new">
-        <pc:chgData name="Benjamin Payne" userId="S::benpayne@umbc.edu::b61ff11c-ba68-49af-b001-f9f234a6aca3" providerId="AD" clId="Web-{A48E44A3-B43B-DFDD-F9C3-B7C759E7D81F}" dt="2018-09-02T15:35:39.391" v="520" actId="20577"/>
-        <pc:sldMkLst>
-          <pc:docMk/>
-          <pc:sldMk cId="3887352271" sldId="309"/>
-        </pc:sldMkLst>
-        <pc:spChg chg="mod">
-          <ac:chgData name="Benjamin Payne" userId="S::benpayne@umbc.edu::b61ff11c-ba68-49af-b001-f9f234a6aca3" providerId="AD" clId="Web-{A48E44A3-B43B-DFDD-F9C3-B7C759E7D81F}" dt="2018-09-02T15:34:39.994" v="472" actId="1076"/>
-          <ac:spMkLst>
-            <pc:docMk/>
-            <pc:sldMk cId="3887352271" sldId="309"/>
-            <ac:spMk id="2" creationId="{F5449BFF-8292-4098-9E74-6785FBB69589}"/>
-          </ac:spMkLst>
-        </pc:spChg>
-        <pc:spChg chg="mod">
-          <ac:chgData name="Benjamin Payne" userId="S::benpayne@umbc.edu::b61ff11c-ba68-49af-b001-f9f234a6aca3" providerId="AD" clId="Web-{A48E44A3-B43B-DFDD-F9C3-B7C759E7D81F}" dt="2018-09-02T15:35:39.391" v="520" actId="20577"/>
-          <ac:spMkLst>
-            <pc:docMk/>
-            <pc:sldMk cId="3887352271" sldId="309"/>
-            <ac:spMk id="3" creationId="{6E16B59F-4225-4D5A-92A3-0DEB3115D828}"/>
-          </ac:spMkLst>
-        </pc:spChg>
-      </pc:sldChg>
-      <pc:sldChg chg="modSp new">
-        <pc:chgData name="Benjamin Payne" userId="S::benpayne@umbc.edu::b61ff11c-ba68-49af-b001-f9f234a6aca3" providerId="AD" clId="Web-{A48E44A3-B43B-DFDD-F9C3-B7C759E7D81F}" dt="2018-09-02T15:14:40.936" v="99" actId="20577"/>
-        <pc:sldMkLst>
-          <pc:docMk/>
-          <pc:sldMk cId="1136467448" sldId="310"/>
-        </pc:sldMkLst>
-        <pc:spChg chg="mod">
-          <ac:chgData name="Benjamin Payne" userId="S::benpayne@umbc.edu::b61ff11c-ba68-49af-b001-f9f234a6aca3" providerId="AD" clId="Web-{A48E44A3-B43B-DFDD-F9C3-B7C759E7D81F}" dt="2018-09-02T15:14:40.936" v="99" actId="20577"/>
-          <ac:spMkLst>
-            <pc:docMk/>
-            <pc:sldMk cId="1136467448" sldId="310"/>
-            <ac:spMk id="2" creationId="{75ADE373-0B75-4235-99FA-B63949890900}"/>
-          </ac:spMkLst>
-        </pc:spChg>
-      </pc:sldChg>
-      <pc:sldChg chg="modSp new">
-        <pc:chgData name="Benjamin Payne" userId="S::benpayne@umbc.edu::b61ff11c-ba68-49af-b001-f9f234a6aca3" providerId="AD" clId="Web-{A48E44A3-B43B-DFDD-F9C3-B7C759E7D81F}" dt="2018-09-02T15:15:01.765" v="113" actId="20577"/>
-        <pc:sldMkLst>
-          <pc:docMk/>
-          <pc:sldMk cId="673834737" sldId="311"/>
-        </pc:sldMkLst>
-        <pc:spChg chg="mod">
-          <ac:chgData name="Benjamin Payne" userId="S::benpayne@umbc.edu::b61ff11c-ba68-49af-b001-f9f234a6aca3" providerId="AD" clId="Web-{A48E44A3-B43B-DFDD-F9C3-B7C759E7D81F}" dt="2018-09-02T15:15:01.765" v="113" actId="20577"/>
-          <ac:spMkLst>
-            <pc:docMk/>
-            <pc:sldMk cId="673834737" sldId="311"/>
-            <ac:spMk id="2" creationId="{F853018C-E59D-4B48-AB13-CE2AE5F47938}"/>
-          </ac:spMkLst>
-        </pc:spChg>
-      </pc:sldChg>
-    </pc:docChg>
-  </pc:docChgLst>
-  <pc:docChgLst>
-    <pc:chgData name="Benjamin Payne" userId="S::benpayne@umbc.edu::b61ff11c-ba68-49af-b001-f9f234a6aca3" providerId="AD" clId="Web-{942F5CDB-3B63-B0A5-BD6B-19BB53E1F466}"/>
-    <pc:docChg chg="sldOrd">
-      <pc:chgData name="Benjamin Payne" userId="S::benpayne@umbc.edu::b61ff11c-ba68-49af-b001-f9f234a6aca3" providerId="AD" clId="Web-{942F5CDB-3B63-B0A5-BD6B-19BB53E1F466}" dt="2018-09-04T11:57:11.794" v="3"/>
-      <pc:docMkLst>
-        <pc:docMk/>
-      </pc:docMkLst>
-      <pc:sldChg chg="ord">
-        <pc:chgData name="Benjamin Payne" userId="S::benpayne@umbc.edu::b61ff11c-ba68-49af-b001-f9f234a6aca3" providerId="AD" clId="Web-{942F5CDB-3B63-B0A5-BD6B-19BB53E1F466}" dt="2018-09-04T11:57:11.794" v="3"/>
-        <pc:sldMkLst>
-          <pc:docMk/>
-          <pc:sldMk cId="172553602" sldId="271"/>
-        </pc:sldMkLst>
-      </pc:sldChg>
-    </pc:docChg>
-  </pc:docChgLst>
-  <pc:docChgLst>
-    <pc:chgData name="Benjamin Payne" userId="S::benpayne@umbc.edu::b61ff11c-ba68-49af-b001-f9f234a6aca3" providerId="AD" clId="Web-{B82C219C-7F32-E7AB-D439-56F4CE9020B2}"/>
-    <pc:docChg chg="addSld modSld">
-      <pc:chgData name="Benjamin Payne" userId="S::benpayne@umbc.edu::b61ff11c-ba68-49af-b001-f9f234a6aca3" providerId="AD" clId="Web-{B82C219C-7F32-E7AB-D439-56F4CE9020B2}" dt="2018-08-18T17:22:01.645" v="249" actId="1076"/>
-      <pc:docMkLst>
-        <pc:docMk/>
-      </pc:docMkLst>
-      <pc:sldChg chg="modSp">
-        <pc:chgData name="Benjamin Payne" userId="S::benpayne@umbc.edu::b61ff11c-ba68-49af-b001-f9f234a6aca3" providerId="AD" clId="Web-{B82C219C-7F32-E7AB-D439-56F4CE9020B2}" dt="2018-08-18T17:16:17.790" v="170" actId="14100"/>
-        <pc:sldMkLst>
-          <pc:docMk/>
-          <pc:sldMk cId="1442927395" sldId="289"/>
-        </pc:sldMkLst>
-        <pc:spChg chg="mod">
-          <ac:chgData name="Benjamin Payne" userId="S::benpayne@umbc.edu::b61ff11c-ba68-49af-b001-f9f234a6aca3" providerId="AD" clId="Web-{B82C219C-7F32-E7AB-D439-56F4CE9020B2}" dt="2018-08-18T17:16:17.790" v="170" actId="14100"/>
-          <ac:spMkLst>
-            <pc:docMk/>
-            <pc:sldMk cId="1442927395" sldId="289"/>
-            <ac:spMk id="4" creationId="{6F8BC1B4-05F2-43A3-9E9A-DCBD804A45FE}"/>
-          </ac:spMkLst>
-        </pc:spChg>
-      </pc:sldChg>
-      <pc:sldChg chg="addSp delSp modSp">
-        <pc:chgData name="Benjamin Payne" userId="S::benpayne@umbc.edu::b61ff11c-ba68-49af-b001-f9f234a6aca3" providerId="AD" clId="Web-{B82C219C-7F32-E7AB-D439-56F4CE9020B2}" dt="2018-08-18T17:16:24.196" v="171"/>
-        <pc:sldMkLst>
-          <pc:docMk/>
-          <pc:sldMk cId="3579465122" sldId="290"/>
-        </pc:sldMkLst>
-        <pc:spChg chg="add mod">
-          <ac:chgData name="Benjamin Payne" userId="S::benpayne@umbc.edu::b61ff11c-ba68-49af-b001-f9f234a6aca3" providerId="AD" clId="Web-{B82C219C-7F32-E7AB-D439-56F4CE9020B2}" dt="2018-08-18T17:14:36.508" v="111" actId="20577"/>
-          <ac:spMkLst>
-            <pc:docMk/>
-            <pc:sldMk cId="3579465122" sldId="290"/>
-            <ac:spMk id="4" creationId="{391E65DB-2C88-4037-A50D-756744D2C3A8}"/>
-          </ac:spMkLst>
-        </pc:spChg>
-        <pc:spChg chg="add del mod">
-          <ac:chgData name="Benjamin Payne" userId="S::benpayne@umbc.edu::b61ff11c-ba68-49af-b001-f9f234a6aca3" providerId="AD" clId="Web-{B82C219C-7F32-E7AB-D439-56F4CE9020B2}" dt="2018-08-18T17:16:24.196" v="171"/>
-          <ac:spMkLst>
-            <pc:docMk/>
-            <pc:sldMk cId="3579465122" sldId="290"/>
-            <ac:spMk id="5" creationId="{A0968BD3-DA88-41B1-BAB5-FA6104D5E7FE}"/>
-          </ac:spMkLst>
-        </pc:spChg>
-      </pc:sldChg>
-      <pc:sldChg chg="addSp delSp modSp">
-        <pc:chgData name="Benjamin Payne" userId="S::benpayne@umbc.edu::b61ff11c-ba68-49af-b001-f9f234a6aca3" providerId="AD" clId="Web-{B82C219C-7F32-E7AB-D439-56F4CE9020B2}" dt="2018-08-18T17:22:01.645" v="249" actId="1076"/>
-        <pc:sldMkLst>
-          <pc:docMk/>
-          <pc:sldMk cId="506731024" sldId="292"/>
-        </pc:sldMkLst>
-        <pc:spChg chg="mod">
-          <ac:chgData name="Benjamin Payne" userId="S::benpayne@umbc.edu::b61ff11c-ba68-49af-b001-f9f234a6aca3" providerId="AD" clId="Web-{B82C219C-7F32-E7AB-D439-56F4CE9020B2}" dt="2018-08-18T17:21:29.739" v="242" actId="20577"/>
-          <ac:spMkLst>
-            <pc:docMk/>
-            <pc:sldMk cId="506731024" sldId="292"/>
-            <ac:spMk id="3" creationId="{00BE4C77-0A73-49B2-81D1-823AF169CCC4}"/>
-          </ac:spMkLst>
-        </pc:spChg>
-        <pc:spChg chg="add del mod">
-          <ac:chgData name="Benjamin Payne" userId="S::benpayne@umbc.edu::b61ff11c-ba68-49af-b001-f9f234a6aca3" providerId="AD" clId="Web-{B82C219C-7F32-E7AB-D439-56F4CE9020B2}" dt="2018-08-18T17:21:55.208" v="248" actId="1076"/>
-          <ac:spMkLst>
-            <pc:docMk/>
-            <pc:sldMk cId="506731024" sldId="292"/>
-            <ac:spMk id="4" creationId="{A4B7E66A-2E9D-487E-BFA8-F7E8DB1B1709}"/>
-          </ac:spMkLst>
-        </pc:spChg>
-        <pc:spChg chg="mod">
-          <ac:chgData name="Benjamin Payne" userId="S::benpayne@umbc.edu::b61ff11c-ba68-49af-b001-f9f234a6aca3" providerId="AD" clId="Web-{B82C219C-7F32-E7AB-D439-56F4CE9020B2}" dt="2018-08-18T17:22:01.645" v="249" actId="1076"/>
-          <ac:spMkLst>
-            <pc:docMk/>
-            <pc:sldMk cId="506731024" sldId="292"/>
-            <ac:spMk id="5" creationId="{F2761F8E-36E4-4150-BE56-9CAD97BBA157}"/>
-          </ac:spMkLst>
-        </pc:spChg>
-      </pc:sldChg>
-      <pc:sldChg chg="addSp modSp add replId">
-        <pc:chgData name="Benjamin Payne" userId="S::benpayne@umbc.edu::b61ff11c-ba68-49af-b001-f9f234a6aca3" providerId="AD" clId="Web-{B82C219C-7F32-E7AB-D439-56F4CE9020B2}" dt="2018-08-18T17:17:55.507" v="186" actId="14100"/>
-        <pc:sldMkLst>
-          <pc:docMk/>
-          <pc:sldMk cId="3668972220" sldId="293"/>
-        </pc:sldMkLst>
-        <pc:cxnChg chg="add mod">
-          <ac:chgData name="Benjamin Payne" userId="S::benpayne@umbc.edu::b61ff11c-ba68-49af-b001-f9f234a6aca3" providerId="AD" clId="Web-{B82C219C-7F32-E7AB-D439-56F4CE9020B2}" dt="2018-08-18T17:17:08.324" v="178" actId="1076"/>
-          <ac:cxnSpMkLst>
-            <pc:docMk/>
-            <pc:sldMk cId="3668972220" sldId="293"/>
-            <ac:cxnSpMk id="6" creationId="{E863F584-075B-4591-8461-F2FC64A32F13}"/>
-          </ac:cxnSpMkLst>
-        </pc:cxnChg>
-        <pc:cxnChg chg="add mod">
-          <ac:chgData name="Benjamin Payne" userId="S::benpayne@umbc.edu::b61ff11c-ba68-49af-b001-f9f234a6aca3" providerId="AD" clId="Web-{B82C219C-7F32-E7AB-D439-56F4CE9020B2}" dt="2018-08-18T17:17:31.715" v="181" actId="1076"/>
-          <ac:cxnSpMkLst>
-            <pc:docMk/>
-            <pc:sldMk cId="3668972220" sldId="293"/>
-            <ac:cxnSpMk id="7" creationId="{3C56756D-71D9-4387-BB1E-D2ACA236B843}"/>
-          </ac:cxnSpMkLst>
-        </pc:cxnChg>
-        <pc:cxnChg chg="add mod">
-          <ac:chgData name="Benjamin Payne" userId="S::benpayne@umbc.edu::b61ff11c-ba68-49af-b001-f9f234a6aca3" providerId="AD" clId="Web-{B82C219C-7F32-E7AB-D439-56F4CE9020B2}" dt="2018-08-18T17:17:46.283" v="183" actId="1076"/>
-          <ac:cxnSpMkLst>
-            <pc:docMk/>
-            <pc:sldMk cId="3668972220" sldId="293"/>
-            <ac:cxnSpMk id="8" creationId="{D8342CAA-9FE9-4D60-8C41-7161339B1E5D}"/>
-          </ac:cxnSpMkLst>
-        </pc:cxnChg>
-        <pc:cxnChg chg="add mod">
-          <ac:chgData name="Benjamin Payne" userId="S::benpayne@umbc.edu::b61ff11c-ba68-49af-b001-f9f234a6aca3" providerId="AD" clId="Web-{B82C219C-7F32-E7AB-D439-56F4CE9020B2}" dt="2018-08-18T17:17:55.507" v="186" actId="14100"/>
-          <ac:cxnSpMkLst>
-            <pc:docMk/>
-            <pc:sldMk cId="3668972220" sldId="293"/>
-            <ac:cxnSpMk id="9" creationId="{00C670FA-6D7F-4DB5-A289-C7D3B2488AFC}"/>
-          </ac:cxnSpMkLst>
-        </pc:cxnChg>
-      </pc:sldChg>
-      <pc:sldChg chg="modSp new">
-        <pc:chgData name="Benjamin Payne" userId="S::benpayne@umbc.edu::b61ff11c-ba68-49af-b001-f9f234a6aca3" providerId="AD" clId="Web-{B82C219C-7F32-E7AB-D439-56F4CE9020B2}" dt="2018-08-18T17:18:53.674" v="192" actId="20577"/>
-        <pc:sldMkLst>
-          <pc:docMk/>
-          <pc:sldMk cId="493460726" sldId="294"/>
-        </pc:sldMkLst>
-        <pc:spChg chg="mod">
-          <ac:chgData name="Benjamin Payne" userId="S::benpayne@umbc.edu::b61ff11c-ba68-49af-b001-f9f234a6aca3" providerId="AD" clId="Web-{B82C219C-7F32-E7AB-D439-56F4CE9020B2}" dt="2018-08-18T17:18:53.674" v="192" actId="20577"/>
-          <ac:spMkLst>
-            <pc:docMk/>
-            <pc:sldMk cId="493460726" sldId="294"/>
-            <ac:spMk id="2" creationId="{F18F2169-A463-4033-B549-EF56D978D2FF}"/>
-          </ac:spMkLst>
-        </pc:spChg>
-      </pc:sldChg>
-    </pc:docChg>
-  </pc:docChgLst>
-  <pc:docChgLst>
-    <pc:chgData name="Benjamin Payne" userId="S::benpayne@umbc.edu::b61ff11c-ba68-49af-b001-f9f234a6aca3" providerId="AD" clId="Web-{E483A5F2-46D2-3A39-FD84-E2B1ABBF2DCC}"/>
-    <pc:docChg chg="modSld">
-      <pc:chgData name="Benjamin Payne" userId="S::benpayne@umbc.edu::b61ff11c-ba68-49af-b001-f9f234a6aca3" providerId="AD" clId="Web-{E483A5F2-46D2-3A39-FD84-E2B1ABBF2DCC}" dt="2018-08-31T12:02:05.438" v="159" actId="20577"/>
-      <pc:docMkLst>
-        <pc:docMk/>
-      </pc:docMkLst>
-      <pc:sldChg chg="modSp">
-        <pc:chgData name="Benjamin Payne" userId="S::benpayne@umbc.edu::b61ff11c-ba68-49af-b001-f9f234a6aca3" providerId="AD" clId="Web-{E483A5F2-46D2-3A39-FD84-E2B1ABBF2DCC}" dt="2018-08-31T11:38:54.959" v="7" actId="20577"/>
-        <pc:sldMkLst>
-          <pc:docMk/>
-          <pc:sldMk cId="3365738038" sldId="280"/>
-        </pc:sldMkLst>
-        <pc:spChg chg="mod">
-          <ac:chgData name="Benjamin Payne" userId="S::benpayne@umbc.edu::b61ff11c-ba68-49af-b001-f9f234a6aca3" providerId="AD" clId="Web-{E483A5F2-46D2-3A39-FD84-E2B1ABBF2DCC}" dt="2018-08-31T11:38:54.959" v="7" actId="20577"/>
-          <ac:spMkLst>
-            <pc:docMk/>
-            <pc:sldMk cId="3365738038" sldId="280"/>
-            <ac:spMk id="3" creationId="{40625D3E-4517-46E0-BE45-C607D57B9CB4}"/>
-          </ac:spMkLst>
-        </pc:spChg>
-      </pc:sldChg>
-      <pc:sldChg chg="modSp modNotes">
-        <pc:chgData name="Benjamin Payne" userId="S::benpayne@umbc.edu::b61ff11c-ba68-49af-b001-f9f234a6aca3" providerId="AD" clId="Web-{E483A5F2-46D2-3A39-FD84-E2B1ABBF2DCC}" dt="2018-08-31T11:47:03.109" v="157" actId="20577"/>
-        <pc:sldMkLst>
-          <pc:docMk/>
-          <pc:sldMk cId="1113823316" sldId="281"/>
-        </pc:sldMkLst>
-        <pc:spChg chg="mod">
-          <ac:chgData name="Benjamin Payne" userId="S::benpayne@umbc.edu::b61ff11c-ba68-49af-b001-f9f234a6aca3" providerId="AD" clId="Web-{E483A5F2-46D2-3A39-FD84-E2B1ABBF2DCC}" dt="2018-08-31T11:46:54.609" v="143" actId="20577"/>
-          <ac:spMkLst>
-            <pc:docMk/>
-            <pc:sldMk cId="1113823316" sldId="281"/>
-            <ac:spMk id="2" creationId="{0DC138F5-1CF1-45B3-8A1F-612EC19C6C92}"/>
-          </ac:spMkLst>
-        </pc:spChg>
-        <pc:spChg chg="mod">
-          <ac:chgData name="Benjamin Payne" userId="S::benpayne@umbc.edu::b61ff11c-ba68-49af-b001-f9f234a6aca3" providerId="AD" clId="Web-{E483A5F2-46D2-3A39-FD84-E2B1ABBF2DCC}" dt="2018-08-31T11:47:03.109" v="157" actId="20577"/>
-          <ac:spMkLst>
-            <pc:docMk/>
-            <pc:sldMk cId="1113823316" sldId="281"/>
-            <ac:spMk id="3" creationId="{8248DD79-3D9B-4E64-ADA9-9495D307B42F}"/>
-          </ac:spMkLst>
-        </pc:spChg>
-      </pc:sldChg>
-      <pc:sldChg chg="modSp">
-        <pc:chgData name="Benjamin Payne" userId="S::benpayne@umbc.edu::b61ff11c-ba68-49af-b001-f9f234a6aca3" providerId="AD" clId="Web-{E483A5F2-46D2-3A39-FD84-E2B1ABBF2DCC}" dt="2018-08-31T11:42:25.041" v="21" actId="20577"/>
-        <pc:sldMkLst>
-          <pc:docMk/>
-          <pc:sldMk cId="2943374916" sldId="282"/>
-        </pc:sldMkLst>
-        <pc:spChg chg="mod">
-          <ac:chgData name="Benjamin Payne" userId="S::benpayne@umbc.edu::b61ff11c-ba68-49af-b001-f9f234a6aca3" providerId="AD" clId="Web-{E483A5F2-46D2-3A39-FD84-E2B1ABBF2DCC}" dt="2018-08-31T11:42:25.041" v="21" actId="20577"/>
-          <ac:spMkLst>
-            <pc:docMk/>
-            <pc:sldMk cId="2943374916" sldId="282"/>
-            <ac:spMk id="7" creationId="{BC6D8919-5E66-4BC2-AB55-C88DDA0BF6B3}"/>
-          </ac:spMkLst>
-        </pc:spChg>
-      </pc:sldChg>
-      <pc:sldChg chg="modSp">
-        <pc:chgData name="Benjamin Payne" userId="S::benpayne@umbc.edu::b61ff11c-ba68-49af-b001-f9f234a6aca3" providerId="AD" clId="Web-{E483A5F2-46D2-3A39-FD84-E2B1ABBF2DCC}" dt="2018-08-31T11:46:20.858" v="131" actId="20577"/>
-        <pc:sldMkLst>
-          <pc:docMk/>
-          <pc:sldMk cId="4063999364" sldId="283"/>
-        </pc:sldMkLst>
-        <pc:spChg chg="mod">
-          <ac:chgData name="Benjamin Payne" userId="S::benpayne@umbc.edu::b61ff11c-ba68-49af-b001-f9f234a6aca3" providerId="AD" clId="Web-{E483A5F2-46D2-3A39-FD84-E2B1ABBF2DCC}" dt="2018-08-31T11:46:20.858" v="131" actId="20577"/>
-          <ac:spMkLst>
-            <pc:docMk/>
-            <pc:sldMk cId="4063999364" sldId="283"/>
-            <ac:spMk id="3" creationId="{CF77E521-6AB3-4E09-8AB0-C162C0224E24}"/>
-          </ac:spMkLst>
-        </pc:spChg>
-      </pc:sldChg>
-      <pc:sldChg chg="addSp delSp modSp">
-        <pc:chgData name="Benjamin Payne" userId="S::benpayne@umbc.edu::b61ff11c-ba68-49af-b001-f9f234a6aca3" providerId="AD" clId="Web-{E483A5F2-46D2-3A39-FD84-E2B1ABBF2DCC}" dt="2018-08-31T11:45:37.795" v="99" actId="20577"/>
-        <pc:sldMkLst>
-          <pc:docMk/>
-          <pc:sldMk cId="1567369141" sldId="284"/>
-        </pc:sldMkLst>
-        <pc:spChg chg="mod">
-          <ac:chgData name="Benjamin Payne" userId="S::benpayne@umbc.edu::b61ff11c-ba68-49af-b001-f9f234a6aca3" providerId="AD" clId="Web-{E483A5F2-46D2-3A39-FD84-E2B1ABBF2DCC}" dt="2018-08-31T11:43:17.245" v="29" actId="20577"/>
-          <ac:spMkLst>
-            <pc:docMk/>
-            <pc:sldMk cId="1567369141" sldId="284"/>
-            <ac:spMk id="2" creationId="{867A6FEF-3484-49EC-8490-BDDD8E8BAA33}"/>
-          </ac:spMkLst>
-        </pc:spChg>
-        <pc:spChg chg="del">
-          <ac:chgData name="Benjamin Payne" userId="S::benpayne@umbc.edu::b61ff11c-ba68-49af-b001-f9f234a6aca3" providerId="AD" clId="Web-{E483A5F2-46D2-3A39-FD84-E2B1ABBF2DCC}" dt="2018-08-31T11:42:48.714" v="22"/>
-          <ac:spMkLst>
-            <pc:docMk/>
-            <pc:sldMk cId="1567369141" sldId="284"/>
-            <ac:spMk id="3" creationId="{A9C3E266-2D18-45CD-899E-D834513363FC}"/>
-          </ac:spMkLst>
-        </pc:spChg>
-        <pc:spChg chg="mod">
-          <ac:chgData name="Benjamin Payne" userId="S::benpayne@umbc.edu::b61ff11c-ba68-49af-b001-f9f234a6aca3" providerId="AD" clId="Web-{E483A5F2-46D2-3A39-FD84-E2B1ABBF2DCC}" dt="2018-08-31T11:43:26.558" v="32" actId="1076"/>
-          <ac:spMkLst>
-            <pc:docMk/>
-            <pc:sldMk cId="1567369141" sldId="284"/>
-            <ac:spMk id="4" creationId="{5B949F2D-2F15-4FC3-90DA-860FAA38BF68}"/>
-          </ac:spMkLst>
-        </pc:spChg>
-        <pc:spChg chg="del">
-          <ac:chgData name="Benjamin Payne" userId="S::benpayne@umbc.edu::b61ff11c-ba68-49af-b001-f9f234a6aca3" providerId="AD" clId="Web-{E483A5F2-46D2-3A39-FD84-E2B1ABBF2DCC}" dt="2018-08-31T11:42:51.354" v="23"/>
-          <ac:spMkLst>
-            <pc:docMk/>
-            <pc:sldMk cId="1567369141" sldId="284"/>
-            <ac:spMk id="5" creationId="{BC8CF560-2705-4AD0-A8A5-0FD105E45FD7}"/>
-          </ac:spMkLst>
-        </pc:spChg>
-        <pc:spChg chg="mod">
-          <ac:chgData name="Benjamin Payne" userId="S::benpayne@umbc.edu::b61ff11c-ba68-49af-b001-f9f234a6aca3" providerId="AD" clId="Web-{E483A5F2-46D2-3A39-FD84-E2B1ABBF2DCC}" dt="2018-08-31T11:43:31.496" v="33" actId="1076"/>
-          <ac:spMkLst>
-            <pc:docMk/>
-            <pc:sldMk cId="1567369141" sldId="284"/>
-            <ac:spMk id="6" creationId="{1DBAB62E-4820-4AA8-906F-1F2CD9FE3D34}"/>
-          </ac:spMkLst>
-        </pc:spChg>
-        <pc:spChg chg="add">
-          <ac:chgData name="Benjamin Payne" userId="S::benpayne@umbc.edu::b61ff11c-ba68-49af-b001-f9f234a6aca3" providerId="AD" clId="Web-{E483A5F2-46D2-3A39-FD84-E2B1ABBF2DCC}" dt="2018-08-31T11:42:52.448" v="24"/>
-          <ac:spMkLst>
-            <pc:docMk/>
-            <pc:sldMk cId="1567369141" sldId="284"/>
-            <ac:spMk id="8" creationId="{5B975990-D8D2-4CAA-A111-9D1332718351}"/>
-          </ac:spMkLst>
-        </pc:spChg>
-        <pc:spChg chg="add mod">
-          <ac:chgData name="Benjamin Payne" userId="S::benpayne@umbc.edu::b61ff11c-ba68-49af-b001-f9f234a6aca3" providerId="AD" clId="Web-{E483A5F2-46D2-3A39-FD84-E2B1ABBF2DCC}" dt="2018-08-31T11:45:37.795" v="99" actId="20577"/>
-          <ac:spMkLst>
-            <pc:docMk/>
-            <pc:sldMk cId="1567369141" sldId="284"/>
-            <ac:spMk id="9" creationId="{3739F8B4-27B2-421C-91DB-2485326B395B}"/>
-          </ac:spMkLst>
-        </pc:spChg>
-      </pc:sldChg>
-      <pc:sldChg chg="modSp">
-        <pc:chgData name="Benjamin Payne" userId="S::benpayne@umbc.edu::b61ff11c-ba68-49af-b001-f9f234a6aca3" providerId="AD" clId="Web-{E483A5F2-46D2-3A39-FD84-E2B1ABBF2DCC}" dt="2018-08-31T11:45:47.451" v="103" actId="20577"/>
-        <pc:sldMkLst>
-          <pc:docMk/>
-          <pc:sldMk cId="3300997659" sldId="289"/>
-        </pc:sldMkLst>
-        <pc:spChg chg="mod">
-          <ac:chgData name="Benjamin Payne" userId="S::benpayne@umbc.edu::b61ff11c-ba68-49af-b001-f9f234a6aca3" providerId="AD" clId="Web-{E483A5F2-46D2-3A39-FD84-E2B1ABBF2DCC}" dt="2018-08-31T11:45:47.451" v="103" actId="20577"/>
-          <ac:spMkLst>
-            <pc:docMk/>
-            <pc:sldMk cId="3300997659" sldId="289"/>
-            <ac:spMk id="3" creationId="{A3AEEB11-7848-4A1F-8F6C-90E8CEB69C0F}"/>
-          </ac:spMkLst>
-        </pc:spChg>
-      </pc:sldChg>
-    </pc:docChg>
-  </pc:docChgLst>
-  <pc:docChgLst>
-    <pc:chgData name="Benjamin Payne" userId="S::benpayne@umbc.edu::b61ff11c-ba68-49af-b001-f9f234a6aca3" providerId="AD" clId="Web-{BE062240-DD37-3FA6-FAE6-9A5233CCDC5B}"/>
-    <pc:docChg chg="modSld">
-      <pc:chgData name="Benjamin Payne" userId="S::benpayne@umbc.edu::b61ff11c-ba68-49af-b001-f9f234a6aca3" providerId="AD" clId="Web-{BE062240-DD37-3FA6-FAE6-9A5233CCDC5B}" dt="2018-08-26T23:50:11.545" v="3" actId="20577"/>
-      <pc:docMkLst>
-        <pc:docMk/>
-      </pc:docMkLst>
-      <pc:sldChg chg="modSp">
-        <pc:chgData name="Benjamin Payne" userId="S::benpayne@umbc.edu::b61ff11c-ba68-49af-b001-f9f234a6aca3" providerId="AD" clId="Web-{BE062240-DD37-3FA6-FAE6-9A5233CCDC5B}" dt="2018-08-26T23:50:11.545" v="2" actId="20577"/>
-        <pc:sldMkLst>
-          <pc:docMk/>
-          <pc:sldMk cId="345678624" sldId="264"/>
-        </pc:sldMkLst>
-        <pc:spChg chg="mod">
-          <ac:chgData name="Benjamin Payne" userId="S::benpayne@umbc.edu::b61ff11c-ba68-49af-b001-f9f234a6aca3" providerId="AD" clId="Web-{BE062240-DD37-3FA6-FAE6-9A5233CCDC5B}" dt="2018-08-26T23:50:11.545" v="2" actId="20577"/>
-          <ac:spMkLst>
-            <pc:docMk/>
-            <pc:sldMk cId="345678624" sldId="264"/>
-            <ac:spMk id="3" creationId="{7521322D-3F2A-42B7-B8DD-7DB8778D4CD3}"/>
-          </ac:spMkLst>
-        </pc:spChg>
-      </pc:sldChg>
-    </pc:docChg>
-  </pc:docChgLst>
-  <pc:docChgLst>
-    <pc:chgData name="Benjamin Payne" userId="S::benpayne@umbc.edu::b61ff11c-ba68-49af-b001-f9f234a6aca3" providerId="AD" clId="Web-{61FE0819-683E-FB3C-61D6-0A0C516E1623}"/>
-    <pc:docChg chg="addSld modSld">
-      <pc:chgData name="Benjamin Payne" userId="S::benpayne@umbc.edu::b61ff11c-ba68-49af-b001-f9f234a6aca3" providerId="AD" clId="Web-{61FE0819-683E-FB3C-61D6-0A0C516E1623}" dt="2018-09-04T02:46:46.452" v="16" actId="20577"/>
-      <pc:docMkLst>
-        <pc:docMk/>
-      </pc:docMkLst>
-      <pc:sldChg chg="modSp new">
-        <pc:chgData name="Benjamin Payne" userId="S::benpayne@umbc.edu::b61ff11c-ba68-49af-b001-f9f234a6aca3" providerId="AD" clId="Web-{61FE0819-683E-FB3C-61D6-0A0C516E1623}" dt="2018-09-04T02:46:45.624" v="14" actId="20577"/>
-        <pc:sldMkLst>
-          <pc:docMk/>
-          <pc:sldMk cId="1289427263" sldId="328"/>
-        </pc:sldMkLst>
-        <pc:spChg chg="mod">
-          <ac:chgData name="Benjamin Payne" userId="S::benpayne@umbc.edu::b61ff11c-ba68-49af-b001-f9f234a6aca3" providerId="AD" clId="Web-{61FE0819-683E-FB3C-61D6-0A0C516E1623}" dt="2018-09-04T02:46:39.343" v="7" actId="20577"/>
-          <ac:spMkLst>
-            <pc:docMk/>
-            <pc:sldMk cId="1289427263" sldId="328"/>
-            <ac:spMk id="2" creationId="{4C9C5E6A-EAD1-4B05-B510-F23AEBE148EE}"/>
-          </ac:spMkLst>
-        </pc:spChg>
-        <pc:spChg chg="mod">
-          <ac:chgData name="Benjamin Payne" userId="S::benpayne@umbc.edu::b61ff11c-ba68-49af-b001-f9f234a6aca3" providerId="AD" clId="Web-{61FE0819-683E-FB3C-61D6-0A0C516E1623}" dt="2018-09-04T02:46:45.624" v="14" actId="20577"/>
-          <ac:spMkLst>
-            <pc:docMk/>
-            <pc:sldMk cId="1289427263" sldId="328"/>
-            <ac:spMk id="3" creationId="{F71F2D84-3AAD-478F-B92E-9BD7F8529972}"/>
-          </ac:spMkLst>
-        </pc:spChg>
-      </pc:sldChg>
-    </pc:docChg>
-  </pc:docChgLst>
-  <pc:docChgLst>
-    <pc:chgData name="Benjamin Payne" userId="S::benpayne@umbc.edu::b61ff11c-ba68-49af-b001-f9f234a6aca3" providerId="AD" clId="Web-{4CD85373-3529-468C-B1F3-E6D0D4425C85}"/>
-    <pc:docChg chg="addSld modSld">
-      <pc:chgData name="Benjamin Payne" userId="S::benpayne@umbc.edu::b61ff11c-ba68-49af-b001-f9f234a6aca3" providerId="AD" clId="Web-{4CD85373-3529-468C-B1F3-E6D0D4425C85}" dt="2018-08-18T01:43:56.688" v="488" actId="14100"/>
-      <pc:docMkLst>
-        <pc:docMk/>
-      </pc:docMkLst>
-      <pc:sldChg chg="modSp">
-        <pc:chgData name="Benjamin Payne" userId="S::benpayne@umbc.edu::b61ff11c-ba68-49af-b001-f9f234a6aca3" providerId="AD" clId="Web-{4CD85373-3529-468C-B1F3-E6D0D4425C85}" dt="2018-08-18T00:44:44.003" v="18" actId="20577"/>
-        <pc:sldMkLst>
-          <pc:docMk/>
-          <pc:sldMk cId="109857222" sldId="256"/>
-        </pc:sldMkLst>
-        <pc:spChg chg="mod">
-          <ac:chgData name="Benjamin Payne" userId="S::benpayne@umbc.edu::b61ff11c-ba68-49af-b001-f9f234a6aca3" providerId="AD" clId="Web-{4CD85373-3529-468C-B1F3-E6D0D4425C85}" dt="2018-08-18T00:44:34.019" v="4" actId="20577"/>
-          <ac:spMkLst>
-            <pc:docMk/>
-            <pc:sldMk cId="109857222" sldId="256"/>
-            <ac:spMk id="2" creationId="{00000000-0000-0000-0000-000000000000}"/>
-          </ac:spMkLst>
-        </pc:spChg>
-        <pc:spChg chg="mod">
-          <ac:chgData name="Benjamin Payne" userId="S::benpayne@umbc.edu::b61ff11c-ba68-49af-b001-f9f234a6aca3" providerId="AD" clId="Web-{4CD85373-3529-468C-B1F3-E6D0D4425C85}" dt="2018-08-18T00:44:44.003" v="18" actId="20577"/>
-          <ac:spMkLst>
-            <pc:docMk/>
-            <pc:sldMk cId="109857222" sldId="256"/>
-            <ac:spMk id="3" creationId="{00000000-0000-0000-0000-000000000000}"/>
-          </ac:spMkLst>
-        </pc:spChg>
-      </pc:sldChg>
-      <pc:sldChg chg="modSp new">
-        <pc:chgData name="Benjamin Payne" userId="S::benpayne@umbc.edu::b61ff11c-ba68-49af-b001-f9f234a6aca3" providerId="AD" clId="Web-{4CD85373-3529-468C-B1F3-E6D0D4425C85}" dt="2018-08-18T01:29:02.389" v="122" actId="14100"/>
-        <pc:sldMkLst>
-          <pc:docMk/>
-          <pc:sldMk cId="1847525645" sldId="257"/>
-        </pc:sldMkLst>
-        <pc:spChg chg="mod">
-          <ac:chgData name="Benjamin Payne" userId="S::benpayne@umbc.edu::b61ff11c-ba68-49af-b001-f9f234a6aca3" providerId="AD" clId="Web-{4CD85373-3529-468C-B1F3-E6D0D4425C85}" dt="2018-08-18T00:46:38.160" v="27" actId="20577"/>
-          <ac:spMkLst>
-            <pc:docMk/>
-            <pc:sldMk cId="1847525645" sldId="257"/>
-            <ac:spMk id="2" creationId="{ADB126DF-5967-4E34-893D-CBCC7F86AF2E}"/>
-          </ac:spMkLst>
-        </pc:spChg>
-        <pc:spChg chg="mod">
-          <ac:chgData name="Benjamin Payne" userId="S::benpayne@umbc.edu::b61ff11c-ba68-49af-b001-f9f234a6aca3" providerId="AD" clId="Web-{4CD85373-3529-468C-B1F3-E6D0D4425C85}" dt="2018-08-18T01:29:02.389" v="122" actId="14100"/>
-          <ac:spMkLst>
-            <pc:docMk/>
-            <pc:sldMk cId="1847525645" sldId="257"/>
-            <ac:spMk id="3" creationId="{93BBC295-1D9C-48E2-BFC5-73DAD68A82CF}"/>
-          </ac:spMkLst>
-        </pc:spChg>
-      </pc:sldChg>
-      <pc:sldChg chg="modSp new">
-        <pc:chgData name="Benjamin Payne" userId="S::benpayne@umbc.edu::b61ff11c-ba68-49af-b001-f9f234a6aca3" providerId="AD" clId="Web-{4CD85373-3529-468C-B1F3-E6D0D4425C85}" dt="2018-08-18T01:35:10.780" v="316" actId="14100"/>
-        <pc:sldMkLst>
-          <pc:docMk/>
-          <pc:sldMk cId="3638516464" sldId="258"/>
-        </pc:sldMkLst>
-        <pc:spChg chg="mod">
-          <ac:chgData name="Benjamin Payne" userId="S::benpayne@umbc.edu::b61ff11c-ba68-49af-b001-f9f234a6aca3" providerId="AD" clId="Web-{4CD85373-3529-468C-B1F3-E6D0D4425C85}" dt="2018-08-18T01:35:02.155" v="313" actId="20577"/>
-          <ac:spMkLst>
-            <pc:docMk/>
-            <pc:sldMk cId="3638516464" sldId="258"/>
-            <ac:spMk id="2" creationId="{27401C99-1987-4DDA-9BD8-C47A4874380D}"/>
-          </ac:spMkLst>
-        </pc:spChg>
-        <pc:spChg chg="mod">
-          <ac:chgData name="Benjamin Payne" userId="S::benpayne@umbc.edu::b61ff11c-ba68-49af-b001-f9f234a6aca3" providerId="AD" clId="Web-{4CD85373-3529-468C-B1F3-E6D0D4425C85}" dt="2018-08-18T01:35:10.780" v="316" actId="14100"/>
-          <ac:spMkLst>
-            <pc:docMk/>
-            <pc:sldMk cId="3638516464" sldId="258"/>
-            <ac:spMk id="3" creationId="{C9592A17-C0D4-468F-AD2B-FB8CE21AC6D5}"/>
-          </ac:spMkLst>
-        </pc:spChg>
-      </pc:sldChg>
-      <pc:sldChg chg="modSp new">
-        <pc:chgData name="Benjamin Payne" userId="S::benpayne@umbc.edu::b61ff11c-ba68-49af-b001-f9f234a6aca3" providerId="AD" clId="Web-{4CD85373-3529-468C-B1F3-E6D0D4425C85}" dt="2018-08-18T01:34:54.467" v="310" actId="20577"/>
-        <pc:sldMkLst>
-          <pc:docMk/>
-          <pc:sldMk cId="2860496116" sldId="259"/>
-        </pc:sldMkLst>
-        <pc:spChg chg="mod">
-          <ac:chgData name="Benjamin Payne" userId="S::benpayne@umbc.edu::b61ff11c-ba68-49af-b001-f9f234a6aca3" providerId="AD" clId="Web-{4CD85373-3529-468C-B1F3-E6D0D4425C85}" dt="2018-08-18T01:34:54.467" v="310" actId="20577"/>
-          <ac:spMkLst>
-            <pc:docMk/>
-            <pc:sldMk cId="2860496116" sldId="259"/>
-            <ac:spMk id="2" creationId="{18EE30BE-97B5-4BB6-A94A-F58ED123EDDB}"/>
-          </ac:spMkLst>
-        </pc:spChg>
-        <pc:spChg chg="mod">
-          <ac:chgData name="Benjamin Payne" userId="S::benpayne@umbc.edu::b61ff11c-ba68-49af-b001-f9f234a6aca3" providerId="AD" clId="Web-{4CD85373-3529-468C-B1F3-E6D0D4425C85}" dt="2018-08-18T01:29:50.827" v="148" actId="20577"/>
-          <ac:spMkLst>
-            <pc:docMk/>
-            <pc:sldMk cId="2860496116" sldId="259"/>
-            <ac:spMk id="3" creationId="{7C305855-4E1F-4350-920D-6CDCA01E4374}"/>
-          </ac:spMkLst>
-        </pc:spChg>
-      </pc:sldChg>
-      <pc:sldChg chg="modSp new">
-        <pc:chgData name="Benjamin Payne" userId="S::benpayne@umbc.edu::b61ff11c-ba68-49af-b001-f9f234a6aca3" providerId="AD" clId="Web-{4CD85373-3529-468C-B1F3-E6D0D4425C85}" dt="2018-08-18T01:34:49.624" v="307" actId="20577"/>
-        <pc:sldMkLst>
-          <pc:docMk/>
-          <pc:sldMk cId="1876768357" sldId="260"/>
-        </pc:sldMkLst>
-        <pc:spChg chg="mod">
-          <ac:chgData name="Benjamin Payne" userId="S::benpayne@umbc.edu::b61ff11c-ba68-49af-b001-f9f234a6aca3" providerId="AD" clId="Web-{4CD85373-3529-468C-B1F3-E6D0D4425C85}" dt="2018-08-18T01:34:49.624" v="307" actId="20577"/>
-          <ac:spMkLst>
-            <pc:docMk/>
-            <pc:sldMk cId="1876768357" sldId="260"/>
-            <ac:spMk id="2" creationId="{1200FC06-4CEE-4EB1-A488-D2B49256DF24}"/>
-          </ac:spMkLst>
-        </pc:spChg>
-        <pc:spChg chg="mod">
-          <ac:chgData name="Benjamin Payne" userId="S::benpayne@umbc.edu::b61ff11c-ba68-49af-b001-f9f234a6aca3" providerId="AD" clId="Web-{4CD85373-3529-468C-B1F3-E6D0D4425C85}" dt="2018-08-18T01:31:18.530" v="184" actId="20577"/>
-          <ac:spMkLst>
-            <pc:docMk/>
-            <pc:sldMk cId="1876768357" sldId="260"/>
-            <ac:spMk id="3" creationId="{015B042E-5F09-4099-A737-D53A1BD32AA0}"/>
-          </ac:spMkLst>
-        </pc:spChg>
-      </pc:sldChg>
-      <pc:sldChg chg="modSp new">
-        <pc:chgData name="Benjamin Payne" userId="S::benpayne@umbc.edu::b61ff11c-ba68-49af-b001-f9f234a6aca3" providerId="AD" clId="Web-{4CD85373-3529-468C-B1F3-E6D0D4425C85}" dt="2018-08-18T01:34:46.045" v="304" actId="20577"/>
-        <pc:sldMkLst>
-          <pc:docMk/>
-          <pc:sldMk cId="2884606743" sldId="261"/>
-        </pc:sldMkLst>
-        <pc:spChg chg="mod">
-          <ac:chgData name="Benjamin Payne" userId="S::benpayne@umbc.edu::b61ff11c-ba68-49af-b001-f9f234a6aca3" providerId="AD" clId="Web-{4CD85373-3529-468C-B1F3-E6D0D4425C85}" dt="2018-08-18T01:34:46.045" v="304" actId="20577"/>
-          <ac:spMkLst>
-            <pc:docMk/>
-            <pc:sldMk cId="2884606743" sldId="261"/>
-            <ac:spMk id="2" creationId="{AF5DBC81-1FCD-4434-9FC0-F9202DFFB6FF}"/>
-          </ac:spMkLst>
-        </pc:spChg>
-        <pc:spChg chg="mod">
-          <ac:chgData name="Benjamin Payne" userId="S::benpayne@umbc.edu::b61ff11c-ba68-49af-b001-f9f234a6aca3" providerId="AD" clId="Web-{4CD85373-3529-468C-B1F3-E6D0D4425C85}" dt="2018-08-18T01:31:58.061" v="205" actId="20577"/>
-          <ac:spMkLst>
-            <pc:docMk/>
-            <pc:sldMk cId="2884606743" sldId="261"/>
-            <ac:spMk id="3" creationId="{23D9258A-BFF9-4A25-8A73-302420109E2D}"/>
-          </ac:spMkLst>
-        </pc:spChg>
-      </pc:sldChg>
-      <pc:sldChg chg="modSp new">
-        <pc:chgData name="Benjamin Payne" userId="S::benpayne@umbc.edu::b61ff11c-ba68-49af-b001-f9f234a6aca3" providerId="AD" clId="Web-{4CD85373-3529-468C-B1F3-E6D0D4425C85}" dt="2018-08-18T01:34:41.170" v="301" actId="20577"/>
-        <pc:sldMkLst>
-          <pc:docMk/>
-          <pc:sldMk cId="1105388245" sldId="262"/>
-        </pc:sldMkLst>
-        <pc:spChg chg="mod">
-          <ac:chgData name="Benjamin Payne" userId="S::benpayne@umbc.edu::b61ff11c-ba68-49af-b001-f9f234a6aca3" providerId="AD" clId="Web-{4CD85373-3529-468C-B1F3-E6D0D4425C85}" dt="2018-08-18T01:34:41.170" v="301" actId="20577"/>
-          <ac:spMkLst>
-            <pc:docMk/>
-            <pc:sldMk cId="1105388245" sldId="262"/>
-            <ac:spMk id="2" creationId="{D534B9F4-A8EE-4D2E-A744-3E521E6711A1}"/>
-          </ac:spMkLst>
-        </pc:spChg>
-        <pc:spChg chg="mod">
-          <ac:chgData name="Benjamin Payne" userId="S::benpayne@umbc.edu::b61ff11c-ba68-49af-b001-f9f234a6aca3" providerId="AD" clId="Web-{4CD85373-3529-468C-B1F3-E6D0D4425C85}" dt="2018-08-18T01:32:35.952" v="236" actId="20577"/>
-          <ac:spMkLst>
-            <pc:docMk/>
-            <pc:sldMk cId="1105388245" sldId="262"/>
-            <ac:spMk id="3" creationId="{6F241CF4-852C-4030-88AE-4D8F049979A0}"/>
-          </ac:spMkLst>
-        </pc:spChg>
-      </pc:sldChg>
-      <pc:sldChg chg="modSp new">
-        <pc:chgData name="Benjamin Payne" userId="S::benpayne@umbc.edu::b61ff11c-ba68-49af-b001-f9f234a6aca3" providerId="AD" clId="Web-{4CD85373-3529-468C-B1F3-E6D0D4425C85}" dt="2018-08-18T01:34:30.280" v="294" actId="20577"/>
-        <pc:sldMkLst>
-          <pc:docMk/>
-          <pc:sldMk cId="2998688034" sldId="263"/>
-        </pc:sldMkLst>
-        <pc:spChg chg="mod">
-          <ac:chgData name="Benjamin Payne" userId="S::benpayne@umbc.edu::b61ff11c-ba68-49af-b001-f9f234a6aca3" providerId="AD" clId="Web-{4CD85373-3529-468C-B1F3-E6D0D4425C85}" dt="2018-08-18T01:34:30.280" v="294" actId="20577"/>
-          <ac:spMkLst>
-            <pc:docMk/>
-            <pc:sldMk cId="2998688034" sldId="263"/>
-            <ac:spMk id="2" creationId="{268FC258-17AA-4A89-915A-4FE8F9576C75}"/>
-          </ac:spMkLst>
-        </pc:spChg>
-        <pc:spChg chg="mod">
-          <ac:chgData name="Benjamin Payne" userId="S::benpayne@umbc.edu::b61ff11c-ba68-49af-b001-f9f234a6aca3" providerId="AD" clId="Web-{4CD85373-3529-468C-B1F3-E6D0D4425C85}" dt="2018-08-18T01:33:33.030" v="256" actId="20577"/>
-          <ac:spMkLst>
-            <pc:docMk/>
-            <pc:sldMk cId="2998688034" sldId="263"/>
-            <ac:spMk id="3" creationId="{8D34ED30-383B-4698-A46A-C291B4EB302B}"/>
-          </ac:spMkLst>
-        </pc:spChg>
-      </pc:sldChg>
-      <pc:sldChg chg="modSp new">
-        <pc:chgData name="Benjamin Payne" userId="S::benpayne@umbc.edu::b61ff11c-ba68-49af-b001-f9f234a6aca3" providerId="AD" clId="Web-{4CD85373-3529-468C-B1F3-E6D0D4425C85}" dt="2018-08-18T01:34:23.592" v="286" actId="20577"/>
-        <pc:sldMkLst>
-          <pc:docMk/>
-          <pc:sldMk cId="1119746368" sldId="264"/>
-        </pc:sldMkLst>
-        <pc:spChg chg="mod">
-          <ac:chgData name="Benjamin Payne" userId="S::benpayne@umbc.edu::b61ff11c-ba68-49af-b001-f9f234a6aca3" providerId="AD" clId="Web-{4CD85373-3529-468C-B1F3-E6D0D4425C85}" dt="2018-08-18T01:34:23.592" v="286" actId="20577"/>
-          <ac:spMkLst>
-            <pc:docMk/>
-            <pc:sldMk cId="1119746368" sldId="264"/>
-            <ac:spMk id="2" creationId="{06B75742-754A-4824-93B5-8CF0500BDE5D}"/>
-          </ac:spMkLst>
-        </pc:spChg>
-        <pc:spChg chg="mod">
-          <ac:chgData name="Benjamin Payne" userId="S::benpayne@umbc.edu::b61ff11c-ba68-49af-b001-f9f234a6aca3" providerId="AD" clId="Web-{4CD85373-3529-468C-B1F3-E6D0D4425C85}" dt="2018-08-18T01:33:57.780" v="263" actId="20577"/>
-          <ac:spMkLst>
-            <pc:docMk/>
-            <pc:sldMk cId="1119746368" sldId="264"/>
-            <ac:spMk id="3" creationId="{52A4E6D3-1A5E-4998-9849-CD0D79875B38}"/>
-          </ac:spMkLst>
-        </pc:spChg>
-      </pc:sldChg>
-      <pc:sldChg chg="modSp new">
-        <pc:chgData name="Benjamin Payne" userId="S::benpayne@umbc.edu::b61ff11c-ba68-49af-b001-f9f234a6aca3" providerId="AD" clId="Web-{4CD85373-3529-468C-B1F3-E6D0D4425C85}" dt="2018-08-18T01:35:25.233" v="317" actId="20577"/>
-        <pc:sldMkLst>
-          <pc:docMk/>
-          <pc:sldMk cId="4278842127" sldId="265"/>
-        </pc:sldMkLst>
-        <pc:spChg chg="mod">
-          <ac:chgData name="Benjamin Payne" userId="S::benpayne@umbc.edu::b61ff11c-ba68-49af-b001-f9f234a6aca3" providerId="AD" clId="Web-{4CD85373-3529-468C-B1F3-E6D0D4425C85}" dt="2018-08-18T01:34:14.858" v="277" actId="20577"/>
-          <ac:spMkLst>
-            <pc:docMk/>
-            <pc:sldMk cId="4278842127" sldId="265"/>
-            <ac:spMk id="2" creationId="{67024DFB-3D52-4034-B083-39B732D0FCFA}"/>
-          </ac:spMkLst>
-        </pc:spChg>
-        <pc:spChg chg="mod">
-          <ac:chgData name="Benjamin Payne" userId="S::benpayne@umbc.edu::b61ff11c-ba68-49af-b001-f9f234a6aca3" providerId="AD" clId="Web-{4CD85373-3529-468C-B1F3-E6D0D4425C85}" dt="2018-08-18T01:35:25.233" v="317" actId="20577"/>
-          <ac:spMkLst>
-            <pc:docMk/>
-            <pc:sldMk cId="4278842127" sldId="265"/>
-            <ac:spMk id="3" creationId="{BFBA8429-B089-4264-A062-0E8D525F86E3}"/>
-          </ac:spMkLst>
-        </pc:spChg>
-      </pc:sldChg>
-      <pc:sldChg chg="modSp new">
-        <pc:chgData name="Benjamin Payne" userId="S::benpayne@umbc.edu::b61ff11c-ba68-49af-b001-f9f234a6aca3" providerId="AD" clId="Web-{4CD85373-3529-468C-B1F3-E6D0D4425C85}" dt="2018-08-18T01:35:54.561" v="338" actId="20577"/>
-        <pc:sldMkLst>
-          <pc:docMk/>
-          <pc:sldMk cId="3690999722" sldId="266"/>
-        </pc:sldMkLst>
-        <pc:spChg chg="mod">
-          <ac:chgData name="Benjamin Payne" userId="S::benpayne@umbc.edu::b61ff11c-ba68-49af-b001-f9f234a6aca3" providerId="AD" clId="Web-{4CD85373-3529-468C-B1F3-E6D0D4425C85}" dt="2018-08-18T01:35:37.655" v="321" actId="20577"/>
-          <ac:spMkLst>
-            <pc:docMk/>
-            <pc:sldMk cId="3690999722" sldId="266"/>
-            <ac:spMk id="2" creationId="{35C21950-4925-407F-9517-2A580F315912}"/>
-          </ac:spMkLst>
-        </pc:spChg>
-        <pc:spChg chg="mod">
-          <ac:chgData name="Benjamin Payne" userId="S::benpayne@umbc.edu::b61ff11c-ba68-49af-b001-f9f234a6aca3" providerId="AD" clId="Web-{4CD85373-3529-468C-B1F3-E6D0D4425C85}" dt="2018-08-18T01:35:54.561" v="338" actId="20577"/>
-          <ac:spMkLst>
-            <pc:docMk/>
-            <pc:sldMk cId="3690999722" sldId="266"/>
-            <ac:spMk id="3" creationId="{443C0148-BD26-4777-A844-9E0366AD5D49}"/>
-          </ac:spMkLst>
-        </pc:spChg>
-      </pc:sldChg>
-      <pc:sldChg chg="modSp new">
-        <pc:chgData name="Benjamin Payne" userId="S::benpayne@umbc.edu::b61ff11c-ba68-49af-b001-f9f234a6aca3" providerId="AD" clId="Web-{4CD85373-3529-468C-B1F3-E6D0D4425C85}" dt="2018-08-18T01:37:34.139" v="398" actId="20577"/>
-        <pc:sldMkLst>
-          <pc:docMk/>
-          <pc:sldMk cId="900156501" sldId="267"/>
-        </pc:sldMkLst>
-        <pc:spChg chg="mod">
-          <ac:chgData name="Benjamin Payne" userId="S::benpayne@umbc.edu::b61ff11c-ba68-49af-b001-f9f234a6aca3" providerId="AD" clId="Web-{4CD85373-3529-468C-B1F3-E6D0D4425C85}" dt="2018-08-18T01:36:08.483" v="342" actId="20577"/>
-          <ac:spMkLst>
-            <pc:docMk/>
-            <pc:sldMk cId="900156501" sldId="267"/>
-            <ac:spMk id="2" creationId="{6F11E0CD-64BA-4534-9081-33C99C285510}"/>
-          </ac:spMkLst>
-        </pc:spChg>
-        <pc:spChg chg="mod">
-          <ac:chgData name="Benjamin Payne" userId="S::benpayne@umbc.edu::b61ff11c-ba68-49af-b001-f9f234a6aca3" providerId="AD" clId="Web-{4CD85373-3529-468C-B1F3-E6D0D4425C85}" dt="2018-08-18T01:37:34.139" v="398" actId="20577"/>
-          <ac:spMkLst>
-            <pc:docMk/>
-            <pc:sldMk cId="900156501" sldId="267"/>
-            <ac:spMk id="3" creationId="{581CA153-4E7C-4EA4-93D7-6BCAEEB37E08}"/>
-          </ac:spMkLst>
-        </pc:spChg>
-      </pc:sldChg>
-      <pc:sldChg chg="modSp new">
-        <pc:chgData name="Benjamin Payne" userId="S::benpayne@umbc.edu::b61ff11c-ba68-49af-b001-f9f234a6aca3" providerId="AD" clId="Web-{4CD85373-3529-468C-B1F3-E6D0D4425C85}" dt="2018-08-18T01:37:53.749" v="421" actId="20577"/>
-        <pc:sldMkLst>
-          <pc:docMk/>
-          <pc:sldMk cId="3201166040" sldId="268"/>
-        </pc:sldMkLst>
-        <pc:spChg chg="mod">
-          <ac:chgData name="Benjamin Payne" userId="S::benpayne@umbc.edu::b61ff11c-ba68-49af-b001-f9f234a6aca3" providerId="AD" clId="Web-{4CD85373-3529-468C-B1F3-E6D0D4425C85}" dt="2018-08-18T01:36:42.983" v="351" actId="20577"/>
-          <ac:spMkLst>
-            <pc:docMk/>
-            <pc:sldMk cId="3201166040" sldId="268"/>
-            <ac:spMk id="2" creationId="{0720D5C7-5F13-4E46-9841-B82D0A5812FB}"/>
-          </ac:spMkLst>
-        </pc:spChg>
-        <pc:spChg chg="mod">
-          <ac:chgData name="Benjamin Payne" userId="S::benpayne@umbc.edu::b61ff11c-ba68-49af-b001-f9f234a6aca3" providerId="AD" clId="Web-{4CD85373-3529-468C-B1F3-E6D0D4425C85}" dt="2018-08-18T01:37:53.749" v="421" actId="20577"/>
-          <ac:spMkLst>
-            <pc:docMk/>
-            <pc:sldMk cId="3201166040" sldId="268"/>
-            <ac:spMk id="3" creationId="{0E96B853-006F-4B8E-9902-C577175E35D6}"/>
-          </ac:spMkLst>
-        </pc:spChg>
-      </pc:sldChg>
-      <pc:sldChg chg="modSp new">
-        <pc:chgData name="Benjamin Payne" userId="S::benpayne@umbc.edu::b61ff11c-ba68-49af-b001-f9f234a6aca3" providerId="AD" clId="Web-{4CD85373-3529-468C-B1F3-E6D0D4425C85}" dt="2018-08-18T01:38:24.874" v="434" actId="20577"/>
-        <pc:sldMkLst>
-          <pc:docMk/>
-          <pc:sldMk cId="3944559311" sldId="269"/>
-        </pc:sldMkLst>
-        <pc:spChg chg="mod">
-          <ac:chgData name="Benjamin Payne" userId="S::benpayne@umbc.edu::b61ff11c-ba68-49af-b001-f9f234a6aca3" providerId="AD" clId="Web-{4CD85373-3529-468C-B1F3-E6D0D4425C85}" dt="2018-08-18T01:38:10.827" v="425" actId="20577"/>
-          <ac:spMkLst>
-            <pc:docMk/>
-            <pc:sldMk cId="3944559311" sldId="269"/>
-            <ac:spMk id="2" creationId="{88A6CFE3-7A51-4A8D-BFC3-B5B7D1E9C7C6}"/>
-          </ac:spMkLst>
-        </pc:spChg>
-        <pc:spChg chg="mod">
-          <ac:chgData name="Benjamin Payne" userId="S::benpayne@umbc.edu::b61ff11c-ba68-49af-b001-f9f234a6aca3" providerId="AD" clId="Web-{4CD85373-3529-468C-B1F3-E6D0D4425C85}" dt="2018-08-18T01:38:24.874" v="434" actId="20577"/>
-          <ac:spMkLst>
-            <pc:docMk/>
-            <pc:sldMk cId="3944559311" sldId="269"/>
-            <ac:spMk id="3" creationId="{A8098767-D99E-4308-A466-C95A0109782D}"/>
-          </ac:spMkLst>
-        </pc:spChg>
-      </pc:sldChg>
-      <pc:sldChg chg="modSp new">
-        <pc:chgData name="Benjamin Payne" userId="S::benpayne@umbc.edu::b61ff11c-ba68-49af-b001-f9f234a6aca3" providerId="AD" clId="Web-{4CD85373-3529-468C-B1F3-E6D0D4425C85}" dt="2018-08-18T01:38:55.655" v="441" actId="20577"/>
-        <pc:sldMkLst>
-          <pc:docMk/>
-          <pc:sldMk cId="465374350" sldId="270"/>
-        </pc:sldMkLst>
-        <pc:spChg chg="mod">
-          <ac:chgData name="Benjamin Payne" userId="S::benpayne@umbc.edu::b61ff11c-ba68-49af-b001-f9f234a6aca3" providerId="AD" clId="Web-{4CD85373-3529-468C-B1F3-E6D0D4425C85}" dt="2018-08-18T01:38:39.515" v="438" actId="20577"/>
-          <ac:spMkLst>
-            <pc:docMk/>
-            <pc:sldMk cId="465374350" sldId="270"/>
-            <ac:spMk id="2" creationId="{3E4D3056-7FD6-4CCC-A40A-55DFF56B6C89}"/>
-          </ac:spMkLst>
-        </pc:spChg>
-        <pc:spChg chg="mod">
-          <ac:chgData name="Benjamin Payne" userId="S::benpayne@umbc.edu::b61ff11c-ba68-49af-b001-f9f234a6aca3" providerId="AD" clId="Web-{4CD85373-3529-468C-B1F3-E6D0D4425C85}" dt="2018-08-18T01:38:55.655" v="441" actId="20577"/>
-          <ac:spMkLst>
-            <pc:docMk/>
-            <pc:sldMk cId="465374350" sldId="270"/>
-            <ac:spMk id="3" creationId="{87114A17-B7E2-4BDE-90D1-6B6B257F74CF}"/>
-          </ac:spMkLst>
-        </pc:spChg>
-      </pc:sldChg>
-      <pc:sldChg chg="modSp new">
-        <pc:chgData name="Benjamin Payne" userId="S::benpayne@umbc.edu::b61ff11c-ba68-49af-b001-f9f234a6aca3" providerId="AD" clId="Web-{4CD85373-3529-468C-B1F3-E6D0D4425C85}" dt="2018-08-18T01:42:17.281" v="448" actId="20577"/>
-        <pc:sldMkLst>
-          <pc:docMk/>
-          <pc:sldMk cId="1363176264" sldId="271"/>
-        </pc:sldMkLst>
-        <pc:spChg chg="mod">
-          <ac:chgData name="Benjamin Payne" userId="S::benpayne@umbc.edu::b61ff11c-ba68-49af-b001-f9f234a6aca3" providerId="AD" clId="Web-{4CD85373-3529-468C-B1F3-E6D0D4425C85}" dt="2018-08-18T01:42:03.563" v="445" actId="20577"/>
-          <ac:spMkLst>
-            <pc:docMk/>
-            <pc:sldMk cId="1363176264" sldId="271"/>
-            <ac:spMk id="2" creationId="{5965997C-A081-459F-998F-629BAD07D4C9}"/>
-          </ac:spMkLst>
-        </pc:spChg>
-        <pc:spChg chg="mod">
-          <ac:chgData name="Benjamin Payne" userId="S::benpayne@umbc.edu::b61ff11c-ba68-49af-b001-f9f234a6aca3" providerId="AD" clId="Web-{4CD85373-3529-468C-B1F3-E6D0D4425C85}" dt="2018-08-18T01:42:17.281" v="448" actId="20577"/>
-          <ac:spMkLst>
-            <pc:docMk/>
-            <pc:sldMk cId="1363176264" sldId="271"/>
-            <ac:spMk id="3" creationId="{DC0F31FD-FD82-4CC9-8B74-090AE7D85A10}"/>
-          </ac:spMkLst>
-        </pc:spChg>
-      </pc:sldChg>
-      <pc:sldChg chg="modSp new">
-        <pc:chgData name="Benjamin Payne" userId="S::benpayne@umbc.edu::b61ff11c-ba68-49af-b001-f9f234a6aca3" providerId="AD" clId="Web-{4CD85373-3529-468C-B1F3-E6D0D4425C85}" dt="2018-08-18T01:42:46.313" v="455" actId="20577"/>
-        <pc:sldMkLst>
-          <pc:docMk/>
-          <pc:sldMk cId="2968388444" sldId="272"/>
-        </pc:sldMkLst>
-        <pc:spChg chg="mod">
-          <ac:chgData name="Benjamin Payne" userId="S::benpayne@umbc.edu::b61ff11c-ba68-49af-b001-f9f234a6aca3" providerId="AD" clId="Web-{4CD85373-3529-468C-B1F3-E6D0D4425C85}" dt="2018-08-18T01:42:36.235" v="452" actId="20577"/>
-          <ac:spMkLst>
-            <pc:docMk/>
-            <pc:sldMk cId="2968388444" sldId="272"/>
-            <ac:spMk id="2" creationId="{3A80468E-EF77-4389-B80C-F218AF808A6D}"/>
-          </ac:spMkLst>
-        </pc:spChg>
-        <pc:spChg chg="mod">
-          <ac:chgData name="Benjamin Payne" userId="S::benpayne@umbc.edu::b61ff11c-ba68-49af-b001-f9f234a6aca3" providerId="AD" clId="Web-{4CD85373-3529-468C-B1F3-E6D0D4425C85}" dt="2018-08-18T01:42:46.313" v="455" actId="20577"/>
-          <ac:spMkLst>
-            <pc:docMk/>
-            <pc:sldMk cId="2968388444" sldId="272"/>
-            <ac:spMk id="3" creationId="{55A880FE-9DE4-437A-BA99-8A01145140CB}"/>
-          </ac:spMkLst>
-        </pc:spChg>
-      </pc:sldChg>
-      <pc:sldChg chg="modSp new">
-        <pc:chgData name="Benjamin Payne" userId="S::benpayne@umbc.edu::b61ff11c-ba68-49af-b001-f9f234a6aca3" providerId="AD" clId="Web-{4CD85373-3529-468C-B1F3-E6D0D4425C85}" dt="2018-08-18T01:43:05.438" v="462" actId="20577"/>
-        <pc:sldMkLst>
-          <pc:docMk/>
-          <pc:sldMk cId="1824397595" sldId="273"/>
-        </pc:sldMkLst>
-        <pc:spChg chg="mod">
-          <ac:chgData name="Benjamin Payne" userId="S::benpayne@umbc.edu::b61ff11c-ba68-49af-b001-f9f234a6aca3" providerId="AD" clId="Web-{4CD85373-3529-468C-B1F3-E6D0D4425C85}" dt="2018-08-18T01:42:55.516" v="459" actId="20577"/>
-          <ac:spMkLst>
-            <pc:docMk/>
-            <pc:sldMk cId="1824397595" sldId="273"/>
-            <ac:spMk id="2" creationId="{7B1FE93C-CCA5-46DC-94BA-2402141BAA32}"/>
-          </ac:spMkLst>
-        </pc:spChg>
-        <pc:spChg chg="mod">
-          <ac:chgData name="Benjamin Payne" userId="S::benpayne@umbc.edu::b61ff11c-ba68-49af-b001-f9f234a6aca3" providerId="AD" clId="Web-{4CD85373-3529-468C-B1F3-E6D0D4425C85}" dt="2018-08-18T01:43:05.438" v="462" actId="20577"/>
-          <ac:spMkLst>
-            <pc:docMk/>
-            <pc:sldMk cId="1824397595" sldId="273"/>
-            <ac:spMk id="3" creationId="{B34CCA8B-EB7D-49D2-94BF-CF38A4B77E1B}"/>
-          </ac:spMkLst>
-        </pc:spChg>
-      </pc:sldChg>
-      <pc:sldChg chg="modSp new">
-        <pc:chgData name="Benjamin Payne" userId="S::benpayne@umbc.edu::b61ff11c-ba68-49af-b001-f9f234a6aca3" providerId="AD" clId="Web-{4CD85373-3529-468C-B1F3-E6D0D4425C85}" dt="2018-08-18T01:43:24.266" v="471" actId="20577"/>
-        <pc:sldMkLst>
-          <pc:docMk/>
-          <pc:sldMk cId="1653610907" sldId="274"/>
-        </pc:sldMkLst>
-        <pc:spChg chg="mod">
-          <ac:chgData name="Benjamin Payne" userId="S::benpayne@umbc.edu::b61ff11c-ba68-49af-b001-f9f234a6aca3" providerId="AD" clId="Web-{4CD85373-3529-468C-B1F3-E6D0D4425C85}" dt="2018-08-18T01:43:14.579" v="466" actId="20577"/>
-          <ac:spMkLst>
-            <pc:docMk/>
-            <pc:sldMk cId="1653610907" sldId="274"/>
-            <ac:spMk id="2" creationId="{6B27E7C5-36AF-49FB-BD1D-1A01AA82E252}"/>
-          </ac:spMkLst>
-        </pc:spChg>
-        <pc:spChg chg="mod">
-          <ac:chgData name="Benjamin Payne" userId="S::benpayne@umbc.edu::b61ff11c-ba68-49af-b001-f9f234a6aca3" providerId="AD" clId="Web-{4CD85373-3529-468C-B1F3-E6D0D4425C85}" dt="2018-08-18T01:43:24.266" v="471" actId="20577"/>
-          <ac:spMkLst>
-            <pc:docMk/>
-            <pc:sldMk cId="1653610907" sldId="274"/>
-            <ac:spMk id="3" creationId="{795E6541-F790-43A3-8AA3-C24BFFF1275E}"/>
-          </ac:spMkLst>
-        </pc:spChg>
-      </pc:sldChg>
-      <pc:sldChg chg="modSp new">
-        <pc:chgData name="Benjamin Payne" userId="S::benpayne@umbc.edu::b61ff11c-ba68-49af-b001-f9f234a6aca3" providerId="AD" clId="Web-{4CD85373-3529-468C-B1F3-E6D0D4425C85}" dt="2018-08-18T01:43:56.688" v="488" actId="14100"/>
-        <pc:sldMkLst>
-          <pc:docMk/>
-          <pc:sldMk cId="3368428427" sldId="275"/>
-        </pc:sldMkLst>
-        <pc:spChg chg="mod">
-          <ac:chgData name="Benjamin Payne" userId="S::benpayne@umbc.edu::b61ff11c-ba68-49af-b001-f9f234a6aca3" providerId="AD" clId="Web-{4CD85373-3529-468C-B1F3-E6D0D4425C85}" dt="2018-08-18T01:43:56.688" v="488" actId="14100"/>
-          <ac:spMkLst>
-            <pc:docMk/>
-            <pc:sldMk cId="3368428427" sldId="275"/>
-            <ac:spMk id="2" creationId="{6152155A-7004-48CA-B1F2-E45C288D506B}"/>
-          </ac:spMkLst>
-        </pc:spChg>
-        <pc:spChg chg="mod">
-          <ac:chgData name="Benjamin Payne" userId="S::benpayne@umbc.edu::b61ff11c-ba68-49af-b001-f9f234a6aca3" providerId="AD" clId="Web-{4CD85373-3529-468C-B1F3-E6D0D4425C85}" dt="2018-08-18T01:43:50.376" v="487" actId="14100"/>
-          <ac:spMkLst>
-            <pc:docMk/>
-            <pc:sldMk cId="3368428427" sldId="275"/>
-            <ac:spMk id="3" creationId="{D850296D-7AB8-48C8-BA9B-87C0E5E36123}"/>
-          </ac:spMkLst>
-        </pc:spChg>
-      </pc:sldChg>
-    </pc:docChg>
-  </pc:docChgLst>
-  <pc:docChgLst>
-    <pc:chgData name="Benjamin Payne" userId="S::benpayne@umbc.edu::b61ff11c-ba68-49af-b001-f9f234a6aca3" providerId="AD" clId="Web-{11DDDC3C-0891-EEC9-6CC2-AE7023E6CCC7}"/>
-    <pc:docChg chg="addSld modSld">
-      <pc:chgData name="Benjamin Payne" userId="S::benpayne@umbc.edu::b61ff11c-ba68-49af-b001-f9f234a6aca3" providerId="AD" clId="Web-{11DDDC3C-0891-EEC9-6CC2-AE7023E6CCC7}" dt="2018-08-25T01:27:57.187" v="19" actId="20577"/>
-      <pc:docMkLst>
-        <pc:docMk/>
-      </pc:docMkLst>
-      <pc:sldChg chg="modSp new">
-        <pc:chgData name="Benjamin Payne" userId="S::benpayne@umbc.edu::b61ff11c-ba68-49af-b001-f9f234a6aca3" providerId="AD" clId="Web-{11DDDC3C-0891-EEC9-6CC2-AE7023E6CCC7}" dt="2018-08-25T01:27:53.436" v="17" actId="20577"/>
-        <pc:sldMkLst>
-          <pc:docMk/>
-          <pc:sldMk cId="3773127384" sldId="269"/>
-        </pc:sldMkLst>
-        <pc:spChg chg="mod">
-          <ac:chgData name="Benjamin Payne" userId="S::benpayne@umbc.edu::b61ff11c-ba68-49af-b001-f9f234a6aca3" providerId="AD" clId="Web-{11DDDC3C-0891-EEC9-6CC2-AE7023E6CCC7}" dt="2018-08-25T01:27:52.593" v="15" actId="20577"/>
-          <ac:spMkLst>
-            <pc:docMk/>
-            <pc:sldMk cId="3773127384" sldId="269"/>
-            <ac:spMk id="2" creationId="{0E4D5329-86D3-43C8-BC80-C21724CDA2A1}"/>
-          </ac:spMkLst>
-        </pc:spChg>
-        <pc:spChg chg="mod">
-          <ac:chgData name="Benjamin Payne" userId="S::benpayne@umbc.edu::b61ff11c-ba68-49af-b001-f9f234a6aca3" providerId="AD" clId="Web-{11DDDC3C-0891-EEC9-6CC2-AE7023E6CCC7}" dt="2018-08-25T01:27:53.436" v="17" actId="20577"/>
-          <ac:spMkLst>
-            <pc:docMk/>
-            <pc:sldMk cId="3773127384" sldId="269"/>
-            <ac:spMk id="3" creationId="{3DE031E0-2CCF-40D3-AD6B-61FCC2E6765A}"/>
-          </ac:spMkLst>
-        </pc:spChg>
-      </pc:sldChg>
-    </pc:docChg>
-  </pc:docChgLst>
-  <pc:docChgLst>
-    <pc:chgData name="Benjamin Payne" userId="S::benpayne@umbc.edu::b61ff11c-ba68-49af-b001-f9f234a6aca3" providerId="AD" clId="Web-{1AD0657E-81AA-0921-91AC-1C6D90399FB7}"/>
-    <pc:docChg chg="modSld">
-      <pc:chgData name="Benjamin Payne" userId="S::benpayne@umbc.edu::b61ff11c-ba68-49af-b001-f9f234a6aca3" providerId="AD" clId="Web-{1AD0657E-81AA-0921-91AC-1C6D90399FB7}" dt="2018-09-05T22:48:29.022" v="66" actId="20577"/>
-      <pc:docMkLst>
-        <pc:docMk/>
-      </pc:docMkLst>
-      <pc:sldChg chg="modSp">
-        <pc:chgData name="Benjamin Payne" userId="S::benpayne@umbc.edu::b61ff11c-ba68-49af-b001-f9f234a6aca3" providerId="AD" clId="Web-{1AD0657E-81AA-0921-91AC-1C6D90399FB7}" dt="2018-09-05T22:47:00.880" v="10" actId="20577"/>
-        <pc:sldMkLst>
-          <pc:docMk/>
-          <pc:sldMk cId="2868977103" sldId="267"/>
-        </pc:sldMkLst>
-        <pc:spChg chg="mod">
-          <ac:chgData name="Benjamin Payne" userId="S::benpayne@umbc.edu::b61ff11c-ba68-49af-b001-f9f234a6aca3" providerId="AD" clId="Web-{1AD0657E-81AA-0921-91AC-1C6D90399FB7}" dt="2018-09-05T22:47:00.880" v="10" actId="20577"/>
-          <ac:spMkLst>
-            <pc:docMk/>
-            <pc:sldMk cId="2868977103" sldId="267"/>
-            <ac:spMk id="3" creationId="{0BFDB35F-5670-4CF4-94F9-97E081C504BD}"/>
-          </ac:spMkLst>
-        </pc:spChg>
-      </pc:sldChg>
-      <pc:sldChg chg="addSp modSp">
-        <pc:chgData name="Benjamin Payne" userId="S::benpayne@umbc.edu::b61ff11c-ba68-49af-b001-f9f234a6aca3" providerId="AD" clId="Web-{1AD0657E-81AA-0921-91AC-1C6D90399FB7}" dt="2018-09-05T22:48:29.022" v="65" actId="20577"/>
-        <pc:sldMkLst>
-          <pc:docMk/>
-          <pc:sldMk cId="1113823316" sldId="281"/>
-        </pc:sldMkLst>
-        <pc:spChg chg="add mod">
-          <ac:chgData name="Benjamin Payne" userId="S::benpayne@umbc.edu::b61ff11c-ba68-49af-b001-f9f234a6aca3" providerId="AD" clId="Web-{1AD0657E-81AA-0921-91AC-1C6D90399FB7}" dt="2018-09-05T22:48:29.022" v="65" actId="20577"/>
-          <ac:spMkLst>
-            <pc:docMk/>
-            <pc:sldMk cId="1113823316" sldId="281"/>
-            <ac:spMk id="5" creationId="{513EBB90-5BE4-4D96-B4AE-4D52CEF1ECFD}"/>
-          </ac:spMkLst>
-        </pc:spChg>
-      </pc:sldChg>
-    </pc:docChg>
-  </pc:docChgLst>
-  <pc:docChgLst>
-    <pc:chgData name="Benjamin Payne" userId="S::benpayne@umbc.edu::b61ff11c-ba68-49af-b001-f9f234a6aca3" providerId="AD" clId="Web-{50CE2F89-8185-F02C-6DAE-22231A35577B}"/>
-    <pc:docChg chg="addSld delSld modSld sldOrd">
-      <pc:chgData name="Benjamin Payne" userId="S::benpayne@umbc.edu::b61ff11c-ba68-49af-b001-f9f234a6aca3" providerId="AD" clId="Web-{50CE2F89-8185-F02C-6DAE-22231A35577B}" dt="2018-08-19T20:21:31.715" v="2199" actId="20577"/>
-      <pc:docMkLst>
-        <pc:docMk/>
-      </pc:docMkLst>
-      <pc:sldChg chg="addSp modSp">
-        <pc:chgData name="Benjamin Payne" userId="S::benpayne@umbc.edu::b61ff11c-ba68-49af-b001-f9f234a6aca3" providerId="AD" clId="Web-{50CE2F89-8185-F02C-6DAE-22231A35577B}" dt="2018-08-19T19:03:58.023" v="295" actId="20577"/>
-        <pc:sldMkLst>
-          <pc:docMk/>
-          <pc:sldMk cId="109857222" sldId="256"/>
-        </pc:sldMkLst>
-        <pc:spChg chg="mod">
-          <ac:chgData name="Benjamin Payne" userId="S::benpayne@umbc.edu::b61ff11c-ba68-49af-b001-f9f234a6aca3" providerId="AD" clId="Web-{50CE2F89-8185-F02C-6DAE-22231A35577B}" dt="2018-08-19T19:03:58.023" v="295" actId="20577"/>
-          <ac:spMkLst>
-            <pc:docMk/>
-            <pc:sldMk cId="109857222" sldId="256"/>
-            <ac:spMk id="2" creationId="{00000000-0000-0000-0000-000000000000}"/>
-          </ac:spMkLst>
-        </pc:spChg>
-        <pc:spChg chg="add mod">
-          <ac:chgData name="Benjamin Payne" userId="S::benpayne@umbc.edu::b61ff11c-ba68-49af-b001-f9f234a6aca3" providerId="AD" clId="Web-{50CE2F89-8185-F02C-6DAE-22231A35577B}" dt="2018-08-19T19:03:38.961" v="276" actId="1076"/>
-          <ac:spMkLst>
-            <pc:docMk/>
-            <pc:sldMk cId="109857222" sldId="256"/>
-            <ac:spMk id="4" creationId="{5341FA58-9DF1-4734-B33B-71ED1A7CD32C}"/>
-          </ac:spMkLst>
-        </pc:spChg>
-      </pc:sldChg>
-      <pc:sldChg chg="modSp">
-        <pc:chgData name="Benjamin Payne" userId="S::benpayne@umbc.edu::b61ff11c-ba68-49af-b001-f9f234a6aca3" providerId="AD" clId="Web-{50CE2F89-8185-F02C-6DAE-22231A35577B}" dt="2018-08-19T18:51:01.009" v="4" actId="20577"/>
-        <pc:sldMkLst>
-          <pc:docMk/>
-          <pc:sldMk cId="3638516464" sldId="258"/>
-        </pc:sldMkLst>
-        <pc:spChg chg="mod">
-          <ac:chgData name="Benjamin Payne" userId="S::benpayne@umbc.edu::b61ff11c-ba68-49af-b001-f9f234a6aca3" providerId="AD" clId="Web-{50CE2F89-8185-F02C-6DAE-22231A35577B}" dt="2018-08-19T18:51:01.009" v="4" actId="20577"/>
-          <ac:spMkLst>
-            <pc:docMk/>
-            <pc:sldMk cId="3638516464" sldId="258"/>
-            <ac:spMk id="3" creationId="{C9592A17-C0D4-468F-AD2B-FB8CE21AC6D5}"/>
-          </ac:spMkLst>
-        </pc:spChg>
-      </pc:sldChg>
-      <pc:sldChg chg="modSp ord">
-        <pc:chgData name="Benjamin Payne" userId="S::benpayne@umbc.edu::b61ff11c-ba68-49af-b001-f9f234a6aca3" providerId="AD" clId="Web-{50CE2F89-8185-F02C-6DAE-22231A35577B}" dt="2018-08-19T19:15:51.819" v="844"/>
-        <pc:sldMkLst>
-          <pc:docMk/>
-          <pc:sldMk cId="2860496116" sldId="259"/>
-        </pc:sldMkLst>
-        <pc:spChg chg="mod">
-          <ac:chgData name="Benjamin Payne" userId="S::benpayne@umbc.edu::b61ff11c-ba68-49af-b001-f9f234a6aca3" providerId="AD" clId="Web-{50CE2F89-8185-F02C-6DAE-22231A35577B}" dt="2018-08-19T18:57:07.744" v="77" actId="20577"/>
-          <ac:spMkLst>
-            <pc:docMk/>
-            <pc:sldMk cId="2860496116" sldId="259"/>
-            <ac:spMk id="2" creationId="{18EE30BE-97B5-4BB6-A94A-F58ED123EDDB}"/>
-          </ac:spMkLst>
-        </pc:spChg>
-        <pc:spChg chg="mod">
-          <ac:chgData name="Benjamin Payne" userId="S::benpayne@umbc.edu::b61ff11c-ba68-49af-b001-f9f234a6aca3" providerId="AD" clId="Web-{50CE2F89-8185-F02C-6DAE-22231A35577B}" dt="2018-08-19T18:59:33.994" v="232" actId="14100"/>
-          <ac:spMkLst>
-            <pc:docMk/>
-            <pc:sldMk cId="2860496116" sldId="259"/>
-            <ac:spMk id="3" creationId="{7C305855-4E1F-4350-920D-6CDCA01E4374}"/>
-          </ac:spMkLst>
-        </pc:spChg>
-      </pc:sldChg>
-      <pc:sldChg chg="modSp ord">
-        <pc:chgData name="Benjamin Payne" userId="S::benpayne@umbc.edu::b61ff11c-ba68-49af-b001-f9f234a6aca3" providerId="AD" clId="Web-{50CE2F89-8185-F02C-6DAE-22231A35577B}" dt="2018-08-19T19:16:34.444" v="846"/>
-        <pc:sldMkLst>
-          <pc:docMk/>
-          <pc:sldMk cId="1876768357" sldId="260"/>
-        </pc:sldMkLst>
-        <pc:spChg chg="mod">
-          <ac:chgData name="Benjamin Payne" userId="S::benpayne@umbc.edu::b61ff11c-ba68-49af-b001-f9f234a6aca3" providerId="AD" clId="Web-{50CE2F89-8185-F02C-6DAE-22231A35577B}" dt="2018-08-19T19:00:01.790" v="244" actId="20577"/>
-          <ac:spMkLst>
-            <pc:docMk/>
-            <pc:sldMk cId="1876768357" sldId="260"/>
-            <ac:spMk id="3" creationId="{015B042E-5F09-4099-A737-D53A1BD32AA0}"/>
-          </ac:spMkLst>
-        </pc:spChg>
-        <pc:spChg chg="mod">
-          <ac:chgData name="Benjamin Payne" userId="S::benpayne@umbc.edu::b61ff11c-ba68-49af-b001-f9f234a6aca3" providerId="AD" clId="Web-{50CE2F89-8185-F02C-6DAE-22231A35577B}" dt="2018-08-19T19:00:21.118" v="253" actId="20577"/>
-          <ac:spMkLst>
-            <pc:docMk/>
-            <pc:sldMk cId="1876768357" sldId="260"/>
-            <ac:spMk id="4" creationId="{730636C5-48D1-485B-B1CF-29931597BEC3}"/>
-          </ac:spMkLst>
-        </pc:spChg>
-      </pc:sldChg>
-      <pc:sldChg chg="ord">
-        <pc:chgData name="Benjamin Payne" userId="S::benpayne@umbc.edu::b61ff11c-ba68-49af-b001-f9f234a6aca3" providerId="AD" clId="Web-{50CE2F89-8185-F02C-6DAE-22231A35577B}" dt="2018-08-19T19:16:34.444" v="845"/>
-        <pc:sldMkLst>
-          <pc:docMk/>
-          <pc:sldMk cId="2884606743" sldId="261"/>
-        </pc:sldMkLst>
-      </pc:sldChg>
-      <pc:sldChg chg="modSp">
-        <pc:chgData name="Benjamin Payne" userId="S::benpayne@umbc.edu::b61ff11c-ba68-49af-b001-f9f234a6aca3" providerId="AD" clId="Web-{50CE2F89-8185-F02C-6DAE-22231A35577B}" dt="2018-08-19T20:11:49.327" v="2194" actId="20577"/>
-        <pc:sldMkLst>
-          <pc:docMk/>
-          <pc:sldMk cId="4278842127" sldId="265"/>
-        </pc:sldMkLst>
-        <pc:spChg chg="mod">
-          <ac:chgData name="Benjamin Payne" userId="S::benpayne@umbc.edu::b61ff11c-ba68-49af-b001-f9f234a6aca3" providerId="AD" clId="Web-{50CE2F89-8185-F02C-6DAE-22231A35577B}" dt="2018-08-19T20:11:49.327" v="2194" actId="20577"/>
-          <ac:spMkLst>
-            <pc:docMk/>
-            <pc:sldMk cId="4278842127" sldId="265"/>
-            <ac:spMk id="4" creationId="{4524B6D4-0E9B-4B3B-B2AE-D882ED5055AB}"/>
-          </ac:spMkLst>
-        </pc:spChg>
-      </pc:sldChg>
-      <pc:sldChg chg="modSp">
-        <pc:chgData name="Benjamin Payne" userId="S::benpayne@umbc.edu::b61ff11c-ba68-49af-b001-f9f234a6aca3" providerId="AD" clId="Web-{50CE2F89-8185-F02C-6DAE-22231A35577B}" dt="2018-08-19T19:49:18.299" v="1820" actId="20577"/>
-        <pc:sldMkLst>
-          <pc:docMk/>
-          <pc:sldMk cId="3690999722" sldId="266"/>
-        </pc:sldMkLst>
-        <pc:spChg chg="mod">
-          <ac:chgData name="Benjamin Payne" userId="S::benpayne@umbc.edu::b61ff11c-ba68-49af-b001-f9f234a6aca3" providerId="AD" clId="Web-{50CE2F89-8185-F02C-6DAE-22231A35577B}" dt="2018-08-19T19:49:18.299" v="1820" actId="20577"/>
-          <ac:spMkLst>
-            <pc:docMk/>
-            <pc:sldMk cId="3690999722" sldId="266"/>
-            <ac:spMk id="2" creationId="{35C21950-4925-407F-9517-2A580F315912}"/>
-          </ac:spMkLst>
-        </pc:spChg>
-        <pc:spChg chg="mod">
-          <ac:chgData name="Benjamin Payne" userId="S::benpayne@umbc.edu::b61ff11c-ba68-49af-b001-f9f234a6aca3" providerId="AD" clId="Web-{50CE2F89-8185-F02C-6DAE-22231A35577B}" dt="2018-08-19T19:08:21.382" v="496" actId="20577"/>
-          <ac:spMkLst>
-            <pc:docMk/>
-            <pc:sldMk cId="3690999722" sldId="266"/>
-            <ac:spMk id="3" creationId="{443C0148-BD26-4777-A844-9E0366AD5D49}"/>
-          </ac:spMkLst>
-        </pc:spChg>
-      </pc:sldChg>
-      <pc:sldChg chg="modSp">
-        <pc:chgData name="Benjamin Payne" userId="S::benpayne@umbc.edu::b61ff11c-ba68-49af-b001-f9f234a6aca3" providerId="AD" clId="Web-{50CE2F89-8185-F02C-6DAE-22231A35577B}" dt="2018-08-19T19:50:02.549" v="1829" actId="20577"/>
-        <pc:sldMkLst>
-          <pc:docMk/>
-          <pc:sldMk cId="900156501" sldId="267"/>
-        </pc:sldMkLst>
-        <pc:spChg chg="mod">
-          <ac:chgData name="Benjamin Payne" userId="S::benpayne@umbc.edu::b61ff11c-ba68-49af-b001-f9f234a6aca3" providerId="AD" clId="Web-{50CE2F89-8185-F02C-6DAE-22231A35577B}" dt="2018-08-19T19:50:02.549" v="1829" actId="20577"/>
-          <ac:spMkLst>
-            <pc:docMk/>
-            <pc:sldMk cId="900156501" sldId="267"/>
-            <ac:spMk id="2" creationId="{6F11E0CD-64BA-4534-9081-33C99C285510}"/>
-          </ac:spMkLst>
-        </pc:spChg>
-      </pc:sldChg>
-      <pc:sldChg chg="modSp">
-        <pc:chgData name="Benjamin Payne" userId="S::benpayne@umbc.edu::b61ff11c-ba68-49af-b001-f9f234a6aca3" providerId="AD" clId="Web-{50CE2F89-8185-F02C-6DAE-22231A35577B}" dt="2018-08-19T19:49:57.346" v="1825" actId="20577"/>
-        <pc:sldMkLst>
-          <pc:docMk/>
-          <pc:sldMk cId="3201166040" sldId="268"/>
-        </pc:sldMkLst>
-        <pc:spChg chg="mod">
-          <ac:chgData name="Benjamin Payne" userId="S::benpayne@umbc.edu::b61ff11c-ba68-49af-b001-f9f234a6aca3" providerId="AD" clId="Web-{50CE2F89-8185-F02C-6DAE-22231A35577B}" dt="2018-08-19T19:49:57.346" v="1825" actId="20577"/>
-          <ac:spMkLst>
-            <pc:docMk/>
-            <pc:sldMk cId="3201166040" sldId="268"/>
-            <ac:spMk id="2" creationId="{0720D5C7-5F13-4E46-9841-B82D0A5812FB}"/>
-          </ac:spMkLst>
-        </pc:spChg>
-      </pc:sldChg>
-      <pc:sldChg chg="modSp">
-        <pc:chgData name="Benjamin Payne" userId="S::benpayne@umbc.edu::b61ff11c-ba68-49af-b001-f9f234a6aca3" providerId="AD" clId="Web-{50CE2F89-8185-F02C-6DAE-22231A35577B}" dt="2018-08-19T20:11:36.749" v="2191" actId="20577"/>
-        <pc:sldMkLst>
-          <pc:docMk/>
-          <pc:sldMk cId="2968388444" sldId="272"/>
-        </pc:sldMkLst>
-        <pc:spChg chg="mod">
-          <ac:chgData name="Benjamin Payne" userId="S::benpayne@umbc.edu::b61ff11c-ba68-49af-b001-f9f234a6aca3" providerId="AD" clId="Web-{50CE2F89-8185-F02C-6DAE-22231A35577B}" dt="2018-08-19T20:11:36.749" v="2191" actId="20577"/>
-          <ac:spMkLst>
-            <pc:docMk/>
-            <pc:sldMk cId="2968388444" sldId="272"/>
-            <ac:spMk id="4" creationId="{602FD875-693F-4816-913D-7486A9261007}"/>
-          </ac:spMkLst>
-        </pc:spChg>
-      </pc:sldChg>
-      <pc:sldChg chg="modSp">
-        <pc:chgData name="Benjamin Payne" userId="S::benpayne@umbc.edu::b61ff11c-ba68-49af-b001-f9f234a6aca3" providerId="AD" clId="Web-{50CE2F89-8185-F02C-6DAE-22231A35577B}" dt="2018-08-19T20:11:26.202" v="2189" actId="20577"/>
-        <pc:sldMkLst>
-          <pc:docMk/>
-          <pc:sldMk cId="1824397595" sldId="273"/>
-        </pc:sldMkLst>
-        <pc:spChg chg="mod">
-          <ac:chgData name="Benjamin Payne" userId="S::benpayne@umbc.edu::b61ff11c-ba68-49af-b001-f9f234a6aca3" providerId="AD" clId="Web-{50CE2F89-8185-F02C-6DAE-22231A35577B}" dt="2018-08-19T20:11:26.202" v="2189" actId="20577"/>
-          <ac:spMkLst>
-            <pc:docMk/>
-            <pc:sldMk cId="1824397595" sldId="273"/>
-            <ac:spMk id="3" creationId="{B34CCA8B-EB7D-49D2-94BF-CF38A4B77E1B}"/>
-          </ac:spMkLst>
-        </pc:spChg>
-      </pc:sldChg>
-      <pc:sldChg chg="addSp modSp modNotes">
-        <pc:chgData name="Benjamin Payne" userId="S::benpayne@umbc.edu::b61ff11c-ba68-49af-b001-f9f234a6aca3" providerId="AD" clId="Web-{50CE2F89-8185-F02C-6DAE-22231A35577B}" dt="2018-08-19T20:10:58.874" v="2176" actId="20577"/>
-        <pc:sldMkLst>
-          <pc:docMk/>
-          <pc:sldMk cId="3368428427" sldId="275"/>
-        </pc:sldMkLst>
-        <pc:spChg chg="mod">
-          <ac:chgData name="Benjamin Payne" userId="S::benpayne@umbc.edu::b61ff11c-ba68-49af-b001-f9f234a6aca3" providerId="AD" clId="Web-{50CE2F89-8185-F02C-6DAE-22231A35577B}" dt="2018-08-19T20:10:58.874" v="2176" actId="20577"/>
-          <ac:spMkLst>
-            <pc:docMk/>
-            <pc:sldMk cId="3368428427" sldId="275"/>
-            <ac:spMk id="3" creationId="{D850296D-7AB8-48C8-BA9B-87C0E5E36123}"/>
-          </ac:spMkLst>
-        </pc:spChg>
-        <pc:picChg chg="add mod modCrop">
-          <ac:chgData name="Benjamin Payne" userId="S::benpayne@umbc.edu::b61ff11c-ba68-49af-b001-f9f234a6aca3" providerId="AD" clId="Web-{50CE2F89-8185-F02C-6DAE-22231A35577B}" dt="2018-08-19T20:09:23.516" v="2136" actId="1076"/>
-          <ac:picMkLst>
-            <pc:docMk/>
-            <pc:sldMk cId="3368428427" sldId="275"/>
-            <ac:picMk id="4" creationId="{CBDF2365-2105-4302-8031-270C2999E478}"/>
-          </ac:picMkLst>
-        </pc:picChg>
-      </pc:sldChg>
-      <pc:sldChg chg="modSp">
-        <pc:chgData name="Benjamin Payne" userId="S::benpayne@umbc.edu::b61ff11c-ba68-49af-b001-f9f234a6aca3" providerId="AD" clId="Web-{50CE2F89-8185-F02C-6DAE-22231A35577B}" dt="2018-08-19T20:05:05.797" v="2093" actId="20577"/>
-        <pc:sldMkLst>
-          <pc:docMk/>
-          <pc:sldMk cId="1244777073" sldId="276"/>
-        </pc:sldMkLst>
-        <pc:spChg chg="mod">
-          <ac:chgData name="Benjamin Payne" userId="S::benpayne@umbc.edu::b61ff11c-ba68-49af-b001-f9f234a6aca3" providerId="AD" clId="Web-{50CE2F89-8185-F02C-6DAE-22231A35577B}" dt="2018-08-19T20:03:55.766" v="2032" actId="20577"/>
-          <ac:spMkLst>
-            <pc:docMk/>
-            <pc:sldMk cId="1244777073" sldId="276"/>
-            <ac:spMk id="2" creationId="{6F470837-2912-4BCE-B8C3-1E3F485FD446}"/>
-          </ac:spMkLst>
-        </pc:spChg>
-        <pc:spChg chg="mod">
-          <ac:chgData name="Benjamin Payne" userId="S::benpayne@umbc.edu::b61ff11c-ba68-49af-b001-f9f234a6aca3" providerId="AD" clId="Web-{50CE2F89-8185-F02C-6DAE-22231A35577B}" dt="2018-08-19T20:05:05.797" v="2093" actId="20577"/>
-          <ac:spMkLst>
-            <pc:docMk/>
-            <pc:sldMk cId="1244777073" sldId="276"/>
-            <ac:spMk id="3" creationId="{00BE4C77-0A73-49B2-81D1-823AF169CCC4}"/>
-          </ac:spMkLst>
-        </pc:spChg>
-      </pc:sldChg>
-      <pc:sldChg chg="modSp">
-        <pc:chgData name="Benjamin Payne" userId="S::benpayne@umbc.edu::b61ff11c-ba68-49af-b001-f9f234a6aca3" providerId="AD" clId="Web-{50CE2F89-8185-F02C-6DAE-22231A35577B}" dt="2018-08-19T20:12:03.718" v="2197" actId="20577"/>
-        <pc:sldMkLst>
-          <pc:docMk/>
-          <pc:sldMk cId="1364403274" sldId="277"/>
-        </pc:sldMkLst>
-        <pc:spChg chg="mod">
-          <ac:chgData name="Benjamin Payne" userId="S::benpayne@umbc.edu::b61ff11c-ba68-49af-b001-f9f234a6aca3" providerId="AD" clId="Web-{50CE2F89-8185-F02C-6DAE-22231A35577B}" dt="2018-08-19T20:12:03.718" v="2197" actId="20577"/>
-          <ac:spMkLst>
-            <pc:docMk/>
-            <pc:sldMk cId="1364403274" sldId="277"/>
-            <ac:spMk id="3" creationId="{7DABFF33-165D-49CD-8F9D-7394951F24DB}"/>
-          </ac:spMkLst>
-        </pc:spChg>
-      </pc:sldChg>
-      <pc:sldChg chg="addSp modSp">
-        <pc:chgData name="Benjamin Payne" userId="S::benpayne@umbc.edu::b61ff11c-ba68-49af-b001-f9f234a6aca3" providerId="AD" clId="Web-{50CE2F89-8185-F02C-6DAE-22231A35577B}" dt="2018-08-19T19:09:46.429" v="566" actId="20577"/>
-        <pc:sldMkLst>
-          <pc:docMk/>
-          <pc:sldMk cId="687479494" sldId="281"/>
-        </pc:sldMkLst>
-        <pc:spChg chg="add mod">
-          <ac:chgData name="Benjamin Payne" userId="S::benpayne@umbc.edu::b61ff11c-ba68-49af-b001-f9f234a6aca3" providerId="AD" clId="Web-{50CE2F89-8185-F02C-6DAE-22231A35577B}" dt="2018-08-19T19:09:46.429" v="566" actId="20577"/>
-          <ac:spMkLst>
-            <pc:docMk/>
-            <pc:sldMk cId="687479494" sldId="281"/>
-            <ac:spMk id="3" creationId="{CAF2CA46-D523-4123-BD84-4F8FC54C1DA6}"/>
-          </ac:spMkLst>
-        </pc:spChg>
-        <pc:spChg chg="mod">
-          <ac:chgData name="Benjamin Payne" userId="S::benpayne@umbc.edu::b61ff11c-ba68-49af-b001-f9f234a6aca3" providerId="AD" clId="Web-{50CE2F89-8185-F02C-6DAE-22231A35577B}" dt="2018-08-19T19:08:40.960" v="498" actId="1076"/>
-          <ac:spMkLst>
-            <pc:docMk/>
-            <pc:sldMk cId="687479494" sldId="281"/>
-            <ac:spMk id="7" creationId="{0E936069-7286-44E6-AAD9-C6955406D2AA}"/>
-          </ac:spMkLst>
-        </pc:spChg>
-      </pc:sldChg>
-      <pc:sldChg chg="modSp">
-        <pc:chgData name="Benjamin Payne" userId="S::benpayne@umbc.edu::b61ff11c-ba68-49af-b001-f9f234a6aca3" providerId="AD" clId="Web-{50CE2F89-8185-F02C-6DAE-22231A35577B}" dt="2018-08-19T19:06:02.070" v="407" actId="20577"/>
-        <pc:sldMkLst>
-          <pc:docMk/>
-          <pc:sldMk cId="3915717569" sldId="282"/>
-        </pc:sldMkLst>
-        <pc:spChg chg="mod">
-          <ac:chgData name="Benjamin Payne" userId="S::benpayne@umbc.edu::b61ff11c-ba68-49af-b001-f9f234a6aca3" providerId="AD" clId="Web-{50CE2F89-8185-F02C-6DAE-22231A35577B}" dt="2018-08-19T19:06:02.070" v="407" actId="20577"/>
-          <ac:spMkLst>
-            <pc:docMk/>
-            <pc:sldMk cId="3915717569" sldId="282"/>
-            <ac:spMk id="3" creationId="{DC5B9FEB-0F53-4009-8F02-028EFF58FE0B}"/>
-          </ac:spMkLst>
-        </pc:spChg>
-      </pc:sldChg>
-      <pc:sldChg chg="modSp">
-        <pc:chgData name="Benjamin Payne" userId="S::benpayne@umbc.edu::b61ff11c-ba68-49af-b001-f9f234a6aca3" providerId="AD" clId="Web-{50CE2F89-8185-F02C-6DAE-22231A35577B}" dt="2018-08-19T18:56:50.056" v="68" actId="20577"/>
-        <pc:sldMkLst>
-          <pc:docMk/>
-          <pc:sldMk cId="1316053804" sldId="283"/>
-        </pc:sldMkLst>
-        <pc:spChg chg="mod">
-          <ac:chgData name="Benjamin Payne" userId="S::benpayne@umbc.edu::b61ff11c-ba68-49af-b001-f9f234a6aca3" providerId="AD" clId="Web-{50CE2F89-8185-F02C-6DAE-22231A35577B}" dt="2018-08-19T18:56:50.056" v="68" actId="20577"/>
-          <ac:spMkLst>
-            <pc:docMk/>
-            <pc:sldMk cId="1316053804" sldId="283"/>
-            <ac:spMk id="3" creationId="{E99E1B89-FFE2-4D51-8F92-85A774213868}"/>
-          </ac:spMkLst>
-        </pc:spChg>
-      </pc:sldChg>
-      <pc:sldChg chg="modSp">
-        <pc:chgData name="Benjamin Payne" userId="S::benpayne@umbc.edu::b61ff11c-ba68-49af-b001-f9f234a6aca3" providerId="AD" clId="Web-{50CE2F89-8185-F02C-6DAE-22231A35577B}" dt="2018-08-19T19:00:33.477" v="255" actId="20577"/>
-        <pc:sldMkLst>
-          <pc:docMk/>
-          <pc:sldMk cId="709874332" sldId="284"/>
-        </pc:sldMkLst>
-        <pc:spChg chg="mod">
-          <ac:chgData name="Benjamin Payne" userId="S::benpayne@umbc.edu::b61ff11c-ba68-49af-b001-f9f234a6aca3" providerId="AD" clId="Web-{50CE2F89-8185-F02C-6DAE-22231A35577B}" dt="2018-08-19T19:00:33.477" v="255" actId="20577"/>
-          <ac:spMkLst>
-            <pc:docMk/>
-            <pc:sldMk cId="709874332" sldId="284"/>
-            <ac:spMk id="2" creationId="{0A20E041-E675-44AC-9111-49AF9325554B}"/>
-          </ac:spMkLst>
-        </pc:spChg>
-      </pc:sldChg>
-      <pc:sldChg chg="addSp modSp">
-        <pc:chgData name="Benjamin Payne" userId="S::benpayne@umbc.edu::b61ff11c-ba68-49af-b001-f9f234a6aca3" providerId="AD" clId="Web-{50CE2F89-8185-F02C-6DAE-22231A35577B}" dt="2018-08-19T18:56:04.416" v="63" actId="14100"/>
-        <pc:sldMkLst>
-          <pc:docMk/>
-          <pc:sldMk cId="3305314408" sldId="285"/>
-        </pc:sldMkLst>
-        <pc:spChg chg="mod">
-          <ac:chgData name="Benjamin Payne" userId="S::benpayne@umbc.edu::b61ff11c-ba68-49af-b001-f9f234a6aca3" providerId="AD" clId="Web-{50CE2F89-8185-F02C-6DAE-22231A35577B}" dt="2018-08-19T18:55:38.869" v="53" actId="20577"/>
-          <ac:spMkLst>
-            <pc:docMk/>
-            <pc:sldMk cId="3305314408" sldId="285"/>
-            <ac:spMk id="3" creationId="{ED9EC77E-1E80-44B3-9000-C218BABC3350}"/>
-          </ac:spMkLst>
-        </pc:spChg>
-        <pc:picChg chg="add mod">
-          <ac:chgData name="Benjamin Payne" userId="S::benpayne@umbc.edu::b61ff11c-ba68-49af-b001-f9f234a6aca3" providerId="AD" clId="Web-{50CE2F89-8185-F02C-6DAE-22231A35577B}" dt="2018-08-19T18:55:32.775" v="51" actId="1076"/>
-          <ac:picMkLst>
-            <pc:docMk/>
-            <pc:sldMk cId="3305314408" sldId="285"/>
-            <ac:picMk id="4" creationId="{1B87A3DC-6E15-423D-8626-556185965919}"/>
-          </ac:picMkLst>
-        </pc:picChg>
-        <pc:picChg chg="add mod">
-          <ac:chgData name="Benjamin Payne" userId="S::benpayne@umbc.edu::b61ff11c-ba68-49af-b001-f9f234a6aca3" providerId="AD" clId="Web-{50CE2F89-8185-F02C-6DAE-22231A35577B}" dt="2018-08-19T18:55:53.025" v="60" actId="1076"/>
-          <ac:picMkLst>
-            <pc:docMk/>
-            <pc:sldMk cId="3305314408" sldId="285"/>
-            <ac:picMk id="6" creationId="{B4FFE045-634A-4B4B-A7EC-E3E5F0FE0D4D}"/>
-          </ac:picMkLst>
-        </pc:picChg>
-        <pc:picChg chg="add mod">
-          <ac:chgData name="Benjamin Payne" userId="S::benpayne@umbc.edu::b61ff11c-ba68-49af-b001-f9f234a6aca3" providerId="AD" clId="Web-{50CE2F89-8185-F02C-6DAE-22231A35577B}" dt="2018-08-19T18:55:58.900" v="62" actId="1076"/>
-          <ac:picMkLst>
-            <pc:docMk/>
-            <pc:sldMk cId="3305314408" sldId="285"/>
-            <ac:picMk id="8" creationId="{C1D9AD52-A60B-4BE6-8264-C1780A8F4E97}"/>
-          </ac:picMkLst>
-        </pc:picChg>
-        <pc:picChg chg="add mod">
-          <ac:chgData name="Benjamin Payne" userId="S::benpayne@umbc.edu::b61ff11c-ba68-49af-b001-f9f234a6aca3" providerId="AD" clId="Web-{50CE2F89-8185-F02C-6DAE-22231A35577B}" dt="2018-08-19T18:55:21.087" v="47" actId="14100"/>
-          <ac:picMkLst>
-            <pc:docMk/>
-            <pc:sldMk cId="3305314408" sldId="285"/>
-            <ac:picMk id="10" creationId="{F1F4D853-2C1B-4126-94B3-29B57E6F2CD2}"/>
-          </ac:picMkLst>
-        </pc:picChg>
-        <pc:picChg chg="add mod ord">
-          <ac:chgData name="Benjamin Payne" userId="S::benpayne@umbc.edu::b61ff11c-ba68-49af-b001-f9f234a6aca3" providerId="AD" clId="Web-{50CE2F89-8185-F02C-6DAE-22231A35577B}" dt="2018-08-19T18:55:41.525" v="56" actId="1076"/>
-          <ac:picMkLst>
-            <pc:docMk/>
-            <pc:sldMk cId="3305314408" sldId="285"/>
-            <ac:picMk id="12" creationId="{43868C8B-BC13-46CC-9EA7-CC982C41BF0E}"/>
-          </ac:picMkLst>
-        </pc:picChg>
-        <pc:picChg chg="add mod">
-          <ac:chgData name="Benjamin Payne" userId="S::benpayne@umbc.edu::b61ff11c-ba68-49af-b001-f9f234a6aca3" providerId="AD" clId="Web-{50CE2F89-8185-F02C-6DAE-22231A35577B}" dt="2018-08-19T18:56:04.416" v="63" actId="14100"/>
-          <ac:picMkLst>
-            <pc:docMk/>
-            <pc:sldMk cId="3305314408" sldId="285"/>
-            <ac:picMk id="14" creationId="{5A18A6A3-03A3-41F8-9617-3F911714A08E}"/>
-          </ac:picMkLst>
-        </pc:picChg>
-        <pc:picChg chg="add mod">
-          <ac:chgData name="Benjamin Payne" userId="S::benpayne@umbc.edu::b61ff11c-ba68-49af-b001-f9f234a6aca3" providerId="AD" clId="Web-{50CE2F89-8185-F02C-6DAE-22231A35577B}" dt="2018-08-19T18:55:48.072" v="58" actId="1076"/>
-          <ac:picMkLst>
-            <pc:docMk/>
-            <pc:sldMk cId="3305314408" sldId="285"/>
-            <ac:picMk id="16" creationId="{5093AC7B-AC50-4BD4-8367-B3A9F899BAD3}"/>
-          </ac:picMkLst>
-        </pc:picChg>
-      </pc:sldChg>
-      <pc:sldChg chg="modSp">
-        <pc:chgData name="Benjamin Payne" userId="S::benpayne@umbc.edu::b61ff11c-ba68-49af-b001-f9f234a6aca3" providerId="AD" clId="Web-{50CE2F89-8185-F02C-6DAE-22231A35577B}" dt="2018-08-19T19:10:26.835" v="585" actId="20577"/>
-        <pc:sldMkLst>
-          <pc:docMk/>
-          <pc:sldMk cId="1793106801" sldId="286"/>
-        </pc:sldMkLst>
-        <pc:spChg chg="mod">
-          <ac:chgData name="Benjamin Payne" userId="S::benpayne@umbc.edu::b61ff11c-ba68-49af-b001-f9f234a6aca3" providerId="AD" clId="Web-{50CE2F89-8185-F02C-6DAE-22231A35577B}" dt="2018-08-19T19:10:20.944" v="582" actId="20577"/>
-          <ac:spMkLst>
-            <pc:docMk/>
-            <pc:sldMk cId="1793106801" sldId="286"/>
-            <ac:spMk id="2" creationId="{906183ED-CD3A-4553-B511-EC3B060DED78}"/>
-          </ac:spMkLst>
-        </pc:spChg>
-        <pc:spChg chg="mod">
-          <ac:chgData name="Benjamin Payne" userId="S::benpayne@umbc.edu::b61ff11c-ba68-49af-b001-f9f234a6aca3" providerId="AD" clId="Web-{50CE2F89-8185-F02C-6DAE-22231A35577B}" dt="2018-08-19T19:10:26.835" v="585" actId="20577"/>
-          <ac:spMkLst>
-            <pc:docMk/>
-            <pc:sldMk cId="1793106801" sldId="286"/>
-            <ac:spMk id="3" creationId="{6B836144-CDC1-4699-8C2C-6653FEBF33DD}"/>
-          </ac:spMkLst>
-        </pc:spChg>
-      </pc:sldChg>
-      <pc:sldChg chg="ord">
-        <pc:chgData name="Benjamin Payne" userId="S::benpayne@umbc.edu::b61ff11c-ba68-49af-b001-f9f234a6aca3" providerId="AD" clId="Web-{50CE2F89-8185-F02C-6DAE-22231A35577B}" dt="2018-08-19T20:06:32.376" v="2119"/>
-        <pc:sldMkLst>
-          <pc:docMk/>
-          <pc:sldMk cId="2440936555" sldId="295"/>
-        </pc:sldMkLst>
-      </pc:sldChg>
-      <pc:sldChg chg="ord">
-        <pc:chgData name="Benjamin Payne" userId="S::benpayne@umbc.edu::b61ff11c-ba68-49af-b001-f9f234a6aca3" providerId="AD" clId="Web-{50CE2F89-8185-F02C-6DAE-22231A35577B}" dt="2018-08-19T20:06:32.376" v="2118"/>
-        <pc:sldMkLst>
-          <pc:docMk/>
-          <pc:sldMk cId="2549415326" sldId="296"/>
-        </pc:sldMkLst>
-      </pc:sldChg>
-      <pc:sldChg chg="modSp new">
-        <pc:chgData name="Benjamin Payne" userId="S::benpayne@umbc.edu::b61ff11c-ba68-49af-b001-f9f234a6aca3" providerId="AD" clId="Web-{50CE2F89-8185-F02C-6DAE-22231A35577B}" dt="2018-08-19T19:14:50.335" v="842" actId="20577"/>
-        <pc:sldMkLst>
-          <pc:docMk/>
-          <pc:sldMk cId="3550033117" sldId="298"/>
-        </pc:sldMkLst>
-        <pc:spChg chg="mod">
-          <ac:chgData name="Benjamin Payne" userId="S::benpayne@umbc.edu::b61ff11c-ba68-49af-b001-f9f234a6aca3" providerId="AD" clId="Web-{50CE2F89-8185-F02C-6DAE-22231A35577B}" dt="2018-08-19T19:10:59.772" v="603" actId="20577"/>
-          <ac:spMkLst>
-            <pc:docMk/>
-            <pc:sldMk cId="3550033117" sldId="298"/>
-            <ac:spMk id="2" creationId="{C7B52A2E-A29D-48C7-AD8A-B1FBFC27095D}"/>
-          </ac:spMkLst>
-        </pc:spChg>
-        <pc:spChg chg="mod">
-          <ac:chgData name="Benjamin Payne" userId="S::benpayne@umbc.edu::b61ff11c-ba68-49af-b001-f9f234a6aca3" providerId="AD" clId="Web-{50CE2F89-8185-F02C-6DAE-22231A35577B}" dt="2018-08-19T19:14:50.335" v="842" actId="20577"/>
-          <ac:spMkLst>
-            <pc:docMk/>
-            <pc:sldMk cId="3550033117" sldId="298"/>
-            <ac:spMk id="3" creationId="{F7F58297-3BE8-455D-A615-B8EC2363B45C}"/>
-          </ac:spMkLst>
-        </pc:spChg>
-      </pc:sldChg>
-      <pc:sldChg chg="addSp delSp modSp new modNotes">
-        <pc:chgData name="Benjamin Payne" userId="S::benpayne@umbc.edu::b61ff11c-ba68-49af-b001-f9f234a6aca3" providerId="AD" clId="Web-{50CE2F89-8185-F02C-6DAE-22231A35577B}" dt="2018-08-19T19:31:02.755" v="1015" actId="20577"/>
-        <pc:sldMkLst>
-          <pc:docMk/>
-          <pc:sldMk cId="226529201" sldId="299"/>
-        </pc:sldMkLst>
-        <pc:spChg chg="mod">
-          <ac:chgData name="Benjamin Payne" userId="S::benpayne@umbc.edu::b61ff11c-ba68-49af-b001-f9f234a6aca3" providerId="AD" clId="Web-{50CE2F89-8185-F02C-6DAE-22231A35577B}" dt="2018-08-19T19:31:02.755" v="1015" actId="20577"/>
-          <ac:spMkLst>
-            <pc:docMk/>
-            <pc:sldMk cId="226529201" sldId="299"/>
-            <ac:spMk id="2" creationId="{973A886B-4325-49AF-864B-0859624C6FB8}"/>
-          </ac:spMkLst>
-        </pc:spChg>
-        <pc:spChg chg="del mod">
-          <ac:chgData name="Benjamin Payne" userId="S::benpayne@umbc.edu::b61ff11c-ba68-49af-b001-f9f234a6aca3" providerId="AD" clId="Web-{50CE2F89-8185-F02C-6DAE-22231A35577B}" dt="2018-08-19T19:22:29.802" v="906"/>
-          <ac:spMkLst>
-            <pc:docMk/>
-            <pc:sldMk cId="226529201" sldId="299"/>
-            <ac:spMk id="3" creationId="{371514C6-8EAE-4DE0-8728-C7BA48E4B420}"/>
-          </ac:spMkLst>
-        </pc:spChg>
-        <pc:spChg chg="add del mod">
-          <ac:chgData name="Benjamin Payne" userId="S::benpayne@umbc.edu::b61ff11c-ba68-49af-b001-f9f234a6aca3" providerId="AD" clId="Web-{50CE2F89-8185-F02C-6DAE-22231A35577B}" dt="2018-08-19T19:22:36.161" v="907"/>
-          <ac:spMkLst>
-            <pc:docMk/>
-            <pc:sldMk cId="226529201" sldId="299"/>
-            <ac:spMk id="7" creationId="{F2497D20-27D3-4320-9837-F83E37AF1432}"/>
-          </ac:spMkLst>
-        </pc:spChg>
-        <pc:picChg chg="add mod modCrop">
-          <ac:chgData name="Benjamin Payne" userId="S::benpayne@umbc.edu::b61ff11c-ba68-49af-b001-f9f234a6aca3" providerId="AD" clId="Web-{50CE2F89-8185-F02C-6DAE-22231A35577B}" dt="2018-08-19T19:22:21.036" v="905" actId="1076"/>
-          <ac:picMkLst>
-            <pc:docMk/>
-            <pc:sldMk cId="226529201" sldId="299"/>
-            <ac:picMk id="4" creationId="{5D34D5E0-EAE7-4347-B0F5-A0D12471DFE8}"/>
-          </ac:picMkLst>
-        </pc:picChg>
-      </pc:sldChg>
-      <pc:sldChg chg="addSp modSp add replId">
-        <pc:chgData name="Benjamin Payne" userId="S::benpayne@umbc.edu::b61ff11c-ba68-49af-b001-f9f234a6aca3" providerId="AD" clId="Web-{50CE2F89-8185-F02C-6DAE-22231A35577B}" dt="2018-08-19T19:31:07.567" v="1019" actId="20577"/>
-        <pc:sldMkLst>
-          <pc:docMk/>
-          <pc:sldMk cId="3287480692" sldId="300"/>
-        </pc:sldMkLst>
-        <pc:spChg chg="mod">
-          <ac:chgData name="Benjamin Payne" userId="S::benpayne@umbc.edu::b61ff11c-ba68-49af-b001-f9f234a6aca3" providerId="AD" clId="Web-{50CE2F89-8185-F02C-6DAE-22231A35577B}" dt="2018-08-19T19:31:07.567" v="1019" actId="20577"/>
-          <ac:spMkLst>
-            <pc:docMk/>
-            <pc:sldMk cId="3287480692" sldId="300"/>
-            <ac:spMk id="2" creationId="{973A886B-4325-49AF-864B-0859624C6FB8}"/>
-          </ac:spMkLst>
-        </pc:spChg>
-        <pc:spChg chg="add mod">
-          <ac:chgData name="Benjamin Payne" userId="S::benpayne@umbc.edu::b61ff11c-ba68-49af-b001-f9f234a6aca3" providerId="AD" clId="Web-{50CE2F89-8185-F02C-6DAE-22231A35577B}" dt="2018-08-19T19:27:53.692" v="958" actId="20577"/>
-          <ac:spMkLst>
-            <pc:docMk/>
-            <pc:sldMk cId="3287480692" sldId="300"/>
-            <ac:spMk id="3" creationId="{360B039B-3C66-4B32-BA30-F9E5A98FA644}"/>
-          </ac:spMkLst>
-        </pc:spChg>
-        <pc:picChg chg="add mod">
-          <ac:chgData name="Benjamin Payne" userId="S::benpayne@umbc.edu::b61ff11c-ba68-49af-b001-f9f234a6aca3" providerId="AD" clId="Web-{50CE2F89-8185-F02C-6DAE-22231A35577B}" dt="2018-08-19T19:24:59.411" v="945" actId="1076"/>
-          <ac:picMkLst>
-            <pc:docMk/>
-            <pc:sldMk cId="3287480692" sldId="300"/>
-            <ac:picMk id="5" creationId="{017E0DC2-05D9-40C3-AA4B-6404669BC027}"/>
-          </ac:picMkLst>
-        </pc:picChg>
-      </pc:sldChg>
-      <pc:sldChg chg="delSp modSp add replId">
-        <pc:chgData name="Benjamin Payne" userId="S::benpayne@umbc.edu::b61ff11c-ba68-49af-b001-f9f234a6aca3" providerId="AD" clId="Web-{50CE2F89-8185-F02C-6DAE-22231A35577B}" dt="2018-08-19T19:31:16.114" v="1026" actId="20577"/>
-        <pc:sldMkLst>
-          <pc:docMk/>
-          <pc:sldMk cId="1625610559" sldId="301"/>
-        </pc:sldMkLst>
-        <pc:spChg chg="mod">
-          <ac:chgData name="Benjamin Payne" userId="S::benpayne@umbc.edu::b61ff11c-ba68-49af-b001-f9f234a6aca3" providerId="AD" clId="Web-{50CE2F89-8185-F02C-6DAE-22231A35577B}" dt="2018-08-19T19:31:16.114" v="1026" actId="20577"/>
-          <ac:spMkLst>
-            <pc:docMk/>
-            <pc:sldMk cId="1625610559" sldId="301"/>
-            <ac:spMk id="2" creationId="{973A886B-4325-49AF-864B-0859624C6FB8}"/>
-          </ac:spMkLst>
-        </pc:spChg>
-        <pc:spChg chg="mod">
-          <ac:chgData name="Benjamin Payne" userId="S::benpayne@umbc.edu::b61ff11c-ba68-49af-b001-f9f234a6aca3" providerId="AD" clId="Web-{50CE2F89-8185-F02C-6DAE-22231A35577B}" dt="2018-08-19T19:27:48.395" v="955" actId="20577"/>
-          <ac:spMkLst>
-            <pc:docMk/>
-            <pc:sldMk cId="1625610559" sldId="301"/>
-            <ac:spMk id="3" creationId="{360B039B-3C66-4B32-BA30-F9E5A98FA644}"/>
-          </ac:spMkLst>
-        </pc:spChg>
-        <pc:picChg chg="del">
-          <ac:chgData name="Benjamin Payne" userId="S::benpayne@umbc.edu::b61ff11c-ba68-49af-b001-f9f234a6aca3" providerId="AD" clId="Web-{50CE2F89-8185-F02C-6DAE-22231A35577B}" dt="2018-08-19T19:25:32.849" v="954"/>
-          <ac:picMkLst>
-            <pc:docMk/>
-            <pc:sldMk cId="1625610559" sldId="301"/>
-            <ac:picMk id="5" creationId="{017E0DC2-05D9-40C3-AA4B-6404669BC027}"/>
-          </ac:picMkLst>
-        </pc:picChg>
-      </pc:sldChg>
-      <pc:sldChg chg="addSp delSp modSp add replId modNotes">
-        <pc:chgData name="Benjamin Payne" userId="S::benpayne@umbc.edu::b61ff11c-ba68-49af-b001-f9f234a6aca3" providerId="AD" clId="Web-{50CE2F89-8185-F02C-6DAE-22231A35577B}" dt="2018-08-19T19:51:46.314" v="1838"/>
-        <pc:sldMkLst>
-          <pc:docMk/>
-          <pc:sldMk cId="4154156185" sldId="302"/>
-        </pc:sldMkLst>
-        <pc:spChg chg="mod">
-          <ac:chgData name="Benjamin Payne" userId="S::benpayne@umbc.edu::b61ff11c-ba68-49af-b001-f9f234a6aca3" providerId="AD" clId="Web-{50CE2F89-8185-F02C-6DAE-22231A35577B}" dt="2018-08-19T19:31:44.536" v="1028" actId="20577"/>
-          <ac:spMkLst>
-            <pc:docMk/>
-            <pc:sldMk cId="4154156185" sldId="302"/>
-            <ac:spMk id="2" creationId="{973A886B-4325-49AF-864B-0859624C6FB8}"/>
-          </ac:spMkLst>
-        </pc:spChg>
-        <pc:spChg chg="mod">
-          <ac:chgData name="Benjamin Payne" userId="S::benpayne@umbc.edu::b61ff11c-ba68-49af-b001-f9f234a6aca3" providerId="AD" clId="Web-{50CE2F89-8185-F02C-6DAE-22231A35577B}" dt="2018-08-19T19:30:03.864" v="987" actId="14100"/>
-          <ac:spMkLst>
-            <pc:docMk/>
-            <pc:sldMk cId="4154156185" sldId="302"/>
-            <ac:spMk id="3" creationId="{360B039B-3C66-4B32-BA30-F9E5A98FA644}"/>
-          </ac:spMkLst>
-        </pc:spChg>
-        <pc:picChg chg="del">
-          <ac:chgData name="Benjamin Payne" userId="S::benpayne@umbc.edu::b61ff11c-ba68-49af-b001-f9f234a6aca3" providerId="AD" clId="Web-{50CE2F89-8185-F02C-6DAE-22231A35577B}" dt="2018-08-19T19:29:25.942" v="977"/>
-          <ac:picMkLst>
-            <pc:docMk/>
-            <pc:sldMk cId="4154156185" sldId="302"/>
-            <ac:picMk id="4" creationId="{5D34D5E0-EAE7-4347-B0F5-A0D12471DFE8}"/>
-          </ac:picMkLst>
-        </pc:picChg>
-        <pc:picChg chg="add mod">
-          <ac:chgData name="Benjamin Payne" userId="S::benpayne@umbc.edu::b61ff11c-ba68-49af-b001-f9f234a6aca3" providerId="AD" clId="Web-{50CE2F89-8185-F02C-6DAE-22231A35577B}" dt="2018-08-19T19:30:06.036" v="988" actId="1076"/>
-          <ac:picMkLst>
-            <pc:docMk/>
-            <pc:sldMk cId="4154156185" sldId="302"/>
-            <ac:picMk id="5" creationId="{78B01F4D-9AC5-4CAC-942B-F1F0398C52A6}"/>
-          </ac:picMkLst>
-        </pc:picChg>
-      </pc:sldChg>
-      <pc:sldChg chg="addSp delSp modSp add replId modNotes">
-        <pc:chgData name="Benjamin Payne" userId="S::benpayne@umbc.edu::b61ff11c-ba68-49af-b001-f9f234a6aca3" providerId="AD" clId="Web-{50CE2F89-8185-F02C-6DAE-22231A35577B}" dt="2018-08-19T19:53:32.720" v="1870" actId="20577"/>
-        <pc:sldMkLst>
-          <pc:docMk/>
-          <pc:sldMk cId="207448203" sldId="303"/>
-        </pc:sldMkLst>
-        <pc:spChg chg="mod">
-          <ac:chgData name="Benjamin Payne" userId="S::benpayne@umbc.edu::b61ff11c-ba68-49af-b001-f9f234a6aca3" providerId="AD" clId="Web-{50CE2F89-8185-F02C-6DAE-22231A35577B}" dt="2018-08-19T19:53:32.720" v="1870" actId="20577"/>
-          <ac:spMkLst>
-            <pc:docMk/>
-            <pc:sldMk cId="207448203" sldId="303"/>
-            <ac:spMk id="2" creationId="{973A886B-4325-49AF-864B-0859624C6FB8}"/>
-          </ac:spMkLst>
-        </pc:spChg>
-        <pc:spChg chg="del">
-          <ac:chgData name="Benjamin Payne" userId="S::benpayne@umbc.edu::b61ff11c-ba68-49af-b001-f9f234a6aca3" providerId="AD" clId="Web-{50CE2F89-8185-F02C-6DAE-22231A35577B}" dt="2018-08-19T19:30:26.958" v="991"/>
-          <ac:spMkLst>
-            <pc:docMk/>
-            <pc:sldMk cId="207448203" sldId="303"/>
-            <ac:spMk id="3" creationId="{360B039B-3C66-4B32-BA30-F9E5A98FA644}"/>
-          </ac:spMkLst>
-        </pc:spChg>
-        <pc:spChg chg="add mod">
-          <ac:chgData name="Benjamin Payne" userId="S::benpayne@umbc.edu::b61ff11c-ba68-49af-b001-f9f234a6aca3" providerId="AD" clId="Web-{50CE2F89-8185-F02C-6DAE-22231A35577B}" dt="2018-08-19T19:52:40.564" v="1848" actId="1076"/>
-          <ac:spMkLst>
-            <pc:docMk/>
-            <pc:sldMk cId="207448203" sldId="303"/>
-            <ac:spMk id="4" creationId="{869B8A9B-3E78-402C-8067-00D6ED9D3F79}"/>
-          </ac:spMkLst>
-        </pc:spChg>
-        <pc:picChg chg="del">
-          <ac:chgData name="Benjamin Payne" userId="S::benpayne@umbc.edu::b61ff11c-ba68-49af-b001-f9f234a6aca3" providerId="AD" clId="Web-{50CE2F89-8185-F02C-6DAE-22231A35577B}" dt="2018-08-19T19:30:21.067" v="990"/>
-          <ac:picMkLst>
-            <pc:docMk/>
-            <pc:sldMk cId="207448203" sldId="303"/>
-            <ac:picMk id="5" creationId="{78B01F4D-9AC5-4CAC-942B-F1F0398C52A6}"/>
-          </ac:picMkLst>
-        </pc:picChg>
-        <pc:picChg chg="add mod ord">
-          <ac:chgData name="Benjamin Payne" userId="S::benpayne@umbc.edu::b61ff11c-ba68-49af-b001-f9f234a6aca3" providerId="AD" clId="Web-{50CE2F89-8185-F02C-6DAE-22231A35577B}" dt="2018-08-19T19:53:00.970" v="1849" actId="1076"/>
-          <ac:picMkLst>
-            <pc:docMk/>
-            <pc:sldMk cId="207448203" sldId="303"/>
-            <ac:picMk id="6" creationId="{8802BBCA-F900-45D0-A134-E24B4140ADF3}"/>
-          </ac:picMkLst>
-        </pc:picChg>
-      </pc:sldChg>
-      <pc:sldChg chg="modSp new">
-        <pc:chgData name="Benjamin Payne" userId="S::benpayne@umbc.edu::b61ff11c-ba68-49af-b001-f9f234a6aca3" providerId="AD" clId="Web-{50CE2F89-8185-F02C-6DAE-22231A35577B}" dt="2018-08-19T19:41:53.112" v="1482" actId="20577"/>
-        <pc:sldMkLst>
-          <pc:docMk/>
-          <pc:sldMk cId="2555946005" sldId="304"/>
-        </pc:sldMkLst>
-        <pc:spChg chg="mod">
-          <ac:chgData name="Benjamin Payne" userId="S::benpayne@umbc.edu::b61ff11c-ba68-49af-b001-f9f234a6aca3" providerId="AD" clId="Web-{50CE2F89-8185-F02C-6DAE-22231A35577B}" dt="2018-08-19T19:38:11.816" v="1287" actId="20577"/>
-          <ac:spMkLst>
-            <pc:docMk/>
-            <pc:sldMk cId="2555946005" sldId="304"/>
-            <ac:spMk id="2" creationId="{94A0D337-3E60-46ED-8F06-5E821AB568CC}"/>
-          </ac:spMkLst>
-        </pc:spChg>
-        <pc:spChg chg="mod">
-          <ac:chgData name="Benjamin Payne" userId="S::benpayne@umbc.edu::b61ff11c-ba68-49af-b001-f9f234a6aca3" providerId="AD" clId="Web-{50CE2F89-8185-F02C-6DAE-22231A35577B}" dt="2018-08-19T19:41:53.112" v="1482" actId="20577"/>
-          <ac:spMkLst>
-            <pc:docMk/>
-            <pc:sldMk cId="2555946005" sldId="304"/>
-            <ac:spMk id="3" creationId="{A460C7D6-704E-4393-9171-20DABF7B9317}"/>
-          </ac:spMkLst>
-        </pc:spChg>
-      </pc:sldChg>
-      <pc:sldChg chg="addSp delSp modSp new ord modNotes">
-        <pc:chgData name="Benjamin Payne" userId="S::benpayne@umbc.edu::b61ff11c-ba68-49af-b001-f9f234a6aca3" providerId="AD" clId="Web-{50CE2F89-8185-F02C-6DAE-22231A35577B}" dt="2018-08-19T20:00:47.391" v="1956"/>
-        <pc:sldMkLst>
-          <pc:docMk/>
-          <pc:sldMk cId="1139464394" sldId="305"/>
-        </pc:sldMkLst>
-        <pc:spChg chg="mod">
-          <ac:chgData name="Benjamin Payne" userId="S::benpayne@umbc.edu::b61ff11c-ba68-49af-b001-f9f234a6aca3" providerId="AD" clId="Web-{50CE2F89-8185-F02C-6DAE-22231A35577B}" dt="2018-08-19T19:44:51.158" v="1583" actId="20577"/>
-          <ac:spMkLst>
-            <pc:docMk/>
-            <pc:sldMk cId="1139464394" sldId="305"/>
-            <ac:spMk id="2" creationId="{1BF937AF-F39E-4FF5-BB7D-635CD5CED932}"/>
-          </ac:spMkLst>
-        </pc:spChg>
-        <pc:spChg chg="del mod">
-          <ac:chgData name="Benjamin Payne" userId="S::benpayne@umbc.edu::b61ff11c-ba68-49af-b001-f9f234a6aca3" providerId="AD" clId="Web-{50CE2F89-8185-F02C-6DAE-22231A35577B}" dt="2018-08-19T20:00:40.563" v="1955"/>
-          <ac:spMkLst>
-            <pc:docMk/>
-            <pc:sldMk cId="1139464394" sldId="305"/>
-            <ac:spMk id="3" creationId="{C6C287D6-B788-4E1B-899D-03C7F11FFA83}"/>
-          </ac:spMkLst>
-        </pc:spChg>
-        <pc:spChg chg="add mod">
-          <ac:chgData name="Benjamin Payne" userId="S::benpayne@umbc.edu::b61ff11c-ba68-49af-b001-f9f234a6aca3" providerId="AD" clId="Web-{50CE2F89-8185-F02C-6DAE-22231A35577B}" dt="2018-08-19T20:00:31.157" v="1952" actId="1076"/>
-          <ac:spMkLst>
-            <pc:docMk/>
-            <pc:sldMk cId="1139464394" sldId="305"/>
-            <ac:spMk id="6" creationId="{3D474C7D-15CD-4544-866A-4E4EA119601A}"/>
-          </ac:spMkLst>
-        </pc:spChg>
-        <pc:spChg chg="add del mod">
-          <ac:chgData name="Benjamin Payne" userId="S::benpayne@umbc.edu::b61ff11c-ba68-49af-b001-f9f234a6aca3" providerId="AD" clId="Web-{50CE2F89-8185-F02C-6DAE-22231A35577B}" dt="2018-08-19T20:00:47.391" v="1956"/>
-          <ac:spMkLst>
-            <pc:docMk/>
-            <pc:sldMk cId="1139464394" sldId="305"/>
-            <ac:spMk id="8" creationId="{509284D3-E41D-41ED-B5E3-C474FA5B111A}"/>
-          </ac:spMkLst>
-        </pc:spChg>
-        <pc:picChg chg="add del mod">
-          <ac:chgData name="Benjamin Payne" userId="S::benpayne@umbc.edu::b61ff11c-ba68-49af-b001-f9f234a6aca3" providerId="AD" clId="Web-{50CE2F89-8185-F02C-6DAE-22231A35577B}" dt="2018-08-19T20:00:37.423" v="1954"/>
-          <ac:picMkLst>
-            <pc:docMk/>
-            <pc:sldMk cId="1139464394" sldId="305"/>
-            <ac:picMk id="4" creationId="{48EC86AE-B716-4C6C-BBFD-F45AE1FD8C30}"/>
-          </ac:picMkLst>
-        </pc:picChg>
-      </pc:sldChg>
-      <pc:sldChg chg="modSp new">
-        <pc:chgData name="Benjamin Payne" userId="S::benpayne@umbc.edu::b61ff11c-ba68-49af-b001-f9f234a6aca3" providerId="AD" clId="Web-{50CE2F89-8185-F02C-6DAE-22231A35577B}" dt="2018-08-19T19:48:21.862" v="1761" actId="20577"/>
-        <pc:sldMkLst>
-          <pc:docMk/>
-          <pc:sldMk cId="2921916629" sldId="306"/>
-        </pc:sldMkLst>
-        <pc:spChg chg="mod">
-          <ac:chgData name="Benjamin Payne" userId="S::benpayne@umbc.edu::b61ff11c-ba68-49af-b001-f9f234a6aca3" providerId="AD" clId="Web-{50CE2F89-8185-F02C-6DAE-22231A35577B}" dt="2018-08-19T19:46:34.488" v="1642" actId="20577"/>
-          <ac:spMkLst>
-            <pc:docMk/>
-            <pc:sldMk cId="2921916629" sldId="306"/>
-            <ac:spMk id="2" creationId="{8E4DD005-B118-47B0-96A5-A9FDEC134E05}"/>
-          </ac:spMkLst>
-        </pc:spChg>
-        <pc:spChg chg="mod">
-          <ac:chgData name="Benjamin Payne" userId="S::benpayne@umbc.edu::b61ff11c-ba68-49af-b001-f9f234a6aca3" providerId="AD" clId="Web-{50CE2F89-8185-F02C-6DAE-22231A35577B}" dt="2018-08-19T19:48:21.862" v="1761" actId="20577"/>
-          <ac:spMkLst>
-            <pc:docMk/>
-            <pc:sldMk cId="2921916629" sldId="306"/>
-            <ac:spMk id="3" creationId="{577F0F53-6E4F-4046-8FAA-9F02244736FF}"/>
-          </ac:spMkLst>
-        </pc:spChg>
-      </pc:sldChg>
-      <pc:sldChg chg="modSp add replId">
-        <pc:chgData name="Benjamin Payne" userId="S::benpayne@umbc.edu::b61ff11c-ba68-49af-b001-f9f234a6aca3" providerId="AD" clId="Web-{50CE2F89-8185-F02C-6DAE-22231A35577B}" dt="2018-08-19T19:49:06.737" v="1818" actId="20577"/>
-        <pc:sldMkLst>
-          <pc:docMk/>
-          <pc:sldMk cId="2687368092" sldId="307"/>
-        </pc:sldMkLst>
-        <pc:spChg chg="mod">
-          <ac:chgData name="Benjamin Payne" userId="S::benpayne@umbc.edu::b61ff11c-ba68-49af-b001-f9f234a6aca3" providerId="AD" clId="Web-{50CE2F89-8185-F02C-6DAE-22231A35577B}" dt="2018-08-19T19:49:06.737" v="1818" actId="20577"/>
-          <ac:spMkLst>
-            <pc:docMk/>
-            <pc:sldMk cId="2687368092" sldId="307"/>
-            <ac:spMk id="3" creationId="{577F0F53-6E4F-4046-8FAA-9F02244736FF}"/>
-          </ac:spMkLst>
-        </pc:spChg>
-      </pc:sldChg>
-      <pc:sldChg chg="add replId">
-        <pc:chgData name="Benjamin Payne" userId="S::benpayne@umbc.edu::b61ff11c-ba68-49af-b001-f9f234a6aca3" providerId="AD" clId="Web-{50CE2F89-8185-F02C-6DAE-22231A35577B}" dt="2018-08-19T20:00:34.360" v="1953"/>
-        <pc:sldMkLst>
-          <pc:docMk/>
-          <pc:sldMk cId="1204432836" sldId="308"/>
-        </pc:sldMkLst>
-      </pc:sldChg>
-      <pc:sldChg chg="modSp new ord">
-        <pc:chgData name="Benjamin Payne" userId="S::benpayne@umbc.edu::b61ff11c-ba68-49af-b001-f9f234a6aca3" providerId="AD" clId="Web-{50CE2F89-8185-F02C-6DAE-22231A35577B}" dt="2018-08-19T20:05:14.469" v="2103" actId="20577"/>
-        <pc:sldMkLst>
-          <pc:docMk/>
-          <pc:sldMk cId="3357745213" sldId="309"/>
-        </pc:sldMkLst>
-        <pc:spChg chg="mod">
-          <ac:chgData name="Benjamin Payne" userId="S::benpayne@umbc.edu::b61ff11c-ba68-49af-b001-f9f234a6aca3" providerId="AD" clId="Web-{50CE2F89-8185-F02C-6DAE-22231A35577B}" dt="2018-08-19T20:05:14.469" v="2103" actId="20577"/>
-          <ac:spMkLst>
-            <pc:docMk/>
-            <pc:sldMk cId="3357745213" sldId="309"/>
-            <ac:spMk id="2" creationId="{66D4B353-7CF7-4279-AA9C-1D8791893034}"/>
-          </ac:spMkLst>
-        </pc:spChg>
-        <pc:spChg chg="mod">
-          <ac:chgData name="Benjamin Payne" userId="S::benpayne@umbc.edu::b61ff11c-ba68-49af-b001-f9f234a6aca3" providerId="AD" clId="Web-{50CE2F89-8185-F02C-6DAE-22231A35577B}" dt="2018-08-19T20:02:38.094" v="2001" actId="20577"/>
-          <ac:spMkLst>
-            <pc:docMk/>
-            <pc:sldMk cId="3357745213" sldId="309"/>
-            <ac:spMk id="3" creationId="{24398D0F-8AE9-43D0-92D8-ECD76F62CD4F}"/>
-          </ac:spMkLst>
-        </pc:spChg>
-      </pc:sldChg>
-      <pc:sldChg chg="modSp new">
-        <pc:chgData name="Benjamin Payne" userId="S::benpayne@umbc.edu::b61ff11c-ba68-49af-b001-f9f234a6aca3" providerId="AD" clId="Web-{50CE2F89-8185-F02C-6DAE-22231A35577B}" dt="2018-08-19T20:05:43.360" v="2116" actId="20577"/>
-        <pc:sldMkLst>
-          <pc:docMk/>
-          <pc:sldMk cId="3454123665" sldId="310"/>
-        </pc:sldMkLst>
-        <pc:spChg chg="mod">
-          <ac:chgData name="Benjamin Payne" userId="S::benpayne@umbc.edu::b61ff11c-ba68-49af-b001-f9f234a6aca3" providerId="AD" clId="Web-{50CE2F89-8185-F02C-6DAE-22231A35577B}" dt="2018-08-19T20:05:43.360" v="2116" actId="20577"/>
-          <ac:spMkLst>
-            <pc:docMk/>
-            <pc:sldMk cId="3454123665" sldId="310"/>
-            <ac:spMk id="2" creationId="{9D8B7086-72FA-48C6-AD47-615AAA6588CC}"/>
-          </ac:spMkLst>
-        </pc:spChg>
-      </pc:sldChg>
-      <pc:sldChg chg="new del">
-        <pc:chgData name="Benjamin Payne" userId="S::benpayne@umbc.edu::b61ff11c-ba68-49af-b001-f9f234a6aca3" providerId="AD" clId="Web-{50CE2F89-8185-F02C-6DAE-22231A35577B}" dt="2018-08-19T20:03:18.610" v="2005"/>
-        <pc:sldMkLst>
-          <pc:docMk/>
-          <pc:sldMk cId="4101014466" sldId="310"/>
-        </pc:sldMkLst>
-      </pc:sldChg>
-    </pc:docChg>
-  </pc:docChgLst>
-  <pc:docChgLst>
-    <pc:chgData name="Benjamin Payne" userId="S::benpayne@umbc.edu::b61ff11c-ba68-49af-b001-f9f234a6aca3" providerId="AD" clId="Web-{78044F43-7154-2C98-DDA6-7A0812BE515A}"/>
-    <pc:docChg chg="addSld modSld">
-      <pc:chgData name="Benjamin Payne" userId="S::benpayne@umbc.edu::b61ff11c-ba68-49af-b001-f9f234a6aca3" providerId="AD" clId="Web-{78044F43-7154-2C98-DDA6-7A0812BE515A}" dt="2018-08-18T17:09:35.377" v="249" actId="14100"/>
-      <pc:docMkLst>
-        <pc:docMk/>
-      </pc:docMkLst>
-      <pc:sldChg chg="modNotes">
-        <pc:chgData name="Benjamin Payne" userId="S::benpayne@umbc.edu::b61ff11c-ba68-49af-b001-f9f234a6aca3" providerId="AD" clId="Web-{78044F43-7154-2C98-DDA6-7A0812BE515A}" dt="2018-08-18T17:05:01.479" v="106"/>
-        <pc:sldMkLst>
-          <pc:docMk/>
-          <pc:sldMk cId="1244777073" sldId="276"/>
-        </pc:sldMkLst>
-      </pc:sldChg>
-      <pc:sldChg chg="addSp modSp modNotes">
-        <pc:chgData name="Benjamin Payne" userId="S::benpayne@umbc.edu::b61ff11c-ba68-49af-b001-f9f234a6aca3" providerId="AD" clId="Web-{78044F43-7154-2C98-DDA6-7A0812BE515A}" dt="2018-08-18T17:09:27.174" v="246" actId="20577"/>
-        <pc:sldMkLst>
-          <pc:docMk/>
-          <pc:sldMk cId="1442927395" sldId="289"/>
-        </pc:sldMkLst>
-        <pc:spChg chg="mod">
-          <ac:chgData name="Benjamin Payne" userId="S::benpayne@umbc.edu::b61ff11c-ba68-49af-b001-f9f234a6aca3" providerId="AD" clId="Web-{78044F43-7154-2C98-DDA6-7A0812BE515A}" dt="2018-08-18T17:06:28.413" v="135" actId="14100"/>
-          <ac:spMkLst>
-            <pc:docMk/>
-            <pc:sldMk cId="1442927395" sldId="289"/>
-            <ac:spMk id="3" creationId="{E1055E2D-A790-4304-A1AC-1698727C2BF2}"/>
-          </ac:spMkLst>
-        </pc:spChg>
-        <pc:spChg chg="add mod">
-          <ac:chgData name="Benjamin Payne" userId="S::benpayne@umbc.edu::b61ff11c-ba68-49af-b001-f9f234a6aca3" providerId="AD" clId="Web-{78044F43-7154-2C98-DDA6-7A0812BE515A}" dt="2018-08-18T17:09:27.174" v="246" actId="20577"/>
-          <ac:spMkLst>
-            <pc:docMk/>
-            <pc:sldMk cId="1442927395" sldId="289"/>
-            <ac:spMk id="4" creationId="{6F8BC1B4-05F2-43A3-9E9A-DCBD804A45FE}"/>
-          </ac:spMkLst>
-        </pc:spChg>
-      </pc:sldChg>
-      <pc:sldChg chg="modSp">
-        <pc:chgData name="Benjamin Payne" userId="S::benpayne@umbc.edu::b61ff11c-ba68-49af-b001-f9f234a6aca3" providerId="AD" clId="Web-{78044F43-7154-2C98-DDA6-7A0812BE515A}" dt="2018-08-18T17:09:35.377" v="249" actId="14100"/>
-        <pc:sldMkLst>
-          <pc:docMk/>
-          <pc:sldMk cId="3579465122" sldId="290"/>
-        </pc:sldMkLst>
-        <pc:spChg chg="mod">
-          <ac:chgData name="Benjamin Payne" userId="S::benpayne@umbc.edu::b61ff11c-ba68-49af-b001-f9f234a6aca3" providerId="AD" clId="Web-{78044F43-7154-2C98-DDA6-7A0812BE515A}" dt="2018-08-18T17:09:35.377" v="249" actId="14100"/>
-          <ac:spMkLst>
-            <pc:docMk/>
-            <pc:sldMk cId="3579465122" sldId="290"/>
-            <ac:spMk id="3" creationId="{E1055E2D-A790-4304-A1AC-1698727C2BF2}"/>
-          </ac:spMkLst>
-        </pc:spChg>
-      </pc:sldChg>
-      <pc:sldChg chg="addSp modSp add replId">
-        <pc:chgData name="Benjamin Payne" userId="S::benpayne@umbc.edu::b61ff11c-ba68-49af-b001-f9f234a6aca3" providerId="AD" clId="Web-{78044F43-7154-2C98-DDA6-7A0812BE515A}" dt="2018-08-18T17:04:08.634" v="101" actId="1076"/>
-        <pc:sldMkLst>
-          <pc:docMk/>
-          <pc:sldMk cId="506731024" sldId="292"/>
-        </pc:sldMkLst>
-        <pc:spChg chg="mod">
-          <ac:chgData name="Benjamin Payne" userId="S::benpayne@umbc.edu::b61ff11c-ba68-49af-b001-f9f234a6aca3" providerId="AD" clId="Web-{78044F43-7154-2C98-DDA6-7A0812BE515A}" dt="2018-08-18T17:02:21.552" v="22" actId="14100"/>
-          <ac:spMkLst>
-            <pc:docMk/>
-            <pc:sldMk cId="506731024" sldId="292"/>
-            <ac:spMk id="3" creationId="{00BE4C77-0A73-49B2-81D1-823AF169CCC4}"/>
-          </ac:spMkLst>
-        </pc:spChg>
-        <pc:spChg chg="add mod">
-          <ac:chgData name="Benjamin Payne" userId="S::benpayne@umbc.edu::b61ff11c-ba68-49af-b001-f9f234a6aca3" providerId="AD" clId="Web-{78044F43-7154-2C98-DDA6-7A0812BE515A}" dt="2018-08-18T17:02:39.256" v="24"/>
-          <ac:spMkLst>
-            <pc:docMk/>
-            <pc:sldMk cId="506731024" sldId="292"/>
-            <ac:spMk id="4" creationId="{A4B7E66A-2E9D-487E-BFA8-F7E8DB1B1709}"/>
-          </ac:spMkLst>
-        </pc:spChg>
-        <pc:spChg chg="add mod">
-          <ac:chgData name="Benjamin Payne" userId="S::benpayne@umbc.edu::b61ff11c-ba68-49af-b001-f9f234a6aca3" providerId="AD" clId="Web-{78044F43-7154-2C98-DDA6-7A0812BE515A}" dt="2018-08-18T17:04:08.634" v="101" actId="1076"/>
-          <ac:spMkLst>
-            <pc:docMk/>
-            <pc:sldMk cId="506731024" sldId="292"/>
-            <ac:spMk id="5" creationId="{F2761F8E-36E4-4150-BE56-9CAD97BBA157}"/>
-          </ac:spMkLst>
-        </pc:spChg>
-      </pc:sldChg>
-    </pc:docChg>
-  </pc:docChgLst>
-  <pc:docChgLst>
-    <pc:chgData name="Benjamin Payne" userId="S::benpayne@umbc.edu::b61ff11c-ba68-49af-b001-f9f234a6aca3" providerId="AD" clId="Web-{44432D6F-B305-3402-6DB5-87735D9770E2}"/>
-    <pc:docChg chg="addSld delSld modSld sldOrd">
-      <pc:chgData name="Benjamin Payne" userId="S::benpayne@umbc.edu::b61ff11c-ba68-49af-b001-f9f234a6aca3" providerId="AD" clId="Web-{44432D6F-B305-3402-6DB5-87735D9770E2}" dt="2018-09-04T02:05:36.161" v="519" actId="20577"/>
-      <pc:docMkLst>
-        <pc:docMk/>
-      </pc:docMkLst>
-      <pc:sldChg chg="addSp delSp modSp del">
-        <pc:chgData name="Benjamin Payne" userId="S::benpayne@umbc.edu::b61ff11c-ba68-49af-b001-f9f234a6aca3" providerId="AD" clId="Web-{44432D6F-B305-3402-6DB5-87735D9770E2}" dt="2018-09-04T02:00:40.473" v="451"/>
-        <pc:sldMkLst>
-          <pc:docMk/>
-          <pc:sldMk cId="1147460063" sldId="260"/>
-        </pc:sldMkLst>
-        <pc:spChg chg="del">
-          <ac:chgData name="Benjamin Payne" userId="S::benpayne@umbc.edu::b61ff11c-ba68-49af-b001-f9f234a6aca3" providerId="AD" clId="Web-{44432D6F-B305-3402-6DB5-87735D9770E2}" dt="2018-09-04T02:00:29.942" v="450"/>
-          <ac:spMkLst>
-            <pc:docMk/>
-            <pc:sldMk cId="1147460063" sldId="260"/>
-            <ac:spMk id="2" creationId="{A4FE7D55-8B56-4BE4-8350-9C0CF211258D}"/>
-          </ac:spMkLst>
-        </pc:spChg>
-        <pc:spChg chg="del">
-          <ac:chgData name="Benjamin Payne" userId="S::benpayne@umbc.edu::b61ff11c-ba68-49af-b001-f9f234a6aca3" providerId="AD" clId="Web-{44432D6F-B305-3402-6DB5-87735D9770E2}" dt="2018-09-04T02:00:29.942" v="449"/>
-          <ac:spMkLst>
-            <pc:docMk/>
-            <pc:sldMk cId="1147460063" sldId="260"/>
-            <ac:spMk id="3" creationId="{92A49F72-7645-4E9E-86D3-6DEE1ACF4D86}"/>
-          </ac:spMkLst>
-        </pc:spChg>
-        <pc:spChg chg="add mod">
-          <ac:chgData name="Benjamin Payne" userId="S::benpayne@umbc.edu::b61ff11c-ba68-49af-b001-f9f234a6aca3" providerId="AD" clId="Web-{44432D6F-B305-3402-6DB5-87735D9770E2}" dt="2018-09-04T02:00:29.942" v="449"/>
-          <ac:spMkLst>
-            <pc:docMk/>
-            <pc:sldMk cId="1147460063" sldId="260"/>
-            <ac:spMk id="5" creationId="{15E0B08D-B519-4801-8FC7-3B07A941E829}"/>
-          </ac:spMkLst>
-        </pc:spChg>
-        <pc:spChg chg="add mod">
-          <ac:chgData name="Benjamin Payne" userId="S::benpayne@umbc.edu::b61ff11c-ba68-49af-b001-f9f234a6aca3" providerId="AD" clId="Web-{44432D6F-B305-3402-6DB5-87735D9770E2}" dt="2018-09-04T02:00:29.942" v="450"/>
-          <ac:spMkLst>
-            <pc:docMk/>
-            <pc:sldMk cId="1147460063" sldId="260"/>
-            <ac:spMk id="7" creationId="{1F25D63D-1176-4AFD-8F4E-C30FED43795F}"/>
-          </ac:spMkLst>
-        </pc:spChg>
-      </pc:sldChg>
-      <pc:sldChg chg="modSp">
-        <pc:chgData name="Benjamin Payne" userId="S::benpayne@umbc.edu::b61ff11c-ba68-49af-b001-f9f234a6aca3" providerId="AD" clId="Web-{44432D6F-B305-3402-6DB5-87735D9770E2}" dt="2018-09-04T01:55:46.973" v="444" actId="20577"/>
-        <pc:sldMkLst>
-          <pc:docMk/>
-          <pc:sldMk cId="2631658036" sldId="266"/>
-        </pc:sldMkLst>
-        <pc:spChg chg="mod">
-          <ac:chgData name="Benjamin Payne" userId="S::benpayne@umbc.edu::b61ff11c-ba68-49af-b001-f9f234a6aca3" providerId="AD" clId="Web-{44432D6F-B305-3402-6DB5-87735D9770E2}" dt="2018-09-04T01:55:46.973" v="444" actId="20577"/>
-          <ac:spMkLst>
-            <pc:docMk/>
-            <pc:sldMk cId="2631658036" sldId="266"/>
-            <ac:spMk id="3" creationId="{60B7C8A4-2196-4CA2-A0E8-0C858763468D}"/>
-          </ac:spMkLst>
-        </pc:spChg>
-      </pc:sldChg>
-      <pc:sldChg chg="ord">
-        <pc:chgData name="Benjamin Payne" userId="S::benpayne@umbc.edu::b61ff11c-ba68-49af-b001-f9f234a6aca3" providerId="AD" clId="Web-{44432D6F-B305-3402-6DB5-87735D9770E2}" dt="2018-09-04T02:00:56.942" v="460"/>
-        <pc:sldMkLst>
-          <pc:docMk/>
-          <pc:sldMk cId="3773127384" sldId="269"/>
-        </pc:sldMkLst>
-      </pc:sldChg>
-      <pc:sldChg chg="modSp">
-        <pc:chgData name="Benjamin Payne" userId="S::benpayne@umbc.edu::b61ff11c-ba68-49af-b001-f9f234a6aca3" providerId="AD" clId="Web-{44432D6F-B305-3402-6DB5-87735D9770E2}" dt="2018-09-04T01:33:27.749" v="178" actId="20577"/>
-        <pc:sldMkLst>
-          <pc:docMk/>
-          <pc:sldMk cId="3440817313" sldId="270"/>
-        </pc:sldMkLst>
-        <pc:spChg chg="mod">
-          <ac:chgData name="Benjamin Payne" userId="S::benpayne@umbc.edu::b61ff11c-ba68-49af-b001-f9f234a6aca3" providerId="AD" clId="Web-{44432D6F-B305-3402-6DB5-87735D9770E2}" dt="2018-09-04T01:33:27.749" v="178" actId="20577"/>
-          <ac:spMkLst>
-            <pc:docMk/>
-            <pc:sldMk cId="3440817313" sldId="270"/>
-            <ac:spMk id="3" creationId="{C705F30F-1520-4B73-A4FC-203C50266736}"/>
-          </ac:spMkLst>
-        </pc:spChg>
-      </pc:sldChg>
-      <pc:sldChg chg="modSp">
-        <pc:chgData name="Benjamin Payne" userId="S::benpayne@umbc.edu::b61ff11c-ba68-49af-b001-f9f234a6aca3" providerId="AD" clId="Web-{44432D6F-B305-3402-6DB5-87735D9770E2}" dt="2018-09-04T01:27:10.091" v="74" actId="14100"/>
-        <pc:sldMkLst>
-          <pc:docMk/>
-          <pc:sldMk cId="1567369141" sldId="284"/>
-        </pc:sldMkLst>
-        <pc:spChg chg="mod">
-          <ac:chgData name="Benjamin Payne" userId="S::benpayne@umbc.edu::b61ff11c-ba68-49af-b001-f9f234a6aca3" providerId="AD" clId="Web-{44432D6F-B305-3402-6DB5-87735D9770E2}" dt="2018-09-04T01:27:10.091" v="74" actId="14100"/>
-          <ac:spMkLst>
-            <pc:docMk/>
-            <pc:sldMk cId="1567369141" sldId="284"/>
-            <ac:spMk id="9" creationId="{3739F8B4-27B2-421C-91DB-2485326B395B}"/>
-          </ac:spMkLst>
-        </pc:spChg>
-      </pc:sldChg>
-      <pc:sldChg chg="addSp delSp modSp del">
-        <pc:chgData name="Benjamin Payne" userId="S::benpayne@umbc.edu::b61ff11c-ba68-49af-b001-f9f234a6aca3" providerId="AD" clId="Web-{44432D6F-B305-3402-6DB5-87735D9770E2}" dt="2018-09-04T02:00:08.004" v="448"/>
-        <pc:sldMkLst>
-          <pc:docMk/>
-          <pc:sldMk cId="4159161737" sldId="287"/>
-        </pc:sldMkLst>
-        <pc:spChg chg="del">
-          <ac:chgData name="Benjamin Payne" userId="S::benpayne@umbc.edu::b61ff11c-ba68-49af-b001-f9f234a6aca3" providerId="AD" clId="Web-{44432D6F-B305-3402-6DB5-87735D9770E2}" dt="2018-09-04T02:00:02.114" v="447"/>
-          <ac:spMkLst>
-            <pc:docMk/>
-            <pc:sldMk cId="4159161737" sldId="287"/>
-            <ac:spMk id="2" creationId="{DC70B988-6FFB-4F44-982A-FF48B29A5965}"/>
-          </ac:spMkLst>
-        </pc:spChg>
-        <pc:spChg chg="del">
-          <ac:chgData name="Benjamin Payne" userId="S::benpayne@umbc.edu::b61ff11c-ba68-49af-b001-f9f234a6aca3" providerId="AD" clId="Web-{44432D6F-B305-3402-6DB5-87735D9770E2}" dt="2018-09-04T02:00:02.098" v="446"/>
-          <ac:spMkLst>
-            <pc:docMk/>
-            <pc:sldMk cId="4159161737" sldId="287"/>
-            <ac:spMk id="3" creationId="{289C6687-6AC4-44B3-96CC-2F5EBE5C2D17}"/>
-          </ac:spMkLst>
-        </pc:spChg>
-        <pc:spChg chg="add mod">
-          <ac:chgData name="Benjamin Payne" userId="S::benpayne@umbc.edu::b61ff11c-ba68-49af-b001-f9f234a6aca3" providerId="AD" clId="Web-{44432D6F-B305-3402-6DB5-87735D9770E2}" dt="2018-09-04T02:00:02.098" v="446"/>
-          <ac:spMkLst>
-            <pc:docMk/>
-            <pc:sldMk cId="4159161737" sldId="287"/>
-            <ac:spMk id="5" creationId="{9399D1D3-B099-4102-90AF-859C8BFB586A}"/>
-          </ac:spMkLst>
-        </pc:spChg>
-        <pc:spChg chg="add mod">
-          <ac:chgData name="Benjamin Payne" userId="S::benpayne@umbc.edu::b61ff11c-ba68-49af-b001-f9f234a6aca3" providerId="AD" clId="Web-{44432D6F-B305-3402-6DB5-87735D9770E2}" dt="2018-09-04T02:00:02.114" v="447"/>
-          <ac:spMkLst>
-            <pc:docMk/>
-            <pc:sldMk cId="4159161737" sldId="287"/>
-            <ac:spMk id="7" creationId="{7D3A0A63-D839-4C3E-BD0B-60826342D03F}"/>
-          </ac:spMkLst>
-        </pc:spChg>
-      </pc:sldChg>
-      <pc:sldChg chg="modSp modNotes">
-        <pc:chgData name="Benjamin Payne" userId="S::benpayne@umbc.edu::b61ff11c-ba68-49af-b001-f9f234a6aca3" providerId="AD" clId="Web-{44432D6F-B305-3402-6DB5-87735D9770E2}" dt="2018-09-04T01:42:16.454" v="299" actId="20577"/>
-        <pc:sldMkLst>
-          <pc:docMk/>
-          <pc:sldMk cId="2160123173" sldId="288"/>
-        </pc:sldMkLst>
-        <pc:spChg chg="mod">
-          <ac:chgData name="Benjamin Payne" userId="S::benpayne@umbc.edu::b61ff11c-ba68-49af-b001-f9f234a6aca3" providerId="AD" clId="Web-{44432D6F-B305-3402-6DB5-87735D9770E2}" dt="2018-09-04T01:42:16.454" v="299" actId="20577"/>
-          <ac:spMkLst>
-            <pc:docMk/>
-            <pc:sldMk cId="2160123173" sldId="288"/>
-            <ac:spMk id="3" creationId="{D87AFD70-9BF9-44EA-A092-D2DF2BDD11FA}"/>
-          </ac:spMkLst>
-        </pc:spChg>
-      </pc:sldChg>
-      <pc:sldChg chg="modSp">
-        <pc:chgData name="Benjamin Payne" userId="S::benpayne@umbc.edu::b61ff11c-ba68-49af-b001-f9f234a6aca3" providerId="AD" clId="Web-{44432D6F-B305-3402-6DB5-87735D9770E2}" dt="2018-09-04T01:47:03.001" v="396" actId="20577"/>
-        <pc:sldMkLst>
-          <pc:docMk/>
-          <pc:sldMk cId="2800023263" sldId="295"/>
-        </pc:sldMkLst>
-        <pc:spChg chg="mod">
-          <ac:chgData name="Benjamin Payne" userId="S::benpayne@umbc.edu::b61ff11c-ba68-49af-b001-f9f234a6aca3" providerId="AD" clId="Web-{44432D6F-B305-3402-6DB5-87735D9770E2}" dt="2018-09-04T01:47:03.001" v="396" actId="20577"/>
-          <ac:spMkLst>
-            <pc:docMk/>
-            <pc:sldMk cId="2800023263" sldId="295"/>
-            <ac:spMk id="2" creationId="{D61A40F4-9BEB-427F-A049-C371F4865286}"/>
-          </ac:spMkLst>
-        </pc:spChg>
-      </pc:sldChg>
-      <pc:sldChg chg="modSp">
-        <pc:chgData name="Benjamin Payne" userId="S::benpayne@umbc.edu::b61ff11c-ba68-49af-b001-f9f234a6aca3" providerId="AD" clId="Web-{44432D6F-B305-3402-6DB5-87735D9770E2}" dt="2018-09-04T01:47:28.314" v="407" actId="20577"/>
-        <pc:sldMkLst>
-          <pc:docMk/>
-          <pc:sldMk cId="2081110502" sldId="297"/>
-        </pc:sldMkLst>
-        <pc:spChg chg="mod">
-          <ac:chgData name="Benjamin Payne" userId="S::benpayne@umbc.edu::b61ff11c-ba68-49af-b001-f9f234a6aca3" providerId="AD" clId="Web-{44432D6F-B305-3402-6DB5-87735D9770E2}" dt="2018-09-04T01:47:28.314" v="407" actId="20577"/>
-          <ac:spMkLst>
-            <pc:docMk/>
-            <pc:sldMk cId="2081110502" sldId="297"/>
-            <ac:spMk id="2" creationId="{E98EFE97-962C-4A91-A6E9-E6FDA90E2D53}"/>
-          </ac:spMkLst>
-        </pc:spChg>
-      </pc:sldChg>
-      <pc:sldChg chg="ord">
-        <pc:chgData name="Benjamin Payne" userId="S::benpayne@umbc.edu::b61ff11c-ba68-49af-b001-f9f234a6aca3" providerId="AD" clId="Web-{44432D6F-B305-3402-6DB5-87735D9770E2}" dt="2018-09-04T02:00:56.942" v="461"/>
-        <pc:sldMkLst>
-          <pc:docMk/>
-          <pc:sldMk cId="2682358222" sldId="308"/>
-        </pc:sldMkLst>
-      </pc:sldChg>
-      <pc:sldChg chg="modSp ord">
-        <pc:chgData name="Benjamin Payne" userId="S::benpayne@umbc.edu::b61ff11c-ba68-49af-b001-f9f234a6aca3" providerId="AD" clId="Web-{44432D6F-B305-3402-6DB5-87735D9770E2}" dt="2018-09-04T01:55:01.519" v="420" actId="20577"/>
-        <pc:sldMkLst>
-          <pc:docMk/>
-          <pc:sldMk cId="4019344921" sldId="312"/>
-        </pc:sldMkLst>
-        <pc:spChg chg="mod">
-          <ac:chgData name="Benjamin Payne" userId="S::benpayne@umbc.edu::b61ff11c-ba68-49af-b001-f9f234a6aca3" providerId="AD" clId="Web-{44432D6F-B305-3402-6DB5-87735D9770E2}" dt="2018-09-04T01:43:45.188" v="352" actId="20577"/>
-          <ac:spMkLst>
-            <pc:docMk/>
-            <pc:sldMk cId="4019344921" sldId="312"/>
-            <ac:spMk id="2" creationId="{5F1F56F1-2B49-4A8D-8631-BC2CB0323096}"/>
-          </ac:spMkLst>
-        </pc:spChg>
-        <pc:spChg chg="mod">
-          <ac:chgData name="Benjamin Payne" userId="S::benpayne@umbc.edu::b61ff11c-ba68-49af-b001-f9f234a6aca3" providerId="AD" clId="Web-{44432D6F-B305-3402-6DB5-87735D9770E2}" dt="2018-09-04T01:55:01.519" v="420" actId="20577"/>
-          <ac:spMkLst>
-            <pc:docMk/>
-            <pc:sldMk cId="4019344921" sldId="312"/>
-            <ac:spMk id="3" creationId="{7C872DCE-A3B5-44DB-AF1B-4665F4B312D9}"/>
-          </ac:spMkLst>
-        </pc:spChg>
-      </pc:sldChg>
-      <pc:sldChg chg="modSp">
-        <pc:chgData name="Benjamin Payne" userId="S::benpayne@umbc.edu::b61ff11c-ba68-49af-b001-f9f234a6aca3" providerId="AD" clId="Web-{44432D6F-B305-3402-6DB5-87735D9770E2}" dt="2018-09-04T01:33:03.217" v="152" actId="20577"/>
-        <pc:sldMkLst>
-          <pc:docMk/>
-          <pc:sldMk cId="2541836068" sldId="323"/>
-        </pc:sldMkLst>
-        <pc:spChg chg="mod">
-          <ac:chgData name="Benjamin Payne" userId="S::benpayne@umbc.edu::b61ff11c-ba68-49af-b001-f9f234a6aca3" providerId="AD" clId="Web-{44432D6F-B305-3402-6DB5-87735D9770E2}" dt="2018-09-04T01:33:03.217" v="152" actId="20577"/>
-          <ac:spMkLst>
-            <pc:docMk/>
-            <pc:sldMk cId="2541836068" sldId="323"/>
-            <ac:spMk id="2" creationId="{3E9832BB-0B87-4A12-A6B6-3936A91BA5F8}"/>
-          </ac:spMkLst>
-        </pc:spChg>
-        <pc:spChg chg="mod">
-          <ac:chgData name="Benjamin Payne" userId="S::benpayne@umbc.edu::b61ff11c-ba68-49af-b001-f9f234a6aca3" providerId="AD" clId="Web-{44432D6F-B305-3402-6DB5-87735D9770E2}" dt="2018-09-04T01:32:48.202" v="140" actId="20577"/>
-          <ac:spMkLst>
-            <pc:docMk/>
-            <pc:sldMk cId="2541836068" sldId="323"/>
-            <ac:spMk id="3" creationId="{7521322D-3F2A-42B7-B8DD-7DB8778D4CD3}"/>
-          </ac:spMkLst>
-        </pc:spChg>
-      </pc:sldChg>
-      <pc:sldChg chg="addSp delSp modSp mod modClrScheme chgLayout">
-        <pc:chgData name="Benjamin Payne" userId="S::benpayne@umbc.edu::b61ff11c-ba68-49af-b001-f9f234a6aca3" providerId="AD" clId="Web-{44432D6F-B305-3402-6DB5-87735D9770E2}" dt="2018-09-04T01:26:34.028" v="73" actId="1076"/>
-        <pc:sldMkLst>
-          <pc:docMk/>
-          <pc:sldMk cId="604767135" sldId="324"/>
-        </pc:sldMkLst>
-        <pc:spChg chg="del">
-          <ac:chgData name="Benjamin Payne" userId="S::benpayne@umbc.edu::b61ff11c-ba68-49af-b001-f9f234a6aca3" providerId="AD" clId="Web-{44432D6F-B305-3402-6DB5-87735D9770E2}" dt="2018-09-04T01:22:25.512" v="0"/>
-          <ac:spMkLst>
-            <pc:docMk/>
-            <pc:sldMk cId="604767135" sldId="324"/>
-            <ac:spMk id="2" creationId="{4E4AE9AF-7623-4668-A7D2-7DB2A2EF42D8}"/>
-          </ac:spMkLst>
-        </pc:spChg>
-        <pc:spChg chg="add mod ord">
-          <ac:chgData name="Benjamin Payne" userId="S::benpayne@umbc.edu::b61ff11c-ba68-49af-b001-f9f234a6aca3" providerId="AD" clId="Web-{44432D6F-B305-3402-6DB5-87735D9770E2}" dt="2018-09-04T01:26:34.028" v="73" actId="1076"/>
-          <ac:spMkLst>
-            <pc:docMk/>
-            <pc:sldMk cId="604767135" sldId="324"/>
-            <ac:spMk id="3" creationId="{88D7A8CF-31E2-44B2-A5C1-C3EE0D235434}"/>
-          </ac:spMkLst>
-        </pc:spChg>
-        <pc:picChg chg="mod ord">
-          <ac:chgData name="Benjamin Payne" userId="S::benpayne@umbc.edu::b61ff11c-ba68-49af-b001-f9f234a6aca3" providerId="AD" clId="Web-{44432D6F-B305-3402-6DB5-87735D9770E2}" dt="2018-09-04T01:25:32.902" v="67" actId="1076"/>
-          <ac:picMkLst>
-            <pc:docMk/>
-            <pc:sldMk cId="604767135" sldId="324"/>
-            <ac:picMk id="4" creationId="{CF88454E-069F-402D-A5B0-67C0DC58648C}"/>
-          </ac:picMkLst>
-        </pc:picChg>
-        <pc:picChg chg="add mod">
-          <ac:chgData name="Benjamin Payne" userId="S::benpayne@umbc.edu::b61ff11c-ba68-49af-b001-f9f234a6aca3" providerId="AD" clId="Web-{44432D6F-B305-3402-6DB5-87735D9770E2}" dt="2018-09-04T01:26:28.340" v="72" actId="1076"/>
-          <ac:picMkLst>
-            <pc:docMk/>
-            <pc:sldMk cId="604767135" sldId="324"/>
-            <ac:picMk id="5" creationId="{555DC4CD-58C5-4DC0-B294-A16A09941FFB}"/>
-          </ac:picMkLst>
-        </pc:picChg>
-      </pc:sldChg>
-      <pc:sldChg chg="modSp new mod modShow">
-        <pc:chgData name="Benjamin Payne" userId="S::benpayne@umbc.edu::b61ff11c-ba68-49af-b001-f9f234a6aca3" providerId="AD" clId="Web-{44432D6F-B305-3402-6DB5-87735D9770E2}" dt="2018-09-04T01:23:41.418" v="30"/>
-        <pc:sldMkLst>
-          <pc:docMk/>
-          <pc:sldMk cId="1449582574" sldId="325"/>
-        </pc:sldMkLst>
-        <pc:spChg chg="mod">
-          <ac:chgData name="Benjamin Payne" userId="S::benpayne@umbc.edu::b61ff11c-ba68-49af-b001-f9f234a6aca3" providerId="AD" clId="Web-{44432D6F-B305-3402-6DB5-87735D9770E2}" dt="2018-09-04T01:22:42.856" v="12" actId="20577"/>
-          <ac:spMkLst>
-            <pc:docMk/>
-            <pc:sldMk cId="1449582574" sldId="325"/>
-            <ac:spMk id="2" creationId="{6FE8FC1F-51DD-484A-BA20-C9DB1092C61E}"/>
-          </ac:spMkLst>
-        </pc:spChg>
-        <pc:spChg chg="mod">
-          <ac:chgData name="Benjamin Payne" userId="S::benpayne@umbc.edu::b61ff11c-ba68-49af-b001-f9f234a6aca3" providerId="AD" clId="Web-{44432D6F-B305-3402-6DB5-87735D9770E2}" dt="2018-09-04T01:23:10.669" v="26" actId="20577"/>
-          <ac:spMkLst>
-            <pc:docMk/>
-            <pc:sldMk cId="1449582574" sldId="325"/>
-            <ac:spMk id="3" creationId="{EE550BAC-0FF3-4A7F-9EFD-6C164B6DC7B6}"/>
-          </ac:spMkLst>
-        </pc:spChg>
-      </pc:sldChg>
-      <pc:sldChg chg="modSp new">
-        <pc:chgData name="Benjamin Payne" userId="S::benpayne@umbc.edu::b61ff11c-ba68-49af-b001-f9f234a6aca3" providerId="AD" clId="Web-{44432D6F-B305-3402-6DB5-87735D9770E2}" dt="2018-09-04T02:05:36.161" v="518" actId="20577"/>
-        <pc:sldMkLst>
-          <pc:docMk/>
-          <pc:sldMk cId="1904148995" sldId="326"/>
-        </pc:sldMkLst>
-        <pc:spChg chg="mod">
-          <ac:chgData name="Benjamin Payne" userId="S::benpayne@umbc.edu::b61ff11c-ba68-49af-b001-f9f234a6aca3" providerId="AD" clId="Web-{44432D6F-B305-3402-6DB5-87735D9770E2}" dt="2018-09-04T02:01:51.207" v="467" actId="20577"/>
-          <ac:spMkLst>
-            <pc:docMk/>
-            <pc:sldMk cId="1904148995" sldId="326"/>
-            <ac:spMk id="2" creationId="{642C84C8-910E-4F36-BB48-89B48065A43E}"/>
-          </ac:spMkLst>
-        </pc:spChg>
-        <pc:spChg chg="mod">
-          <ac:chgData name="Benjamin Payne" userId="S::benpayne@umbc.edu::b61ff11c-ba68-49af-b001-f9f234a6aca3" providerId="AD" clId="Web-{44432D6F-B305-3402-6DB5-87735D9770E2}" dt="2018-09-04T02:05:36.161" v="518" actId="20577"/>
-          <ac:spMkLst>
-            <pc:docMk/>
-            <pc:sldMk cId="1904148995" sldId="326"/>
-            <ac:spMk id="3" creationId="{DA9A90EC-FCB7-4E9A-9F2F-4E89CA9EB062}"/>
-          </ac:spMkLst>
-        </pc:spChg>
-      </pc:sldChg>
-      <pc:sldChg chg="modSp new">
-        <pc:chgData name="Benjamin Payne" userId="S::benpayne@umbc.edu::b61ff11c-ba68-49af-b001-f9f234a6aca3" providerId="AD" clId="Web-{44432D6F-B305-3402-6DB5-87735D9770E2}" dt="2018-09-04T02:02:34.832" v="481" actId="20577"/>
-        <pc:sldMkLst>
-          <pc:docMk/>
-          <pc:sldMk cId="2503026341" sldId="327"/>
-        </pc:sldMkLst>
-        <pc:spChg chg="mod">
-          <ac:chgData name="Benjamin Payne" userId="S::benpayne@umbc.edu::b61ff11c-ba68-49af-b001-f9f234a6aca3" providerId="AD" clId="Web-{44432D6F-B305-3402-6DB5-87735D9770E2}" dt="2018-09-04T02:02:34.832" v="481" actId="20577"/>
-          <ac:spMkLst>
-            <pc:docMk/>
-            <pc:sldMk cId="2503026341" sldId="327"/>
-            <ac:spMk id="2" creationId="{447B577F-B03D-4ED0-878B-9DE9BF88F041}"/>
-          </ac:spMkLst>
-        </pc:spChg>
-      </pc:sldChg>
-    </pc:docChg>
-  </pc:docChgLst>
-</pc:chgInfo>
 </file>
 
 <file path=ppt/notesMasters/notesMaster1.xml><?xml version="1.0" encoding="utf-8"?>
